--- a/data_visualization/project.pptx
+++ b/data_visualization/project.pptx
@@ -10,6 +10,11 @@
     <p:sldId id="258" r:id="rId4"/>
     <p:sldId id="259" r:id="rId5"/>
     <p:sldId id="260" r:id="rId6"/>
+    <p:sldId id="261" r:id="rId7"/>
+    <p:sldId id="262" r:id="rId8"/>
+    <p:sldId id="263" r:id="rId9"/>
+    <p:sldId id="264" r:id="rId10"/>
+    <p:sldId id="265" r:id="rId11"/>
   </p:sldIdLst>
   <p:sldSz cx="12192000" cy="6858000"/>
   <p:notesSz cx="6858000" cy="9144000"/>
@@ -108,6 +113,11 @@
       </a:defRPr>
     </a:lvl9pPr>
   </p:defaultTextStyle>
+  <p:extLst>
+    <p:ext uri="{EFAFB233-063F-42B5-8137-9DF3F51BA10A}">
+      <p15:sldGuideLst xmlns:p15="http://schemas.microsoft.com/office/powerpoint/2012/main"/>
+    </p:ext>
+  </p:extLst>
 </p:presentation>
 </file>
 
@@ -258,7 +268,7 @@
           <a:p>
             <a:fld id="{296FADEF-E30F-4358-8C1A-AA929F7F0BF4}" type="datetimeFigureOut">
               <a:rPr lang="ru-RU" smtClean="0"/>
-              <a:t>25.05.2024</a:t>
+              <a:t>27.05.2024</a:t>
             </a:fld>
             <a:endParaRPr lang="ru-RU"/>
           </a:p>
@@ -456,7 +466,7 @@
           <a:p>
             <a:fld id="{296FADEF-E30F-4358-8C1A-AA929F7F0BF4}" type="datetimeFigureOut">
               <a:rPr lang="ru-RU" smtClean="0"/>
-              <a:t>25.05.2024</a:t>
+              <a:t>27.05.2024</a:t>
             </a:fld>
             <a:endParaRPr lang="ru-RU"/>
           </a:p>
@@ -664,7 +674,7 @@
           <a:p>
             <a:fld id="{296FADEF-E30F-4358-8C1A-AA929F7F0BF4}" type="datetimeFigureOut">
               <a:rPr lang="ru-RU" smtClean="0"/>
-              <a:t>25.05.2024</a:t>
+              <a:t>27.05.2024</a:t>
             </a:fld>
             <a:endParaRPr lang="ru-RU"/>
           </a:p>
@@ -862,7 +872,7 @@
           <a:p>
             <a:fld id="{296FADEF-E30F-4358-8C1A-AA929F7F0BF4}" type="datetimeFigureOut">
               <a:rPr lang="ru-RU" smtClean="0"/>
-              <a:t>25.05.2024</a:t>
+              <a:t>27.05.2024</a:t>
             </a:fld>
             <a:endParaRPr lang="ru-RU"/>
           </a:p>
@@ -1137,7 +1147,7 @@
           <a:p>
             <a:fld id="{296FADEF-E30F-4358-8C1A-AA929F7F0BF4}" type="datetimeFigureOut">
               <a:rPr lang="ru-RU" smtClean="0"/>
-              <a:t>25.05.2024</a:t>
+              <a:t>27.05.2024</a:t>
             </a:fld>
             <a:endParaRPr lang="ru-RU"/>
           </a:p>
@@ -1402,7 +1412,7 @@
           <a:p>
             <a:fld id="{296FADEF-E30F-4358-8C1A-AA929F7F0BF4}" type="datetimeFigureOut">
               <a:rPr lang="ru-RU" smtClean="0"/>
-              <a:t>25.05.2024</a:t>
+              <a:t>27.05.2024</a:t>
             </a:fld>
             <a:endParaRPr lang="ru-RU"/>
           </a:p>
@@ -1814,7 +1824,7 @@
           <a:p>
             <a:fld id="{296FADEF-E30F-4358-8C1A-AA929F7F0BF4}" type="datetimeFigureOut">
               <a:rPr lang="ru-RU" smtClean="0"/>
-              <a:t>25.05.2024</a:t>
+              <a:t>27.05.2024</a:t>
             </a:fld>
             <a:endParaRPr lang="ru-RU"/>
           </a:p>
@@ -1955,7 +1965,7 @@
           <a:p>
             <a:fld id="{296FADEF-E30F-4358-8C1A-AA929F7F0BF4}" type="datetimeFigureOut">
               <a:rPr lang="ru-RU" smtClean="0"/>
-              <a:t>25.05.2024</a:t>
+              <a:t>27.05.2024</a:t>
             </a:fld>
             <a:endParaRPr lang="ru-RU"/>
           </a:p>
@@ -2068,7 +2078,7 @@
           <a:p>
             <a:fld id="{296FADEF-E30F-4358-8C1A-AA929F7F0BF4}" type="datetimeFigureOut">
               <a:rPr lang="ru-RU" smtClean="0"/>
-              <a:t>25.05.2024</a:t>
+              <a:t>27.05.2024</a:t>
             </a:fld>
             <a:endParaRPr lang="ru-RU"/>
           </a:p>
@@ -2379,7 +2389,7 @@
           <a:p>
             <a:fld id="{296FADEF-E30F-4358-8C1A-AA929F7F0BF4}" type="datetimeFigureOut">
               <a:rPr lang="ru-RU" smtClean="0"/>
-              <a:t>25.05.2024</a:t>
+              <a:t>27.05.2024</a:t>
             </a:fld>
             <a:endParaRPr lang="ru-RU"/>
           </a:p>
@@ -2667,7 +2677,7 @@
           <a:p>
             <a:fld id="{296FADEF-E30F-4358-8C1A-AA929F7F0BF4}" type="datetimeFigureOut">
               <a:rPr lang="ru-RU" smtClean="0"/>
-              <a:t>25.05.2024</a:t>
+              <a:t>27.05.2024</a:t>
             </a:fld>
             <a:endParaRPr lang="ru-RU"/>
           </a:p>
@@ -2908,7 +2918,7 @@
           <a:p>
             <a:fld id="{296FADEF-E30F-4358-8C1A-AA929F7F0BF4}" type="datetimeFigureOut">
               <a:rPr lang="ru-RU" smtClean="0"/>
-              <a:t>25.05.2024</a:t>
+              <a:t>27.05.2024</a:t>
             </a:fld>
             <a:endParaRPr lang="ru-RU"/>
           </a:p>
@@ -3428,6 +3438,71 @@
 </p:sld>
 </file>
 
+<file path=ppt/slides/slide10.xml><?xml version="1.0" encoding="utf-8"?>
+<p:sld xmlns:a="http://schemas.openxmlformats.org/drawingml/2006/main" xmlns:r="http://schemas.openxmlformats.org/officeDocument/2006/relationships" xmlns:p="http://schemas.openxmlformats.org/presentationml/2006/main">
+  <p:cSld>
+    <p:spTree>
+      <p:nvGrpSpPr>
+        <p:cNvPr id="1" name=""/>
+        <p:cNvGrpSpPr/>
+        <p:nvPr/>
+      </p:nvGrpSpPr>
+      <p:grpSpPr>
+        <a:xfrm>
+          <a:off x="0" y="0"/>
+          <a:ext cx="0" cy="0"/>
+          <a:chOff x="0" y="0"/>
+          <a:chExt cx="0" cy="0"/>
+        </a:xfrm>
+      </p:grpSpPr>
+      <p:pic>
+        <p:nvPicPr>
+          <p:cNvPr id="5" name="Объект 4">
+            <a:extLst>
+              <a:ext uri="{FF2B5EF4-FFF2-40B4-BE49-F238E27FC236}">
+                <a16:creationId xmlns:a16="http://schemas.microsoft.com/office/drawing/2014/main" id="{5DB72F83-16FA-4730-919B-B30B4EDD8FC9}"/>
+              </a:ext>
+            </a:extLst>
+          </p:cNvPr>
+          <p:cNvPicPr>
+            <a:picLocks noGrp="1" noChangeAspect="1"/>
+          </p:cNvPicPr>
+          <p:nvPr>
+            <p:ph idx="1"/>
+          </p:nvPr>
+        </p:nvPicPr>
+        <p:blipFill>
+          <a:blip r:embed="rId2">
+            <a:extLst>
+              <a:ext uri="{28A0092B-C50C-407E-A947-70E740481C1C}">
+                <a14:useLocalDpi xmlns:a14="http://schemas.microsoft.com/office/drawing/2010/main" val="0"/>
+              </a:ext>
+            </a:extLst>
+          </a:blip>
+          <a:stretch>
+            <a:fillRect/>
+          </a:stretch>
+        </p:blipFill>
+        <p:spPr>
+          <a:xfrm>
+            <a:off x="2210721" y="320777"/>
+            <a:ext cx="7770557" cy="6216446"/>
+          </a:xfrm>
+        </p:spPr>
+      </p:pic>
+    </p:spTree>
+    <p:extLst>
+      <p:ext uri="{BB962C8B-B14F-4D97-AF65-F5344CB8AC3E}">
+        <p14:creationId xmlns:p14="http://schemas.microsoft.com/office/powerpoint/2010/main" val="1399370895"/>
+      </p:ext>
+    </p:extLst>
+  </p:cSld>
+  <p:clrMapOvr>
+    <a:masterClrMapping/>
+  </p:clrMapOvr>
+</p:sld>
+</file>
+
 <file path=ppt/slides/slide2.xml><?xml version="1.0" encoding="utf-8"?>
 <p:sld xmlns:a="http://schemas.openxmlformats.org/drawingml/2006/main" xmlns:r="http://schemas.openxmlformats.org/officeDocument/2006/relationships" xmlns:p="http://schemas.openxmlformats.org/presentationml/2006/main">
   <p:cSld>
@@ -4015,6 +4090,267 @@
     <p:extLst>
       <p:ext uri="{BB962C8B-B14F-4D97-AF65-F5344CB8AC3E}">
         <p14:creationId xmlns:p14="http://schemas.microsoft.com/office/powerpoint/2010/main" val="1079256599"/>
+      </p:ext>
+    </p:extLst>
+  </p:cSld>
+  <p:clrMapOvr>
+    <a:masterClrMapping/>
+  </p:clrMapOvr>
+</p:sld>
+</file>
+
+<file path=ppt/slides/slide6.xml><?xml version="1.0" encoding="utf-8"?>
+<p:sld xmlns:a="http://schemas.openxmlformats.org/drawingml/2006/main" xmlns:r="http://schemas.openxmlformats.org/officeDocument/2006/relationships" xmlns:p="http://schemas.openxmlformats.org/presentationml/2006/main">
+  <p:cSld>
+    <p:spTree>
+      <p:nvGrpSpPr>
+        <p:cNvPr id="1" name=""/>
+        <p:cNvGrpSpPr/>
+        <p:nvPr/>
+      </p:nvGrpSpPr>
+      <p:grpSpPr>
+        <a:xfrm>
+          <a:off x="0" y="0"/>
+          <a:ext cx="0" cy="0"/>
+          <a:chOff x="0" y="0"/>
+          <a:chExt cx="0" cy="0"/>
+        </a:xfrm>
+      </p:grpSpPr>
+      <p:pic>
+        <p:nvPicPr>
+          <p:cNvPr id="6" name="Рисунок 5">
+            <a:extLst>
+              <a:ext uri="{FF2B5EF4-FFF2-40B4-BE49-F238E27FC236}">
+                <a16:creationId xmlns:a16="http://schemas.microsoft.com/office/drawing/2014/main" id="{73EA9442-130C-4731-A240-0A5451DAFD6C}"/>
+              </a:ext>
+            </a:extLst>
+          </p:cNvPr>
+          <p:cNvPicPr>
+            <a:picLocks noChangeAspect="1"/>
+          </p:cNvPicPr>
+          <p:nvPr/>
+        </p:nvPicPr>
+        <p:blipFill>
+          <a:blip r:embed="rId2">
+            <a:extLst>
+              <a:ext uri="{28A0092B-C50C-407E-A947-70E740481C1C}">
+                <a14:useLocalDpi xmlns:a14="http://schemas.microsoft.com/office/drawing/2010/main" val="0"/>
+              </a:ext>
+            </a:extLst>
+          </a:blip>
+          <a:stretch>
+            <a:fillRect/>
+          </a:stretch>
+        </p:blipFill>
+        <p:spPr>
+          <a:xfrm>
+            <a:off x="957938" y="346163"/>
+            <a:ext cx="10276123" cy="6165674"/>
+          </a:xfrm>
+          <a:prstGeom prst="rect">
+            <a:avLst/>
+          </a:prstGeom>
+        </p:spPr>
+      </p:pic>
+    </p:spTree>
+    <p:extLst>
+      <p:ext uri="{BB962C8B-B14F-4D97-AF65-F5344CB8AC3E}">
+        <p14:creationId xmlns:p14="http://schemas.microsoft.com/office/powerpoint/2010/main" val="2769359517"/>
+      </p:ext>
+    </p:extLst>
+  </p:cSld>
+  <p:clrMapOvr>
+    <a:masterClrMapping/>
+  </p:clrMapOvr>
+</p:sld>
+</file>
+
+<file path=ppt/slides/slide7.xml><?xml version="1.0" encoding="utf-8"?>
+<p:sld xmlns:a="http://schemas.openxmlformats.org/drawingml/2006/main" xmlns:r="http://schemas.openxmlformats.org/officeDocument/2006/relationships" xmlns:p="http://schemas.openxmlformats.org/presentationml/2006/main">
+  <p:cSld>
+    <p:spTree>
+      <p:nvGrpSpPr>
+        <p:cNvPr id="1" name=""/>
+        <p:cNvGrpSpPr/>
+        <p:nvPr/>
+      </p:nvGrpSpPr>
+      <p:grpSpPr>
+        <a:xfrm>
+          <a:off x="0" y="0"/>
+          <a:ext cx="0" cy="0"/>
+          <a:chOff x="0" y="0"/>
+          <a:chExt cx="0" cy="0"/>
+        </a:xfrm>
+      </p:grpSpPr>
+      <p:pic>
+        <p:nvPicPr>
+          <p:cNvPr id="5" name="Объект 4">
+            <a:extLst>
+              <a:ext uri="{FF2B5EF4-FFF2-40B4-BE49-F238E27FC236}">
+                <a16:creationId xmlns:a16="http://schemas.microsoft.com/office/drawing/2014/main" id="{E976406F-0491-4F4A-A311-F683FE61FBD1}"/>
+              </a:ext>
+            </a:extLst>
+          </p:cNvPr>
+          <p:cNvPicPr>
+            <a:picLocks noGrp="1" noChangeAspect="1"/>
+          </p:cNvPicPr>
+          <p:nvPr>
+            <p:ph idx="1"/>
+          </p:nvPr>
+        </p:nvPicPr>
+        <p:blipFill>
+          <a:blip r:embed="rId2">
+            <a:extLst>
+              <a:ext uri="{28A0092B-C50C-407E-A947-70E740481C1C}">
+                <a14:useLocalDpi xmlns:a14="http://schemas.microsoft.com/office/drawing/2010/main" val="0"/>
+              </a:ext>
+            </a:extLst>
+          </a:blip>
+          <a:stretch>
+            <a:fillRect/>
+          </a:stretch>
+        </p:blipFill>
+        <p:spPr>
+          <a:xfrm>
+            <a:off x="1092419" y="426851"/>
+            <a:ext cx="10007162" cy="6004298"/>
+          </a:xfrm>
+        </p:spPr>
+      </p:pic>
+    </p:spTree>
+    <p:extLst>
+      <p:ext uri="{BB962C8B-B14F-4D97-AF65-F5344CB8AC3E}">
+        <p14:creationId xmlns:p14="http://schemas.microsoft.com/office/powerpoint/2010/main" val="4233293365"/>
+      </p:ext>
+    </p:extLst>
+  </p:cSld>
+  <p:clrMapOvr>
+    <a:masterClrMapping/>
+  </p:clrMapOvr>
+</p:sld>
+</file>
+
+<file path=ppt/slides/slide8.xml><?xml version="1.0" encoding="utf-8"?>
+<p:sld xmlns:a="http://schemas.openxmlformats.org/drawingml/2006/main" xmlns:r="http://schemas.openxmlformats.org/officeDocument/2006/relationships" xmlns:p="http://schemas.openxmlformats.org/presentationml/2006/main">
+  <p:cSld>
+    <p:spTree>
+      <p:nvGrpSpPr>
+        <p:cNvPr id="1" name=""/>
+        <p:cNvGrpSpPr/>
+        <p:nvPr/>
+      </p:nvGrpSpPr>
+      <p:grpSpPr>
+        <a:xfrm>
+          <a:off x="0" y="0"/>
+          <a:ext cx="0" cy="0"/>
+          <a:chOff x="0" y="0"/>
+          <a:chExt cx="0" cy="0"/>
+        </a:xfrm>
+      </p:grpSpPr>
+      <p:pic>
+        <p:nvPicPr>
+          <p:cNvPr id="5" name="Объект 4">
+            <a:extLst>
+              <a:ext uri="{FF2B5EF4-FFF2-40B4-BE49-F238E27FC236}">
+                <a16:creationId xmlns:a16="http://schemas.microsoft.com/office/drawing/2014/main" id="{EDECE34C-CC6B-4C1B-8A28-1E9020271E8F}"/>
+              </a:ext>
+            </a:extLst>
+          </p:cNvPr>
+          <p:cNvPicPr>
+            <a:picLocks noGrp="1" noChangeAspect="1"/>
+          </p:cNvPicPr>
+          <p:nvPr>
+            <p:ph idx="1"/>
+          </p:nvPr>
+        </p:nvPicPr>
+        <p:blipFill>
+          <a:blip r:embed="rId2">
+            <a:extLst>
+              <a:ext uri="{28A0092B-C50C-407E-A947-70E740481C1C}">
+                <a14:useLocalDpi xmlns:a14="http://schemas.microsoft.com/office/drawing/2010/main" val="0"/>
+              </a:ext>
+            </a:extLst>
+          </a:blip>
+          <a:stretch>
+            <a:fillRect/>
+          </a:stretch>
+        </p:blipFill>
+        <p:spPr>
+          <a:xfrm>
+            <a:off x="1086234" y="423140"/>
+            <a:ext cx="10019532" cy="6011720"/>
+          </a:xfrm>
+        </p:spPr>
+      </p:pic>
+    </p:spTree>
+    <p:extLst>
+      <p:ext uri="{BB962C8B-B14F-4D97-AF65-F5344CB8AC3E}">
+        <p14:creationId xmlns:p14="http://schemas.microsoft.com/office/powerpoint/2010/main" val="3924296868"/>
+      </p:ext>
+    </p:extLst>
+  </p:cSld>
+  <p:clrMapOvr>
+    <a:masterClrMapping/>
+  </p:clrMapOvr>
+</p:sld>
+</file>
+
+<file path=ppt/slides/slide9.xml><?xml version="1.0" encoding="utf-8"?>
+<p:sld xmlns:a="http://schemas.openxmlformats.org/drawingml/2006/main" xmlns:r="http://schemas.openxmlformats.org/officeDocument/2006/relationships" xmlns:p="http://schemas.openxmlformats.org/presentationml/2006/main">
+  <p:cSld>
+    <p:spTree>
+      <p:nvGrpSpPr>
+        <p:cNvPr id="1" name=""/>
+        <p:cNvGrpSpPr/>
+        <p:nvPr/>
+      </p:nvGrpSpPr>
+      <p:grpSpPr>
+        <a:xfrm>
+          <a:off x="0" y="0"/>
+          <a:ext cx="0" cy="0"/>
+          <a:chOff x="0" y="0"/>
+          <a:chExt cx="0" cy="0"/>
+        </a:xfrm>
+      </p:grpSpPr>
+      <p:pic>
+        <p:nvPicPr>
+          <p:cNvPr id="5" name="Объект 4">
+            <a:extLst>
+              <a:ext uri="{FF2B5EF4-FFF2-40B4-BE49-F238E27FC236}">
+                <a16:creationId xmlns:a16="http://schemas.microsoft.com/office/drawing/2014/main" id="{1CE6E346-F560-4B02-B529-B7894102DFA0}"/>
+              </a:ext>
+            </a:extLst>
+          </p:cNvPr>
+          <p:cNvPicPr>
+            <a:picLocks noGrp="1" noChangeAspect="1"/>
+          </p:cNvPicPr>
+          <p:nvPr>
+            <p:ph idx="1"/>
+          </p:nvPr>
+        </p:nvPicPr>
+        <p:blipFill>
+          <a:blip r:embed="rId2">
+            <a:extLst>
+              <a:ext uri="{28A0092B-C50C-407E-A947-70E740481C1C}">
+                <a14:useLocalDpi xmlns:a14="http://schemas.microsoft.com/office/drawing/2010/main" val="0"/>
+              </a:ext>
+            </a:extLst>
+          </a:blip>
+          <a:stretch>
+            <a:fillRect/>
+          </a:stretch>
+        </p:blipFill>
+        <p:spPr>
+          <a:xfrm>
+            <a:off x="1135144" y="452486"/>
+            <a:ext cx="9921712" cy="5953028"/>
+          </a:xfrm>
+        </p:spPr>
+      </p:pic>
+    </p:spTree>
+    <p:extLst>
+      <p:ext uri="{BB962C8B-B14F-4D97-AF65-F5344CB8AC3E}">
+        <p14:creationId xmlns:p14="http://schemas.microsoft.com/office/powerpoint/2010/main" val="2479560250"/>
       </p:ext>
     </p:extLst>
   </p:cSld>

--- a/data_visualization/project.pptx
+++ b/data_visualization/project.pptx
@@ -3457,10 +3457,10 @@
       </p:grpSpPr>
       <p:pic>
         <p:nvPicPr>
-          <p:cNvPr id="5" name="Объект 4">
-            <a:extLst>
-              <a:ext uri="{FF2B5EF4-FFF2-40B4-BE49-F238E27FC236}">
-                <a16:creationId xmlns:a16="http://schemas.microsoft.com/office/drawing/2014/main" id="{5DB72F83-16FA-4730-919B-B30B4EDD8FC9}"/>
+          <p:cNvPr id="6" name="Объект 5">
+            <a:extLst>
+              <a:ext uri="{FF2B5EF4-FFF2-40B4-BE49-F238E27FC236}">
+                <a16:creationId xmlns:a16="http://schemas.microsoft.com/office/drawing/2014/main" id="{BA12A140-9A63-4DCC-A8F7-5CD9B1A6F5B7}"/>
               </a:ext>
             </a:extLst>
           </p:cNvPr>
@@ -3485,8 +3485,8 @@
         </p:blipFill>
         <p:spPr>
           <a:xfrm>
-            <a:off x="2210721" y="320777"/>
-            <a:ext cx="7770557" cy="6216446"/>
+            <a:off x="598089" y="287336"/>
+            <a:ext cx="10995822" cy="6283328"/>
           </a:xfrm>
         </p:spPr>
       </p:pic>

--- a/data_visualization/project.pptx
+++ b/data_visualization/project.pptx
@@ -15,6 +15,8 @@
     <p:sldId id="263" r:id="rId9"/>
     <p:sldId id="264" r:id="rId10"/>
     <p:sldId id="265" r:id="rId11"/>
+    <p:sldId id="266" r:id="rId12"/>
+    <p:sldId id="267" r:id="rId13"/>
   </p:sldIdLst>
   <p:sldSz cx="12192000" cy="6858000"/>
   <p:notesSz cx="6858000" cy="9144000"/>
@@ -3503,6 +3505,136 @@
 </p:sld>
 </file>
 
+<file path=ppt/slides/slide11.xml><?xml version="1.0" encoding="utf-8"?>
+<p:sld xmlns:a="http://schemas.openxmlformats.org/drawingml/2006/main" xmlns:r="http://schemas.openxmlformats.org/officeDocument/2006/relationships" xmlns:p="http://schemas.openxmlformats.org/presentationml/2006/main">
+  <p:cSld>
+    <p:spTree>
+      <p:nvGrpSpPr>
+        <p:cNvPr id="1" name=""/>
+        <p:cNvGrpSpPr/>
+        <p:nvPr/>
+      </p:nvGrpSpPr>
+      <p:grpSpPr>
+        <a:xfrm>
+          <a:off x="0" y="0"/>
+          <a:ext cx="0" cy="0"/>
+          <a:chOff x="0" y="0"/>
+          <a:chExt cx="0" cy="0"/>
+        </a:xfrm>
+      </p:grpSpPr>
+      <p:pic>
+        <p:nvPicPr>
+          <p:cNvPr id="5" name="Объект 4">
+            <a:extLst>
+              <a:ext uri="{FF2B5EF4-FFF2-40B4-BE49-F238E27FC236}">
+                <a16:creationId xmlns:a16="http://schemas.microsoft.com/office/drawing/2014/main" id="{775F27FC-4CCC-4E61-992A-B5950105F94E}"/>
+              </a:ext>
+            </a:extLst>
+          </p:cNvPr>
+          <p:cNvPicPr>
+            <a:picLocks noGrp="1" noChangeAspect="1"/>
+          </p:cNvPicPr>
+          <p:nvPr>
+            <p:ph idx="1"/>
+          </p:nvPr>
+        </p:nvPicPr>
+        <p:blipFill>
+          <a:blip r:embed="rId2">
+            <a:extLst>
+              <a:ext uri="{28A0092B-C50C-407E-A947-70E740481C1C}">
+                <a14:useLocalDpi xmlns:a14="http://schemas.microsoft.com/office/drawing/2010/main" val="0"/>
+              </a:ext>
+            </a:extLst>
+          </a:blip>
+          <a:stretch>
+            <a:fillRect/>
+          </a:stretch>
+        </p:blipFill>
+        <p:spPr>
+          <a:xfrm>
+            <a:off x="1051345" y="402206"/>
+            <a:ext cx="10089310" cy="6053587"/>
+          </a:xfrm>
+        </p:spPr>
+      </p:pic>
+    </p:spTree>
+    <p:extLst>
+      <p:ext uri="{BB962C8B-B14F-4D97-AF65-F5344CB8AC3E}">
+        <p14:creationId xmlns:p14="http://schemas.microsoft.com/office/powerpoint/2010/main" val="4160107756"/>
+      </p:ext>
+    </p:extLst>
+  </p:cSld>
+  <p:clrMapOvr>
+    <a:masterClrMapping/>
+  </p:clrMapOvr>
+</p:sld>
+</file>
+
+<file path=ppt/slides/slide12.xml><?xml version="1.0" encoding="utf-8"?>
+<p:sld xmlns:a="http://schemas.openxmlformats.org/drawingml/2006/main" xmlns:r="http://schemas.openxmlformats.org/officeDocument/2006/relationships" xmlns:p="http://schemas.openxmlformats.org/presentationml/2006/main">
+  <p:cSld>
+    <p:spTree>
+      <p:nvGrpSpPr>
+        <p:cNvPr id="1" name=""/>
+        <p:cNvGrpSpPr/>
+        <p:nvPr/>
+      </p:nvGrpSpPr>
+      <p:grpSpPr>
+        <a:xfrm>
+          <a:off x="0" y="0"/>
+          <a:ext cx="0" cy="0"/>
+          <a:chOff x="0" y="0"/>
+          <a:chExt cx="0" cy="0"/>
+        </a:xfrm>
+      </p:grpSpPr>
+      <p:pic>
+        <p:nvPicPr>
+          <p:cNvPr id="5" name="Объект 4">
+            <a:extLst>
+              <a:ext uri="{FF2B5EF4-FFF2-40B4-BE49-F238E27FC236}">
+                <a16:creationId xmlns:a16="http://schemas.microsoft.com/office/drawing/2014/main" id="{B543D8E6-491F-4A48-9A66-966D357D5033}"/>
+              </a:ext>
+            </a:extLst>
+          </p:cNvPr>
+          <p:cNvPicPr>
+            <a:picLocks noGrp="1" noChangeAspect="1"/>
+          </p:cNvPicPr>
+          <p:nvPr>
+            <p:ph idx="1"/>
+          </p:nvPr>
+        </p:nvPicPr>
+        <p:blipFill>
+          <a:blip r:embed="rId2">
+            <a:extLst>
+              <a:ext uri="{28A0092B-C50C-407E-A947-70E740481C1C}">
+                <a14:useLocalDpi xmlns:a14="http://schemas.microsoft.com/office/drawing/2010/main" val="0"/>
+              </a:ext>
+            </a:extLst>
+          </a:blip>
+          <a:stretch>
+            <a:fillRect/>
+          </a:stretch>
+        </p:blipFill>
+        <p:spPr>
+          <a:xfrm>
+            <a:off x="1154624" y="464174"/>
+            <a:ext cx="9882752" cy="5929652"/>
+          </a:xfrm>
+        </p:spPr>
+      </p:pic>
+    </p:spTree>
+    <p:extLst>
+      <p:ext uri="{BB962C8B-B14F-4D97-AF65-F5344CB8AC3E}">
+        <p14:creationId xmlns:p14="http://schemas.microsoft.com/office/powerpoint/2010/main" val="2459487052"/>
+      </p:ext>
+    </p:extLst>
+  </p:cSld>
+  <p:clrMapOvr>
+    <a:masterClrMapping/>
+  </p:clrMapOvr>
+</p:sld>
+</file>
+
 <file path=ppt/slides/slide2.xml><?xml version="1.0" encoding="utf-8"?>
 <p:sld xmlns:a="http://schemas.openxmlformats.org/drawingml/2006/main" xmlns:r="http://schemas.openxmlformats.org/officeDocument/2006/relationships" xmlns:p="http://schemas.openxmlformats.org/presentationml/2006/main">
   <p:cSld>

--- a/data_visualization/project.pptx
+++ b/data_visualization/project.pptx
@@ -2,29 +2,34 @@
 <file path=ppt/presentation.xml><?xml version="1.0" encoding="utf-8"?>
 <p:presentation xmlns:a="http://schemas.openxmlformats.org/drawingml/2006/main" xmlns:r="http://schemas.openxmlformats.org/officeDocument/2006/relationships" xmlns:p="http://schemas.openxmlformats.org/presentationml/2006/main" saveSubsetFonts="1">
   <p:sldMasterIdLst>
-    <p:sldMasterId id="2147483648" r:id="rId1"/>
+    <p:sldMasterId id="2147483684" r:id="rId1"/>
   </p:sldMasterIdLst>
+  <p:notesMasterIdLst>
+    <p:notesMasterId r:id="rId16"/>
+  </p:notesMasterIdLst>
   <p:sldIdLst>
     <p:sldId id="256" r:id="rId2"/>
-    <p:sldId id="257" r:id="rId3"/>
-    <p:sldId id="258" r:id="rId4"/>
-    <p:sldId id="259" r:id="rId5"/>
-    <p:sldId id="260" r:id="rId6"/>
-    <p:sldId id="261" r:id="rId7"/>
-    <p:sldId id="262" r:id="rId8"/>
-    <p:sldId id="263" r:id="rId9"/>
-    <p:sldId id="264" r:id="rId10"/>
-    <p:sldId id="265" r:id="rId11"/>
-    <p:sldId id="266" r:id="rId12"/>
-    <p:sldId id="267" r:id="rId13"/>
+    <p:sldId id="270" r:id="rId3"/>
+    <p:sldId id="257" r:id="rId4"/>
+    <p:sldId id="258" r:id="rId5"/>
+    <p:sldId id="259" r:id="rId6"/>
+    <p:sldId id="260" r:id="rId7"/>
+    <p:sldId id="268" r:id="rId8"/>
+    <p:sldId id="261" r:id="rId9"/>
+    <p:sldId id="262" r:id="rId10"/>
+    <p:sldId id="263" r:id="rId11"/>
+    <p:sldId id="264" r:id="rId12"/>
+    <p:sldId id="265" r:id="rId13"/>
+    <p:sldId id="266" r:id="rId14"/>
+    <p:sldId id="267" r:id="rId15"/>
   </p:sldIdLst>
   <p:sldSz cx="12192000" cy="6858000"/>
   <p:notesSz cx="6858000" cy="9144000"/>
   <p:defaultTextStyle>
     <a:defPPr>
-      <a:defRPr lang="ru-RU"/>
+      <a:defRPr lang="en-US"/>
     </a:defPPr>
-    <a:lvl1pPr marL="0" algn="l" defTabSz="914400" rtl="0" eaLnBrk="1" latinLnBrk="0" hangingPunct="1">
+    <a:lvl1pPr marL="0" algn="l" defTabSz="457200" rtl="0" eaLnBrk="1" latinLnBrk="0" hangingPunct="1">
       <a:defRPr sz="1800" kern="1200">
         <a:solidFill>
           <a:schemeClr val="tx1"/>
@@ -34,7 +39,7 @@
         <a:cs typeface="+mn-cs"/>
       </a:defRPr>
     </a:lvl1pPr>
-    <a:lvl2pPr marL="457200" algn="l" defTabSz="914400" rtl="0" eaLnBrk="1" latinLnBrk="0" hangingPunct="1">
+    <a:lvl2pPr marL="457200" algn="l" defTabSz="457200" rtl="0" eaLnBrk="1" latinLnBrk="0" hangingPunct="1">
       <a:defRPr sz="1800" kern="1200">
         <a:solidFill>
           <a:schemeClr val="tx1"/>
@@ -44,7 +49,7 @@
         <a:cs typeface="+mn-cs"/>
       </a:defRPr>
     </a:lvl2pPr>
-    <a:lvl3pPr marL="914400" algn="l" defTabSz="914400" rtl="0" eaLnBrk="1" latinLnBrk="0" hangingPunct="1">
+    <a:lvl3pPr marL="914400" algn="l" defTabSz="457200" rtl="0" eaLnBrk="1" latinLnBrk="0" hangingPunct="1">
       <a:defRPr sz="1800" kern="1200">
         <a:solidFill>
           <a:schemeClr val="tx1"/>
@@ -54,7 +59,7 @@
         <a:cs typeface="+mn-cs"/>
       </a:defRPr>
     </a:lvl3pPr>
-    <a:lvl4pPr marL="1371600" algn="l" defTabSz="914400" rtl="0" eaLnBrk="1" latinLnBrk="0" hangingPunct="1">
+    <a:lvl4pPr marL="1371600" algn="l" defTabSz="457200" rtl="0" eaLnBrk="1" latinLnBrk="0" hangingPunct="1">
       <a:defRPr sz="1800" kern="1200">
         <a:solidFill>
           <a:schemeClr val="tx1"/>
@@ -64,7 +69,7 @@
         <a:cs typeface="+mn-cs"/>
       </a:defRPr>
     </a:lvl4pPr>
-    <a:lvl5pPr marL="1828800" algn="l" defTabSz="914400" rtl="0" eaLnBrk="1" latinLnBrk="0" hangingPunct="1">
+    <a:lvl5pPr marL="1828800" algn="l" defTabSz="457200" rtl="0" eaLnBrk="1" latinLnBrk="0" hangingPunct="1">
       <a:defRPr sz="1800" kern="1200">
         <a:solidFill>
           <a:schemeClr val="tx1"/>
@@ -74,7 +79,7 @@
         <a:cs typeface="+mn-cs"/>
       </a:defRPr>
     </a:lvl5pPr>
-    <a:lvl6pPr marL="2286000" algn="l" defTabSz="914400" rtl="0" eaLnBrk="1" latinLnBrk="0" hangingPunct="1">
+    <a:lvl6pPr marL="2286000" algn="l" defTabSz="457200" rtl="0" eaLnBrk="1" latinLnBrk="0" hangingPunct="1">
       <a:defRPr sz="1800" kern="1200">
         <a:solidFill>
           <a:schemeClr val="tx1"/>
@@ -84,7 +89,7 @@
         <a:cs typeface="+mn-cs"/>
       </a:defRPr>
     </a:lvl6pPr>
-    <a:lvl7pPr marL="2743200" algn="l" defTabSz="914400" rtl="0" eaLnBrk="1" latinLnBrk="0" hangingPunct="1">
+    <a:lvl7pPr marL="2743200" algn="l" defTabSz="457200" rtl="0" eaLnBrk="1" latinLnBrk="0" hangingPunct="1">
       <a:defRPr sz="1800" kern="1200">
         <a:solidFill>
           <a:schemeClr val="tx1"/>
@@ -94,7 +99,7 @@
         <a:cs typeface="+mn-cs"/>
       </a:defRPr>
     </a:lvl7pPr>
-    <a:lvl8pPr marL="3200400" algn="l" defTabSz="914400" rtl="0" eaLnBrk="1" latinLnBrk="0" hangingPunct="1">
+    <a:lvl8pPr marL="3200400" algn="l" defTabSz="457200" rtl="0" eaLnBrk="1" latinLnBrk="0" hangingPunct="1">
       <a:defRPr sz="1800" kern="1200">
         <a:solidFill>
           <a:schemeClr val="tx1"/>
@@ -104,7 +109,7 @@
         <a:cs typeface="+mn-cs"/>
       </a:defRPr>
     </a:lvl8pPr>
-    <a:lvl9pPr marL="3657600" algn="l" defTabSz="914400" rtl="0" eaLnBrk="1" latinLnBrk="0" hangingPunct="1">
+    <a:lvl9pPr marL="3657600" algn="l" defTabSz="457200" rtl="0" eaLnBrk="1" latinLnBrk="0" hangingPunct="1">
       <a:defRPr sz="1800" kern="1200">
         <a:solidFill>
           <a:schemeClr val="tx1"/>
@@ -123,9 +128,14 @@
 </p:presentation>
 </file>
 
-<file path=ppt/slideLayouts/slideLayout1.xml><?xml version="1.0" encoding="utf-8"?>
-<p:sldLayout xmlns:a="http://schemas.openxmlformats.org/drawingml/2006/main" xmlns:r="http://schemas.openxmlformats.org/officeDocument/2006/relationships" xmlns:p="http://schemas.openxmlformats.org/presentationml/2006/main" type="title" preserve="1">
-  <p:cSld name="Титульный слайд">
+<file path=ppt/notesMasters/notesMaster1.xml><?xml version="1.0" encoding="utf-8"?>
+<p:notesMaster xmlns:a="http://schemas.openxmlformats.org/drawingml/2006/main" xmlns:r="http://schemas.openxmlformats.org/officeDocument/2006/relationships" xmlns:p="http://schemas.openxmlformats.org/presentationml/2006/main">
+  <p:cSld>
+    <p:bg>
+      <p:bgRef idx="1001">
+        <a:schemeClr val="bg1"/>
+      </p:bgRef>
+    </p:bg>
     <p:spTree>
       <p:nvGrpSpPr>
         <p:cNvPr id="1" name=""/>
@@ -142,13 +152,443 @@
       </p:grpSpPr>
       <p:sp>
         <p:nvSpPr>
-          <p:cNvPr id="2" name="Заголовок 1">
-            <a:extLst>
-              <a:ext uri="{FF2B5EF4-FFF2-40B4-BE49-F238E27FC236}">
-                <a16:creationId xmlns:a16="http://schemas.microsoft.com/office/drawing/2014/main" id="{90F49A98-D9E4-73DF-AF19-F2031C769D9C}"/>
-              </a:ext>
-            </a:extLst>
-          </p:cNvPr>
+          <p:cNvPr id="2" name="Верхний колонтитул 1"/>
+          <p:cNvSpPr>
+            <a:spLocks noGrp="1"/>
+          </p:cNvSpPr>
+          <p:nvPr>
+            <p:ph type="hdr" sz="quarter"/>
+          </p:nvPr>
+        </p:nvSpPr>
+        <p:spPr>
+          <a:xfrm>
+            <a:off x="0" y="0"/>
+            <a:ext cx="2971800" cy="458788"/>
+          </a:xfrm>
+          <a:prstGeom prst="rect">
+            <a:avLst/>
+          </a:prstGeom>
+        </p:spPr>
+        <p:txBody>
+          <a:bodyPr vert="horz" lIns="91440" tIns="45720" rIns="91440" bIns="45720" rtlCol="0"/>
+          <a:lstStyle>
+            <a:lvl1pPr algn="l">
+              <a:defRPr sz="1200"/>
+            </a:lvl1pPr>
+          </a:lstStyle>
+          <a:p>
+            <a:endParaRPr lang="ru-RU"/>
+          </a:p>
+        </p:txBody>
+      </p:sp>
+      <p:sp>
+        <p:nvSpPr>
+          <p:cNvPr id="3" name="Дата 2"/>
+          <p:cNvSpPr>
+            <a:spLocks noGrp="1"/>
+          </p:cNvSpPr>
+          <p:nvPr>
+            <p:ph type="dt" idx="1"/>
+          </p:nvPr>
+        </p:nvSpPr>
+        <p:spPr>
+          <a:xfrm>
+            <a:off x="3884613" y="0"/>
+            <a:ext cx="2971800" cy="458788"/>
+          </a:xfrm>
+          <a:prstGeom prst="rect">
+            <a:avLst/>
+          </a:prstGeom>
+        </p:spPr>
+        <p:txBody>
+          <a:bodyPr vert="horz" lIns="91440" tIns="45720" rIns="91440" bIns="45720" rtlCol="0"/>
+          <a:lstStyle>
+            <a:lvl1pPr algn="r">
+              <a:defRPr sz="1200"/>
+            </a:lvl1pPr>
+          </a:lstStyle>
+          <a:p>
+            <a:fld id="{B53828E7-F5E8-4119-8595-C14B775F729D}" type="datetimeFigureOut">
+              <a:rPr lang="ru-RU" smtClean="0"/>
+              <a:t>27.05.2024</a:t>
+            </a:fld>
+            <a:endParaRPr lang="ru-RU"/>
+          </a:p>
+        </p:txBody>
+      </p:sp>
+      <p:sp>
+        <p:nvSpPr>
+          <p:cNvPr id="4" name="Образ слайда 3"/>
+          <p:cNvSpPr>
+            <a:spLocks noGrp="1" noRot="1" noChangeAspect="1"/>
+          </p:cNvSpPr>
+          <p:nvPr>
+            <p:ph type="sldImg" idx="2"/>
+          </p:nvPr>
+        </p:nvSpPr>
+        <p:spPr>
+          <a:xfrm>
+            <a:off x="685800" y="1143000"/>
+            <a:ext cx="5486400" cy="3086100"/>
+          </a:xfrm>
+          <a:prstGeom prst="rect">
+            <a:avLst/>
+          </a:prstGeom>
+          <a:noFill/>
+          <a:ln w="12700">
+            <a:solidFill>
+              <a:prstClr val="black"/>
+            </a:solidFill>
+          </a:ln>
+        </p:spPr>
+        <p:txBody>
+          <a:bodyPr vert="horz" lIns="91440" tIns="45720" rIns="91440" bIns="45720" rtlCol="0" anchor="ctr"/>
+          <a:lstStyle/>
+          <a:p>
+            <a:endParaRPr lang="ru-RU"/>
+          </a:p>
+        </p:txBody>
+      </p:sp>
+      <p:sp>
+        <p:nvSpPr>
+          <p:cNvPr id="5" name="Заметки 4"/>
+          <p:cNvSpPr>
+            <a:spLocks noGrp="1"/>
+          </p:cNvSpPr>
+          <p:nvPr>
+            <p:ph type="body" sz="quarter" idx="3"/>
+          </p:nvPr>
+        </p:nvSpPr>
+        <p:spPr>
+          <a:xfrm>
+            <a:off x="685800" y="4400550"/>
+            <a:ext cx="5486400" cy="3600450"/>
+          </a:xfrm>
+          <a:prstGeom prst="rect">
+            <a:avLst/>
+          </a:prstGeom>
+        </p:spPr>
+        <p:txBody>
+          <a:bodyPr vert="horz" lIns="91440" tIns="45720" rIns="91440" bIns="45720" rtlCol="0"/>
+          <a:lstStyle/>
+          <a:p>
+            <a:pPr lvl="0"/>
+            <a:r>
+              <a:rPr lang="ru-RU"/>
+              <a:t>Образец текста</a:t>
+            </a:r>
+          </a:p>
+          <a:p>
+            <a:pPr lvl="1"/>
+            <a:r>
+              <a:rPr lang="ru-RU"/>
+              <a:t>Второй уровень</a:t>
+            </a:r>
+          </a:p>
+          <a:p>
+            <a:pPr lvl="2"/>
+            <a:r>
+              <a:rPr lang="ru-RU"/>
+              <a:t>Третий уровень</a:t>
+            </a:r>
+          </a:p>
+          <a:p>
+            <a:pPr lvl="3"/>
+            <a:r>
+              <a:rPr lang="ru-RU"/>
+              <a:t>Четвертый уровень</a:t>
+            </a:r>
+          </a:p>
+          <a:p>
+            <a:pPr lvl="4"/>
+            <a:r>
+              <a:rPr lang="ru-RU"/>
+              <a:t>Пятый уровень</a:t>
+            </a:r>
+          </a:p>
+        </p:txBody>
+      </p:sp>
+      <p:sp>
+        <p:nvSpPr>
+          <p:cNvPr id="6" name="Нижний колонтитул 5"/>
+          <p:cNvSpPr>
+            <a:spLocks noGrp="1"/>
+          </p:cNvSpPr>
+          <p:nvPr>
+            <p:ph type="ftr" sz="quarter" idx="4"/>
+          </p:nvPr>
+        </p:nvSpPr>
+        <p:spPr>
+          <a:xfrm>
+            <a:off x="0" y="8685213"/>
+            <a:ext cx="2971800" cy="458787"/>
+          </a:xfrm>
+          <a:prstGeom prst="rect">
+            <a:avLst/>
+          </a:prstGeom>
+        </p:spPr>
+        <p:txBody>
+          <a:bodyPr vert="horz" lIns="91440" tIns="45720" rIns="91440" bIns="45720" rtlCol="0" anchor="b"/>
+          <a:lstStyle>
+            <a:lvl1pPr algn="l">
+              <a:defRPr sz="1200"/>
+            </a:lvl1pPr>
+          </a:lstStyle>
+          <a:p>
+            <a:endParaRPr lang="ru-RU"/>
+          </a:p>
+        </p:txBody>
+      </p:sp>
+      <p:sp>
+        <p:nvSpPr>
+          <p:cNvPr id="7" name="Номер слайда 6"/>
+          <p:cNvSpPr>
+            <a:spLocks noGrp="1"/>
+          </p:cNvSpPr>
+          <p:nvPr>
+            <p:ph type="sldNum" sz="quarter" idx="5"/>
+          </p:nvPr>
+        </p:nvSpPr>
+        <p:spPr>
+          <a:xfrm>
+            <a:off x="3884613" y="8685213"/>
+            <a:ext cx="2971800" cy="458787"/>
+          </a:xfrm>
+          <a:prstGeom prst="rect">
+            <a:avLst/>
+          </a:prstGeom>
+        </p:spPr>
+        <p:txBody>
+          <a:bodyPr vert="horz" lIns="91440" tIns="45720" rIns="91440" bIns="45720" rtlCol="0" anchor="b"/>
+          <a:lstStyle>
+            <a:lvl1pPr algn="r">
+              <a:defRPr sz="1200"/>
+            </a:lvl1pPr>
+          </a:lstStyle>
+          <a:p>
+            <a:fld id="{8E7CEAD6-F82D-4D51-A468-A5E8BCF03F54}" type="slidenum">
+              <a:rPr lang="ru-RU" smtClean="0"/>
+              <a:t>‹#›</a:t>
+            </a:fld>
+            <a:endParaRPr lang="ru-RU"/>
+          </a:p>
+        </p:txBody>
+      </p:sp>
+    </p:spTree>
+    <p:extLst>
+      <p:ext uri="{BB962C8B-B14F-4D97-AF65-F5344CB8AC3E}">
+        <p14:creationId xmlns:p14="http://schemas.microsoft.com/office/powerpoint/2010/main" val="4290309320"/>
+      </p:ext>
+    </p:extLst>
+  </p:cSld>
+  <p:clrMap bg1="lt1" tx1="dk1" bg2="lt2" tx2="dk2" accent1="accent1" accent2="accent2" accent3="accent3" accent4="accent4" accent5="accent5" accent6="accent6" hlink="hlink" folHlink="folHlink"/>
+  <p:notesStyle>
+    <a:lvl1pPr marL="0" algn="l" defTabSz="914400" rtl="0" eaLnBrk="1" latinLnBrk="0" hangingPunct="1">
+      <a:defRPr sz="1200" kern="1200">
+        <a:solidFill>
+          <a:schemeClr val="tx1"/>
+        </a:solidFill>
+        <a:latin typeface="+mn-lt"/>
+        <a:ea typeface="+mn-ea"/>
+        <a:cs typeface="+mn-cs"/>
+      </a:defRPr>
+    </a:lvl1pPr>
+    <a:lvl2pPr marL="457200" algn="l" defTabSz="914400" rtl="0" eaLnBrk="1" latinLnBrk="0" hangingPunct="1">
+      <a:defRPr sz="1200" kern="1200">
+        <a:solidFill>
+          <a:schemeClr val="tx1"/>
+        </a:solidFill>
+        <a:latin typeface="+mn-lt"/>
+        <a:ea typeface="+mn-ea"/>
+        <a:cs typeface="+mn-cs"/>
+      </a:defRPr>
+    </a:lvl2pPr>
+    <a:lvl3pPr marL="914400" algn="l" defTabSz="914400" rtl="0" eaLnBrk="1" latinLnBrk="0" hangingPunct="1">
+      <a:defRPr sz="1200" kern="1200">
+        <a:solidFill>
+          <a:schemeClr val="tx1"/>
+        </a:solidFill>
+        <a:latin typeface="+mn-lt"/>
+        <a:ea typeface="+mn-ea"/>
+        <a:cs typeface="+mn-cs"/>
+      </a:defRPr>
+    </a:lvl3pPr>
+    <a:lvl4pPr marL="1371600" algn="l" defTabSz="914400" rtl="0" eaLnBrk="1" latinLnBrk="0" hangingPunct="1">
+      <a:defRPr sz="1200" kern="1200">
+        <a:solidFill>
+          <a:schemeClr val="tx1"/>
+        </a:solidFill>
+        <a:latin typeface="+mn-lt"/>
+        <a:ea typeface="+mn-ea"/>
+        <a:cs typeface="+mn-cs"/>
+      </a:defRPr>
+    </a:lvl4pPr>
+    <a:lvl5pPr marL="1828800" algn="l" defTabSz="914400" rtl="0" eaLnBrk="1" latinLnBrk="0" hangingPunct="1">
+      <a:defRPr sz="1200" kern="1200">
+        <a:solidFill>
+          <a:schemeClr val="tx1"/>
+        </a:solidFill>
+        <a:latin typeface="+mn-lt"/>
+        <a:ea typeface="+mn-ea"/>
+        <a:cs typeface="+mn-cs"/>
+      </a:defRPr>
+    </a:lvl5pPr>
+    <a:lvl6pPr marL="2286000" algn="l" defTabSz="914400" rtl="0" eaLnBrk="1" latinLnBrk="0" hangingPunct="1">
+      <a:defRPr sz="1200" kern="1200">
+        <a:solidFill>
+          <a:schemeClr val="tx1"/>
+        </a:solidFill>
+        <a:latin typeface="+mn-lt"/>
+        <a:ea typeface="+mn-ea"/>
+        <a:cs typeface="+mn-cs"/>
+      </a:defRPr>
+    </a:lvl6pPr>
+    <a:lvl7pPr marL="2743200" algn="l" defTabSz="914400" rtl="0" eaLnBrk="1" latinLnBrk="0" hangingPunct="1">
+      <a:defRPr sz="1200" kern="1200">
+        <a:solidFill>
+          <a:schemeClr val="tx1"/>
+        </a:solidFill>
+        <a:latin typeface="+mn-lt"/>
+        <a:ea typeface="+mn-ea"/>
+        <a:cs typeface="+mn-cs"/>
+      </a:defRPr>
+    </a:lvl7pPr>
+    <a:lvl8pPr marL="3200400" algn="l" defTabSz="914400" rtl="0" eaLnBrk="1" latinLnBrk="0" hangingPunct="1">
+      <a:defRPr sz="1200" kern="1200">
+        <a:solidFill>
+          <a:schemeClr val="tx1"/>
+        </a:solidFill>
+        <a:latin typeface="+mn-lt"/>
+        <a:ea typeface="+mn-ea"/>
+        <a:cs typeface="+mn-cs"/>
+      </a:defRPr>
+    </a:lvl8pPr>
+    <a:lvl9pPr marL="3657600" algn="l" defTabSz="914400" rtl="0" eaLnBrk="1" latinLnBrk="0" hangingPunct="1">
+      <a:defRPr sz="1200" kern="1200">
+        <a:solidFill>
+          <a:schemeClr val="tx1"/>
+        </a:solidFill>
+        <a:latin typeface="+mn-lt"/>
+        <a:ea typeface="+mn-ea"/>
+        <a:cs typeface="+mn-cs"/>
+      </a:defRPr>
+    </a:lvl9pPr>
+  </p:notesStyle>
+</p:notesMaster>
+</file>
+
+<file path=ppt/notesSlides/notesSlide1.xml><?xml version="1.0" encoding="utf-8"?>
+<p:notes xmlns:a="http://schemas.openxmlformats.org/drawingml/2006/main" xmlns:r="http://schemas.openxmlformats.org/officeDocument/2006/relationships" xmlns:p="http://schemas.openxmlformats.org/presentationml/2006/main">
+  <p:cSld>
+    <p:spTree>
+      <p:nvGrpSpPr>
+        <p:cNvPr id="1" name=""/>
+        <p:cNvGrpSpPr/>
+        <p:nvPr/>
+      </p:nvGrpSpPr>
+      <p:grpSpPr>
+        <a:xfrm>
+          <a:off x="0" y="0"/>
+          <a:ext cx="0" cy="0"/>
+          <a:chOff x="0" y="0"/>
+          <a:chExt cx="0" cy="0"/>
+        </a:xfrm>
+      </p:grpSpPr>
+      <p:sp>
+        <p:nvSpPr>
+          <p:cNvPr id="2" name="Образ слайда 1"/>
+          <p:cNvSpPr>
+            <a:spLocks noGrp="1" noRot="1" noChangeAspect="1"/>
+          </p:cNvSpPr>
+          <p:nvPr>
+            <p:ph type="sldImg"/>
+          </p:nvPr>
+        </p:nvSpPr>
+        <p:spPr/>
+      </p:sp>
+      <p:sp>
+        <p:nvSpPr>
+          <p:cNvPr id="3" name="Заметки 2"/>
+          <p:cNvSpPr>
+            <a:spLocks noGrp="1"/>
+          </p:cNvSpPr>
+          <p:nvPr>
+            <p:ph type="body" idx="1"/>
+          </p:nvPr>
+        </p:nvSpPr>
+        <p:spPr/>
+        <p:txBody>
+          <a:bodyPr/>
+          <a:lstStyle/>
+          <a:p>
+            <a:endParaRPr lang="ru-RU" dirty="0"/>
+          </a:p>
+        </p:txBody>
+      </p:sp>
+      <p:sp>
+        <p:nvSpPr>
+          <p:cNvPr id="4" name="Номер слайда 3"/>
+          <p:cNvSpPr>
+            <a:spLocks noGrp="1"/>
+          </p:cNvSpPr>
+          <p:nvPr>
+            <p:ph type="sldNum" sz="quarter" idx="5"/>
+          </p:nvPr>
+        </p:nvSpPr>
+        <p:spPr/>
+        <p:txBody>
+          <a:bodyPr/>
+          <a:lstStyle/>
+          <a:p>
+            <a:fld id="{8E7CEAD6-F82D-4D51-A468-A5E8BCF03F54}" type="slidenum">
+              <a:rPr lang="ru-RU" smtClean="0"/>
+              <a:t>7</a:t>
+            </a:fld>
+            <a:endParaRPr lang="ru-RU"/>
+          </a:p>
+        </p:txBody>
+      </p:sp>
+    </p:spTree>
+    <p:extLst>
+      <p:ext uri="{BB962C8B-B14F-4D97-AF65-F5344CB8AC3E}">
+        <p14:creationId xmlns:p14="http://schemas.microsoft.com/office/powerpoint/2010/main" val="4024483678"/>
+      </p:ext>
+    </p:extLst>
+  </p:cSld>
+  <p:clrMapOvr>
+    <a:masterClrMapping/>
+  </p:clrMapOvr>
+</p:notes>
+</file>
+
+<file path=ppt/slideLayouts/slideLayout1.xml><?xml version="1.0" encoding="utf-8"?>
+<p:sldLayout xmlns:a="http://schemas.openxmlformats.org/drawingml/2006/main" xmlns:r="http://schemas.openxmlformats.org/officeDocument/2006/relationships" xmlns:p="http://schemas.openxmlformats.org/presentationml/2006/main" showMasterSp="0" type="title" preserve="1">
+  <p:cSld name="Титульный слайд">
+    <p:bg>
+      <p:bgPr>
+        <a:solidFill>
+          <a:schemeClr val="bg2"/>
+        </a:solidFill>
+        <a:effectLst/>
+      </p:bgPr>
+    </p:bg>
+    <p:spTree>
+      <p:nvGrpSpPr>
+        <p:cNvPr id="1" name=""/>
+        <p:cNvGrpSpPr/>
+        <p:nvPr/>
+      </p:nvGrpSpPr>
+      <p:grpSpPr>
+        <a:xfrm>
+          <a:off x="0" y="0"/>
+          <a:ext cx="0" cy="0"/>
+          <a:chOff x="0" y="0"/>
+          <a:chExt cx="0" cy="0"/>
+        </a:xfrm>
+      </p:grpSpPr>
+      <p:sp>
+        <p:nvSpPr>
+          <p:cNvPr id="2" name="Title 1"/>
           <p:cNvSpPr>
             <a:spLocks noGrp="1"/>
           </p:cNvSpPr>
@@ -158,15 +598,21 @@
         </p:nvSpPr>
         <p:spPr>
           <a:xfrm>
-            <a:off x="1524000" y="1122363"/>
-            <a:ext cx="9144000" cy="2387600"/>
-          </a:xfrm>
-        </p:spPr>
-        <p:txBody>
-          <a:bodyPr anchor="b"/>
+            <a:off x="1915128" y="1788454"/>
+            <a:ext cx="8361229" cy="2098226"/>
+          </a:xfrm>
+        </p:spPr>
+        <p:txBody>
+          <a:bodyPr anchor="b">
+            <a:noAutofit/>
+          </a:bodyPr>
           <a:lstStyle>
             <a:lvl1pPr algn="ctr">
-              <a:defRPr sz="6000"/>
+              <a:defRPr sz="7200" cap="all" baseline="0">
+                <a:solidFill>
+                  <a:schemeClr val="tx2"/>
+                </a:solidFill>
+              </a:defRPr>
             </a:lvl1pPr>
           </a:lstStyle>
           <a:p>
@@ -174,18 +620,13 @@
               <a:rPr lang="ru-RU"/>
               <a:t>Образец заголовка</a:t>
             </a:r>
-          </a:p>
-        </p:txBody>
-      </p:sp>
-      <p:sp>
-        <p:nvSpPr>
-          <p:cNvPr id="3" name="Подзаголовок 2">
-            <a:extLst>
-              <a:ext uri="{FF2B5EF4-FFF2-40B4-BE49-F238E27FC236}">
-                <a16:creationId xmlns:a16="http://schemas.microsoft.com/office/drawing/2014/main" id="{EAD5FC41-C507-5F7C-2DA5-BDE38EB4AC5D}"/>
-              </a:ext>
-            </a:extLst>
-          </p:cNvPr>
+            <a:endParaRPr lang="en-US" dirty="0"/>
+          </a:p>
+        </p:txBody>
+      </p:sp>
+      <p:sp>
+        <p:nvSpPr>
+          <p:cNvPr id="3" name="Subtitle 2"/>
           <p:cNvSpPr>
             <a:spLocks noGrp="1"/>
           </p:cNvSpPr>
@@ -195,16 +636,27 @@
         </p:nvSpPr>
         <p:spPr>
           <a:xfrm>
-            <a:off x="1524000" y="3602038"/>
-            <a:ext cx="9144000" cy="1655762"/>
-          </a:xfrm>
-        </p:spPr>
-        <p:txBody>
-          <a:bodyPr/>
+            <a:off x="2679906" y="3956279"/>
+            <a:ext cx="6831673" cy="1086237"/>
+          </a:xfrm>
+        </p:spPr>
+        <p:txBody>
+          <a:bodyPr>
+            <a:normAutofit/>
+          </a:bodyPr>
           <a:lstStyle>
             <a:lvl1pPr marL="0" indent="0" algn="ctr">
+              <a:lnSpc>
+                <a:spcPct val="112000"/>
+              </a:lnSpc>
+              <a:spcBef>
+                <a:spcPts val="0"/>
+              </a:spcBef>
+              <a:spcAft>
+                <a:spcPts val="0"/>
+              </a:spcAft>
               <a:buNone/>
-              <a:defRPr sz="2400"/>
+              <a:defRPr sz="2300"/>
             </a:lvl1pPr>
             <a:lvl2pPr marL="457200" indent="0" algn="ctr">
               <a:buNone/>
@@ -244,18 +696,13 @@
               <a:rPr lang="ru-RU"/>
               <a:t>Образец подзаголовка</a:t>
             </a:r>
-          </a:p>
-        </p:txBody>
-      </p:sp>
-      <p:sp>
-        <p:nvSpPr>
-          <p:cNvPr id="4" name="Дата 3">
-            <a:extLst>
-              <a:ext uri="{FF2B5EF4-FFF2-40B4-BE49-F238E27FC236}">
-                <a16:creationId xmlns:a16="http://schemas.microsoft.com/office/drawing/2014/main" id="{201F0784-3886-EBB2-14C2-BC18DC963DD2}"/>
-              </a:ext>
-            </a:extLst>
-          </p:cNvPr>
+            <a:endParaRPr lang="en-US" dirty="0"/>
+          </a:p>
+        </p:txBody>
+      </p:sp>
+      <p:sp>
+        <p:nvSpPr>
+          <p:cNvPr id="4" name="Date Placeholder 3"/>
           <p:cNvSpPr>
             <a:spLocks noGrp="1"/>
           </p:cNvSpPr>
@@ -263,10 +710,23 @@
             <p:ph type="dt" sz="half" idx="10"/>
           </p:nvPr>
         </p:nvSpPr>
-        <p:spPr/>
+        <p:spPr>
+          <a:xfrm>
+            <a:off x="752858" y="6453386"/>
+            <a:ext cx="1607944" cy="404614"/>
+          </a:xfrm>
+        </p:spPr>
         <p:txBody>
           <a:bodyPr/>
-          <a:lstStyle/>
+          <a:lstStyle>
+            <a:lvl1pPr>
+              <a:defRPr baseline="0">
+                <a:solidFill>
+                  <a:schemeClr val="tx2"/>
+                </a:solidFill>
+              </a:defRPr>
+            </a:lvl1pPr>
+          </a:lstStyle>
           <a:p>
             <a:fld id="{296FADEF-E30F-4358-8C1A-AA929F7F0BF4}" type="datetimeFigureOut">
               <a:rPr lang="ru-RU" smtClean="0"/>
@@ -278,13 +738,7 @@
       </p:sp>
       <p:sp>
         <p:nvSpPr>
-          <p:cNvPr id="5" name="Нижний колонтитул 4">
-            <a:extLst>
-              <a:ext uri="{FF2B5EF4-FFF2-40B4-BE49-F238E27FC236}">
-                <a16:creationId xmlns:a16="http://schemas.microsoft.com/office/drawing/2014/main" id="{DD9A17AB-554E-5407-CCC7-58694C979813}"/>
-              </a:ext>
-            </a:extLst>
-          </p:cNvPr>
+          <p:cNvPr id="5" name="Footer Placeholder 4"/>
           <p:cNvSpPr>
             <a:spLocks noGrp="1"/>
           </p:cNvSpPr>
@@ -292,10 +746,23 @@
             <p:ph type="ftr" sz="quarter" idx="11"/>
           </p:nvPr>
         </p:nvSpPr>
-        <p:spPr/>
+        <p:spPr>
+          <a:xfrm>
+            <a:off x="2584054" y="6453386"/>
+            <a:ext cx="7023377" cy="404614"/>
+          </a:xfrm>
+        </p:spPr>
         <p:txBody>
           <a:bodyPr/>
-          <a:lstStyle/>
+          <a:lstStyle>
+            <a:lvl1pPr algn="ctr">
+              <a:defRPr baseline="0">
+                <a:solidFill>
+                  <a:schemeClr val="tx2"/>
+                </a:solidFill>
+              </a:defRPr>
+            </a:lvl1pPr>
+          </a:lstStyle>
           <a:p>
             <a:endParaRPr lang="ru-RU"/>
           </a:p>
@@ -303,13 +770,7 @@
       </p:sp>
       <p:sp>
         <p:nvSpPr>
-          <p:cNvPr id="6" name="Номер слайда 5">
-            <a:extLst>
-              <a:ext uri="{FF2B5EF4-FFF2-40B4-BE49-F238E27FC236}">
-                <a16:creationId xmlns:a16="http://schemas.microsoft.com/office/drawing/2014/main" id="{2AE4E0B4-9A24-80B7-ADE5-9399E8E885C0}"/>
-              </a:ext>
-            </a:extLst>
-          </p:cNvPr>
+          <p:cNvPr id="6" name="Slide Number Placeholder 5"/>
           <p:cNvSpPr>
             <a:spLocks noGrp="1"/>
           </p:cNvSpPr>
@@ -317,10 +778,23 @@
             <p:ph type="sldNum" sz="quarter" idx="12"/>
           </p:nvPr>
         </p:nvSpPr>
-        <p:spPr/>
+        <p:spPr>
+          <a:xfrm>
+            <a:off x="9830683" y="6453386"/>
+            <a:ext cx="1596292" cy="404614"/>
+          </a:xfrm>
+        </p:spPr>
         <p:txBody>
           <a:bodyPr/>
-          <a:lstStyle/>
+          <a:lstStyle>
+            <a:lvl1pPr>
+              <a:defRPr baseline="0">
+                <a:solidFill>
+                  <a:schemeClr val="tx2"/>
+                </a:solidFill>
+              </a:defRPr>
+            </a:lvl1pPr>
+          </a:lstStyle>
           <a:p>
             <a:fld id="{93C70464-5529-42B8-84D7-B593B8B7E047}" type="slidenum">
               <a:rPr lang="ru-RU" smtClean="0"/>
@@ -330,15 +804,144 @@
           </a:p>
         </p:txBody>
       </p:sp>
+      <p:grpSp>
+        <p:nvGrpSpPr>
+          <p:cNvPr id="7" name="Group 6"/>
+          <p:cNvGrpSpPr/>
+          <p:nvPr/>
+        </p:nvGrpSpPr>
+        <p:grpSpPr>
+          <a:xfrm>
+            <a:off x="752858" y="744469"/>
+            <a:ext cx="10674117" cy="5349671"/>
+            <a:chOff x="752858" y="744469"/>
+            <a:chExt cx="10674117" cy="5349671"/>
+          </a:xfrm>
+        </p:grpSpPr>
+        <p:sp>
+          <p:nvSpPr>
+            <p:cNvPr id="11" name="Freeform 6"/>
+            <p:cNvSpPr/>
+            <p:nvPr/>
+          </p:nvSpPr>
+          <p:spPr bwMode="auto">
+            <a:xfrm>
+              <a:off x="8151962" y="1685652"/>
+              <a:ext cx="3275013" cy="4408488"/>
+            </a:xfrm>
+            <a:custGeom>
+              <a:avLst/>
+              <a:gdLst/>
+              <a:ahLst/>
+              <a:cxnLst/>
+              <a:rect l="l" t="t" r="r" b="b"/>
+              <a:pathLst>
+                <a:path w="10000" h="10000">
+                  <a:moveTo>
+                    <a:pt x="8761" y="0"/>
+                  </a:moveTo>
+                  <a:lnTo>
+                    <a:pt x="10000" y="0"/>
+                  </a:lnTo>
+                  <a:lnTo>
+                    <a:pt x="10000" y="10000"/>
+                  </a:lnTo>
+                  <a:lnTo>
+                    <a:pt x="0" y="10000"/>
+                  </a:lnTo>
+                  <a:lnTo>
+                    <a:pt x="0" y="9126"/>
+                  </a:lnTo>
+                  <a:lnTo>
+                    <a:pt x="8761" y="9127"/>
+                  </a:lnTo>
+                  <a:lnTo>
+                    <a:pt x="8761" y="0"/>
+                  </a:lnTo>
+                  <a:close/>
+                </a:path>
+              </a:pathLst>
+            </a:custGeom>
+            <a:solidFill>
+              <a:schemeClr val="tx2"/>
+            </a:solidFill>
+            <a:ln w="0">
+              <a:noFill/>
+              <a:prstDash val="solid"/>
+              <a:round/>
+              <a:headEnd/>
+              <a:tailEnd/>
+            </a:ln>
+          </p:spPr>
+        </p:sp>
+        <p:sp>
+          <p:nvSpPr>
+            <p:cNvPr id="14" name="Freeform 6"/>
+            <p:cNvSpPr/>
+            <p:nvPr/>
+          </p:nvSpPr>
+          <p:spPr bwMode="auto">
+            <a:xfrm flipH="1" flipV="1">
+              <a:off x="752858" y="744469"/>
+              <a:ext cx="3275668" cy="4408488"/>
+            </a:xfrm>
+            <a:custGeom>
+              <a:avLst/>
+              <a:gdLst/>
+              <a:ahLst/>
+              <a:cxnLst/>
+              <a:rect l="l" t="t" r="r" b="b"/>
+              <a:pathLst>
+                <a:path w="10002" h="10000">
+                  <a:moveTo>
+                    <a:pt x="8763" y="0"/>
+                  </a:moveTo>
+                  <a:lnTo>
+                    <a:pt x="10002" y="0"/>
+                  </a:lnTo>
+                  <a:lnTo>
+                    <a:pt x="10002" y="10000"/>
+                  </a:lnTo>
+                  <a:lnTo>
+                    <a:pt x="2" y="10000"/>
+                  </a:lnTo>
+                  <a:cubicBezTo>
+                    <a:pt x="-2" y="9698"/>
+                    <a:pt x="4" y="9427"/>
+                    <a:pt x="0" y="9125"/>
+                  </a:cubicBezTo>
+                  <a:lnTo>
+                    <a:pt x="8763" y="9128"/>
+                  </a:lnTo>
+                  <a:lnTo>
+                    <a:pt x="8763" y="0"/>
+                  </a:lnTo>
+                  <a:close/>
+                </a:path>
+              </a:pathLst>
+            </a:custGeom>
+            <a:solidFill>
+              <a:schemeClr val="tx2"/>
+            </a:solidFill>
+            <a:ln w="0">
+              <a:noFill/>
+              <a:prstDash val="solid"/>
+              <a:round/>
+              <a:headEnd/>
+              <a:tailEnd/>
+            </a:ln>
+          </p:spPr>
+        </p:sp>
+      </p:grpSp>
     </p:spTree>
     <p:extLst>
       <p:ext uri="{BB962C8B-B14F-4D97-AF65-F5344CB8AC3E}">
-        <p14:creationId xmlns:p14="http://schemas.microsoft.com/office/powerpoint/2010/main" val="2100263186"/>
+        <p14:creationId xmlns:p14="http://schemas.microsoft.com/office/powerpoint/2010/main" val="2746118247"/>
       </p:ext>
     </p:extLst>
   </p:cSld>
   <p:clrMapOvr>
-    <a:masterClrMapping/>
+    <a:overrideClrMapping bg1="lt1" tx1="dk1" bg2="lt2" tx2="dk2" accent1="accent1" accent2="accent2" accent3="accent3" accent4="accent4" accent5="accent5" accent6="accent6" hlink="hlink" folHlink="folHlink"/>
   </p:clrMapOvr>
 </p:sldLayout>
 </file>
@@ -362,13 +965,7 @@
       </p:grpSpPr>
       <p:sp>
         <p:nvSpPr>
-          <p:cNvPr id="2" name="Заголовок 1">
-            <a:extLst>
-              <a:ext uri="{FF2B5EF4-FFF2-40B4-BE49-F238E27FC236}">
-                <a16:creationId xmlns:a16="http://schemas.microsoft.com/office/drawing/2014/main" id="{C071F3C6-4883-FBE3-6D2A-195E1915057A}"/>
-              </a:ext>
-            </a:extLst>
-          </p:cNvPr>
+          <p:cNvPr id="2" name="Title 1"/>
           <p:cNvSpPr>
             <a:spLocks noGrp="1"/>
           </p:cNvSpPr>
@@ -385,18 +982,13 @@
               <a:rPr lang="ru-RU"/>
               <a:t>Образец заголовка</a:t>
             </a:r>
-          </a:p>
-        </p:txBody>
-      </p:sp>
-      <p:sp>
-        <p:nvSpPr>
-          <p:cNvPr id="3" name="Вертикальный текст 2">
-            <a:extLst>
-              <a:ext uri="{FF2B5EF4-FFF2-40B4-BE49-F238E27FC236}">
-                <a16:creationId xmlns:a16="http://schemas.microsoft.com/office/drawing/2014/main" id="{ACC16D68-C326-96CE-E5CF-8EA6DB31C3F7}"/>
-              </a:ext>
-            </a:extLst>
-          </p:cNvPr>
+            <a:endParaRPr lang="en-US" dirty="0"/>
+          </a:p>
+        </p:txBody>
+      </p:sp>
+      <p:sp>
+        <p:nvSpPr>
+          <p:cNvPr id="3" name="Vertical Text Placeholder 2"/>
           <p:cNvSpPr>
             <a:spLocks noGrp="1"/>
           </p:cNvSpPr>
@@ -404,7 +996,12 @@
             <p:ph type="body" orient="vert" idx="1"/>
           </p:nvPr>
         </p:nvSpPr>
-        <p:spPr/>
+        <p:spPr>
+          <a:xfrm>
+            <a:off x="1371600" y="2295525"/>
+            <a:ext cx="9601200" cy="3571875"/>
+          </a:xfrm>
+        </p:spPr>
         <p:txBody>
           <a:bodyPr vert="eaVert"/>
           <a:lstStyle/>
@@ -442,18 +1039,13 @@
               <a:rPr lang="ru-RU"/>
               <a:t>Пятый уровень</a:t>
             </a:r>
-          </a:p>
-        </p:txBody>
-      </p:sp>
-      <p:sp>
-        <p:nvSpPr>
-          <p:cNvPr id="4" name="Дата 3">
-            <a:extLst>
-              <a:ext uri="{FF2B5EF4-FFF2-40B4-BE49-F238E27FC236}">
-                <a16:creationId xmlns:a16="http://schemas.microsoft.com/office/drawing/2014/main" id="{44125EC7-682B-BA58-D17D-4D40C3C3C6C4}"/>
-              </a:ext>
-            </a:extLst>
-          </p:cNvPr>
+            <a:endParaRPr lang="en-US" dirty="0"/>
+          </a:p>
+        </p:txBody>
+      </p:sp>
+      <p:sp>
+        <p:nvSpPr>
+          <p:cNvPr id="4" name="Date Placeholder 3"/>
           <p:cNvSpPr>
             <a:spLocks noGrp="1"/>
           </p:cNvSpPr>
@@ -476,13 +1068,7 @@
       </p:sp>
       <p:sp>
         <p:nvSpPr>
-          <p:cNvPr id="5" name="Нижний колонтитул 4">
-            <a:extLst>
-              <a:ext uri="{FF2B5EF4-FFF2-40B4-BE49-F238E27FC236}">
-                <a16:creationId xmlns:a16="http://schemas.microsoft.com/office/drawing/2014/main" id="{7C5B8D0E-450D-7DD2-4F90-C06A13C4C1F7}"/>
-              </a:ext>
-            </a:extLst>
-          </p:cNvPr>
+          <p:cNvPr id="5" name="Footer Placeholder 4"/>
           <p:cNvSpPr>
             <a:spLocks noGrp="1"/>
           </p:cNvSpPr>
@@ -501,13 +1087,7 @@
       </p:sp>
       <p:sp>
         <p:nvSpPr>
-          <p:cNvPr id="6" name="Номер слайда 5">
-            <a:extLst>
-              <a:ext uri="{FF2B5EF4-FFF2-40B4-BE49-F238E27FC236}">
-                <a16:creationId xmlns:a16="http://schemas.microsoft.com/office/drawing/2014/main" id="{7A91D1CA-6F23-F8E3-CAA6-DEC7E60CC580}"/>
-              </a:ext>
-            </a:extLst>
-          </p:cNvPr>
+          <p:cNvPr id="6" name="Slide Number Placeholder 5"/>
           <p:cNvSpPr>
             <a:spLocks noGrp="1"/>
           </p:cNvSpPr>
@@ -531,7 +1111,7 @@
     </p:spTree>
     <p:extLst>
       <p:ext uri="{BB962C8B-B14F-4D97-AF65-F5344CB8AC3E}">
-        <p14:creationId xmlns:p14="http://schemas.microsoft.com/office/powerpoint/2010/main" val="399005080"/>
+        <p14:creationId xmlns:p14="http://schemas.microsoft.com/office/powerpoint/2010/main" val="1610464723"/>
       </p:ext>
     </p:extLst>
   </p:cSld>
@@ -560,13 +1140,7 @@
       </p:grpSpPr>
       <p:sp>
         <p:nvSpPr>
-          <p:cNvPr id="2" name="Вертикальный заголовок 1">
-            <a:extLst>
-              <a:ext uri="{FF2B5EF4-FFF2-40B4-BE49-F238E27FC236}">
-                <a16:creationId xmlns:a16="http://schemas.microsoft.com/office/drawing/2014/main" id="{C4D5F926-FF24-8CD6-9582-C74CFB4AFBF3}"/>
-              </a:ext>
-            </a:extLst>
-          </p:cNvPr>
+          <p:cNvPr id="2" name="Vertical Title 1"/>
           <p:cNvSpPr>
             <a:spLocks noGrp="1"/>
           </p:cNvSpPr>
@@ -576,8 +1150,8 @@
         </p:nvSpPr>
         <p:spPr>
           <a:xfrm>
-            <a:off x="8724900" y="365125"/>
-            <a:ext cx="2628900" cy="5811838"/>
+            <a:off x="9596561" y="624156"/>
+            <a:ext cx="1565766" cy="5243244"/>
           </a:xfrm>
         </p:spPr>
         <p:txBody>
@@ -588,18 +1162,13 @@
               <a:rPr lang="ru-RU"/>
               <a:t>Образец заголовка</a:t>
             </a:r>
-          </a:p>
-        </p:txBody>
-      </p:sp>
-      <p:sp>
-        <p:nvSpPr>
-          <p:cNvPr id="3" name="Вертикальный текст 2">
-            <a:extLst>
-              <a:ext uri="{FF2B5EF4-FFF2-40B4-BE49-F238E27FC236}">
-                <a16:creationId xmlns:a16="http://schemas.microsoft.com/office/drawing/2014/main" id="{2106B7C4-2488-00ED-9C9E-D441D31F7036}"/>
-              </a:ext>
-            </a:extLst>
-          </p:cNvPr>
+            <a:endParaRPr lang="en-US" dirty="0"/>
+          </a:p>
+        </p:txBody>
+      </p:sp>
+      <p:sp>
+        <p:nvSpPr>
+          <p:cNvPr id="3" name="Vertical Text Placeholder 2"/>
           <p:cNvSpPr>
             <a:spLocks noGrp="1"/>
           </p:cNvSpPr>
@@ -609,8 +1178,8 @@
         </p:nvSpPr>
         <p:spPr>
           <a:xfrm>
-            <a:off x="838200" y="365125"/>
-            <a:ext cx="7734300" cy="5811838"/>
+            <a:off x="1371600" y="624156"/>
+            <a:ext cx="8179641" cy="5243244"/>
           </a:xfrm>
         </p:spPr>
         <p:txBody>
@@ -650,18 +1219,13 @@
               <a:rPr lang="ru-RU"/>
               <a:t>Пятый уровень</a:t>
             </a:r>
-          </a:p>
-        </p:txBody>
-      </p:sp>
-      <p:sp>
-        <p:nvSpPr>
-          <p:cNvPr id="4" name="Дата 3">
-            <a:extLst>
-              <a:ext uri="{FF2B5EF4-FFF2-40B4-BE49-F238E27FC236}">
-                <a16:creationId xmlns:a16="http://schemas.microsoft.com/office/drawing/2014/main" id="{4BF135B2-193A-3512-5FA4-8131FAD0723E}"/>
-              </a:ext>
-            </a:extLst>
-          </p:cNvPr>
+            <a:endParaRPr lang="en-US" dirty="0"/>
+          </a:p>
+        </p:txBody>
+      </p:sp>
+      <p:sp>
+        <p:nvSpPr>
+          <p:cNvPr id="4" name="Date Placeholder 3"/>
           <p:cNvSpPr>
             <a:spLocks noGrp="1"/>
           </p:cNvSpPr>
@@ -684,13 +1248,7 @@
       </p:sp>
       <p:sp>
         <p:nvSpPr>
-          <p:cNvPr id="5" name="Нижний колонтитул 4">
-            <a:extLst>
-              <a:ext uri="{FF2B5EF4-FFF2-40B4-BE49-F238E27FC236}">
-                <a16:creationId xmlns:a16="http://schemas.microsoft.com/office/drawing/2014/main" id="{DE5C6FE7-944E-92B9-9C15-245CA39CBCF3}"/>
-              </a:ext>
-            </a:extLst>
-          </p:cNvPr>
+          <p:cNvPr id="5" name="Footer Placeholder 4"/>
           <p:cNvSpPr>
             <a:spLocks noGrp="1"/>
           </p:cNvSpPr>
@@ -709,13 +1267,7 @@
       </p:sp>
       <p:sp>
         <p:nvSpPr>
-          <p:cNvPr id="6" name="Номер слайда 5">
-            <a:extLst>
-              <a:ext uri="{FF2B5EF4-FFF2-40B4-BE49-F238E27FC236}">
-                <a16:creationId xmlns:a16="http://schemas.microsoft.com/office/drawing/2014/main" id="{A3E7BE72-B683-62A9-984C-E12301636917}"/>
-              </a:ext>
-            </a:extLst>
-          </p:cNvPr>
+          <p:cNvPr id="6" name="Slide Number Placeholder 5"/>
           <p:cNvSpPr>
             <a:spLocks noGrp="1"/>
           </p:cNvSpPr>
@@ -739,7 +1291,7 @@
     </p:spTree>
     <p:extLst>
       <p:ext uri="{BB962C8B-B14F-4D97-AF65-F5344CB8AC3E}">
-        <p14:creationId xmlns:p14="http://schemas.microsoft.com/office/powerpoint/2010/main" val="4167918796"/>
+        <p14:creationId xmlns:p14="http://schemas.microsoft.com/office/powerpoint/2010/main" val="3114732969"/>
       </p:ext>
     </p:extLst>
   </p:cSld>
@@ -768,13 +1320,7 @@
       </p:grpSpPr>
       <p:sp>
         <p:nvSpPr>
-          <p:cNvPr id="2" name="Заголовок 1">
-            <a:extLst>
-              <a:ext uri="{FF2B5EF4-FFF2-40B4-BE49-F238E27FC236}">
-                <a16:creationId xmlns:a16="http://schemas.microsoft.com/office/drawing/2014/main" id="{87769A5C-AFAF-74AB-BDB5-3A5DE82C92DB}"/>
-              </a:ext>
-            </a:extLst>
-          </p:cNvPr>
+          <p:cNvPr id="2" name="Title 1"/>
           <p:cNvSpPr>
             <a:spLocks noGrp="1"/>
           </p:cNvSpPr>
@@ -791,18 +1337,13 @@
               <a:rPr lang="ru-RU"/>
               <a:t>Образец заголовка</a:t>
             </a:r>
-          </a:p>
-        </p:txBody>
-      </p:sp>
-      <p:sp>
-        <p:nvSpPr>
-          <p:cNvPr id="3" name="Объект 2">
-            <a:extLst>
-              <a:ext uri="{FF2B5EF4-FFF2-40B4-BE49-F238E27FC236}">
-                <a16:creationId xmlns:a16="http://schemas.microsoft.com/office/drawing/2014/main" id="{44138DA6-307B-4772-672C-6E7D4472804E}"/>
-              </a:ext>
-            </a:extLst>
-          </p:cNvPr>
+            <a:endParaRPr lang="en-US" dirty="0"/>
+          </a:p>
+        </p:txBody>
+      </p:sp>
+      <p:sp>
+        <p:nvSpPr>
+          <p:cNvPr id="3" name="Content Placeholder 2"/>
           <p:cNvSpPr>
             <a:spLocks noGrp="1"/>
           </p:cNvSpPr>
@@ -848,18 +1389,13 @@
               <a:rPr lang="ru-RU"/>
               <a:t>Пятый уровень</a:t>
             </a:r>
-          </a:p>
-        </p:txBody>
-      </p:sp>
-      <p:sp>
-        <p:nvSpPr>
-          <p:cNvPr id="4" name="Дата 3">
-            <a:extLst>
-              <a:ext uri="{FF2B5EF4-FFF2-40B4-BE49-F238E27FC236}">
-                <a16:creationId xmlns:a16="http://schemas.microsoft.com/office/drawing/2014/main" id="{691EBEAB-0092-2B51-979A-91FED523E9A1}"/>
-              </a:ext>
-            </a:extLst>
-          </p:cNvPr>
+            <a:endParaRPr lang="en-US" dirty="0"/>
+          </a:p>
+        </p:txBody>
+      </p:sp>
+      <p:sp>
+        <p:nvSpPr>
+          <p:cNvPr id="4" name="Date Placeholder 3"/>
           <p:cNvSpPr>
             <a:spLocks noGrp="1"/>
           </p:cNvSpPr>
@@ -882,13 +1418,7 @@
       </p:sp>
       <p:sp>
         <p:nvSpPr>
-          <p:cNvPr id="5" name="Нижний колонтитул 4">
-            <a:extLst>
-              <a:ext uri="{FF2B5EF4-FFF2-40B4-BE49-F238E27FC236}">
-                <a16:creationId xmlns:a16="http://schemas.microsoft.com/office/drawing/2014/main" id="{33ED17C2-6C94-7565-C462-55F0F3DD1DC4}"/>
-              </a:ext>
-            </a:extLst>
-          </p:cNvPr>
+          <p:cNvPr id="5" name="Footer Placeholder 4"/>
           <p:cNvSpPr>
             <a:spLocks noGrp="1"/>
           </p:cNvSpPr>
@@ -907,13 +1437,7 @@
       </p:sp>
       <p:sp>
         <p:nvSpPr>
-          <p:cNvPr id="6" name="Номер слайда 5">
-            <a:extLst>
-              <a:ext uri="{FF2B5EF4-FFF2-40B4-BE49-F238E27FC236}">
-                <a16:creationId xmlns:a16="http://schemas.microsoft.com/office/drawing/2014/main" id="{9C1C2214-C4D9-E7FB-0D68-279639F374A5}"/>
-              </a:ext>
-            </a:extLst>
-          </p:cNvPr>
+          <p:cNvPr id="6" name="Slide Number Placeholder 5"/>
           <p:cNvSpPr>
             <a:spLocks noGrp="1"/>
           </p:cNvSpPr>
@@ -937,7 +1461,7 @@
     </p:spTree>
     <p:extLst>
       <p:ext uri="{BB962C8B-B14F-4D97-AF65-F5344CB8AC3E}">
-        <p14:creationId xmlns:p14="http://schemas.microsoft.com/office/powerpoint/2010/main" val="4245528098"/>
+        <p14:creationId xmlns:p14="http://schemas.microsoft.com/office/powerpoint/2010/main" val="1970356116"/>
       </p:ext>
     </p:extLst>
   </p:cSld>
@@ -948,8 +1472,13 @@
 </file>
 
 <file path=ppt/slideLayouts/slideLayout3.xml><?xml version="1.0" encoding="utf-8"?>
-<p:sldLayout xmlns:a="http://schemas.openxmlformats.org/drawingml/2006/main" xmlns:r="http://schemas.openxmlformats.org/officeDocument/2006/relationships" xmlns:p="http://schemas.openxmlformats.org/presentationml/2006/main" type="secHead" preserve="1">
+<p:sldLayout xmlns:a="http://schemas.openxmlformats.org/drawingml/2006/main" xmlns:r="http://schemas.openxmlformats.org/officeDocument/2006/relationships" xmlns:p="http://schemas.openxmlformats.org/presentationml/2006/main" showMasterSp="0" type="secHead" preserve="1">
   <p:cSld name="Заголовок раздела">
+    <p:bg>
+      <p:bgRef idx="1001">
+        <a:schemeClr val="bg2"/>
+      </p:bgRef>
+    </p:bg>
     <p:spTree>
       <p:nvGrpSpPr>
         <p:cNvPr id="1" name=""/>
@@ -966,13 +1495,7 @@
       </p:grpSpPr>
       <p:sp>
         <p:nvSpPr>
-          <p:cNvPr id="2" name="Заголовок 1">
-            <a:extLst>
-              <a:ext uri="{FF2B5EF4-FFF2-40B4-BE49-F238E27FC236}">
-                <a16:creationId xmlns:a16="http://schemas.microsoft.com/office/drawing/2014/main" id="{04960667-6EE8-39D6-33AC-DCAD1283DD6C}"/>
-              </a:ext>
-            </a:extLst>
-          </p:cNvPr>
+          <p:cNvPr id="2" name="Title 1"/>
           <p:cNvSpPr>
             <a:spLocks noGrp="1"/>
           </p:cNvSpPr>
@@ -982,15 +1505,21 @@
         </p:nvSpPr>
         <p:spPr>
           <a:xfrm>
-            <a:off x="831850" y="1709738"/>
-            <a:ext cx="10515600" cy="2852737"/>
-          </a:xfrm>
-        </p:spPr>
-        <p:txBody>
-          <a:bodyPr anchor="b"/>
+            <a:off x="765025" y="1301360"/>
+            <a:ext cx="9612971" cy="2852737"/>
+          </a:xfrm>
+        </p:spPr>
+        <p:txBody>
+          <a:bodyPr anchor="b">
+            <a:normAutofit/>
+          </a:bodyPr>
           <a:lstStyle>
-            <a:lvl1pPr>
-              <a:defRPr sz="6000"/>
+            <a:lvl1pPr algn="r">
+              <a:defRPr sz="7200" cap="all" baseline="0">
+                <a:solidFill>
+                  <a:schemeClr val="tx2"/>
+                </a:solidFill>
+              </a:defRPr>
             </a:lvl1pPr>
           </a:lstStyle>
           <a:p>
@@ -998,18 +1527,13 @@
               <a:rPr lang="ru-RU"/>
               <a:t>Образец заголовка</a:t>
             </a:r>
-          </a:p>
-        </p:txBody>
-      </p:sp>
-      <p:sp>
-        <p:nvSpPr>
-          <p:cNvPr id="3" name="Текст 2">
-            <a:extLst>
-              <a:ext uri="{FF2B5EF4-FFF2-40B4-BE49-F238E27FC236}">
-                <a16:creationId xmlns:a16="http://schemas.microsoft.com/office/drawing/2014/main" id="{EA02C0E1-2CA5-DFBF-9857-5BF028B954AE}"/>
-              </a:ext>
-            </a:extLst>
-          </p:cNvPr>
+            <a:endParaRPr lang="en-US" dirty="0"/>
+          </a:p>
+        </p:txBody>
+      </p:sp>
+      <p:sp>
+        <p:nvSpPr>
+          <p:cNvPr id="3" name="Text Placeholder 2"/>
           <p:cNvSpPr>
             <a:spLocks noGrp="1"/>
           </p:cNvSpPr>
@@ -1019,20 +1543,27 @@
         </p:nvSpPr>
         <p:spPr>
           <a:xfrm>
-            <a:off x="831850" y="4589463"/>
-            <a:ext cx="10515600" cy="1500187"/>
+            <a:off x="765025" y="4216328"/>
+            <a:ext cx="9612971" cy="1143324"/>
           </a:xfrm>
         </p:spPr>
         <p:txBody>
           <a:bodyPr/>
           <a:lstStyle>
-            <a:lvl1pPr marL="0" indent="0">
+            <a:lvl1pPr marL="0" indent="0" algn="r">
+              <a:lnSpc>
+                <a:spcPct val="112000"/>
+              </a:lnSpc>
+              <a:spcBef>
+                <a:spcPts val="0"/>
+              </a:spcBef>
+              <a:spcAft>
+                <a:spcPts val="0"/>
+              </a:spcAft>
               <a:buNone/>
               <a:defRPr sz="2400">
                 <a:solidFill>
-                  <a:schemeClr val="tx1">
-                    <a:tint val="75000"/>
-                  </a:schemeClr>
+                  <a:schemeClr val="tx2"/>
                 </a:solidFill>
               </a:defRPr>
             </a:lvl1pPr>
@@ -1128,13 +1659,7 @@
       </p:sp>
       <p:sp>
         <p:nvSpPr>
-          <p:cNvPr id="4" name="Дата 3">
-            <a:extLst>
-              <a:ext uri="{FF2B5EF4-FFF2-40B4-BE49-F238E27FC236}">
-                <a16:creationId xmlns:a16="http://schemas.microsoft.com/office/drawing/2014/main" id="{892C38A6-418F-947F-9300-69698714F715}"/>
-              </a:ext>
-            </a:extLst>
-          </p:cNvPr>
+          <p:cNvPr id="4" name="Date Placeholder 3"/>
           <p:cNvSpPr>
             <a:spLocks noGrp="1"/>
           </p:cNvSpPr>
@@ -1142,10 +1667,23 @@
             <p:ph type="dt" sz="half" idx="10"/>
           </p:nvPr>
         </p:nvSpPr>
-        <p:spPr/>
+        <p:spPr>
+          <a:xfrm>
+            <a:off x="738908" y="6453386"/>
+            <a:ext cx="1622409" cy="404614"/>
+          </a:xfrm>
+        </p:spPr>
         <p:txBody>
           <a:bodyPr/>
-          <a:lstStyle/>
+          <a:lstStyle>
+            <a:lvl1pPr>
+              <a:defRPr>
+                <a:solidFill>
+                  <a:schemeClr val="tx2"/>
+                </a:solidFill>
+              </a:defRPr>
+            </a:lvl1pPr>
+          </a:lstStyle>
           <a:p>
             <a:fld id="{296FADEF-E30F-4358-8C1A-AA929F7F0BF4}" type="datetimeFigureOut">
               <a:rPr lang="ru-RU" smtClean="0"/>
@@ -1157,13 +1695,7 @@
       </p:sp>
       <p:sp>
         <p:nvSpPr>
-          <p:cNvPr id="5" name="Нижний колонтитул 4">
-            <a:extLst>
-              <a:ext uri="{FF2B5EF4-FFF2-40B4-BE49-F238E27FC236}">
-                <a16:creationId xmlns:a16="http://schemas.microsoft.com/office/drawing/2014/main" id="{8F153870-B646-A530-C2E9-0AB1AD3A2743}"/>
-              </a:ext>
-            </a:extLst>
-          </p:cNvPr>
+          <p:cNvPr id="5" name="Footer Placeholder 4"/>
           <p:cNvSpPr>
             <a:spLocks noGrp="1"/>
           </p:cNvSpPr>
@@ -1171,10 +1703,23 @@
             <p:ph type="ftr" sz="quarter" idx="11"/>
           </p:nvPr>
         </p:nvSpPr>
-        <p:spPr/>
+        <p:spPr>
+          <a:xfrm>
+            <a:off x="2584312" y="6453386"/>
+            <a:ext cx="7023377" cy="404614"/>
+          </a:xfrm>
+        </p:spPr>
         <p:txBody>
           <a:bodyPr/>
-          <a:lstStyle/>
+          <a:lstStyle>
+            <a:lvl1pPr algn="ctr">
+              <a:defRPr>
+                <a:solidFill>
+                  <a:schemeClr val="tx2"/>
+                </a:solidFill>
+              </a:defRPr>
+            </a:lvl1pPr>
+          </a:lstStyle>
           <a:p>
             <a:endParaRPr lang="ru-RU"/>
           </a:p>
@@ -1182,13 +1727,7 @@
       </p:sp>
       <p:sp>
         <p:nvSpPr>
-          <p:cNvPr id="6" name="Номер слайда 5">
-            <a:extLst>
-              <a:ext uri="{FF2B5EF4-FFF2-40B4-BE49-F238E27FC236}">
-                <a16:creationId xmlns:a16="http://schemas.microsoft.com/office/drawing/2014/main" id="{7D767C33-16E2-82E8-CA57-B38AA81BFB00}"/>
-              </a:ext>
-            </a:extLst>
-          </p:cNvPr>
+          <p:cNvPr id="6" name="Slide Number Placeholder 5"/>
           <p:cNvSpPr>
             <a:spLocks noGrp="1"/>
           </p:cNvSpPr>
@@ -1196,10 +1735,23 @@
             <p:ph type="sldNum" sz="quarter" idx="12"/>
           </p:nvPr>
         </p:nvSpPr>
-        <p:spPr/>
+        <p:spPr>
+          <a:xfrm>
+            <a:off x="9830683" y="6453386"/>
+            <a:ext cx="1596292" cy="404614"/>
+          </a:xfrm>
+        </p:spPr>
         <p:txBody>
           <a:bodyPr/>
-          <a:lstStyle/>
+          <a:lstStyle>
+            <a:lvl1pPr>
+              <a:defRPr>
+                <a:solidFill>
+                  <a:schemeClr val="tx2"/>
+                </a:solidFill>
+              </a:defRPr>
+            </a:lvl1pPr>
+          </a:lstStyle>
           <a:p>
             <a:fld id="{93C70464-5529-42B8-84D7-B593B8B7E047}" type="slidenum">
               <a:rPr lang="ru-RU" smtClean="0"/>
@@ -1209,15 +1761,71 @@
           </a:p>
         </p:txBody>
       </p:sp>
+      <p:sp>
+        <p:nvSpPr>
+          <p:cNvPr id="7" name="Freeform 6" title="Crop Mark"/>
+          <p:cNvSpPr/>
+          <p:nvPr/>
+        </p:nvSpPr>
+        <p:spPr bwMode="auto">
+          <a:xfrm>
+            <a:off x="8151962" y="1685652"/>
+            <a:ext cx="3275013" cy="4408488"/>
+          </a:xfrm>
+          <a:custGeom>
+            <a:avLst/>
+            <a:gdLst/>
+            <a:ahLst/>
+            <a:cxnLst/>
+            <a:rect l="0" t="0" r="r" b="b"/>
+            <a:pathLst>
+              <a:path w="4125" h="5554">
+                <a:moveTo>
+                  <a:pt x="3614" y="0"/>
+                </a:moveTo>
+                <a:lnTo>
+                  <a:pt x="4125" y="0"/>
+                </a:lnTo>
+                <a:lnTo>
+                  <a:pt x="4125" y="5554"/>
+                </a:lnTo>
+                <a:lnTo>
+                  <a:pt x="0" y="5554"/>
+                </a:lnTo>
+                <a:lnTo>
+                  <a:pt x="0" y="5074"/>
+                </a:lnTo>
+                <a:lnTo>
+                  <a:pt x="3614" y="5074"/>
+                </a:lnTo>
+                <a:lnTo>
+                  <a:pt x="3614" y="0"/>
+                </a:lnTo>
+                <a:close/>
+              </a:path>
+            </a:pathLst>
+          </a:custGeom>
+          <a:solidFill>
+            <a:schemeClr val="tx2"/>
+          </a:solidFill>
+          <a:ln w="0">
+            <a:noFill/>
+            <a:prstDash val="solid"/>
+            <a:round/>
+            <a:headEnd/>
+            <a:tailEnd/>
+          </a:ln>
+        </p:spPr>
+      </p:sp>
     </p:spTree>
     <p:extLst>
       <p:ext uri="{BB962C8B-B14F-4D97-AF65-F5344CB8AC3E}">
-        <p14:creationId xmlns:p14="http://schemas.microsoft.com/office/powerpoint/2010/main" val="3338933758"/>
+        <p14:creationId xmlns:p14="http://schemas.microsoft.com/office/powerpoint/2010/main" val="3146365586"/>
       </p:ext>
     </p:extLst>
   </p:cSld>
   <p:clrMapOvr>
-    <a:masterClrMapping/>
+    <a:overrideClrMapping bg1="dk1" tx1="lt1" bg2="dk2" tx2="lt2" accent1="accent1" accent2="accent2" accent3="accent3" accent4="accent4" accent5="accent5" accent6="accent6" hlink="hlink" folHlink="folHlink"/>
   </p:clrMapOvr>
 </p:sldLayout>
 </file>
@@ -1241,13 +1849,7 @@
       </p:grpSpPr>
       <p:sp>
         <p:nvSpPr>
-          <p:cNvPr id="2" name="Заголовок 1">
-            <a:extLst>
-              <a:ext uri="{FF2B5EF4-FFF2-40B4-BE49-F238E27FC236}">
-                <a16:creationId xmlns:a16="http://schemas.microsoft.com/office/drawing/2014/main" id="{F8B80B92-4CD5-582F-D4DF-15254F20DF41}"/>
-              </a:ext>
-            </a:extLst>
-          </p:cNvPr>
+          <p:cNvPr id="2" name="Title 1"/>
           <p:cNvSpPr>
             <a:spLocks noGrp="1"/>
           </p:cNvSpPr>
@@ -1258,24 +1860,27 @@
         <p:spPr/>
         <p:txBody>
           <a:bodyPr/>
-          <a:lstStyle/>
+          <a:lstStyle>
+            <a:lvl1pPr>
+              <a:defRPr>
+                <a:solidFill>
+                  <a:schemeClr val="tx2"/>
+                </a:solidFill>
+              </a:defRPr>
+            </a:lvl1pPr>
+          </a:lstStyle>
           <a:p>
             <a:r>
               <a:rPr lang="ru-RU"/>
               <a:t>Образец заголовка</a:t>
             </a:r>
-          </a:p>
-        </p:txBody>
-      </p:sp>
-      <p:sp>
-        <p:nvSpPr>
-          <p:cNvPr id="3" name="Объект 2">
-            <a:extLst>
-              <a:ext uri="{FF2B5EF4-FFF2-40B4-BE49-F238E27FC236}">
-                <a16:creationId xmlns:a16="http://schemas.microsoft.com/office/drawing/2014/main" id="{E43CA699-5D9B-E26A-D284-3905D3161B68}"/>
-              </a:ext>
-            </a:extLst>
-          </p:cNvPr>
+            <a:endParaRPr lang="en-US" dirty="0"/>
+          </a:p>
+        </p:txBody>
+      </p:sp>
+      <p:sp>
+        <p:nvSpPr>
+          <p:cNvPr id="3" name="Content Placeholder 2"/>
           <p:cNvSpPr>
             <a:spLocks noGrp="1"/>
           </p:cNvSpPr>
@@ -1285,13 +1890,49 @@
         </p:nvSpPr>
         <p:spPr>
           <a:xfrm>
-            <a:off x="838200" y="1825625"/>
-            <a:ext cx="5181600" cy="4351338"/>
+            <a:off x="1371600" y="2285999"/>
+            <a:ext cx="4447786" cy="3581401"/>
           </a:xfrm>
         </p:spPr>
         <p:txBody>
           <a:bodyPr/>
-          <a:lstStyle/>
+          <a:lstStyle>
+            <a:lvl1pPr>
+              <a:defRPr baseline="0">
+                <a:solidFill>
+                  <a:schemeClr val="tx2"/>
+                </a:solidFill>
+              </a:defRPr>
+            </a:lvl1pPr>
+            <a:lvl2pPr>
+              <a:defRPr baseline="0">
+                <a:solidFill>
+                  <a:schemeClr val="tx2"/>
+                </a:solidFill>
+              </a:defRPr>
+            </a:lvl2pPr>
+            <a:lvl3pPr>
+              <a:defRPr baseline="0">
+                <a:solidFill>
+                  <a:schemeClr val="tx2"/>
+                </a:solidFill>
+              </a:defRPr>
+            </a:lvl3pPr>
+            <a:lvl4pPr>
+              <a:defRPr baseline="0">
+                <a:solidFill>
+                  <a:schemeClr val="tx2"/>
+                </a:solidFill>
+              </a:defRPr>
+            </a:lvl4pPr>
+            <a:lvl5pPr>
+              <a:defRPr baseline="0">
+                <a:solidFill>
+                  <a:schemeClr val="tx2"/>
+                </a:solidFill>
+              </a:defRPr>
+            </a:lvl5pPr>
+          </a:lstStyle>
           <a:p>
             <a:pPr lvl="0"/>
             <a:r>
@@ -1326,18 +1967,13 @@
               <a:rPr lang="ru-RU"/>
               <a:t>Пятый уровень</a:t>
             </a:r>
-          </a:p>
-        </p:txBody>
-      </p:sp>
-      <p:sp>
-        <p:nvSpPr>
-          <p:cNvPr id="4" name="Объект 3">
-            <a:extLst>
-              <a:ext uri="{FF2B5EF4-FFF2-40B4-BE49-F238E27FC236}">
-                <a16:creationId xmlns:a16="http://schemas.microsoft.com/office/drawing/2014/main" id="{73E7A96C-1096-1BD7-D824-595252318403}"/>
-              </a:ext>
-            </a:extLst>
-          </p:cNvPr>
+            <a:endParaRPr lang="en-US" dirty="0"/>
+          </a:p>
+        </p:txBody>
+      </p:sp>
+      <p:sp>
+        <p:nvSpPr>
+          <p:cNvPr id="4" name="Content Placeholder 3"/>
           <p:cNvSpPr>
             <a:spLocks noGrp="1"/>
           </p:cNvSpPr>
@@ -1347,13 +1983,49 @@
         </p:nvSpPr>
         <p:spPr>
           <a:xfrm>
-            <a:off x="6172200" y="1825625"/>
-            <a:ext cx="5181600" cy="4351338"/>
+            <a:off x="6525403" y="2285999"/>
+            <a:ext cx="4447786" cy="3581401"/>
           </a:xfrm>
         </p:spPr>
         <p:txBody>
           <a:bodyPr/>
-          <a:lstStyle/>
+          <a:lstStyle>
+            <a:lvl1pPr>
+              <a:defRPr>
+                <a:solidFill>
+                  <a:schemeClr val="tx2"/>
+                </a:solidFill>
+              </a:defRPr>
+            </a:lvl1pPr>
+            <a:lvl2pPr>
+              <a:defRPr>
+                <a:solidFill>
+                  <a:schemeClr val="tx2"/>
+                </a:solidFill>
+              </a:defRPr>
+            </a:lvl2pPr>
+            <a:lvl3pPr>
+              <a:defRPr>
+                <a:solidFill>
+                  <a:schemeClr val="tx2"/>
+                </a:solidFill>
+              </a:defRPr>
+            </a:lvl3pPr>
+            <a:lvl4pPr>
+              <a:defRPr>
+                <a:solidFill>
+                  <a:schemeClr val="tx2"/>
+                </a:solidFill>
+              </a:defRPr>
+            </a:lvl4pPr>
+            <a:lvl5pPr>
+              <a:defRPr>
+                <a:solidFill>
+                  <a:schemeClr val="tx2"/>
+                </a:solidFill>
+              </a:defRPr>
+            </a:lvl5pPr>
+          </a:lstStyle>
           <a:p>
             <a:pPr lvl="0"/>
             <a:r>
@@ -1388,18 +2060,13 @@
               <a:rPr lang="ru-RU"/>
               <a:t>Пятый уровень</a:t>
             </a:r>
-          </a:p>
-        </p:txBody>
-      </p:sp>
-      <p:sp>
-        <p:nvSpPr>
-          <p:cNvPr id="5" name="Дата 4">
-            <a:extLst>
-              <a:ext uri="{FF2B5EF4-FFF2-40B4-BE49-F238E27FC236}">
-                <a16:creationId xmlns:a16="http://schemas.microsoft.com/office/drawing/2014/main" id="{76F0B618-9D6F-5375-F786-F4C633907E2D}"/>
-              </a:ext>
-            </a:extLst>
-          </p:cNvPr>
+            <a:endParaRPr lang="en-US" dirty="0"/>
+          </a:p>
+        </p:txBody>
+      </p:sp>
+      <p:sp>
+        <p:nvSpPr>
+          <p:cNvPr id="5" name="Date Placeholder 4"/>
           <p:cNvSpPr>
             <a:spLocks noGrp="1"/>
           </p:cNvSpPr>
@@ -1422,13 +2089,7 @@
       </p:sp>
       <p:sp>
         <p:nvSpPr>
-          <p:cNvPr id="6" name="Нижний колонтитул 5">
-            <a:extLst>
-              <a:ext uri="{FF2B5EF4-FFF2-40B4-BE49-F238E27FC236}">
-                <a16:creationId xmlns:a16="http://schemas.microsoft.com/office/drawing/2014/main" id="{DCE0B29A-81D6-0441-8A08-8A2B75B2490B}"/>
-              </a:ext>
-            </a:extLst>
-          </p:cNvPr>
+          <p:cNvPr id="6" name="Footer Placeholder 5"/>
           <p:cNvSpPr>
             <a:spLocks noGrp="1"/>
           </p:cNvSpPr>
@@ -1447,13 +2108,7 @@
       </p:sp>
       <p:sp>
         <p:nvSpPr>
-          <p:cNvPr id="7" name="Номер слайда 6">
-            <a:extLst>
-              <a:ext uri="{FF2B5EF4-FFF2-40B4-BE49-F238E27FC236}">
-                <a16:creationId xmlns:a16="http://schemas.microsoft.com/office/drawing/2014/main" id="{1B7AA77C-CDF2-9F67-EAEC-C6AA689518DB}"/>
-              </a:ext>
-            </a:extLst>
-          </p:cNvPr>
+          <p:cNvPr id="7" name="Slide Number Placeholder 6"/>
           <p:cNvSpPr>
             <a:spLocks noGrp="1"/>
           </p:cNvSpPr>
@@ -1477,7 +2132,7 @@
     </p:spTree>
     <p:extLst>
       <p:ext uri="{BB962C8B-B14F-4D97-AF65-F5344CB8AC3E}">
-        <p14:creationId xmlns:p14="http://schemas.microsoft.com/office/powerpoint/2010/main" val="1818342944"/>
+        <p14:creationId xmlns:p14="http://schemas.microsoft.com/office/powerpoint/2010/main" val="2928727686"/>
       </p:ext>
     </p:extLst>
   </p:cSld>
@@ -1506,13 +2161,7 @@
       </p:grpSpPr>
       <p:sp>
         <p:nvSpPr>
-          <p:cNvPr id="2" name="Заголовок 1">
-            <a:extLst>
-              <a:ext uri="{FF2B5EF4-FFF2-40B4-BE49-F238E27FC236}">
-                <a16:creationId xmlns:a16="http://schemas.microsoft.com/office/drawing/2014/main" id="{F216CC35-AA18-EEDF-9FD1-DA5C041D9A5D}"/>
-              </a:ext>
-            </a:extLst>
-          </p:cNvPr>
+          <p:cNvPr id="2" name="Title 1"/>
           <p:cNvSpPr>
             <a:spLocks noGrp="1"/>
           </p:cNvSpPr>
@@ -1522,30 +2171,33 @@
         </p:nvSpPr>
         <p:spPr>
           <a:xfrm>
-            <a:off x="839788" y="365125"/>
-            <a:ext cx="10515600" cy="1325563"/>
+            <a:off x="1371600" y="685800"/>
+            <a:ext cx="9601200" cy="1485900"/>
           </a:xfrm>
         </p:spPr>
         <p:txBody>
           <a:bodyPr/>
-          <a:lstStyle/>
+          <a:lstStyle>
+            <a:lvl1pPr>
+              <a:defRPr>
+                <a:solidFill>
+                  <a:schemeClr val="tx2"/>
+                </a:solidFill>
+              </a:defRPr>
+            </a:lvl1pPr>
+          </a:lstStyle>
           <a:p>
             <a:r>
               <a:rPr lang="ru-RU"/>
               <a:t>Образец заголовка</a:t>
             </a:r>
-          </a:p>
-        </p:txBody>
-      </p:sp>
-      <p:sp>
-        <p:nvSpPr>
-          <p:cNvPr id="3" name="Текст 2">
-            <a:extLst>
-              <a:ext uri="{FF2B5EF4-FFF2-40B4-BE49-F238E27FC236}">
-                <a16:creationId xmlns:a16="http://schemas.microsoft.com/office/drawing/2014/main" id="{65A352A2-8EA6-53A7-B026-B99F9DF2BB37}"/>
-              </a:ext>
-            </a:extLst>
-          </p:cNvPr>
+            <a:endParaRPr lang="en-US" dirty="0"/>
+          </a:p>
+        </p:txBody>
+      </p:sp>
+      <p:sp>
+        <p:nvSpPr>
+          <p:cNvPr id="3" name="Text Placeholder 2"/>
           <p:cNvSpPr>
             <a:spLocks noGrp="1"/>
           </p:cNvSpPr>
@@ -1555,16 +2207,31 @@
         </p:nvSpPr>
         <p:spPr>
           <a:xfrm>
-            <a:off x="839788" y="1681163"/>
-            <a:ext cx="5157787" cy="823912"/>
-          </a:xfrm>
-        </p:spPr>
-        <p:txBody>
-          <a:bodyPr anchor="b"/>
+            <a:off x="1371600" y="2340864"/>
+            <a:ext cx="4443984" cy="823912"/>
+          </a:xfrm>
+        </p:spPr>
+        <p:txBody>
+          <a:bodyPr anchor="b">
+            <a:noAutofit/>
+          </a:bodyPr>
           <a:lstStyle>
             <a:lvl1pPr marL="0" indent="0">
+              <a:lnSpc>
+                <a:spcPct val="84000"/>
+              </a:lnSpc>
+              <a:spcBef>
+                <a:spcPts val="0"/>
+              </a:spcBef>
+              <a:spcAft>
+                <a:spcPts val="0"/>
+              </a:spcAft>
               <a:buNone/>
-              <a:defRPr sz="2400" b="1"/>
+              <a:defRPr sz="3000" b="0" baseline="0">
+                <a:solidFill>
+                  <a:schemeClr val="tx2"/>
+                </a:solidFill>
+              </a:defRPr>
             </a:lvl1pPr>
             <a:lvl2pPr marL="457200" indent="0">
               <a:buNone/>
@@ -1610,13 +2277,7 @@
       </p:sp>
       <p:sp>
         <p:nvSpPr>
-          <p:cNvPr id="4" name="Объект 3">
-            <a:extLst>
-              <a:ext uri="{FF2B5EF4-FFF2-40B4-BE49-F238E27FC236}">
-                <a16:creationId xmlns:a16="http://schemas.microsoft.com/office/drawing/2014/main" id="{77808792-129C-CF1B-5D6D-1A08DCFA952C}"/>
-              </a:ext>
-            </a:extLst>
-          </p:cNvPr>
+          <p:cNvPr id="4" name="Content Placeholder 3"/>
           <p:cNvSpPr>
             <a:spLocks noGrp="1"/>
           </p:cNvSpPr>
@@ -1626,13 +2287,49 @@
         </p:nvSpPr>
         <p:spPr>
           <a:xfrm>
-            <a:off x="839788" y="2505075"/>
-            <a:ext cx="5157787" cy="3684588"/>
+            <a:off x="1371600" y="3305207"/>
+            <a:ext cx="4443984" cy="2562193"/>
           </a:xfrm>
         </p:spPr>
         <p:txBody>
           <a:bodyPr/>
-          <a:lstStyle/>
+          <a:lstStyle>
+            <a:lvl1pPr>
+              <a:defRPr baseline="0">
+                <a:solidFill>
+                  <a:schemeClr val="tx2"/>
+                </a:solidFill>
+              </a:defRPr>
+            </a:lvl1pPr>
+            <a:lvl2pPr>
+              <a:defRPr baseline="0">
+                <a:solidFill>
+                  <a:schemeClr val="tx2"/>
+                </a:solidFill>
+              </a:defRPr>
+            </a:lvl2pPr>
+            <a:lvl3pPr>
+              <a:defRPr baseline="0">
+                <a:solidFill>
+                  <a:schemeClr val="tx2"/>
+                </a:solidFill>
+              </a:defRPr>
+            </a:lvl3pPr>
+            <a:lvl4pPr>
+              <a:defRPr baseline="0">
+                <a:solidFill>
+                  <a:schemeClr val="tx2"/>
+                </a:solidFill>
+              </a:defRPr>
+            </a:lvl4pPr>
+            <a:lvl5pPr>
+              <a:defRPr baseline="0">
+                <a:solidFill>
+                  <a:schemeClr val="tx2"/>
+                </a:solidFill>
+              </a:defRPr>
+            </a:lvl5pPr>
+          </a:lstStyle>
           <a:p>
             <a:pPr lvl="0"/>
             <a:r>
@@ -1667,18 +2364,13 @@
               <a:rPr lang="ru-RU"/>
               <a:t>Пятый уровень</a:t>
             </a:r>
-          </a:p>
-        </p:txBody>
-      </p:sp>
-      <p:sp>
-        <p:nvSpPr>
-          <p:cNvPr id="5" name="Текст 4">
-            <a:extLst>
-              <a:ext uri="{FF2B5EF4-FFF2-40B4-BE49-F238E27FC236}">
-                <a16:creationId xmlns:a16="http://schemas.microsoft.com/office/drawing/2014/main" id="{37621E8C-4AEB-D474-A796-9FACBEA08373}"/>
-              </a:ext>
-            </a:extLst>
-          </p:cNvPr>
+            <a:endParaRPr lang="en-US" dirty="0"/>
+          </a:p>
+        </p:txBody>
+      </p:sp>
+      <p:sp>
+        <p:nvSpPr>
+          <p:cNvPr id="5" name="Text Placeholder 4"/>
           <p:cNvSpPr>
             <a:spLocks noGrp="1"/>
           </p:cNvSpPr>
@@ -1688,16 +2380,31 @@
         </p:nvSpPr>
         <p:spPr>
           <a:xfrm>
-            <a:off x="6172200" y="1681163"/>
-            <a:ext cx="5183188" cy="823912"/>
-          </a:xfrm>
-        </p:spPr>
-        <p:txBody>
-          <a:bodyPr anchor="b"/>
+            <a:off x="6525014" y="2340864"/>
+            <a:ext cx="4443984" cy="823912"/>
+          </a:xfrm>
+        </p:spPr>
+        <p:txBody>
+          <a:bodyPr anchor="b">
+            <a:noAutofit/>
+          </a:bodyPr>
           <a:lstStyle>
             <a:lvl1pPr marL="0" indent="0">
+              <a:lnSpc>
+                <a:spcPct val="84000"/>
+              </a:lnSpc>
+              <a:spcBef>
+                <a:spcPts val="0"/>
+              </a:spcBef>
+              <a:spcAft>
+                <a:spcPts val="0"/>
+              </a:spcAft>
               <a:buNone/>
-              <a:defRPr sz="2400" b="1"/>
+              <a:defRPr sz="3000" b="0" baseline="0">
+                <a:solidFill>
+                  <a:schemeClr val="tx2"/>
+                </a:solidFill>
+              </a:defRPr>
             </a:lvl1pPr>
             <a:lvl2pPr marL="457200" indent="0">
               <a:buNone/>
@@ -1743,13 +2450,7 @@
       </p:sp>
       <p:sp>
         <p:nvSpPr>
-          <p:cNvPr id="6" name="Объект 5">
-            <a:extLst>
-              <a:ext uri="{FF2B5EF4-FFF2-40B4-BE49-F238E27FC236}">
-                <a16:creationId xmlns:a16="http://schemas.microsoft.com/office/drawing/2014/main" id="{47561A09-3029-66F7-DD5C-241B0C207531}"/>
-              </a:ext>
-            </a:extLst>
-          </p:cNvPr>
+          <p:cNvPr id="6" name="Content Placeholder 5"/>
           <p:cNvSpPr>
             <a:spLocks noGrp="1"/>
           </p:cNvSpPr>
@@ -1759,13 +2460,49 @@
         </p:nvSpPr>
         <p:spPr>
           <a:xfrm>
-            <a:off x="6172200" y="2505075"/>
-            <a:ext cx="5183188" cy="3684588"/>
+            <a:off x="6525014" y="3305207"/>
+            <a:ext cx="4443984" cy="2562193"/>
           </a:xfrm>
         </p:spPr>
         <p:txBody>
           <a:bodyPr/>
-          <a:lstStyle/>
+          <a:lstStyle>
+            <a:lvl1pPr>
+              <a:defRPr baseline="0">
+                <a:solidFill>
+                  <a:schemeClr val="tx2"/>
+                </a:solidFill>
+              </a:defRPr>
+            </a:lvl1pPr>
+            <a:lvl2pPr>
+              <a:defRPr baseline="0">
+                <a:solidFill>
+                  <a:schemeClr val="tx2"/>
+                </a:solidFill>
+              </a:defRPr>
+            </a:lvl2pPr>
+            <a:lvl3pPr>
+              <a:defRPr baseline="0">
+                <a:solidFill>
+                  <a:schemeClr val="tx2"/>
+                </a:solidFill>
+              </a:defRPr>
+            </a:lvl3pPr>
+            <a:lvl4pPr>
+              <a:defRPr baseline="0">
+                <a:solidFill>
+                  <a:schemeClr val="tx2"/>
+                </a:solidFill>
+              </a:defRPr>
+            </a:lvl4pPr>
+            <a:lvl5pPr>
+              <a:defRPr baseline="0">
+                <a:solidFill>
+                  <a:schemeClr val="tx2"/>
+                </a:solidFill>
+              </a:defRPr>
+            </a:lvl5pPr>
+          </a:lstStyle>
           <a:p>
             <a:pPr lvl="0"/>
             <a:r>
@@ -1800,18 +2537,13 @@
               <a:rPr lang="ru-RU"/>
               <a:t>Пятый уровень</a:t>
             </a:r>
-          </a:p>
-        </p:txBody>
-      </p:sp>
-      <p:sp>
-        <p:nvSpPr>
-          <p:cNvPr id="7" name="Дата 6">
-            <a:extLst>
-              <a:ext uri="{FF2B5EF4-FFF2-40B4-BE49-F238E27FC236}">
-                <a16:creationId xmlns:a16="http://schemas.microsoft.com/office/drawing/2014/main" id="{63C9D936-3AB6-3CFD-8F05-0DE76CC7A75B}"/>
-              </a:ext>
-            </a:extLst>
-          </p:cNvPr>
+            <a:endParaRPr lang="en-US" dirty="0"/>
+          </a:p>
+        </p:txBody>
+      </p:sp>
+      <p:sp>
+        <p:nvSpPr>
+          <p:cNvPr id="7" name="Date Placeholder 6"/>
           <p:cNvSpPr>
             <a:spLocks noGrp="1"/>
           </p:cNvSpPr>
@@ -1834,13 +2566,7 @@
       </p:sp>
       <p:sp>
         <p:nvSpPr>
-          <p:cNvPr id="8" name="Нижний колонтитул 7">
-            <a:extLst>
-              <a:ext uri="{FF2B5EF4-FFF2-40B4-BE49-F238E27FC236}">
-                <a16:creationId xmlns:a16="http://schemas.microsoft.com/office/drawing/2014/main" id="{193BA55D-B1ED-EB09-18D0-C0F213D187AF}"/>
-              </a:ext>
-            </a:extLst>
-          </p:cNvPr>
+          <p:cNvPr id="8" name="Footer Placeholder 7"/>
           <p:cNvSpPr>
             <a:spLocks noGrp="1"/>
           </p:cNvSpPr>
@@ -1859,13 +2585,7 @@
       </p:sp>
       <p:sp>
         <p:nvSpPr>
-          <p:cNvPr id="9" name="Номер слайда 8">
-            <a:extLst>
-              <a:ext uri="{FF2B5EF4-FFF2-40B4-BE49-F238E27FC236}">
-                <a16:creationId xmlns:a16="http://schemas.microsoft.com/office/drawing/2014/main" id="{2778A124-0A8B-CCBF-15CD-4B4E15D0D34B}"/>
-              </a:ext>
-            </a:extLst>
-          </p:cNvPr>
+          <p:cNvPr id="9" name="Slide Number Placeholder 8"/>
           <p:cNvSpPr>
             <a:spLocks noGrp="1"/>
           </p:cNvSpPr>
@@ -1889,7 +2609,7 @@
     </p:spTree>
     <p:extLst>
       <p:ext uri="{BB962C8B-B14F-4D97-AF65-F5344CB8AC3E}">
-        <p14:creationId xmlns:p14="http://schemas.microsoft.com/office/powerpoint/2010/main" val="2654486649"/>
+        <p14:creationId xmlns:p14="http://schemas.microsoft.com/office/powerpoint/2010/main" val="1923822335"/>
       </p:ext>
     </p:extLst>
   </p:cSld>
@@ -1918,13 +2638,7 @@
       </p:grpSpPr>
       <p:sp>
         <p:nvSpPr>
-          <p:cNvPr id="2" name="Заголовок 1">
-            <a:extLst>
-              <a:ext uri="{FF2B5EF4-FFF2-40B4-BE49-F238E27FC236}">
-                <a16:creationId xmlns:a16="http://schemas.microsoft.com/office/drawing/2014/main" id="{2A2A7C53-5247-2DFD-4800-1E76CC128934}"/>
-              </a:ext>
-            </a:extLst>
-          </p:cNvPr>
+          <p:cNvPr id="2" name="Title 1"/>
           <p:cNvSpPr>
             <a:spLocks noGrp="1"/>
           </p:cNvSpPr>
@@ -1941,18 +2655,13 @@
               <a:rPr lang="ru-RU"/>
               <a:t>Образец заголовка</a:t>
             </a:r>
-          </a:p>
-        </p:txBody>
-      </p:sp>
-      <p:sp>
-        <p:nvSpPr>
-          <p:cNvPr id="3" name="Дата 2">
-            <a:extLst>
-              <a:ext uri="{FF2B5EF4-FFF2-40B4-BE49-F238E27FC236}">
-                <a16:creationId xmlns:a16="http://schemas.microsoft.com/office/drawing/2014/main" id="{82EB249D-7028-0934-4D85-F8F3A40485B2}"/>
-              </a:ext>
-            </a:extLst>
-          </p:cNvPr>
+            <a:endParaRPr lang="en-US" dirty="0"/>
+          </a:p>
+        </p:txBody>
+      </p:sp>
+      <p:sp>
+        <p:nvSpPr>
+          <p:cNvPr id="3" name="Date Placeholder 2"/>
           <p:cNvSpPr>
             <a:spLocks noGrp="1"/>
           </p:cNvSpPr>
@@ -1975,13 +2684,7 @@
       </p:sp>
       <p:sp>
         <p:nvSpPr>
-          <p:cNvPr id="4" name="Нижний колонтитул 3">
-            <a:extLst>
-              <a:ext uri="{FF2B5EF4-FFF2-40B4-BE49-F238E27FC236}">
-                <a16:creationId xmlns:a16="http://schemas.microsoft.com/office/drawing/2014/main" id="{656FF11B-8F23-82E4-E3E7-2CC13C2AF9FF}"/>
-              </a:ext>
-            </a:extLst>
-          </p:cNvPr>
+          <p:cNvPr id="4" name="Footer Placeholder 3"/>
           <p:cNvSpPr>
             <a:spLocks noGrp="1"/>
           </p:cNvSpPr>
@@ -2000,13 +2703,7 @@
       </p:sp>
       <p:sp>
         <p:nvSpPr>
-          <p:cNvPr id="5" name="Номер слайда 4">
-            <a:extLst>
-              <a:ext uri="{FF2B5EF4-FFF2-40B4-BE49-F238E27FC236}">
-                <a16:creationId xmlns:a16="http://schemas.microsoft.com/office/drawing/2014/main" id="{42B83EBD-8456-52C2-0919-2204D2E32BA6}"/>
-              </a:ext>
-            </a:extLst>
-          </p:cNvPr>
+          <p:cNvPr id="5" name="Slide Number Placeholder 4"/>
           <p:cNvSpPr>
             <a:spLocks noGrp="1"/>
           </p:cNvSpPr>
@@ -2030,7 +2727,7 @@
     </p:spTree>
     <p:extLst>
       <p:ext uri="{BB962C8B-B14F-4D97-AF65-F5344CB8AC3E}">
-        <p14:creationId xmlns:p14="http://schemas.microsoft.com/office/powerpoint/2010/main" val="9249951"/>
+        <p14:creationId xmlns:p14="http://schemas.microsoft.com/office/powerpoint/2010/main" val="3717157949"/>
       </p:ext>
     </p:extLst>
   </p:cSld>
@@ -2059,13 +2756,7 @@
       </p:grpSpPr>
       <p:sp>
         <p:nvSpPr>
-          <p:cNvPr id="2" name="Дата 1">
-            <a:extLst>
-              <a:ext uri="{FF2B5EF4-FFF2-40B4-BE49-F238E27FC236}">
-                <a16:creationId xmlns:a16="http://schemas.microsoft.com/office/drawing/2014/main" id="{D06A3851-3118-FCA2-9711-83F1AB329FB9}"/>
-              </a:ext>
-            </a:extLst>
-          </p:cNvPr>
+          <p:cNvPr id="2" name="Date Placeholder 1"/>
           <p:cNvSpPr>
             <a:spLocks noGrp="1"/>
           </p:cNvSpPr>
@@ -2088,13 +2779,7 @@
       </p:sp>
       <p:sp>
         <p:nvSpPr>
-          <p:cNvPr id="3" name="Нижний колонтитул 2">
-            <a:extLst>
-              <a:ext uri="{FF2B5EF4-FFF2-40B4-BE49-F238E27FC236}">
-                <a16:creationId xmlns:a16="http://schemas.microsoft.com/office/drawing/2014/main" id="{927B2A5A-0F74-D302-AD6C-F05C23E0DDD3}"/>
-              </a:ext>
-            </a:extLst>
-          </p:cNvPr>
+          <p:cNvPr id="3" name="Footer Placeholder 2"/>
           <p:cNvSpPr>
             <a:spLocks noGrp="1"/>
           </p:cNvSpPr>
@@ -2113,13 +2798,7 @@
       </p:sp>
       <p:sp>
         <p:nvSpPr>
-          <p:cNvPr id="4" name="Номер слайда 3">
-            <a:extLst>
-              <a:ext uri="{FF2B5EF4-FFF2-40B4-BE49-F238E27FC236}">
-                <a16:creationId xmlns:a16="http://schemas.microsoft.com/office/drawing/2014/main" id="{C0675781-0AD1-B49D-0405-76256FD029B7}"/>
-              </a:ext>
-            </a:extLst>
-          </p:cNvPr>
+          <p:cNvPr id="4" name="Slide Number Placeholder 3"/>
           <p:cNvSpPr>
             <a:spLocks noGrp="1"/>
           </p:cNvSpPr>
@@ -2143,7 +2822,7 @@
     </p:spTree>
     <p:extLst>
       <p:ext uri="{BB962C8B-B14F-4D97-AF65-F5344CB8AC3E}">
-        <p14:creationId xmlns:p14="http://schemas.microsoft.com/office/powerpoint/2010/main" val="3936482912"/>
+        <p14:creationId xmlns:p14="http://schemas.microsoft.com/office/powerpoint/2010/main" val="2388112048"/>
       </p:ext>
     </p:extLst>
   </p:cSld>
@@ -2154,7 +2833,7 @@
 </file>
 
 <file path=ppt/slideLayouts/slideLayout8.xml><?xml version="1.0" encoding="utf-8"?>
-<p:sldLayout xmlns:a="http://schemas.openxmlformats.org/drawingml/2006/main" xmlns:r="http://schemas.openxmlformats.org/officeDocument/2006/relationships" xmlns:p="http://schemas.openxmlformats.org/presentationml/2006/main" type="objTx" preserve="1">
+<p:sldLayout xmlns:a="http://schemas.openxmlformats.org/drawingml/2006/main" xmlns:r="http://schemas.openxmlformats.org/officeDocument/2006/relationships" xmlns:p="http://schemas.openxmlformats.org/presentationml/2006/main" showMasterSp="0" type="objTx" preserve="1">
   <p:cSld name="Объект с подписью">
     <p:spTree>
       <p:nvGrpSpPr>
@@ -2172,13 +2851,45 @@
       </p:grpSpPr>
       <p:sp>
         <p:nvSpPr>
-          <p:cNvPr id="2" name="Заголовок 1">
-            <a:extLst>
-              <a:ext uri="{FF2B5EF4-FFF2-40B4-BE49-F238E27FC236}">
-                <a16:creationId xmlns:a16="http://schemas.microsoft.com/office/drawing/2014/main" id="{17C1FA73-E2D1-F593-2462-F6AC2A92E70D}"/>
-              </a:ext>
-            </a:extLst>
-          </p:cNvPr>
+          <p:cNvPr id="8" name="Rectangle 7" title="Background Shape"/>
+          <p:cNvSpPr/>
+          <p:nvPr/>
+        </p:nvSpPr>
+        <p:spPr>
+          <a:xfrm>
+            <a:off x="0" y="376"/>
+            <a:ext cx="5303520" cy="6857624"/>
+          </a:xfrm>
+          <a:prstGeom prst="rect">
+            <a:avLst/>
+          </a:prstGeom>
+          <a:solidFill>
+            <a:schemeClr val="accent1"/>
+          </a:solidFill>
+          <a:ln>
+            <a:noFill/>
+          </a:ln>
+        </p:spPr>
+        <p:style>
+          <a:lnRef idx="2">
+            <a:schemeClr val="accent1">
+              <a:shade val="50000"/>
+            </a:schemeClr>
+          </a:lnRef>
+          <a:fillRef idx="1">
+            <a:schemeClr val="accent1"/>
+          </a:fillRef>
+          <a:effectRef idx="0">
+            <a:schemeClr val="accent1"/>
+          </a:effectRef>
+          <a:fontRef idx="minor">
+            <a:schemeClr val="lt1"/>
+          </a:fontRef>
+        </p:style>
+      </p:sp>
+      <p:sp>
+        <p:nvSpPr>
+          <p:cNvPr id="2" name="Title 1"/>
           <p:cNvSpPr>
             <a:spLocks noGrp="1"/>
           </p:cNvSpPr>
@@ -2188,15 +2899,24 @@
         </p:nvSpPr>
         <p:spPr>
           <a:xfrm>
-            <a:off x="839788" y="457200"/>
-            <a:ext cx="3932237" cy="1600200"/>
-          </a:xfrm>
-        </p:spPr>
-        <p:txBody>
-          <a:bodyPr anchor="b"/>
+            <a:off x="723900" y="685800"/>
+            <a:ext cx="3855720" cy="2157884"/>
+          </a:xfrm>
+        </p:spPr>
+        <p:txBody>
+          <a:bodyPr anchor="t">
+            <a:noAutofit/>
+          </a:bodyPr>
           <a:lstStyle>
             <a:lvl1pPr>
-              <a:defRPr sz="3200"/>
+              <a:lnSpc>
+                <a:spcPct val="84000"/>
+              </a:lnSpc>
+              <a:defRPr sz="4800" baseline="0">
+                <a:solidFill>
+                  <a:schemeClr val="tx2"/>
+                </a:solidFill>
+              </a:defRPr>
             </a:lvl1pPr>
           </a:lstStyle>
           <a:p>
@@ -2204,18 +2924,13 @@
               <a:rPr lang="ru-RU"/>
               <a:t>Образец заголовка</a:t>
             </a:r>
-          </a:p>
-        </p:txBody>
-      </p:sp>
-      <p:sp>
-        <p:nvSpPr>
-          <p:cNvPr id="3" name="Объект 2">
-            <a:extLst>
-              <a:ext uri="{FF2B5EF4-FFF2-40B4-BE49-F238E27FC236}">
-                <a16:creationId xmlns:a16="http://schemas.microsoft.com/office/drawing/2014/main" id="{C6FA7A8F-2538-438D-0288-4776849CFAA4}"/>
-              </a:ext>
-            </a:extLst>
-          </p:cNvPr>
+            <a:endParaRPr lang="en-US" dirty="0"/>
+          </a:p>
+        </p:txBody>
+      </p:sp>
+      <p:sp>
+        <p:nvSpPr>
+          <p:cNvPr id="3" name="Content Placeholder 2"/>
           <p:cNvSpPr>
             <a:spLocks noGrp="1"/>
           </p:cNvSpPr>
@@ -2225,39 +2940,39 @@
         </p:nvSpPr>
         <p:spPr>
           <a:xfrm>
-            <a:off x="5183188" y="987425"/>
-            <a:ext cx="6172200" cy="4873625"/>
+            <a:off x="6256020" y="685801"/>
+            <a:ext cx="5212080" cy="5175250"/>
           </a:xfrm>
         </p:spPr>
         <p:txBody>
           <a:bodyPr/>
           <a:lstStyle>
             <a:lvl1pPr>
-              <a:defRPr sz="3200"/>
+              <a:defRPr sz="2000"/>
             </a:lvl1pPr>
             <a:lvl2pPr>
-              <a:defRPr sz="2800"/>
+              <a:defRPr sz="2000"/>
             </a:lvl2pPr>
             <a:lvl3pPr>
-              <a:defRPr sz="2400"/>
+              <a:defRPr sz="1800"/>
             </a:lvl3pPr>
             <a:lvl4pPr>
-              <a:defRPr sz="2000"/>
+              <a:defRPr sz="1800"/>
             </a:lvl4pPr>
             <a:lvl5pPr>
-              <a:defRPr sz="2000"/>
+              <a:defRPr sz="1600"/>
             </a:lvl5pPr>
             <a:lvl6pPr>
-              <a:defRPr sz="2000"/>
+              <a:defRPr sz="1600"/>
             </a:lvl6pPr>
             <a:lvl7pPr>
-              <a:defRPr sz="2000"/>
+              <a:defRPr sz="1600"/>
             </a:lvl7pPr>
             <a:lvl8pPr>
-              <a:defRPr sz="2000"/>
+              <a:defRPr sz="1600"/>
             </a:lvl8pPr>
             <a:lvl9pPr>
-              <a:defRPr sz="2000"/>
+              <a:defRPr sz="1600"/>
             </a:lvl9pPr>
           </a:lstStyle>
           <a:p>
@@ -2294,18 +3009,13 @@
               <a:rPr lang="ru-RU"/>
               <a:t>Пятый уровень</a:t>
             </a:r>
-          </a:p>
-        </p:txBody>
-      </p:sp>
-      <p:sp>
-        <p:nvSpPr>
-          <p:cNvPr id="4" name="Текст 3">
-            <a:extLst>
-              <a:ext uri="{FF2B5EF4-FFF2-40B4-BE49-F238E27FC236}">
-                <a16:creationId xmlns:a16="http://schemas.microsoft.com/office/drawing/2014/main" id="{BD3E448C-68B3-D753-B20B-0BCA83206E62}"/>
-              </a:ext>
-            </a:extLst>
-          </p:cNvPr>
+            <a:endParaRPr lang="en-US" dirty="0"/>
+          </a:p>
+        </p:txBody>
+      </p:sp>
+      <p:sp>
+        <p:nvSpPr>
+          <p:cNvPr id="4" name="Text Placeholder 3"/>
           <p:cNvSpPr>
             <a:spLocks noGrp="1"/>
           </p:cNvSpPr>
@@ -2315,14 +3025,23 @@
         </p:nvSpPr>
         <p:spPr>
           <a:xfrm>
-            <a:off x="839788" y="2057400"/>
-            <a:ext cx="3932237" cy="3811588"/>
+            <a:off x="723900" y="2856344"/>
+            <a:ext cx="3855720" cy="3011056"/>
           </a:xfrm>
         </p:spPr>
         <p:txBody>
           <a:bodyPr/>
           <a:lstStyle>
             <a:lvl1pPr marL="0" indent="0">
+              <a:lnSpc>
+                <a:spcPct val="113000"/>
+              </a:lnSpc>
+              <a:spcBef>
+                <a:spcPts val="0"/>
+              </a:spcBef>
+              <a:spcAft>
+                <a:spcPts val="1500"/>
+              </a:spcAft>
               <a:buNone/>
               <a:defRPr sz="1600"/>
             </a:lvl1pPr>
@@ -2370,13 +3089,7 @@
       </p:sp>
       <p:sp>
         <p:nvSpPr>
-          <p:cNvPr id="5" name="Дата 4">
-            <a:extLst>
-              <a:ext uri="{FF2B5EF4-FFF2-40B4-BE49-F238E27FC236}">
-                <a16:creationId xmlns:a16="http://schemas.microsoft.com/office/drawing/2014/main" id="{D692323B-B8C8-A9E0-C85C-648416B09493}"/>
-              </a:ext>
-            </a:extLst>
-          </p:cNvPr>
+          <p:cNvPr id="5" name="Date Placeholder 4"/>
           <p:cNvSpPr>
             <a:spLocks noGrp="1"/>
           </p:cNvSpPr>
@@ -2384,10 +3097,23 @@
             <p:ph type="dt" sz="half" idx="10"/>
           </p:nvPr>
         </p:nvSpPr>
-        <p:spPr/>
+        <p:spPr>
+          <a:xfrm>
+            <a:off x="723900" y="6453386"/>
+            <a:ext cx="1204572" cy="404614"/>
+          </a:xfrm>
+        </p:spPr>
         <p:txBody>
           <a:bodyPr/>
-          <a:lstStyle/>
+          <a:lstStyle>
+            <a:lvl1pPr>
+              <a:defRPr>
+                <a:solidFill>
+                  <a:schemeClr val="tx2"/>
+                </a:solidFill>
+              </a:defRPr>
+            </a:lvl1pPr>
+          </a:lstStyle>
           <a:p>
             <a:fld id="{296FADEF-E30F-4358-8C1A-AA929F7F0BF4}" type="datetimeFigureOut">
               <a:rPr lang="ru-RU" smtClean="0"/>
@@ -2399,13 +3125,7 @@
       </p:sp>
       <p:sp>
         <p:nvSpPr>
-          <p:cNvPr id="6" name="Нижний колонтитул 5">
-            <a:extLst>
-              <a:ext uri="{FF2B5EF4-FFF2-40B4-BE49-F238E27FC236}">
-                <a16:creationId xmlns:a16="http://schemas.microsoft.com/office/drawing/2014/main" id="{E8C56A7E-F0D6-7233-495F-F4881BDD22ED}"/>
-              </a:ext>
-            </a:extLst>
-          </p:cNvPr>
+          <p:cNvPr id="6" name="Footer Placeholder 5"/>
           <p:cNvSpPr>
             <a:spLocks noGrp="1"/>
           </p:cNvSpPr>
@@ -2413,10 +3133,23 @@
             <p:ph type="ftr" sz="quarter" idx="11"/>
           </p:nvPr>
         </p:nvSpPr>
-        <p:spPr/>
+        <p:spPr>
+          <a:xfrm>
+            <a:off x="2205945" y="6453386"/>
+            <a:ext cx="2373675" cy="404614"/>
+          </a:xfrm>
+        </p:spPr>
         <p:txBody>
           <a:bodyPr/>
-          <a:lstStyle/>
+          <a:lstStyle>
+            <a:lvl1pPr>
+              <a:defRPr>
+                <a:solidFill>
+                  <a:schemeClr val="tx2"/>
+                </a:solidFill>
+              </a:defRPr>
+            </a:lvl1pPr>
+          </a:lstStyle>
           <a:p>
             <a:endParaRPr lang="ru-RU"/>
           </a:p>
@@ -2424,13 +3157,7 @@
       </p:sp>
       <p:sp>
         <p:nvSpPr>
-          <p:cNvPr id="7" name="Номер слайда 6">
-            <a:extLst>
-              <a:ext uri="{FF2B5EF4-FFF2-40B4-BE49-F238E27FC236}">
-                <a16:creationId xmlns:a16="http://schemas.microsoft.com/office/drawing/2014/main" id="{9B217878-E182-1632-2996-3F3431B23ACA}"/>
-              </a:ext>
-            </a:extLst>
-          </p:cNvPr>
+          <p:cNvPr id="7" name="Slide Number Placeholder 6"/>
           <p:cNvSpPr>
             <a:spLocks noGrp="1"/>
           </p:cNvSpPr>
@@ -2438,10 +3165,23 @@
             <p:ph type="sldNum" sz="quarter" idx="12"/>
           </p:nvPr>
         </p:nvSpPr>
-        <p:spPr/>
+        <p:spPr>
+          <a:xfrm>
+            <a:off x="9883140" y="6453386"/>
+            <a:ext cx="1596292" cy="404614"/>
+          </a:xfrm>
+        </p:spPr>
         <p:txBody>
           <a:bodyPr/>
-          <a:lstStyle/>
+          <a:lstStyle>
+            <a:lvl1pPr>
+              <a:defRPr>
+                <a:solidFill>
+                  <a:schemeClr val="tx2"/>
+                </a:solidFill>
+              </a:defRPr>
+            </a:lvl1pPr>
+          </a:lstStyle>
           <a:p>
             <a:fld id="{93C70464-5529-42B8-84D7-B593B8B7E047}" type="slidenum">
               <a:rPr lang="ru-RU" smtClean="0"/>
@@ -2451,10 +3191,48 @@
           </a:p>
         </p:txBody>
       </p:sp>
+      <p:sp>
+        <p:nvSpPr>
+          <p:cNvPr id="9" name="Rectangle 8" title="Divider Bar"/>
+          <p:cNvSpPr/>
+          <p:nvPr/>
+        </p:nvSpPr>
+        <p:spPr>
+          <a:xfrm>
+            <a:off x="5303520" y="376"/>
+            <a:ext cx="228600" cy="6858000"/>
+          </a:xfrm>
+          <a:prstGeom prst="rect">
+            <a:avLst/>
+          </a:prstGeom>
+          <a:solidFill>
+            <a:schemeClr val="tx2"/>
+          </a:solidFill>
+          <a:ln>
+            <a:noFill/>
+          </a:ln>
+        </p:spPr>
+        <p:style>
+          <a:lnRef idx="2">
+            <a:schemeClr val="accent1">
+              <a:shade val="50000"/>
+            </a:schemeClr>
+          </a:lnRef>
+          <a:fillRef idx="1">
+            <a:schemeClr val="accent1"/>
+          </a:fillRef>
+          <a:effectRef idx="0">
+            <a:schemeClr val="accent1"/>
+          </a:effectRef>
+          <a:fontRef idx="minor">
+            <a:schemeClr val="lt1"/>
+          </a:fontRef>
+        </p:style>
+      </p:sp>
     </p:spTree>
     <p:extLst>
       <p:ext uri="{BB962C8B-B14F-4D97-AF65-F5344CB8AC3E}">
-        <p14:creationId xmlns:p14="http://schemas.microsoft.com/office/powerpoint/2010/main" val="3095903495"/>
+        <p14:creationId xmlns:p14="http://schemas.microsoft.com/office/powerpoint/2010/main" val="799520344"/>
       </p:ext>
     </p:extLst>
   </p:cSld>
@@ -2465,7 +3243,7 @@
 </file>
 
 <file path=ppt/slideLayouts/slideLayout9.xml><?xml version="1.0" encoding="utf-8"?>
-<p:sldLayout xmlns:a="http://schemas.openxmlformats.org/drawingml/2006/main" xmlns:r="http://schemas.openxmlformats.org/officeDocument/2006/relationships" xmlns:p="http://schemas.openxmlformats.org/presentationml/2006/main" type="picTx" preserve="1">
+<p:sldLayout xmlns:a="http://schemas.openxmlformats.org/drawingml/2006/main" xmlns:r="http://schemas.openxmlformats.org/officeDocument/2006/relationships" xmlns:p="http://schemas.openxmlformats.org/presentationml/2006/main" showMasterSp="0" type="picTx" preserve="1">
   <p:cSld name="Рисунок с подписью">
     <p:spTree>
       <p:nvGrpSpPr>
@@ -2483,13 +3261,45 @@
       </p:grpSpPr>
       <p:sp>
         <p:nvSpPr>
-          <p:cNvPr id="2" name="Заголовок 1">
-            <a:extLst>
-              <a:ext uri="{FF2B5EF4-FFF2-40B4-BE49-F238E27FC236}">
-                <a16:creationId xmlns:a16="http://schemas.microsoft.com/office/drawing/2014/main" id="{61101318-AE72-5F4A-930C-FB1B5D485D2D}"/>
-              </a:ext>
-            </a:extLst>
-          </p:cNvPr>
+          <p:cNvPr id="8" name="Rectangle 7" title="Background Shape"/>
+          <p:cNvSpPr/>
+          <p:nvPr/>
+        </p:nvSpPr>
+        <p:spPr>
+          <a:xfrm>
+            <a:off x="0" y="376"/>
+            <a:ext cx="5303520" cy="6857624"/>
+          </a:xfrm>
+          <a:prstGeom prst="rect">
+            <a:avLst/>
+          </a:prstGeom>
+          <a:solidFill>
+            <a:schemeClr val="accent1"/>
+          </a:solidFill>
+          <a:ln>
+            <a:noFill/>
+          </a:ln>
+        </p:spPr>
+        <p:style>
+          <a:lnRef idx="2">
+            <a:schemeClr val="accent1">
+              <a:shade val="50000"/>
+            </a:schemeClr>
+          </a:lnRef>
+          <a:fillRef idx="1">
+            <a:schemeClr val="accent1"/>
+          </a:fillRef>
+          <a:effectRef idx="0">
+            <a:schemeClr val="accent1"/>
+          </a:effectRef>
+          <a:fontRef idx="minor">
+            <a:schemeClr val="lt1"/>
+          </a:fontRef>
+        </p:style>
+      </p:sp>
+      <p:sp>
+        <p:nvSpPr>
+          <p:cNvPr id="2" name="Title 1"/>
           <p:cNvSpPr>
             <a:spLocks noGrp="1"/>
           </p:cNvSpPr>
@@ -2499,15 +3309,20 @@
         </p:nvSpPr>
         <p:spPr>
           <a:xfrm>
-            <a:off x="839788" y="457200"/>
-            <a:ext cx="3932237" cy="1600200"/>
-          </a:xfrm>
-        </p:spPr>
-        <p:txBody>
-          <a:bodyPr anchor="b"/>
+            <a:off x="723900" y="685800"/>
+            <a:ext cx="3855720" cy="2157884"/>
+          </a:xfrm>
+        </p:spPr>
+        <p:txBody>
+          <a:bodyPr anchor="t">
+            <a:normAutofit/>
+          </a:bodyPr>
           <a:lstStyle>
             <a:lvl1pPr>
-              <a:defRPr sz="3200"/>
+              <a:lnSpc>
+                <a:spcPct val="84000"/>
+              </a:lnSpc>
+              <a:defRPr sz="4800" baseline="0"/>
             </a:lvl1pPr>
           </a:lstStyle>
           <a:p>
@@ -2515,20 +3330,15 @@
               <a:rPr lang="ru-RU"/>
               <a:t>Образец заголовка</a:t>
             </a:r>
-          </a:p>
-        </p:txBody>
-      </p:sp>
-      <p:sp>
-        <p:nvSpPr>
-          <p:cNvPr id="3" name="Рисунок 2">
-            <a:extLst>
-              <a:ext uri="{FF2B5EF4-FFF2-40B4-BE49-F238E27FC236}">
-                <a16:creationId xmlns:a16="http://schemas.microsoft.com/office/drawing/2014/main" id="{8652FD38-C368-371B-9650-EB3077420D8E}"/>
-              </a:ext>
-            </a:extLst>
-          </p:cNvPr>
-          <p:cNvSpPr>
-            <a:spLocks noGrp="1"/>
+            <a:endParaRPr lang="en-US" dirty="0"/>
+          </a:p>
+        </p:txBody>
+      </p:sp>
+      <p:sp>
+        <p:nvSpPr>
+          <p:cNvPr id="3" name="Picture Placeholder 2"/>
+          <p:cNvSpPr>
+            <a:spLocks noGrp="1" noChangeAspect="1"/>
           </p:cNvSpPr>
           <p:nvPr>
             <p:ph type="pic" idx="1"/>
@@ -2536,24 +3346,26 @@
         </p:nvSpPr>
         <p:spPr>
           <a:xfrm>
-            <a:off x="5183188" y="987425"/>
-            <a:ext cx="6172200" cy="4873625"/>
-          </a:xfrm>
-        </p:spPr>
-        <p:txBody>
-          <a:bodyPr/>
+            <a:off x="5532120" y="0"/>
+            <a:ext cx="6659880" cy="6857999"/>
+          </a:xfrm>
+        </p:spPr>
+        <p:txBody>
+          <a:bodyPr anchor="t">
+            <a:normAutofit/>
+          </a:bodyPr>
           <a:lstStyle>
             <a:lvl1pPr marL="0" indent="0">
               <a:buNone/>
-              <a:defRPr sz="3200"/>
+              <a:defRPr sz="2000"/>
             </a:lvl1pPr>
             <a:lvl2pPr marL="457200" indent="0">
               <a:buNone/>
-              <a:defRPr sz="2800"/>
+              <a:defRPr sz="2000"/>
             </a:lvl2pPr>
             <a:lvl3pPr marL="914400" indent="0">
               <a:buNone/>
-              <a:defRPr sz="2400"/>
+              <a:defRPr sz="2000"/>
             </a:lvl3pPr>
             <a:lvl4pPr marL="1371600" indent="0">
               <a:buNone/>
@@ -2581,19 +3393,17 @@
             </a:lvl9pPr>
           </a:lstStyle>
           <a:p>
-            <a:endParaRPr lang="ru-RU"/>
-          </a:p>
-        </p:txBody>
-      </p:sp>
-      <p:sp>
-        <p:nvSpPr>
-          <p:cNvPr id="4" name="Текст 3">
-            <a:extLst>
-              <a:ext uri="{FF2B5EF4-FFF2-40B4-BE49-F238E27FC236}">
-                <a16:creationId xmlns:a16="http://schemas.microsoft.com/office/drawing/2014/main" id="{9E1B7E10-7DA0-3865-EE9B-D3B543539B1D}"/>
-              </a:ext>
-            </a:extLst>
-          </p:cNvPr>
+            <a:r>
+              <a:rPr lang="ru-RU"/>
+              <a:t>Вставка рисунка</a:t>
+            </a:r>
+            <a:endParaRPr lang="en-US" dirty="0"/>
+          </a:p>
+        </p:txBody>
+      </p:sp>
+      <p:sp>
+        <p:nvSpPr>
+          <p:cNvPr id="4" name="Text Placeholder 3"/>
           <p:cNvSpPr>
             <a:spLocks noGrp="1"/>
           </p:cNvSpPr>
@@ -2603,14 +3413,23 @@
         </p:nvSpPr>
         <p:spPr>
           <a:xfrm>
-            <a:off x="839788" y="2057400"/>
-            <a:ext cx="3932237" cy="3811588"/>
+            <a:off x="723900" y="2855968"/>
+            <a:ext cx="3855720" cy="3011432"/>
           </a:xfrm>
         </p:spPr>
         <p:txBody>
           <a:bodyPr/>
           <a:lstStyle>
             <a:lvl1pPr marL="0" indent="0">
+              <a:lnSpc>
+                <a:spcPct val="113000"/>
+              </a:lnSpc>
+              <a:spcBef>
+                <a:spcPts val="0"/>
+              </a:spcBef>
+              <a:spcAft>
+                <a:spcPts val="1500"/>
+              </a:spcAft>
               <a:buNone/>
               <a:defRPr sz="1600"/>
             </a:lvl1pPr>
@@ -2658,13 +3477,7 @@
       </p:sp>
       <p:sp>
         <p:nvSpPr>
-          <p:cNvPr id="5" name="Дата 4">
-            <a:extLst>
-              <a:ext uri="{FF2B5EF4-FFF2-40B4-BE49-F238E27FC236}">
-                <a16:creationId xmlns:a16="http://schemas.microsoft.com/office/drawing/2014/main" id="{B865EC85-44C5-C321-8F75-B4673D596CC5}"/>
-              </a:ext>
-            </a:extLst>
-          </p:cNvPr>
+          <p:cNvPr id="5" name="Date Placeholder 4"/>
           <p:cNvSpPr>
             <a:spLocks noGrp="1"/>
           </p:cNvSpPr>
@@ -2672,10 +3485,23 @@
             <p:ph type="dt" sz="half" idx="10"/>
           </p:nvPr>
         </p:nvSpPr>
-        <p:spPr/>
+        <p:spPr>
+          <a:xfrm>
+            <a:off x="723900" y="6453386"/>
+            <a:ext cx="1204572" cy="404614"/>
+          </a:xfrm>
+        </p:spPr>
         <p:txBody>
           <a:bodyPr/>
-          <a:lstStyle/>
+          <a:lstStyle>
+            <a:lvl1pPr>
+              <a:defRPr>
+                <a:solidFill>
+                  <a:schemeClr val="tx2"/>
+                </a:solidFill>
+              </a:defRPr>
+            </a:lvl1pPr>
+          </a:lstStyle>
           <a:p>
             <a:fld id="{296FADEF-E30F-4358-8C1A-AA929F7F0BF4}" type="datetimeFigureOut">
               <a:rPr lang="ru-RU" smtClean="0"/>
@@ -2687,13 +3513,7 @@
       </p:sp>
       <p:sp>
         <p:nvSpPr>
-          <p:cNvPr id="6" name="Нижний колонтитул 5">
-            <a:extLst>
-              <a:ext uri="{FF2B5EF4-FFF2-40B4-BE49-F238E27FC236}">
-                <a16:creationId xmlns:a16="http://schemas.microsoft.com/office/drawing/2014/main" id="{059ED9B7-D79F-C46D-34B4-4E68F5F60876}"/>
-              </a:ext>
-            </a:extLst>
-          </p:cNvPr>
+          <p:cNvPr id="6" name="Footer Placeholder 5"/>
           <p:cNvSpPr>
             <a:spLocks noGrp="1"/>
           </p:cNvSpPr>
@@ -2701,10 +3521,23 @@
             <p:ph type="ftr" sz="quarter" idx="11"/>
           </p:nvPr>
         </p:nvSpPr>
-        <p:spPr/>
+        <p:spPr>
+          <a:xfrm>
+            <a:off x="2205945" y="6453386"/>
+            <a:ext cx="2373675" cy="404614"/>
+          </a:xfrm>
+        </p:spPr>
         <p:txBody>
           <a:bodyPr/>
-          <a:lstStyle/>
+          <a:lstStyle>
+            <a:lvl1pPr>
+              <a:defRPr>
+                <a:solidFill>
+                  <a:schemeClr val="tx2"/>
+                </a:solidFill>
+              </a:defRPr>
+            </a:lvl1pPr>
+          </a:lstStyle>
           <a:p>
             <a:endParaRPr lang="ru-RU"/>
           </a:p>
@@ -2712,13 +3545,7 @@
       </p:sp>
       <p:sp>
         <p:nvSpPr>
-          <p:cNvPr id="7" name="Номер слайда 6">
-            <a:extLst>
-              <a:ext uri="{FF2B5EF4-FFF2-40B4-BE49-F238E27FC236}">
-                <a16:creationId xmlns:a16="http://schemas.microsoft.com/office/drawing/2014/main" id="{FEFCC220-6503-FA7A-51D7-E15A5BA03319}"/>
-              </a:ext>
-            </a:extLst>
-          </p:cNvPr>
+          <p:cNvPr id="7" name="Slide Number Placeholder 6"/>
           <p:cNvSpPr>
             <a:spLocks noGrp="1"/>
           </p:cNvSpPr>
@@ -2726,10 +3553,23 @@
             <p:ph type="sldNum" sz="quarter" idx="12"/>
           </p:nvPr>
         </p:nvSpPr>
-        <p:spPr/>
+        <p:spPr>
+          <a:xfrm>
+            <a:off x="9883140" y="6453386"/>
+            <a:ext cx="1596292" cy="404614"/>
+          </a:xfrm>
+        </p:spPr>
         <p:txBody>
           <a:bodyPr/>
-          <a:lstStyle/>
+          <a:lstStyle>
+            <a:lvl1pPr>
+              <a:defRPr>
+                <a:solidFill>
+                  <a:schemeClr val="tx2"/>
+                </a:solidFill>
+              </a:defRPr>
+            </a:lvl1pPr>
+          </a:lstStyle>
           <a:p>
             <a:fld id="{93C70464-5529-42B8-84D7-B593B8B7E047}" type="slidenum">
               <a:rPr lang="ru-RU" smtClean="0"/>
@@ -2739,10 +3579,48 @@
           </a:p>
         </p:txBody>
       </p:sp>
+      <p:sp>
+        <p:nvSpPr>
+          <p:cNvPr id="9" name="Rectangle 8" title="Divider Bar"/>
+          <p:cNvSpPr/>
+          <p:nvPr/>
+        </p:nvSpPr>
+        <p:spPr>
+          <a:xfrm>
+            <a:off x="5303520" y="376"/>
+            <a:ext cx="228600" cy="6858000"/>
+          </a:xfrm>
+          <a:prstGeom prst="rect">
+            <a:avLst/>
+          </a:prstGeom>
+          <a:solidFill>
+            <a:schemeClr val="tx2"/>
+          </a:solidFill>
+          <a:ln>
+            <a:noFill/>
+          </a:ln>
+        </p:spPr>
+        <p:style>
+          <a:lnRef idx="2">
+            <a:schemeClr val="accent1">
+              <a:shade val="50000"/>
+            </a:schemeClr>
+          </a:lnRef>
+          <a:fillRef idx="1">
+            <a:schemeClr val="accent1"/>
+          </a:fillRef>
+          <a:effectRef idx="0">
+            <a:schemeClr val="accent1"/>
+          </a:effectRef>
+          <a:fontRef idx="minor">
+            <a:schemeClr val="lt1"/>
+          </a:fontRef>
+        </p:style>
+      </p:sp>
     </p:spTree>
     <p:extLst>
       <p:ext uri="{BB962C8B-B14F-4D97-AF65-F5344CB8AC3E}">
-        <p14:creationId xmlns:p14="http://schemas.microsoft.com/office/powerpoint/2010/main" val="4024184580"/>
+        <p14:creationId xmlns:p14="http://schemas.microsoft.com/office/powerpoint/2010/main" val="1028704991"/>
       </p:ext>
     </p:extLst>
   </p:cSld>
@@ -2756,9 +3634,12 @@
 <p:sldMaster xmlns:a="http://schemas.openxmlformats.org/drawingml/2006/main" xmlns:r="http://schemas.openxmlformats.org/officeDocument/2006/relationships" xmlns:p="http://schemas.openxmlformats.org/presentationml/2006/main">
   <p:cSld>
     <p:bg>
-      <p:bgRef idx="1001">
-        <a:schemeClr val="bg1"/>
-      </p:bgRef>
+      <p:bgPr>
+        <a:solidFill>
+          <a:schemeClr val="bg2"/>
+        </a:solidFill>
+        <a:effectLst/>
+      </p:bgPr>
     </p:bg>
     <p:spTree>
       <p:nvGrpSpPr>
@@ -2776,13 +3657,7 @@
       </p:grpSpPr>
       <p:sp>
         <p:nvSpPr>
-          <p:cNvPr id="2" name="Заголовок 1">
-            <a:extLst>
-              <a:ext uri="{FF2B5EF4-FFF2-40B4-BE49-F238E27FC236}">
-                <a16:creationId xmlns:a16="http://schemas.microsoft.com/office/drawing/2014/main" id="{81C616D7-0B8A-175B-D3D6-D015B63C7B30}"/>
-              </a:ext>
-            </a:extLst>
-          </p:cNvPr>
+          <p:cNvPr id="2" name="Title Placeholder 1"/>
           <p:cNvSpPr>
             <a:spLocks noGrp="1"/>
           </p:cNvSpPr>
@@ -2792,15 +3667,15 @@
         </p:nvSpPr>
         <p:spPr>
           <a:xfrm>
-            <a:off x="838200" y="365125"/>
-            <a:ext cx="10515600" cy="1325563"/>
+            <a:off x="1371600" y="685800"/>
+            <a:ext cx="9601200" cy="1485900"/>
           </a:xfrm>
           <a:prstGeom prst="rect">
             <a:avLst/>
           </a:prstGeom>
         </p:spPr>
         <p:txBody>
-          <a:bodyPr vert="horz" lIns="91440" tIns="45720" rIns="91440" bIns="45720" rtlCol="0" anchor="ctr">
+          <a:bodyPr vert="horz" lIns="91440" tIns="45720" rIns="91440" bIns="45720" rtlCol="0" anchor="t">
             <a:normAutofit/>
           </a:bodyPr>
           <a:lstStyle/>
@@ -2809,18 +3684,13 @@
               <a:rPr lang="ru-RU"/>
               <a:t>Образец заголовка</a:t>
             </a:r>
-          </a:p>
-        </p:txBody>
-      </p:sp>
-      <p:sp>
-        <p:nvSpPr>
-          <p:cNvPr id="3" name="Текст 2">
-            <a:extLst>
-              <a:ext uri="{FF2B5EF4-FFF2-40B4-BE49-F238E27FC236}">
-                <a16:creationId xmlns:a16="http://schemas.microsoft.com/office/drawing/2014/main" id="{FE8BFCC4-5F6E-C07D-227C-EEA4463E67CA}"/>
-              </a:ext>
-            </a:extLst>
-          </p:cNvPr>
+            <a:endParaRPr lang="en-US" dirty="0"/>
+          </a:p>
+        </p:txBody>
+      </p:sp>
+      <p:sp>
+        <p:nvSpPr>
+          <p:cNvPr id="3" name="Text Placeholder 2"/>
           <p:cNvSpPr>
             <a:spLocks noGrp="1"/>
           </p:cNvSpPr>
@@ -2830,8 +3700,8 @@
         </p:nvSpPr>
         <p:spPr>
           <a:xfrm>
-            <a:off x="838200" y="1825625"/>
-            <a:ext cx="10515600" cy="4351338"/>
+            <a:off x="1371600" y="2286000"/>
+            <a:ext cx="9601200" cy="3581400"/>
           </a:xfrm>
           <a:prstGeom prst="rect">
             <a:avLst/>
@@ -2876,18 +3746,13 @@
               <a:rPr lang="ru-RU"/>
               <a:t>Пятый уровень</a:t>
             </a:r>
-          </a:p>
-        </p:txBody>
-      </p:sp>
-      <p:sp>
-        <p:nvSpPr>
-          <p:cNvPr id="4" name="Дата 3">
-            <a:extLst>
-              <a:ext uri="{FF2B5EF4-FFF2-40B4-BE49-F238E27FC236}">
-                <a16:creationId xmlns:a16="http://schemas.microsoft.com/office/drawing/2014/main" id="{0484F87C-3890-3146-CDB9-F17B4D7AE81B}"/>
-              </a:ext>
-            </a:extLst>
-          </p:cNvPr>
+            <a:endParaRPr lang="en-US" dirty="0"/>
+          </a:p>
+        </p:txBody>
+      </p:sp>
+      <p:sp>
+        <p:nvSpPr>
+          <p:cNvPr id="4" name="Date Placeholder 3"/>
           <p:cNvSpPr>
             <a:spLocks noGrp="1"/>
           </p:cNvSpPr>
@@ -2897,8 +3762,8 @@
         </p:nvSpPr>
         <p:spPr>
           <a:xfrm>
-            <a:off x="838200" y="6356350"/>
-            <a:ext cx="2743200" cy="365125"/>
+            <a:off x="1390650" y="6453386"/>
+            <a:ext cx="1204572" cy="404614"/>
           </a:xfrm>
           <a:prstGeom prst="rect">
             <a:avLst/>
@@ -2908,11 +3773,9 @@
           <a:bodyPr vert="horz" lIns="91440" tIns="45720" rIns="91440" bIns="45720" rtlCol="0" anchor="ctr"/>
           <a:lstStyle>
             <a:lvl1pPr algn="l">
-              <a:defRPr sz="1200">
+              <a:defRPr sz="1200" baseline="0">
                 <a:solidFill>
-                  <a:schemeClr val="tx1">
-                    <a:tint val="75000"/>
-                  </a:schemeClr>
+                  <a:schemeClr val="tx2"/>
                 </a:solidFill>
               </a:defRPr>
             </a:lvl1pPr>
@@ -2928,13 +3791,7 @@
       </p:sp>
       <p:sp>
         <p:nvSpPr>
-          <p:cNvPr id="5" name="Нижний колонтитул 4">
-            <a:extLst>
-              <a:ext uri="{FF2B5EF4-FFF2-40B4-BE49-F238E27FC236}">
-                <a16:creationId xmlns:a16="http://schemas.microsoft.com/office/drawing/2014/main" id="{B645D818-6158-84B3-7BCE-318D911A147E}"/>
-              </a:ext>
-            </a:extLst>
-          </p:cNvPr>
+          <p:cNvPr id="5" name="Footer Placeholder 4"/>
           <p:cNvSpPr>
             <a:spLocks noGrp="1"/>
           </p:cNvSpPr>
@@ -2944,8 +3801,8 @@
         </p:nvSpPr>
         <p:spPr>
           <a:xfrm>
-            <a:off x="4038600" y="6356350"/>
-            <a:ext cx="4114800" cy="365125"/>
+            <a:off x="2893564" y="6453386"/>
+            <a:ext cx="6280830" cy="404614"/>
           </a:xfrm>
           <a:prstGeom prst="rect">
             <a:avLst/>
@@ -2954,12 +3811,10 @@
         <p:txBody>
           <a:bodyPr vert="horz" lIns="91440" tIns="45720" rIns="91440" bIns="45720" rtlCol="0" anchor="ctr"/>
           <a:lstStyle>
-            <a:lvl1pPr algn="ctr">
-              <a:defRPr sz="1200">
+            <a:lvl1pPr algn="l">
+              <a:defRPr sz="1200" baseline="0">
                 <a:solidFill>
-                  <a:schemeClr val="tx1">
-                    <a:tint val="75000"/>
-                  </a:schemeClr>
+                  <a:schemeClr val="tx2"/>
                 </a:solidFill>
               </a:defRPr>
             </a:lvl1pPr>
@@ -2971,13 +3826,7 @@
       </p:sp>
       <p:sp>
         <p:nvSpPr>
-          <p:cNvPr id="6" name="Номер слайда 5">
-            <a:extLst>
-              <a:ext uri="{FF2B5EF4-FFF2-40B4-BE49-F238E27FC236}">
-                <a16:creationId xmlns:a16="http://schemas.microsoft.com/office/drawing/2014/main" id="{36318A40-F4F8-56B4-AA4D-317633367BAF}"/>
-              </a:ext>
-            </a:extLst>
-          </p:cNvPr>
+          <p:cNvPr id="6" name="Slide Number Placeholder 5"/>
           <p:cNvSpPr>
             <a:spLocks noGrp="1"/>
           </p:cNvSpPr>
@@ -2987,8 +3836,8 @@
         </p:nvSpPr>
         <p:spPr>
           <a:xfrm>
-            <a:off x="8610600" y="6356350"/>
-            <a:ext cx="2743200" cy="365125"/>
+            <a:off x="9472736" y="6453386"/>
+            <a:ext cx="1596292" cy="404614"/>
           </a:xfrm>
           <a:prstGeom prst="rect">
             <a:avLst/>
@@ -2998,11 +3847,9 @@
           <a:bodyPr vert="horz" lIns="91440" tIns="45720" rIns="91440" bIns="45720" rtlCol="0" anchor="ctr"/>
           <a:lstStyle>
             <a:lvl1pPr algn="r">
-              <a:defRPr sz="1200">
+              <a:defRPr sz="1200" baseline="0">
                 <a:solidFill>
-                  <a:schemeClr val="tx1">
-                    <a:tint val="75000"/>
-                  </a:schemeClr>
+                  <a:schemeClr val="tx2"/>
                 </a:solidFill>
               </a:defRPr>
             </a:lvl1pPr>
@@ -3016,40 +3863,78 @@
           </a:p>
         </p:txBody>
       </p:sp>
+      <p:sp>
+        <p:nvSpPr>
+          <p:cNvPr id="9" name="Rectangle 8" title="Side bar"/>
+          <p:cNvSpPr/>
+          <p:nvPr/>
+        </p:nvSpPr>
+        <p:spPr>
+          <a:xfrm>
+            <a:off x="478095" y="376"/>
+            <a:ext cx="228600" cy="6858000"/>
+          </a:xfrm>
+          <a:prstGeom prst="rect">
+            <a:avLst/>
+          </a:prstGeom>
+          <a:solidFill>
+            <a:schemeClr val="tx2"/>
+          </a:solidFill>
+          <a:ln>
+            <a:noFill/>
+          </a:ln>
+        </p:spPr>
+        <p:style>
+          <a:lnRef idx="2">
+            <a:schemeClr val="accent1">
+              <a:shade val="50000"/>
+            </a:schemeClr>
+          </a:lnRef>
+          <a:fillRef idx="1">
+            <a:schemeClr val="accent1"/>
+          </a:fillRef>
+          <a:effectRef idx="0">
+            <a:schemeClr val="accent1"/>
+          </a:effectRef>
+          <a:fontRef idx="minor">
+            <a:schemeClr val="lt1"/>
+          </a:fontRef>
+        </p:style>
+      </p:sp>
     </p:spTree>
     <p:extLst>
       <p:ext uri="{BB962C8B-B14F-4D97-AF65-F5344CB8AC3E}">
-        <p14:creationId xmlns:p14="http://schemas.microsoft.com/office/powerpoint/2010/main" val="111954669"/>
+        <p14:creationId xmlns:p14="http://schemas.microsoft.com/office/powerpoint/2010/main" val="2082546472"/>
       </p:ext>
     </p:extLst>
   </p:cSld>
   <p:clrMap bg1="lt1" tx1="dk1" bg2="lt2" tx2="dk2" accent1="accent1" accent2="accent2" accent3="accent3" accent4="accent4" accent5="accent5" accent6="accent6" hlink="hlink" folHlink="folHlink"/>
   <p:sldLayoutIdLst>
-    <p:sldLayoutId id="2147483649" r:id="rId1"/>
-    <p:sldLayoutId id="2147483650" r:id="rId2"/>
-    <p:sldLayoutId id="2147483651" r:id="rId3"/>
-    <p:sldLayoutId id="2147483652" r:id="rId4"/>
-    <p:sldLayoutId id="2147483653" r:id="rId5"/>
-    <p:sldLayoutId id="2147483654" r:id="rId6"/>
-    <p:sldLayoutId id="2147483655" r:id="rId7"/>
-    <p:sldLayoutId id="2147483656" r:id="rId8"/>
-    <p:sldLayoutId id="2147483657" r:id="rId9"/>
-    <p:sldLayoutId id="2147483658" r:id="rId10"/>
-    <p:sldLayoutId id="2147483659" r:id="rId11"/>
+    <p:sldLayoutId id="2147483685" r:id="rId1"/>
+    <p:sldLayoutId id="2147483686" r:id="rId2"/>
+    <p:sldLayoutId id="2147483687" r:id="rId3"/>
+    <p:sldLayoutId id="2147483688" r:id="rId4"/>
+    <p:sldLayoutId id="2147483689" r:id="rId5"/>
+    <p:sldLayoutId id="2147483690" r:id="rId6"/>
+    <p:sldLayoutId id="2147483691" r:id="rId7"/>
+    <p:sldLayoutId id="2147483692" r:id="rId8"/>
+    <p:sldLayoutId id="2147483693" r:id="rId9"/>
+    <p:sldLayoutId id="2147483694" r:id="rId10"/>
+    <p:sldLayoutId id="2147483695" r:id="rId11"/>
   </p:sldLayoutIdLst>
   <p:txStyles>
     <p:titleStyle>
       <a:lvl1pPr algn="l" defTabSz="914400" rtl="0" eaLnBrk="1" latinLnBrk="0" hangingPunct="1">
         <a:lnSpc>
-          <a:spcPct val="90000"/>
+          <a:spcPct val="89000"/>
         </a:lnSpc>
         <a:spcBef>
           <a:spcPct val="0"/>
         </a:spcBef>
         <a:buNone/>
-        <a:defRPr sz="4400" kern="1200">
+        <a:defRPr sz="4400" kern="1200" baseline="0">
           <a:solidFill>
-            <a:schemeClr val="tx1"/>
+            <a:schemeClr val="tx2"/>
           </a:solidFill>
           <a:latin typeface="+mj-lt"/>
           <a:ea typeface="+mj-ea"/>
@@ -3058,162 +3943,189 @@
       </a:lvl1pPr>
     </p:titleStyle>
     <p:bodyStyle>
-      <a:lvl1pPr marL="228600" indent="-228600" algn="l" defTabSz="914400" rtl="0" eaLnBrk="1" latinLnBrk="0" hangingPunct="1">
+      <a:lvl1pPr marL="384048" indent="-384048" algn="l" defTabSz="914400" rtl="0" eaLnBrk="1" latinLnBrk="0" hangingPunct="1">
         <a:lnSpc>
-          <a:spcPct val="90000"/>
+          <a:spcPct val="94000"/>
         </a:lnSpc>
         <a:spcBef>
           <a:spcPts val="1000"/>
         </a:spcBef>
-        <a:buFont typeface="Arial" panose="020B0604020202020204" pitchFamily="34" charset="0"/>
-        <a:buChar char="•"/>
-        <a:defRPr sz="2800" kern="1200">
+        <a:spcAft>
+          <a:spcPts val="200"/>
+        </a:spcAft>
+        <a:buFont typeface="Franklin Gothic Book" panose="020B0503020102020204" pitchFamily="34" charset="0"/>
+        <a:buChar char="■"/>
+        <a:defRPr sz="2000" kern="1200" baseline="0">
           <a:solidFill>
-            <a:schemeClr val="tx1"/>
+            <a:schemeClr val="tx2"/>
           </a:solidFill>
           <a:latin typeface="+mn-lt"/>
           <a:ea typeface="+mn-ea"/>
           <a:cs typeface="+mn-cs"/>
         </a:defRPr>
       </a:lvl1pPr>
-      <a:lvl2pPr marL="685800" indent="-228600" algn="l" defTabSz="914400" rtl="0" eaLnBrk="1" latinLnBrk="0" hangingPunct="1">
+      <a:lvl2pPr marL="914400" indent="-384048" algn="l" defTabSz="914400" rtl="0" eaLnBrk="1" latinLnBrk="0" hangingPunct="1">
         <a:lnSpc>
-          <a:spcPct val="90000"/>
+          <a:spcPct val="94000"/>
         </a:lnSpc>
         <a:spcBef>
           <a:spcPts val="500"/>
         </a:spcBef>
-        <a:buFont typeface="Arial" panose="020B0604020202020204" pitchFamily="34" charset="0"/>
-        <a:buChar char="•"/>
-        <a:defRPr sz="2400" kern="1200">
+        <a:spcAft>
+          <a:spcPts val="200"/>
+        </a:spcAft>
+        <a:buFont typeface="Franklin Gothic Book" panose="020B0503020102020204" pitchFamily="34" charset="0"/>
+        <a:buChar char="–"/>
+        <a:defRPr sz="2000" i="1" kern="1200" baseline="0">
           <a:solidFill>
-            <a:schemeClr val="tx1"/>
+            <a:schemeClr val="tx2"/>
           </a:solidFill>
           <a:latin typeface="+mn-lt"/>
           <a:ea typeface="+mn-ea"/>
           <a:cs typeface="+mn-cs"/>
         </a:defRPr>
       </a:lvl2pPr>
-      <a:lvl3pPr marL="1143000" indent="-228600" algn="l" defTabSz="914400" rtl="0" eaLnBrk="1" latinLnBrk="0" hangingPunct="1">
+      <a:lvl3pPr marL="1371600" indent="-384048" algn="l" defTabSz="914400" rtl="0" eaLnBrk="1" latinLnBrk="0" hangingPunct="1">
         <a:lnSpc>
-          <a:spcPct val="90000"/>
+          <a:spcPct val="94000"/>
         </a:lnSpc>
         <a:spcBef>
           <a:spcPts val="500"/>
         </a:spcBef>
-        <a:buFont typeface="Arial" panose="020B0604020202020204" pitchFamily="34" charset="0"/>
-        <a:buChar char="•"/>
-        <a:defRPr sz="2000" kern="1200">
+        <a:spcAft>
+          <a:spcPts val="200"/>
+        </a:spcAft>
+        <a:buFont typeface="Franklin Gothic Book" panose="020B0503020102020204" pitchFamily="34" charset="0"/>
+        <a:buChar char="■"/>
+        <a:defRPr sz="1800" kern="1200" baseline="0">
           <a:solidFill>
-            <a:schemeClr val="tx1"/>
+            <a:schemeClr val="tx2"/>
           </a:solidFill>
           <a:latin typeface="+mn-lt"/>
           <a:ea typeface="+mn-ea"/>
           <a:cs typeface="+mn-cs"/>
         </a:defRPr>
       </a:lvl3pPr>
-      <a:lvl4pPr marL="1600200" indent="-228600" algn="l" defTabSz="914400" rtl="0" eaLnBrk="1" latinLnBrk="0" hangingPunct="1">
+      <a:lvl4pPr marL="1828800" indent="-384048" algn="l" defTabSz="914400" rtl="0" eaLnBrk="1" latinLnBrk="0" hangingPunct="1">
         <a:lnSpc>
-          <a:spcPct val="90000"/>
+          <a:spcPct val="94000"/>
         </a:lnSpc>
         <a:spcBef>
           <a:spcPts val="500"/>
         </a:spcBef>
-        <a:buFont typeface="Arial" panose="020B0604020202020204" pitchFamily="34" charset="0"/>
-        <a:buChar char="•"/>
-        <a:defRPr sz="1800" kern="1200">
+        <a:spcAft>
+          <a:spcPts val="200"/>
+        </a:spcAft>
+        <a:buFont typeface="Franklin Gothic Book" panose="020B0503020102020204" pitchFamily="34" charset="0"/>
+        <a:buChar char="–"/>
+        <a:defRPr sz="1800" i="1" kern="1200" baseline="0">
           <a:solidFill>
-            <a:schemeClr val="tx1"/>
+            <a:schemeClr val="tx2"/>
           </a:solidFill>
           <a:latin typeface="+mn-lt"/>
           <a:ea typeface="+mn-ea"/>
           <a:cs typeface="+mn-cs"/>
         </a:defRPr>
       </a:lvl4pPr>
-      <a:lvl5pPr marL="2057400" indent="-228600" algn="l" defTabSz="914400" rtl="0" eaLnBrk="1" latinLnBrk="0" hangingPunct="1">
+      <a:lvl5pPr marL="2286000" indent="-384048" algn="l" defTabSz="914400" rtl="0" eaLnBrk="1" latinLnBrk="0" hangingPunct="1">
         <a:lnSpc>
-          <a:spcPct val="90000"/>
+          <a:spcPct val="94000"/>
         </a:lnSpc>
         <a:spcBef>
           <a:spcPts val="500"/>
         </a:spcBef>
-        <a:buFont typeface="Arial" panose="020B0604020202020204" pitchFamily="34" charset="0"/>
-        <a:buChar char="•"/>
-        <a:defRPr sz="1800" kern="1200">
+        <a:spcAft>
+          <a:spcPts val="200"/>
+        </a:spcAft>
+        <a:buFont typeface="Franklin Gothic Book" panose="020B0503020102020204" pitchFamily="34" charset="0"/>
+        <a:buChar char="■"/>
+        <a:defRPr sz="1600" kern="1200" baseline="0">
           <a:solidFill>
-            <a:schemeClr val="tx1"/>
+            <a:schemeClr val="tx2"/>
           </a:solidFill>
           <a:latin typeface="+mn-lt"/>
           <a:ea typeface="+mn-ea"/>
           <a:cs typeface="+mn-cs"/>
         </a:defRPr>
       </a:lvl5pPr>
-      <a:lvl6pPr marL="2514600" indent="-228600" algn="l" defTabSz="914400" rtl="0" eaLnBrk="1" latinLnBrk="0" hangingPunct="1">
+      <a:lvl6pPr marL="2743200" indent="-384048" algn="l" defTabSz="914400" rtl="0" eaLnBrk="1" latinLnBrk="0" hangingPunct="1">
         <a:lnSpc>
-          <a:spcPct val="90000"/>
+          <a:spcPct val="94000"/>
         </a:lnSpc>
         <a:spcBef>
           <a:spcPts val="500"/>
         </a:spcBef>
-        <a:buFont typeface="Arial" panose="020B0604020202020204" pitchFamily="34" charset="0"/>
-        <a:buChar char="•"/>
-        <a:defRPr sz="1800" kern="1200">
+        <a:spcAft>
+          <a:spcPts val="200"/>
+        </a:spcAft>
+        <a:buFont typeface="Franklin Gothic Book" panose="020B0503020102020204" pitchFamily="34" charset="0"/>
+        <a:buChar char="–"/>
+        <a:defRPr sz="1600" i="1" kern="1200" baseline="0">
           <a:solidFill>
-            <a:schemeClr val="tx1"/>
+            <a:schemeClr val="tx2"/>
           </a:solidFill>
           <a:latin typeface="+mn-lt"/>
           <a:ea typeface="+mn-ea"/>
           <a:cs typeface="+mn-cs"/>
         </a:defRPr>
       </a:lvl6pPr>
-      <a:lvl7pPr marL="2971800" indent="-228600" algn="l" defTabSz="914400" rtl="0" eaLnBrk="1" latinLnBrk="0" hangingPunct="1">
+      <a:lvl7pPr marL="3200400" indent="-384048" algn="l" defTabSz="914400" rtl="0" eaLnBrk="1" latinLnBrk="0" hangingPunct="1">
         <a:lnSpc>
-          <a:spcPct val="90000"/>
+          <a:spcPct val="94000"/>
         </a:lnSpc>
         <a:spcBef>
           <a:spcPts val="500"/>
         </a:spcBef>
-        <a:buFont typeface="Arial" panose="020B0604020202020204" pitchFamily="34" charset="0"/>
-        <a:buChar char="•"/>
-        <a:defRPr sz="1800" kern="1200">
+        <a:spcAft>
+          <a:spcPts val="200"/>
+        </a:spcAft>
+        <a:buFont typeface="Franklin Gothic Book" panose="020B0503020102020204" pitchFamily="34" charset="0"/>
+        <a:buChar char="■"/>
+        <a:defRPr sz="1400" kern="1200" baseline="0">
           <a:solidFill>
-            <a:schemeClr val="tx1"/>
+            <a:schemeClr val="tx2"/>
           </a:solidFill>
           <a:latin typeface="+mn-lt"/>
           <a:ea typeface="+mn-ea"/>
           <a:cs typeface="+mn-cs"/>
         </a:defRPr>
       </a:lvl7pPr>
-      <a:lvl8pPr marL="3429000" indent="-228600" algn="l" defTabSz="914400" rtl="0" eaLnBrk="1" latinLnBrk="0" hangingPunct="1">
+      <a:lvl8pPr marL="3657600" indent="-384048" algn="l" defTabSz="914400" rtl="0" eaLnBrk="1" latinLnBrk="0" hangingPunct="1">
         <a:lnSpc>
-          <a:spcPct val="90000"/>
+          <a:spcPct val="94000"/>
         </a:lnSpc>
         <a:spcBef>
           <a:spcPts val="500"/>
         </a:spcBef>
-        <a:buFont typeface="Arial" panose="020B0604020202020204" pitchFamily="34" charset="0"/>
-        <a:buChar char="•"/>
-        <a:defRPr sz="1800" kern="1200">
+        <a:spcAft>
+          <a:spcPts val="200"/>
+        </a:spcAft>
+        <a:buFont typeface="Franklin Gothic Book" panose="020B0503020102020204" pitchFamily="34" charset="0"/>
+        <a:buChar char="–"/>
+        <a:defRPr sz="1400" i="1" kern="1200" baseline="0">
           <a:solidFill>
-            <a:schemeClr val="tx1"/>
+            <a:schemeClr val="tx2"/>
           </a:solidFill>
           <a:latin typeface="+mn-lt"/>
           <a:ea typeface="+mn-ea"/>
           <a:cs typeface="+mn-cs"/>
         </a:defRPr>
       </a:lvl8pPr>
-      <a:lvl9pPr marL="3886200" indent="-228600" algn="l" defTabSz="914400" rtl="0" eaLnBrk="1" latinLnBrk="0" hangingPunct="1">
+      <a:lvl9pPr marL="4114800" indent="-384048" algn="l" defTabSz="914400" rtl="0" eaLnBrk="1" latinLnBrk="0" hangingPunct="1">
         <a:lnSpc>
-          <a:spcPct val="90000"/>
+          <a:spcPct val="94000"/>
         </a:lnSpc>
         <a:spcBef>
           <a:spcPts val="500"/>
         </a:spcBef>
-        <a:buFont typeface="Arial" panose="020B0604020202020204" pitchFamily="34" charset="0"/>
-        <a:buChar char="•"/>
-        <a:defRPr sz="1800" kern="1200">
+        <a:spcAft>
+          <a:spcPts val="200"/>
+        </a:spcAft>
+        <a:buFont typeface="Franklin Gothic Book" panose="020B0503020102020204" pitchFamily="34" charset="0"/>
+        <a:buChar char="■"/>
+        <a:defRPr sz="1400" kern="1200" baseline="0">
           <a:solidFill>
-            <a:schemeClr val="tx1"/>
+            <a:schemeClr val="tx2"/>
           </a:solidFill>
           <a:latin typeface="+mn-lt"/>
           <a:ea typeface="+mn-ea"/>
@@ -3223,7 +4135,7 @@
     </p:bodyStyle>
     <p:otherStyle>
       <a:defPPr>
-        <a:defRPr lang="ru-RU"/>
+        <a:defRPr lang="en-US"/>
       </a:defPPr>
       <a:lvl1pPr marL="0" algn="l" defTabSz="914400" rtl="0" eaLnBrk="1" latinLnBrk="0" hangingPunct="1">
         <a:defRPr sz="1800" kern="1200">
@@ -3317,6 +4229,52 @@
       </a:lvl9pPr>
     </p:otherStyle>
   </p:txStyles>
+  <p:extLst mod="1">
+    <p:ext uri="{27BBF7A9-308A-43DC-89C8-2F10F3537804}">
+      <p15:sldGuideLst xmlns:p15="http://schemas.microsoft.com/office/powerpoint/2012/main">
+        <p15:guide id="3" orient="horz" pos="1368">
+          <p15:clr>
+            <a:srgbClr val="F26B43"/>
+          </p15:clr>
+        </p15:guide>
+        <p15:guide id="4" orient="horz" pos="1440">
+          <p15:clr>
+            <a:srgbClr val="F26B43"/>
+          </p15:clr>
+        </p15:guide>
+        <p15:guide id="6" orient="horz" pos="3696">
+          <p15:clr>
+            <a:srgbClr val="F26B43"/>
+          </p15:clr>
+        </p15:guide>
+        <p15:guide id="7" orient="horz" pos="432">
+          <p15:clr>
+            <a:srgbClr val="F26B43"/>
+          </p15:clr>
+        </p15:guide>
+        <p15:guide id="8" orient="horz" pos="1512">
+          <p15:clr>
+            <a:srgbClr val="F26B43"/>
+          </p15:clr>
+        </p15:guide>
+        <p15:guide id="9" pos="6912">
+          <p15:clr>
+            <a:srgbClr val="F26B43"/>
+          </p15:clr>
+        </p15:guide>
+        <p15:guide id="10" pos="936">
+          <p15:clr>
+            <a:srgbClr val="F26B43"/>
+          </p15:clr>
+        </p15:guide>
+        <p15:guide id="11" pos="864">
+          <p15:clr>
+            <a:srgbClr val="F26B43"/>
+          </p15:clr>
+        </p15:guide>
+      </p15:sldGuideLst>
+    </p:ext>
+  </p:extLst>
 </p:sldMaster>
 </file>
 
@@ -3396,7 +4354,7 @@
         </p:spPr>
         <p:txBody>
           <a:bodyPr>
-            <a:normAutofit fontScale="92500" lnSpcReduction="20000"/>
+            <a:normAutofit fontScale="77500" lnSpcReduction="20000"/>
           </a:bodyPr>
           <a:lstStyle/>
           <a:p>
@@ -3459,10 +4417,10 @@
       </p:grpSpPr>
       <p:pic>
         <p:nvPicPr>
-          <p:cNvPr id="6" name="Объект 5">
+          <p:cNvPr id="5" name="Объект 4">
             <a:extLst>
               <a:ext uri="{FF2B5EF4-FFF2-40B4-BE49-F238E27FC236}">
-                <a16:creationId xmlns:a16="http://schemas.microsoft.com/office/drawing/2014/main" id="{BA12A140-9A63-4DCC-A8F7-5CD9B1A6F5B7}"/>
+                <a16:creationId xmlns:a16="http://schemas.microsoft.com/office/drawing/2014/main" id="{EDECE34C-CC6B-4C1B-8A28-1E9020271E8F}"/>
               </a:ext>
             </a:extLst>
           </p:cNvPr>
@@ -3487,15 +4445,15 @@
         </p:blipFill>
         <p:spPr>
           <a:xfrm>
-            <a:off x="598089" y="287336"/>
-            <a:ext cx="10995822" cy="6283328"/>
+            <a:off x="1086234" y="423140"/>
+            <a:ext cx="10019532" cy="6011720"/>
           </a:xfrm>
         </p:spPr>
       </p:pic>
     </p:spTree>
     <p:extLst>
       <p:ext uri="{BB962C8B-B14F-4D97-AF65-F5344CB8AC3E}">
-        <p14:creationId xmlns:p14="http://schemas.microsoft.com/office/powerpoint/2010/main" val="1399370895"/>
+        <p14:creationId xmlns:p14="http://schemas.microsoft.com/office/powerpoint/2010/main" val="3924296868"/>
       </p:ext>
     </p:extLst>
   </p:cSld>
@@ -3527,7 +4485,7 @@
           <p:cNvPr id="5" name="Объект 4">
             <a:extLst>
               <a:ext uri="{FF2B5EF4-FFF2-40B4-BE49-F238E27FC236}">
-                <a16:creationId xmlns:a16="http://schemas.microsoft.com/office/drawing/2014/main" id="{775F27FC-4CCC-4E61-992A-B5950105F94E}"/>
+                <a16:creationId xmlns:a16="http://schemas.microsoft.com/office/drawing/2014/main" id="{1CE6E346-F560-4B02-B529-B7894102DFA0}"/>
               </a:ext>
             </a:extLst>
           </p:cNvPr>
@@ -3552,15 +4510,15 @@
         </p:blipFill>
         <p:spPr>
           <a:xfrm>
-            <a:off x="1051345" y="402206"/>
-            <a:ext cx="10089310" cy="6053587"/>
+            <a:off x="1135144" y="433825"/>
+            <a:ext cx="9921712" cy="5953028"/>
           </a:xfrm>
         </p:spPr>
       </p:pic>
     </p:spTree>
     <p:extLst>
       <p:ext uri="{BB962C8B-B14F-4D97-AF65-F5344CB8AC3E}">
-        <p14:creationId xmlns:p14="http://schemas.microsoft.com/office/powerpoint/2010/main" val="4160107756"/>
+        <p14:creationId xmlns:p14="http://schemas.microsoft.com/office/powerpoint/2010/main" val="2479560250"/>
       </p:ext>
     </p:extLst>
   </p:cSld>
@@ -3589,6 +4547,136 @@
       </p:grpSpPr>
       <p:pic>
         <p:nvPicPr>
+          <p:cNvPr id="6" name="Объект 5">
+            <a:extLst>
+              <a:ext uri="{FF2B5EF4-FFF2-40B4-BE49-F238E27FC236}">
+                <a16:creationId xmlns:a16="http://schemas.microsoft.com/office/drawing/2014/main" id="{BA12A140-9A63-4DCC-A8F7-5CD9B1A6F5B7}"/>
+              </a:ext>
+            </a:extLst>
+          </p:cNvPr>
+          <p:cNvPicPr>
+            <a:picLocks noGrp="1" noChangeAspect="1"/>
+          </p:cNvPicPr>
+          <p:nvPr>
+            <p:ph idx="1"/>
+          </p:nvPr>
+        </p:nvPicPr>
+        <p:blipFill>
+          <a:blip r:embed="rId2">
+            <a:extLst>
+              <a:ext uri="{28A0092B-C50C-407E-A947-70E740481C1C}">
+                <a14:useLocalDpi xmlns:a14="http://schemas.microsoft.com/office/drawing/2010/main" val="0"/>
+              </a:ext>
+            </a:extLst>
+          </a:blip>
+          <a:stretch>
+            <a:fillRect/>
+          </a:stretch>
+        </p:blipFill>
+        <p:spPr>
+          <a:xfrm>
+            <a:off x="793101" y="380110"/>
+            <a:ext cx="10800809" cy="6171892"/>
+          </a:xfrm>
+        </p:spPr>
+      </p:pic>
+    </p:spTree>
+    <p:extLst>
+      <p:ext uri="{BB962C8B-B14F-4D97-AF65-F5344CB8AC3E}">
+        <p14:creationId xmlns:p14="http://schemas.microsoft.com/office/powerpoint/2010/main" val="1399370895"/>
+      </p:ext>
+    </p:extLst>
+  </p:cSld>
+  <p:clrMapOvr>
+    <a:masterClrMapping/>
+  </p:clrMapOvr>
+</p:sld>
+</file>
+
+<file path=ppt/slides/slide13.xml><?xml version="1.0" encoding="utf-8"?>
+<p:sld xmlns:a="http://schemas.openxmlformats.org/drawingml/2006/main" xmlns:r="http://schemas.openxmlformats.org/officeDocument/2006/relationships" xmlns:p="http://schemas.openxmlformats.org/presentationml/2006/main">
+  <p:cSld>
+    <p:spTree>
+      <p:nvGrpSpPr>
+        <p:cNvPr id="1" name=""/>
+        <p:cNvGrpSpPr/>
+        <p:nvPr/>
+      </p:nvGrpSpPr>
+      <p:grpSpPr>
+        <a:xfrm>
+          <a:off x="0" y="0"/>
+          <a:ext cx="0" cy="0"/>
+          <a:chOff x="0" y="0"/>
+          <a:chExt cx="0" cy="0"/>
+        </a:xfrm>
+      </p:grpSpPr>
+      <p:pic>
+        <p:nvPicPr>
+          <p:cNvPr id="5" name="Объект 4">
+            <a:extLst>
+              <a:ext uri="{FF2B5EF4-FFF2-40B4-BE49-F238E27FC236}">
+                <a16:creationId xmlns:a16="http://schemas.microsoft.com/office/drawing/2014/main" id="{775F27FC-4CCC-4E61-992A-B5950105F94E}"/>
+              </a:ext>
+            </a:extLst>
+          </p:cNvPr>
+          <p:cNvPicPr>
+            <a:picLocks noGrp="1" noChangeAspect="1"/>
+          </p:cNvPicPr>
+          <p:nvPr>
+            <p:ph idx="1"/>
+          </p:nvPr>
+        </p:nvPicPr>
+        <p:blipFill>
+          <a:blip r:embed="rId2">
+            <a:extLst>
+              <a:ext uri="{28A0092B-C50C-407E-A947-70E740481C1C}">
+                <a14:useLocalDpi xmlns:a14="http://schemas.microsoft.com/office/drawing/2010/main" val="0"/>
+              </a:ext>
+            </a:extLst>
+          </a:blip>
+          <a:stretch>
+            <a:fillRect/>
+          </a:stretch>
+        </p:blipFill>
+        <p:spPr>
+          <a:xfrm>
+            <a:off x="1051345" y="402206"/>
+            <a:ext cx="10089310" cy="6053587"/>
+          </a:xfrm>
+        </p:spPr>
+      </p:pic>
+    </p:spTree>
+    <p:extLst>
+      <p:ext uri="{BB962C8B-B14F-4D97-AF65-F5344CB8AC3E}">
+        <p14:creationId xmlns:p14="http://schemas.microsoft.com/office/powerpoint/2010/main" val="4160107756"/>
+      </p:ext>
+    </p:extLst>
+  </p:cSld>
+  <p:clrMapOvr>
+    <a:masterClrMapping/>
+  </p:clrMapOvr>
+</p:sld>
+</file>
+
+<file path=ppt/slides/slide14.xml><?xml version="1.0" encoding="utf-8"?>
+<p:sld xmlns:a="http://schemas.openxmlformats.org/drawingml/2006/main" xmlns:r="http://schemas.openxmlformats.org/officeDocument/2006/relationships" xmlns:p="http://schemas.openxmlformats.org/presentationml/2006/main">
+  <p:cSld>
+    <p:spTree>
+      <p:nvGrpSpPr>
+        <p:cNvPr id="1" name=""/>
+        <p:cNvGrpSpPr/>
+        <p:nvPr/>
+      </p:nvGrpSpPr>
+      <p:grpSpPr>
+        <a:xfrm>
+          <a:off x="0" y="0"/>
+          <a:ext cx="0" cy="0"/>
+          <a:chOff x="0" y="0"/>
+          <a:chExt cx="0" cy="0"/>
+        </a:xfrm>
+      </p:grpSpPr>
+      <p:pic>
+        <p:nvPicPr>
           <p:cNvPr id="5" name="Объект 4">
             <a:extLst>
               <a:ext uri="{FF2B5EF4-FFF2-40B4-BE49-F238E27FC236}">
@@ -3636,6 +4724,107 @@
 </file>
 
 <file path=ppt/slides/slide2.xml><?xml version="1.0" encoding="utf-8"?>
+<p:sld xmlns:a="http://schemas.openxmlformats.org/drawingml/2006/main" xmlns:r="http://schemas.openxmlformats.org/officeDocument/2006/relationships" xmlns:p="http://schemas.openxmlformats.org/presentationml/2006/main">
+  <p:cSld>
+    <p:spTree>
+      <p:nvGrpSpPr>
+        <p:cNvPr id="1" name=""/>
+        <p:cNvGrpSpPr/>
+        <p:nvPr/>
+      </p:nvGrpSpPr>
+      <p:grpSpPr>
+        <a:xfrm>
+          <a:off x="0" y="0"/>
+          <a:ext cx="0" cy="0"/>
+          <a:chOff x="0" y="0"/>
+          <a:chExt cx="0" cy="0"/>
+        </a:xfrm>
+      </p:grpSpPr>
+      <p:sp>
+        <p:nvSpPr>
+          <p:cNvPr id="8" name="TextBox 7">
+            <a:extLst>
+              <a:ext uri="{FF2B5EF4-FFF2-40B4-BE49-F238E27FC236}">
+                <a16:creationId xmlns:a16="http://schemas.microsoft.com/office/drawing/2014/main" id="{EEFB8542-7E75-401D-9ABC-C1458CEB22B8}"/>
+              </a:ext>
+            </a:extLst>
+          </p:cNvPr>
+          <p:cNvSpPr txBox="1"/>
+          <p:nvPr/>
+        </p:nvSpPr>
+        <p:spPr>
+          <a:xfrm>
+            <a:off x="2097833" y="2006081"/>
+            <a:ext cx="7996334" cy="784830"/>
+          </a:xfrm>
+          <a:prstGeom prst="rect">
+            <a:avLst/>
+          </a:prstGeom>
+          <a:noFill/>
+        </p:spPr>
+        <p:txBody>
+          <a:bodyPr wrap="square" rtlCol="0">
+            <a:spAutoFit/>
+          </a:bodyPr>
+          <a:lstStyle/>
+          <a:p>
+            <a:pPr algn="ctr"/>
+            <a:r>
+              <a:rPr lang="ru-RU" sz="4500" dirty="0"/>
+              <a:t>Анализ эффективности терапии</a:t>
+            </a:r>
+          </a:p>
+        </p:txBody>
+      </p:sp>
+      <p:sp>
+        <p:nvSpPr>
+          <p:cNvPr id="9" name="TextBox 8">
+            <a:extLst>
+              <a:ext uri="{FF2B5EF4-FFF2-40B4-BE49-F238E27FC236}">
+                <a16:creationId xmlns:a16="http://schemas.microsoft.com/office/drawing/2014/main" id="{731405BD-E040-4C3E-AEEC-44F330887C0F}"/>
+              </a:ext>
+            </a:extLst>
+          </p:cNvPr>
+          <p:cNvSpPr txBox="1"/>
+          <p:nvPr/>
+        </p:nvSpPr>
+        <p:spPr>
+          <a:xfrm>
+            <a:off x="1789145" y="3749849"/>
+            <a:ext cx="8613710" cy="430887"/>
+          </a:xfrm>
+          <a:prstGeom prst="rect">
+            <a:avLst/>
+          </a:prstGeom>
+          <a:noFill/>
+        </p:spPr>
+        <p:txBody>
+          <a:bodyPr wrap="square" rtlCol="0">
+            <a:spAutoFit/>
+          </a:bodyPr>
+          <a:lstStyle/>
+          <a:p>
+            <a:r>
+              <a:rPr lang="ru-RU" sz="2200" dirty="0"/>
+              <a:t>Выполнили: Самойленко Денис, Чернецов Михаил, Борисенко Руслан</a:t>
+            </a:r>
+          </a:p>
+        </p:txBody>
+      </p:sp>
+    </p:spTree>
+    <p:extLst>
+      <p:ext uri="{BB962C8B-B14F-4D97-AF65-F5344CB8AC3E}">
+        <p14:creationId xmlns:p14="http://schemas.microsoft.com/office/powerpoint/2010/main" val="2108788809"/>
+      </p:ext>
+    </p:extLst>
+  </p:cSld>
+  <p:clrMapOvr>
+    <a:masterClrMapping/>
+  </p:clrMapOvr>
+</p:sld>
+</file>
+
+<file path=ppt/slides/slide3.xml><?xml version="1.0" encoding="utf-8"?>
 <p:sld xmlns:a="http://schemas.openxmlformats.org/drawingml/2006/main" xmlns:r="http://schemas.openxmlformats.org/officeDocument/2006/relationships" xmlns:p="http://schemas.openxmlformats.org/presentationml/2006/main">
   <p:cSld>
     <p:spTree>
@@ -4051,7 +5240,7 @@
 </p:sld>
 </file>
 
-<file path=ppt/slides/slide3.xml><?xml version="1.0" encoding="utf-8"?>
+<file path=ppt/slides/slide4.xml><?xml version="1.0" encoding="utf-8"?>
 <p:sld xmlns:a="http://schemas.openxmlformats.org/drawingml/2006/main" xmlns:r="http://schemas.openxmlformats.org/officeDocument/2006/relationships" xmlns:p="http://schemas.openxmlformats.org/presentationml/2006/main">
   <p:cSld>
     <p:spTree>
@@ -4111,7 +5300,7 @@
 </p:sld>
 </file>
 
-<file path=ppt/slides/slide4.xml><?xml version="1.0" encoding="utf-8"?>
+<file path=ppt/slides/slide5.xml><?xml version="1.0" encoding="utf-8"?>
 <p:sld xmlns:a="http://schemas.openxmlformats.org/drawingml/2006/main" xmlns:r="http://schemas.openxmlformats.org/officeDocument/2006/relationships" xmlns:p="http://schemas.openxmlformats.org/presentationml/2006/main">
   <p:cSld>
     <p:spTree>
@@ -4171,7 +5360,7 @@
 </p:sld>
 </file>
 
-<file path=ppt/slides/slide5.xml><?xml version="1.0" encoding="utf-8"?>
+<file path=ppt/slides/slide6.xml><?xml version="1.0" encoding="utf-8"?>
 <p:sld xmlns:a="http://schemas.openxmlformats.org/drawingml/2006/main" xmlns:r="http://schemas.openxmlformats.org/officeDocument/2006/relationships" xmlns:p="http://schemas.openxmlformats.org/presentationml/2006/main">
   <p:cSld>
     <p:spTree>
@@ -4231,7 +5420,337 @@
 </p:sld>
 </file>
 
-<file path=ppt/slides/slide6.xml><?xml version="1.0" encoding="utf-8"?>
+<file path=ppt/slides/slide7.xml><?xml version="1.0" encoding="utf-8"?>
+<p:sld xmlns:a="http://schemas.openxmlformats.org/drawingml/2006/main" xmlns:r="http://schemas.openxmlformats.org/officeDocument/2006/relationships" xmlns:p="http://schemas.openxmlformats.org/presentationml/2006/main">
+  <p:cSld>
+    <p:spTree>
+      <p:nvGrpSpPr>
+        <p:cNvPr id="1" name=""/>
+        <p:cNvGrpSpPr/>
+        <p:nvPr/>
+      </p:nvGrpSpPr>
+      <p:grpSpPr>
+        <a:xfrm>
+          <a:off x="0" y="0"/>
+          <a:ext cx="0" cy="0"/>
+          <a:chOff x="0" y="0"/>
+          <a:chExt cx="0" cy="0"/>
+        </a:xfrm>
+      </p:grpSpPr>
+      <p:sp>
+        <p:nvSpPr>
+          <p:cNvPr id="2" name="TextBox 1">
+            <a:extLst>
+              <a:ext uri="{FF2B5EF4-FFF2-40B4-BE49-F238E27FC236}">
+                <a16:creationId xmlns:a16="http://schemas.microsoft.com/office/drawing/2014/main" id="{4628169D-B22D-4AD5-A2E3-13BE2F8CC094}"/>
+              </a:ext>
+            </a:extLst>
+          </p:cNvPr>
+          <p:cNvSpPr txBox="1"/>
+          <p:nvPr/>
+        </p:nvSpPr>
+        <p:spPr>
+          <a:xfrm>
+            <a:off x="2485053" y="503852"/>
+            <a:ext cx="7221894" cy="769441"/>
+          </a:xfrm>
+          <a:prstGeom prst="rect">
+            <a:avLst/>
+          </a:prstGeom>
+          <a:noFill/>
+        </p:spPr>
+        <p:txBody>
+          <a:bodyPr wrap="square" rtlCol="0">
+            <a:spAutoFit/>
+          </a:bodyPr>
+          <a:lstStyle/>
+          <a:p>
+            <a:pPr algn="ctr"/>
+            <a:r>
+              <a:rPr lang="ru-RU" sz="2200" dirty="0">
+                <a:latin typeface="Franklin Gothic Book" panose="020B0503020102020204" pitchFamily="34" charset="0"/>
+              </a:rPr>
+              <a:t>Статистическая значимость различий для двух групп:</a:t>
+            </a:r>
+          </a:p>
+          <a:p>
+            <a:pPr algn="ctr"/>
+            <a:r>
+              <a:rPr lang="ru-RU" sz="2200" dirty="0">
+                <a:latin typeface="Franklin Gothic Book" panose="020B0503020102020204" pitchFamily="34" charset="0"/>
+              </a:rPr>
+              <a:t>Принимающих препараты и не принимающих препараты</a:t>
+            </a:r>
+          </a:p>
+        </p:txBody>
+      </p:sp>
+      <p:sp>
+        <p:nvSpPr>
+          <p:cNvPr id="3" name="TextBox 2">
+            <a:extLst>
+              <a:ext uri="{FF2B5EF4-FFF2-40B4-BE49-F238E27FC236}">
+                <a16:creationId xmlns:a16="http://schemas.microsoft.com/office/drawing/2014/main" id="{B1518E39-7E91-40BC-97EA-3DF918098D38}"/>
+              </a:ext>
+            </a:extLst>
+          </p:cNvPr>
+          <p:cNvSpPr txBox="1"/>
+          <p:nvPr/>
+        </p:nvSpPr>
+        <p:spPr>
+          <a:xfrm>
+            <a:off x="2055845" y="1723863"/>
+            <a:ext cx="8080310" cy="923330"/>
+          </a:xfrm>
+          <a:prstGeom prst="rect">
+            <a:avLst/>
+          </a:prstGeom>
+          <a:noFill/>
+        </p:spPr>
+        <p:txBody>
+          <a:bodyPr wrap="square" rtlCol="0">
+            <a:spAutoFit/>
+          </a:bodyPr>
+          <a:lstStyle/>
+          <a:p>
+            <a:r>
+              <a:rPr lang="ru-RU" dirty="0">
+                <a:latin typeface="Franklin Gothic Book" panose="020B0503020102020204" pitchFamily="34" charset="0"/>
+              </a:rPr>
+              <a:t>При проведении </a:t>
+            </a:r>
+            <a:r>
+              <a:rPr lang="en-US" dirty="0">
+                <a:latin typeface="Franklin Gothic Book" panose="020B0503020102020204" pitchFamily="34" charset="0"/>
+              </a:rPr>
+              <a:t>t-</a:t>
+            </a:r>
+            <a:r>
+              <a:rPr lang="ru-RU" dirty="0">
+                <a:latin typeface="Franklin Gothic Book" panose="020B0503020102020204" pitchFamily="34" charset="0"/>
+              </a:rPr>
+              <a:t>тестирования по различным показателям были получены следующие результаты для каждого из них (установленный уровень значимости равен 0.05)</a:t>
+            </a:r>
+          </a:p>
+        </p:txBody>
+      </p:sp>
+      <p:sp>
+        <p:nvSpPr>
+          <p:cNvPr id="4" name="TextBox 3">
+            <a:extLst>
+              <a:ext uri="{FF2B5EF4-FFF2-40B4-BE49-F238E27FC236}">
+                <a16:creationId xmlns:a16="http://schemas.microsoft.com/office/drawing/2014/main" id="{2117B6B5-1533-46DE-A507-5E0CE71459B7}"/>
+              </a:ext>
+            </a:extLst>
+          </p:cNvPr>
+          <p:cNvSpPr txBox="1"/>
+          <p:nvPr/>
+        </p:nvSpPr>
+        <p:spPr>
+          <a:xfrm>
+            <a:off x="2055845" y="2790253"/>
+            <a:ext cx="8080310" cy="923330"/>
+          </a:xfrm>
+          <a:prstGeom prst="rect">
+            <a:avLst/>
+          </a:prstGeom>
+          <a:noFill/>
+        </p:spPr>
+        <p:txBody>
+          <a:bodyPr wrap="square" rtlCol="0">
+            <a:spAutoFit/>
+          </a:bodyPr>
+          <a:lstStyle/>
+          <a:p>
+            <a:r>
+              <a:rPr lang="ru-RU" u="sng" dirty="0">
+                <a:latin typeface="Franklin Gothic Book" panose="020B0503020102020204" pitchFamily="34" charset="0"/>
+              </a:rPr>
+              <a:t>Возраст</a:t>
+            </a:r>
+            <a:r>
+              <a:rPr lang="ru-RU" dirty="0">
+                <a:latin typeface="Franklin Gothic Book" panose="020B0503020102020204" pitchFamily="34" charset="0"/>
+              </a:rPr>
+              <a:t>: </a:t>
+            </a:r>
+            <a:r>
+              <a:rPr lang="en-US" dirty="0">
+                <a:latin typeface="Franklin Gothic Book" panose="020B0503020102020204" pitchFamily="34" charset="0"/>
+              </a:rPr>
+              <a:t>t =  1.6</a:t>
+            </a:r>
+            <a:r>
+              <a:rPr lang="ru-RU" dirty="0">
+                <a:latin typeface="Franklin Gothic Book" panose="020B0503020102020204" pitchFamily="34" charset="0"/>
+              </a:rPr>
+              <a:t>5</a:t>
+            </a:r>
+            <a:r>
+              <a:rPr lang="en-US" dirty="0">
+                <a:latin typeface="Franklin Gothic Book" panose="020B0503020102020204" pitchFamily="34" charset="0"/>
+              </a:rPr>
+              <a:t>  p =  0.099</a:t>
+            </a:r>
+            <a:br>
+              <a:rPr lang="ru-RU" dirty="0">
+                <a:latin typeface="Franklin Gothic Book" panose="020B0503020102020204" pitchFamily="34" charset="0"/>
+              </a:rPr>
+            </a:br>
+            <a:r>
+              <a:rPr lang="ru-RU" dirty="0">
+                <a:latin typeface="Franklin Gothic Book" panose="020B0503020102020204" pitchFamily="34" charset="0"/>
+              </a:rPr>
+              <a:t>Нет значительных различий в возрасте между группами. Различия могут быть случайными.</a:t>
+            </a:r>
+          </a:p>
+        </p:txBody>
+      </p:sp>
+      <p:sp>
+        <p:nvSpPr>
+          <p:cNvPr id="5" name="TextBox 4">
+            <a:extLst>
+              <a:ext uri="{FF2B5EF4-FFF2-40B4-BE49-F238E27FC236}">
+                <a16:creationId xmlns:a16="http://schemas.microsoft.com/office/drawing/2014/main" id="{3F03D94F-BC85-4314-A6A0-EFF6115175EE}"/>
+              </a:ext>
+            </a:extLst>
+          </p:cNvPr>
+          <p:cNvSpPr txBox="1"/>
+          <p:nvPr/>
+        </p:nvSpPr>
+        <p:spPr>
+          <a:xfrm>
+            <a:off x="2055845" y="3856643"/>
+            <a:ext cx="8080310" cy="923330"/>
+          </a:xfrm>
+          <a:prstGeom prst="rect">
+            <a:avLst/>
+          </a:prstGeom>
+          <a:noFill/>
+        </p:spPr>
+        <p:txBody>
+          <a:bodyPr wrap="square" rtlCol="0">
+            <a:spAutoFit/>
+          </a:bodyPr>
+          <a:lstStyle/>
+          <a:p>
+            <a:r>
+              <a:rPr lang="ru-RU" u="sng" dirty="0">
+                <a:latin typeface="Franklin Gothic Book" panose="020B0503020102020204" pitchFamily="34" charset="0"/>
+              </a:rPr>
+              <a:t>Результат </a:t>
+            </a:r>
+            <a:r>
+              <a:rPr lang="en-US" u="sng" dirty="0">
+                <a:latin typeface="Franklin Gothic Book" panose="020B0503020102020204" pitchFamily="34" charset="0"/>
+              </a:rPr>
+              <a:t>D</a:t>
+            </a:r>
+            <a:r>
+              <a:rPr lang="ru-RU" dirty="0">
+                <a:latin typeface="Franklin Gothic Book" panose="020B0503020102020204" pitchFamily="34" charset="0"/>
+              </a:rPr>
+              <a:t>: </a:t>
+            </a:r>
+            <a:r>
+              <a:rPr lang="en-US" dirty="0">
+                <a:latin typeface="Franklin Gothic Book" panose="020B0503020102020204" pitchFamily="34" charset="0"/>
+              </a:rPr>
+              <a:t>t =  4.69  p =  2.77e-06</a:t>
+            </a:r>
+            <a:br>
+              <a:rPr lang="ru-RU" dirty="0">
+                <a:latin typeface="Franklin Gothic Book" panose="020B0503020102020204" pitchFamily="34" charset="0"/>
+              </a:rPr>
+            </a:br>
+            <a:r>
+              <a:rPr lang="ru-RU" dirty="0">
+                <a:latin typeface="Franklin Gothic Book" panose="020B0503020102020204" pitchFamily="34" charset="0"/>
+              </a:rPr>
+              <a:t>Значительные различия между группами по результатам D. Маловероятно, что они случайны.</a:t>
+            </a:r>
+          </a:p>
+        </p:txBody>
+      </p:sp>
+      <p:sp>
+        <p:nvSpPr>
+          <p:cNvPr id="6" name="TextBox 5">
+            <a:extLst>
+              <a:ext uri="{FF2B5EF4-FFF2-40B4-BE49-F238E27FC236}">
+                <a16:creationId xmlns:a16="http://schemas.microsoft.com/office/drawing/2014/main" id="{B64B3194-0158-49C9-9A20-0AFB4A683B2F}"/>
+              </a:ext>
+            </a:extLst>
+          </p:cNvPr>
+          <p:cNvSpPr txBox="1"/>
+          <p:nvPr/>
+        </p:nvSpPr>
+        <p:spPr>
+          <a:xfrm>
+            <a:off x="2055845" y="4923033"/>
+            <a:ext cx="8080310" cy="923330"/>
+          </a:xfrm>
+          <a:prstGeom prst="rect">
+            <a:avLst/>
+          </a:prstGeom>
+          <a:noFill/>
+        </p:spPr>
+        <p:txBody>
+          <a:bodyPr wrap="square" rtlCol="0">
+            <a:spAutoFit/>
+          </a:bodyPr>
+          <a:lstStyle/>
+          <a:p>
+            <a:r>
+              <a:rPr lang="ru-RU" u="sng" dirty="0">
+                <a:latin typeface="Franklin Gothic Book" panose="020B0503020102020204" pitchFamily="34" charset="0"/>
+              </a:rPr>
+              <a:t>Результат </a:t>
+            </a:r>
+            <a:r>
+              <a:rPr lang="en-US" u="sng" dirty="0">
+                <a:latin typeface="Franklin Gothic Book" panose="020B0503020102020204" pitchFamily="34" charset="0"/>
+              </a:rPr>
+              <a:t>F</a:t>
+            </a:r>
+            <a:r>
+              <a:rPr lang="ru-RU" dirty="0">
+                <a:latin typeface="Franklin Gothic Book" panose="020B0503020102020204" pitchFamily="34" charset="0"/>
+              </a:rPr>
+              <a:t>: </a:t>
+            </a:r>
+            <a:r>
+              <a:rPr lang="en-US" dirty="0">
+                <a:latin typeface="Franklin Gothic Book" panose="020B0503020102020204" pitchFamily="34" charset="0"/>
+              </a:rPr>
+              <a:t>t =  -13.28  p = 1.02e-39</a:t>
+            </a:r>
+            <a:br>
+              <a:rPr lang="ru-RU" dirty="0">
+                <a:latin typeface="Franklin Gothic Book" panose="020B0503020102020204" pitchFamily="34" charset="0"/>
+              </a:rPr>
+            </a:br>
+            <a:r>
+              <a:rPr lang="ru-RU" dirty="0">
+                <a:latin typeface="Franklin Gothic Book" panose="020B0503020102020204" pitchFamily="34" charset="0"/>
+              </a:rPr>
+              <a:t>Очень значительные различия между группами по результатам F. Практически нет шансов, что это случайность.</a:t>
+            </a:r>
+          </a:p>
+        </p:txBody>
+      </p:sp>
+    </p:spTree>
+    <p:extLst>
+      <p:ext uri="{BB962C8B-B14F-4D97-AF65-F5344CB8AC3E}">
+        <p14:creationId xmlns:p14="http://schemas.microsoft.com/office/powerpoint/2010/main" val="2681118410"/>
+      </p:ext>
+    </p:extLst>
+  </p:cSld>
+  <p:clrMapOvr>
+    <a:masterClrMapping/>
+  </p:clrMapOvr>
+</p:sld>
+</file>
+
+<file path=ppt/slides/slide8.xml><?xml version="1.0" encoding="utf-8"?>
 <p:sld xmlns:a="http://schemas.openxmlformats.org/drawingml/2006/main" xmlns:r="http://schemas.openxmlformats.org/officeDocument/2006/relationships" xmlns:p="http://schemas.openxmlformats.org/presentationml/2006/main">
   <p:cSld>
     <p:spTree>
@@ -4297,7 +5816,7 @@
 </p:sld>
 </file>
 
-<file path=ppt/slides/slide7.xml><?xml version="1.0" encoding="utf-8"?>
+<file path=ppt/slides/slide9.xml><?xml version="1.0" encoding="utf-8"?>
 <p:sld xmlns:a="http://schemas.openxmlformats.org/drawingml/2006/main" xmlns:r="http://schemas.openxmlformats.org/officeDocument/2006/relationships" xmlns:p="http://schemas.openxmlformats.org/presentationml/2006/main">
   <p:cSld>
     <p:spTree>
@@ -4362,137 +5881,265 @@
 </p:sld>
 </file>
 
-<file path=ppt/slides/slide8.xml><?xml version="1.0" encoding="utf-8"?>
-<p:sld xmlns:a="http://schemas.openxmlformats.org/drawingml/2006/main" xmlns:r="http://schemas.openxmlformats.org/officeDocument/2006/relationships" xmlns:p="http://schemas.openxmlformats.org/presentationml/2006/main">
-  <p:cSld>
-    <p:spTree>
-      <p:nvGrpSpPr>
-        <p:cNvPr id="1" name=""/>
-        <p:cNvGrpSpPr/>
-        <p:nvPr/>
-      </p:nvGrpSpPr>
-      <p:grpSpPr>
-        <a:xfrm>
-          <a:off x="0" y="0"/>
-          <a:ext cx="0" cy="0"/>
-          <a:chOff x="0" y="0"/>
-          <a:chExt cx="0" cy="0"/>
-        </a:xfrm>
-      </p:grpSpPr>
-      <p:pic>
-        <p:nvPicPr>
-          <p:cNvPr id="5" name="Объект 4">
-            <a:extLst>
-              <a:ext uri="{FF2B5EF4-FFF2-40B4-BE49-F238E27FC236}">
-                <a16:creationId xmlns:a16="http://schemas.microsoft.com/office/drawing/2014/main" id="{EDECE34C-CC6B-4C1B-8A28-1E9020271E8F}"/>
-              </a:ext>
-            </a:extLst>
-          </p:cNvPr>
-          <p:cNvPicPr>
-            <a:picLocks noGrp="1" noChangeAspect="1"/>
-          </p:cNvPicPr>
-          <p:nvPr>
-            <p:ph idx="1"/>
-          </p:nvPr>
-        </p:nvPicPr>
-        <p:blipFill>
-          <a:blip r:embed="rId2">
-            <a:extLst>
-              <a:ext uri="{28A0092B-C50C-407E-A947-70E740481C1C}">
-                <a14:useLocalDpi xmlns:a14="http://schemas.microsoft.com/office/drawing/2010/main" val="0"/>
-              </a:ext>
-            </a:extLst>
-          </a:blip>
-          <a:stretch>
-            <a:fillRect/>
-          </a:stretch>
-        </p:blipFill>
-        <p:spPr>
-          <a:xfrm>
-            <a:off x="1086234" y="423140"/>
-            <a:ext cx="10019532" cy="6011720"/>
-          </a:xfrm>
-        </p:spPr>
-      </p:pic>
-    </p:spTree>
-    <p:extLst>
-      <p:ext uri="{BB962C8B-B14F-4D97-AF65-F5344CB8AC3E}">
-        <p14:creationId xmlns:p14="http://schemas.microsoft.com/office/powerpoint/2010/main" val="3924296868"/>
-      </p:ext>
-    </p:extLst>
-  </p:cSld>
-  <p:clrMapOvr>
-    <a:masterClrMapping/>
-  </p:clrMapOvr>
-</p:sld>
+<file path=ppt/theme/theme1.xml><?xml version="1.0" encoding="utf-8"?>
+<a:theme xmlns:a="http://schemas.openxmlformats.org/drawingml/2006/main" name="Обрезка">
+  <a:themeElements>
+    <a:clrScheme name="Обрезка">
+      <a:dk1>
+        <a:sysClr val="windowText" lastClr="000000"/>
+      </a:dk1>
+      <a:lt1>
+        <a:sysClr val="window" lastClr="FFFFFF"/>
+      </a:lt1>
+      <a:dk2>
+        <a:srgbClr val="191B0E"/>
+      </a:dk2>
+      <a:lt2>
+        <a:srgbClr val="EFEDE3"/>
+      </a:lt2>
+      <a:accent1>
+        <a:srgbClr val="8C8D86"/>
+      </a:accent1>
+      <a:accent2>
+        <a:srgbClr val="E6C069"/>
+      </a:accent2>
+      <a:accent3>
+        <a:srgbClr val="897B61"/>
+      </a:accent3>
+      <a:accent4>
+        <a:srgbClr val="8DAB8E"/>
+      </a:accent4>
+      <a:accent5>
+        <a:srgbClr val="77A2BB"/>
+      </a:accent5>
+      <a:accent6>
+        <a:srgbClr val="E28394"/>
+      </a:accent6>
+      <a:hlink>
+        <a:srgbClr val="77A2BB"/>
+      </a:hlink>
+      <a:folHlink>
+        <a:srgbClr val="957A99"/>
+      </a:folHlink>
+    </a:clrScheme>
+    <a:fontScheme name="Обрезка">
+      <a:majorFont>
+        <a:latin typeface="Franklin Gothic Book" panose="020B0503020102020204"/>
+        <a:ea typeface=""/>
+        <a:cs typeface=""/>
+        <a:font script="Jpan" typeface="メイリオ"/>
+        <a:font script="Hang" typeface="돋움"/>
+        <a:font script="Hans" typeface="华文楷体"/>
+        <a:font script="Hant" typeface="微軟正黑體"/>
+        <a:font script="Arab" typeface="Tahoma"/>
+        <a:font script="Hebr" typeface="Aharoni"/>
+        <a:font script="Thai" typeface="LilyUPC"/>
+        <a:font script="Ethi" typeface="Nyala"/>
+        <a:font script="Beng" typeface="Vrinda"/>
+        <a:font script="Gujr" typeface="Shruti"/>
+        <a:font script="Khmr" typeface="DaunPenh"/>
+        <a:font script="Knda" typeface="Tunga"/>
+        <a:font script="Guru" typeface="Raavi"/>
+        <a:font script="Cans" typeface="Euphemia"/>
+        <a:font script="Cher" typeface="Plantagenet Cherokee"/>
+        <a:font script="Yiii" typeface="Microsoft Yi Baiti"/>
+        <a:font script="Tibt" typeface="Microsoft Himalaya"/>
+        <a:font script="Thaa" typeface="MV Boli"/>
+        <a:font script="Deva" typeface="Mangal"/>
+        <a:font script="Telu" typeface="Gautami"/>
+        <a:font script="Taml" typeface="Latha"/>
+        <a:font script="Syrc" typeface="Estrangelo Edessa"/>
+        <a:font script="Orya" typeface="Kalinga"/>
+        <a:font script="Mlym" typeface="Kartika"/>
+        <a:font script="Laoo" typeface="DokChampa"/>
+        <a:font script="Sinh" typeface="Iskoola Pota"/>
+        <a:font script="Mong" typeface="Mongolian Baiti"/>
+        <a:font script="Viet" typeface="Tahoma"/>
+        <a:font script="Uigh" typeface="Microsoft Uighur"/>
+        <a:font script="Geor" typeface="Sylfaen"/>
+      </a:majorFont>
+      <a:minorFont>
+        <a:latin typeface="Franklin Gothic Book" panose="020B0503020102020204"/>
+        <a:ea typeface=""/>
+        <a:cs typeface=""/>
+        <a:font script="Jpan" typeface="メイリオ"/>
+        <a:font script="Hang" typeface="돋움"/>
+        <a:font script="Hans" typeface="华文楷体"/>
+        <a:font script="Hant" typeface="微軟正黑體"/>
+        <a:font script="Arab" typeface="Tahoma"/>
+        <a:font script="Hebr" typeface="Aharoni"/>
+        <a:font script="Thai" typeface="LilyUPC"/>
+        <a:font script="Ethi" typeface="Nyala"/>
+        <a:font script="Beng" typeface="Vrinda"/>
+        <a:font script="Gujr" typeface="Shruti"/>
+        <a:font script="Khmr" typeface="DaunPenh"/>
+        <a:font script="Knda" typeface="Tunga"/>
+        <a:font script="Guru" typeface="Raavi"/>
+        <a:font script="Cans" typeface="Euphemia"/>
+        <a:font script="Cher" typeface="Plantagenet Cherokee"/>
+        <a:font script="Yiii" typeface="Microsoft Yi Baiti"/>
+        <a:font script="Tibt" typeface="Microsoft Himalaya"/>
+        <a:font script="Thaa" typeface="MV Boli"/>
+        <a:font script="Deva" typeface="Mangal"/>
+        <a:font script="Telu" typeface="Gautami"/>
+        <a:font script="Taml" typeface="Latha"/>
+        <a:font script="Syrc" typeface="Estrangelo Edessa"/>
+        <a:font script="Orya" typeface="Kalinga"/>
+        <a:font script="Mlym" typeface="Kartika"/>
+        <a:font script="Laoo" typeface="DokChampa"/>
+        <a:font script="Sinh" typeface="Iskoola Pota"/>
+        <a:font script="Mong" typeface="Mongolian Baiti"/>
+        <a:font script="Viet" typeface="Tahoma"/>
+        <a:font script="Uigh" typeface="Microsoft Uighur"/>
+        <a:font script="Geor" typeface="Sylfaen"/>
+      </a:minorFont>
+    </a:fontScheme>
+    <a:fmtScheme name="Обрезка">
+      <a:fillStyleLst>
+        <a:solidFill>
+          <a:schemeClr val="phClr"/>
+        </a:solidFill>
+        <a:gradFill rotWithShape="1">
+          <a:gsLst>
+            <a:gs pos="0">
+              <a:schemeClr val="phClr">
+                <a:tint val="67000"/>
+                <a:satMod val="105000"/>
+                <a:lumMod val="110000"/>
+              </a:schemeClr>
+            </a:gs>
+            <a:gs pos="50000">
+              <a:schemeClr val="phClr">
+                <a:tint val="73000"/>
+                <a:satMod val="103000"/>
+                <a:lumMod val="105000"/>
+              </a:schemeClr>
+            </a:gs>
+            <a:gs pos="100000">
+              <a:schemeClr val="phClr">
+                <a:tint val="81000"/>
+                <a:satMod val="109000"/>
+                <a:lumMod val="105000"/>
+              </a:schemeClr>
+            </a:gs>
+          </a:gsLst>
+          <a:lin ang="5400000" scaled="0"/>
+        </a:gradFill>
+        <a:gradFill rotWithShape="1">
+          <a:gsLst>
+            <a:gs pos="0">
+              <a:schemeClr val="phClr">
+                <a:tint val="94000"/>
+                <a:satMod val="103000"/>
+                <a:lumMod val="102000"/>
+              </a:schemeClr>
+            </a:gs>
+            <a:gs pos="50000">
+              <a:schemeClr val="phClr">
+                <a:shade val="100000"/>
+                <a:satMod val="110000"/>
+                <a:lumMod val="100000"/>
+              </a:schemeClr>
+            </a:gs>
+            <a:gs pos="100000">
+              <a:schemeClr val="phClr">
+                <a:shade val="78000"/>
+                <a:satMod val="120000"/>
+                <a:lumMod val="99000"/>
+              </a:schemeClr>
+            </a:gs>
+          </a:gsLst>
+          <a:lin ang="5400000" scaled="0"/>
+        </a:gradFill>
+      </a:fillStyleLst>
+      <a:lnStyleLst>
+        <a:ln w="6350" cap="flat" cmpd="sng" algn="in">
+          <a:solidFill>
+            <a:schemeClr val="phClr"/>
+          </a:solidFill>
+          <a:prstDash val="solid"/>
+        </a:ln>
+        <a:ln w="34925" cap="flat" cmpd="sng" algn="in">
+          <a:solidFill>
+            <a:schemeClr val="phClr"/>
+          </a:solidFill>
+          <a:prstDash val="solid"/>
+        </a:ln>
+        <a:ln w="19050" cap="flat" cmpd="sng" algn="in">
+          <a:solidFill>
+            <a:schemeClr val="phClr"/>
+          </a:solidFill>
+          <a:prstDash val="solid"/>
+        </a:ln>
+      </a:lnStyleLst>
+      <a:effectStyleLst>
+        <a:effectStyle>
+          <a:effectLst/>
+        </a:effectStyle>
+        <a:effectStyle>
+          <a:effectLst/>
+        </a:effectStyle>
+        <a:effectStyle>
+          <a:effectLst>
+            <a:outerShdw blurRad="57150" dist="19050" dir="5400000" algn="ctr" rotWithShape="0">
+              <a:srgbClr val="000000">
+                <a:alpha val="35000"/>
+              </a:srgbClr>
+            </a:outerShdw>
+          </a:effectLst>
+        </a:effectStyle>
+      </a:effectStyleLst>
+      <a:bgFillStyleLst>
+        <a:solidFill>
+          <a:schemeClr val="phClr"/>
+        </a:solidFill>
+        <a:solidFill>
+          <a:schemeClr val="phClr">
+            <a:tint val="95000"/>
+            <a:satMod val="170000"/>
+          </a:schemeClr>
+        </a:solidFill>
+        <a:gradFill rotWithShape="1">
+          <a:gsLst>
+            <a:gs pos="0">
+              <a:schemeClr val="phClr">
+                <a:tint val="93000"/>
+                <a:shade val="98000"/>
+                <a:satMod val="150000"/>
+                <a:lumMod val="102000"/>
+              </a:schemeClr>
+            </a:gs>
+            <a:gs pos="50000">
+              <a:schemeClr val="phClr">
+                <a:tint val="98000"/>
+                <a:shade val="90000"/>
+                <a:satMod val="130000"/>
+                <a:lumMod val="103000"/>
+              </a:schemeClr>
+            </a:gs>
+            <a:gs pos="100000">
+              <a:schemeClr val="phClr">
+                <a:shade val="63000"/>
+                <a:satMod val="120000"/>
+              </a:schemeClr>
+            </a:gs>
+          </a:gsLst>
+          <a:lin ang="5400000" scaled="0"/>
+        </a:gradFill>
+      </a:bgFillStyleLst>
+    </a:fmtScheme>
+  </a:themeElements>
+  <a:objectDefaults/>
+  <a:extraClrSchemeLst/>
+  <a:extLst>
+    <a:ext uri="{05A4C25C-085E-4340-85A3-A5531E510DB2}">
+      <thm15:themeFamily xmlns:thm15="http://schemas.microsoft.com/office/thememl/2012/main" name="Crop" id="{EC9488ED-E761-4D60-9AC4-764D1FE2C171}" vid="{CE19780C-D67D-4C13-9DE9-A52BC3BA51B4}"/>
+    </a:ext>
+  </a:extLst>
+</a:theme>
 </file>
 
-<file path=ppt/slides/slide9.xml><?xml version="1.0" encoding="utf-8"?>
-<p:sld xmlns:a="http://schemas.openxmlformats.org/drawingml/2006/main" xmlns:r="http://schemas.openxmlformats.org/officeDocument/2006/relationships" xmlns:p="http://schemas.openxmlformats.org/presentationml/2006/main">
-  <p:cSld>
-    <p:spTree>
-      <p:nvGrpSpPr>
-        <p:cNvPr id="1" name=""/>
-        <p:cNvGrpSpPr/>
-        <p:nvPr/>
-      </p:nvGrpSpPr>
-      <p:grpSpPr>
-        <a:xfrm>
-          <a:off x="0" y="0"/>
-          <a:ext cx="0" cy="0"/>
-          <a:chOff x="0" y="0"/>
-          <a:chExt cx="0" cy="0"/>
-        </a:xfrm>
-      </p:grpSpPr>
-      <p:pic>
-        <p:nvPicPr>
-          <p:cNvPr id="5" name="Объект 4">
-            <a:extLst>
-              <a:ext uri="{FF2B5EF4-FFF2-40B4-BE49-F238E27FC236}">
-                <a16:creationId xmlns:a16="http://schemas.microsoft.com/office/drawing/2014/main" id="{1CE6E346-F560-4B02-B529-B7894102DFA0}"/>
-              </a:ext>
-            </a:extLst>
-          </p:cNvPr>
-          <p:cNvPicPr>
-            <a:picLocks noGrp="1" noChangeAspect="1"/>
-          </p:cNvPicPr>
-          <p:nvPr>
-            <p:ph idx="1"/>
-          </p:nvPr>
-        </p:nvPicPr>
-        <p:blipFill>
-          <a:blip r:embed="rId2">
-            <a:extLst>
-              <a:ext uri="{28A0092B-C50C-407E-A947-70E740481C1C}">
-                <a14:useLocalDpi xmlns:a14="http://schemas.microsoft.com/office/drawing/2010/main" val="0"/>
-              </a:ext>
-            </a:extLst>
-          </a:blip>
-          <a:stretch>
-            <a:fillRect/>
-          </a:stretch>
-        </p:blipFill>
-        <p:spPr>
-          <a:xfrm>
-            <a:off x="1135144" y="452486"/>
-            <a:ext cx="9921712" cy="5953028"/>
-          </a:xfrm>
-        </p:spPr>
-      </p:pic>
-    </p:spTree>
-    <p:extLst>
-      <p:ext uri="{BB962C8B-B14F-4D97-AF65-F5344CB8AC3E}">
-        <p14:creationId xmlns:p14="http://schemas.microsoft.com/office/powerpoint/2010/main" val="2479560250"/>
-      </p:ext>
-    </p:extLst>
-  </p:cSld>
-  <p:clrMapOvr>
-    <a:masterClrMapping/>
-  </p:clrMapOvr>
-</p:sld>
-</file>
-
-<file path=ppt/theme/theme1.xml><?xml version="1.0" encoding="utf-8"?>
+<file path=ppt/theme/theme2.xml><?xml version="1.0" encoding="utf-8"?>
 <a:theme xmlns:a="http://schemas.openxmlformats.org/drawingml/2006/main" name="Тема Office">
   <a:themeElements>
     <a:clrScheme name="Стандартная">

--- a/data_visualization/project.pptx
+++ b/data_visualization/project.pptx
@@ -2,22 +2,34 @@
 <file path=ppt/presentation.xml><?xml version="1.0" encoding="utf-8"?>
 <p:presentation xmlns:a="http://schemas.openxmlformats.org/drawingml/2006/main" xmlns:r="http://schemas.openxmlformats.org/officeDocument/2006/relationships" xmlns:p="http://schemas.openxmlformats.org/presentationml/2006/main" saveSubsetFonts="1">
   <p:sldMasterIdLst>
-    <p:sldMasterId id="2147483648" r:id="rId1"/>
+    <p:sldMasterId id="2147483684" r:id="rId1"/>
   </p:sldMasterIdLst>
+  <p:notesMasterIdLst>
+    <p:notesMasterId r:id="rId16"/>
+  </p:notesMasterIdLst>
   <p:sldIdLst>
     <p:sldId id="256" r:id="rId2"/>
-    <p:sldId id="257" r:id="rId3"/>
-    <p:sldId id="258" r:id="rId4"/>
-    <p:sldId id="259" r:id="rId5"/>
-    <p:sldId id="260" r:id="rId6"/>
+    <p:sldId id="270" r:id="rId3"/>
+    <p:sldId id="271" r:id="rId4"/>
+    <p:sldId id="258" r:id="rId5"/>
+    <p:sldId id="259" r:id="rId6"/>
+    <p:sldId id="272" r:id="rId7"/>
+    <p:sldId id="268" r:id="rId8"/>
+    <p:sldId id="261" r:id="rId9"/>
+    <p:sldId id="262" r:id="rId10"/>
+    <p:sldId id="263" r:id="rId11"/>
+    <p:sldId id="264" r:id="rId12"/>
+    <p:sldId id="265" r:id="rId13"/>
+    <p:sldId id="266" r:id="rId14"/>
+    <p:sldId id="267" r:id="rId15"/>
   </p:sldIdLst>
   <p:sldSz cx="12192000" cy="6858000"/>
   <p:notesSz cx="6858000" cy="9144000"/>
   <p:defaultTextStyle>
     <a:defPPr>
-      <a:defRPr lang="ru-RU"/>
+      <a:defRPr lang="en-US"/>
     </a:defPPr>
-    <a:lvl1pPr marL="0" algn="l" defTabSz="914400" rtl="0" eaLnBrk="1" latinLnBrk="0" hangingPunct="1">
+    <a:lvl1pPr marL="0" algn="l" defTabSz="457200" rtl="0" eaLnBrk="1" latinLnBrk="0" hangingPunct="1">
       <a:defRPr sz="1800" kern="1200">
         <a:solidFill>
           <a:schemeClr val="tx1"/>
@@ -27,7 +39,7 @@
         <a:cs typeface="+mn-cs"/>
       </a:defRPr>
     </a:lvl1pPr>
-    <a:lvl2pPr marL="457200" algn="l" defTabSz="914400" rtl="0" eaLnBrk="1" latinLnBrk="0" hangingPunct="1">
+    <a:lvl2pPr marL="457200" algn="l" defTabSz="457200" rtl="0" eaLnBrk="1" latinLnBrk="0" hangingPunct="1">
       <a:defRPr sz="1800" kern="1200">
         <a:solidFill>
           <a:schemeClr val="tx1"/>
@@ -37,7 +49,7 @@
         <a:cs typeface="+mn-cs"/>
       </a:defRPr>
     </a:lvl2pPr>
-    <a:lvl3pPr marL="914400" algn="l" defTabSz="914400" rtl="0" eaLnBrk="1" latinLnBrk="0" hangingPunct="1">
+    <a:lvl3pPr marL="914400" algn="l" defTabSz="457200" rtl="0" eaLnBrk="1" latinLnBrk="0" hangingPunct="1">
       <a:defRPr sz="1800" kern="1200">
         <a:solidFill>
           <a:schemeClr val="tx1"/>
@@ -47,7 +59,7 @@
         <a:cs typeface="+mn-cs"/>
       </a:defRPr>
     </a:lvl3pPr>
-    <a:lvl4pPr marL="1371600" algn="l" defTabSz="914400" rtl="0" eaLnBrk="1" latinLnBrk="0" hangingPunct="1">
+    <a:lvl4pPr marL="1371600" algn="l" defTabSz="457200" rtl="0" eaLnBrk="1" latinLnBrk="0" hangingPunct="1">
       <a:defRPr sz="1800" kern="1200">
         <a:solidFill>
           <a:schemeClr val="tx1"/>
@@ -57,7 +69,7 @@
         <a:cs typeface="+mn-cs"/>
       </a:defRPr>
     </a:lvl4pPr>
-    <a:lvl5pPr marL="1828800" algn="l" defTabSz="914400" rtl="0" eaLnBrk="1" latinLnBrk="0" hangingPunct="1">
+    <a:lvl5pPr marL="1828800" algn="l" defTabSz="457200" rtl="0" eaLnBrk="1" latinLnBrk="0" hangingPunct="1">
       <a:defRPr sz="1800" kern="1200">
         <a:solidFill>
           <a:schemeClr val="tx1"/>
@@ -67,7 +79,7 @@
         <a:cs typeface="+mn-cs"/>
       </a:defRPr>
     </a:lvl5pPr>
-    <a:lvl6pPr marL="2286000" algn="l" defTabSz="914400" rtl="0" eaLnBrk="1" latinLnBrk="0" hangingPunct="1">
+    <a:lvl6pPr marL="2286000" algn="l" defTabSz="457200" rtl="0" eaLnBrk="1" latinLnBrk="0" hangingPunct="1">
       <a:defRPr sz="1800" kern="1200">
         <a:solidFill>
           <a:schemeClr val="tx1"/>
@@ -77,7 +89,7 @@
         <a:cs typeface="+mn-cs"/>
       </a:defRPr>
     </a:lvl6pPr>
-    <a:lvl7pPr marL="2743200" algn="l" defTabSz="914400" rtl="0" eaLnBrk="1" latinLnBrk="0" hangingPunct="1">
+    <a:lvl7pPr marL="2743200" algn="l" defTabSz="457200" rtl="0" eaLnBrk="1" latinLnBrk="0" hangingPunct="1">
       <a:defRPr sz="1800" kern="1200">
         <a:solidFill>
           <a:schemeClr val="tx1"/>
@@ -87,7 +99,7 @@
         <a:cs typeface="+mn-cs"/>
       </a:defRPr>
     </a:lvl7pPr>
-    <a:lvl8pPr marL="3200400" algn="l" defTabSz="914400" rtl="0" eaLnBrk="1" latinLnBrk="0" hangingPunct="1">
+    <a:lvl8pPr marL="3200400" algn="l" defTabSz="457200" rtl="0" eaLnBrk="1" latinLnBrk="0" hangingPunct="1">
       <a:defRPr sz="1800" kern="1200">
         <a:solidFill>
           <a:schemeClr val="tx1"/>
@@ -97,7 +109,7 @@
         <a:cs typeface="+mn-cs"/>
       </a:defRPr>
     </a:lvl8pPr>
-    <a:lvl9pPr marL="3657600" algn="l" defTabSz="914400" rtl="0" eaLnBrk="1" latinLnBrk="0" hangingPunct="1">
+    <a:lvl9pPr marL="3657600" algn="l" defTabSz="457200" rtl="0" eaLnBrk="1" latinLnBrk="0" hangingPunct="1">
       <a:defRPr sz="1800" kern="1200">
         <a:solidFill>
           <a:schemeClr val="tx1"/>
@@ -108,12 +120,22 @@
       </a:defRPr>
     </a:lvl9pPr>
   </p:defaultTextStyle>
+  <p:extLst>
+    <p:ext uri="{EFAFB233-063F-42B5-8137-9DF3F51BA10A}">
+      <p15:sldGuideLst xmlns:p15="http://schemas.microsoft.com/office/powerpoint/2012/main"/>
+    </p:ext>
+  </p:extLst>
 </p:presentation>
 </file>
 
-<file path=ppt/slideLayouts/slideLayout1.xml><?xml version="1.0" encoding="utf-8"?>
-<p:sldLayout xmlns:a="http://schemas.openxmlformats.org/drawingml/2006/main" xmlns:r="http://schemas.openxmlformats.org/officeDocument/2006/relationships" xmlns:p="http://schemas.openxmlformats.org/presentationml/2006/main" type="title" preserve="1">
-  <p:cSld name="Титульный слайд">
+<file path=ppt/notesMasters/notesMaster1.xml><?xml version="1.0" encoding="utf-8"?>
+<p:notesMaster xmlns:a="http://schemas.openxmlformats.org/drawingml/2006/main" xmlns:r="http://schemas.openxmlformats.org/officeDocument/2006/relationships" xmlns:p="http://schemas.openxmlformats.org/presentationml/2006/main">
+  <p:cSld>
+    <p:bg>
+      <p:bgRef idx="1001">
+        <a:schemeClr val="bg1"/>
+      </p:bgRef>
+    </p:bg>
     <p:spTree>
       <p:nvGrpSpPr>
         <p:cNvPr id="1" name=""/>
@@ -130,13 +152,443 @@
       </p:grpSpPr>
       <p:sp>
         <p:nvSpPr>
-          <p:cNvPr id="2" name="Заголовок 1">
-            <a:extLst>
-              <a:ext uri="{FF2B5EF4-FFF2-40B4-BE49-F238E27FC236}">
-                <a16:creationId xmlns:a16="http://schemas.microsoft.com/office/drawing/2014/main" id="{90F49A98-D9E4-73DF-AF19-F2031C769D9C}"/>
-              </a:ext>
-            </a:extLst>
-          </p:cNvPr>
+          <p:cNvPr id="2" name="Верхний колонтитул 1"/>
+          <p:cNvSpPr>
+            <a:spLocks noGrp="1"/>
+          </p:cNvSpPr>
+          <p:nvPr>
+            <p:ph type="hdr" sz="quarter"/>
+          </p:nvPr>
+        </p:nvSpPr>
+        <p:spPr>
+          <a:xfrm>
+            <a:off x="0" y="0"/>
+            <a:ext cx="2971800" cy="458788"/>
+          </a:xfrm>
+          <a:prstGeom prst="rect">
+            <a:avLst/>
+          </a:prstGeom>
+        </p:spPr>
+        <p:txBody>
+          <a:bodyPr vert="horz" lIns="91440" tIns="45720" rIns="91440" bIns="45720" rtlCol="0"/>
+          <a:lstStyle>
+            <a:lvl1pPr algn="l">
+              <a:defRPr sz="1200"/>
+            </a:lvl1pPr>
+          </a:lstStyle>
+          <a:p>
+            <a:endParaRPr lang="ru-RU"/>
+          </a:p>
+        </p:txBody>
+      </p:sp>
+      <p:sp>
+        <p:nvSpPr>
+          <p:cNvPr id="3" name="Дата 2"/>
+          <p:cNvSpPr>
+            <a:spLocks noGrp="1"/>
+          </p:cNvSpPr>
+          <p:nvPr>
+            <p:ph type="dt" idx="1"/>
+          </p:nvPr>
+        </p:nvSpPr>
+        <p:spPr>
+          <a:xfrm>
+            <a:off x="3884613" y="0"/>
+            <a:ext cx="2971800" cy="458788"/>
+          </a:xfrm>
+          <a:prstGeom prst="rect">
+            <a:avLst/>
+          </a:prstGeom>
+        </p:spPr>
+        <p:txBody>
+          <a:bodyPr vert="horz" lIns="91440" tIns="45720" rIns="91440" bIns="45720" rtlCol="0"/>
+          <a:lstStyle>
+            <a:lvl1pPr algn="r">
+              <a:defRPr sz="1200"/>
+            </a:lvl1pPr>
+          </a:lstStyle>
+          <a:p>
+            <a:fld id="{B53828E7-F5E8-4119-8595-C14B775F729D}" type="datetimeFigureOut">
+              <a:rPr lang="ru-RU" smtClean="0"/>
+              <a:t>27.05.2024</a:t>
+            </a:fld>
+            <a:endParaRPr lang="ru-RU"/>
+          </a:p>
+        </p:txBody>
+      </p:sp>
+      <p:sp>
+        <p:nvSpPr>
+          <p:cNvPr id="4" name="Образ слайда 3"/>
+          <p:cNvSpPr>
+            <a:spLocks noGrp="1" noRot="1" noChangeAspect="1"/>
+          </p:cNvSpPr>
+          <p:nvPr>
+            <p:ph type="sldImg" idx="2"/>
+          </p:nvPr>
+        </p:nvSpPr>
+        <p:spPr>
+          <a:xfrm>
+            <a:off x="685800" y="1143000"/>
+            <a:ext cx="5486400" cy="3086100"/>
+          </a:xfrm>
+          <a:prstGeom prst="rect">
+            <a:avLst/>
+          </a:prstGeom>
+          <a:noFill/>
+          <a:ln w="12700">
+            <a:solidFill>
+              <a:prstClr val="black"/>
+            </a:solidFill>
+          </a:ln>
+        </p:spPr>
+        <p:txBody>
+          <a:bodyPr vert="horz" lIns="91440" tIns="45720" rIns="91440" bIns="45720" rtlCol="0" anchor="ctr"/>
+          <a:lstStyle/>
+          <a:p>
+            <a:endParaRPr lang="ru-RU"/>
+          </a:p>
+        </p:txBody>
+      </p:sp>
+      <p:sp>
+        <p:nvSpPr>
+          <p:cNvPr id="5" name="Заметки 4"/>
+          <p:cNvSpPr>
+            <a:spLocks noGrp="1"/>
+          </p:cNvSpPr>
+          <p:nvPr>
+            <p:ph type="body" sz="quarter" idx="3"/>
+          </p:nvPr>
+        </p:nvSpPr>
+        <p:spPr>
+          <a:xfrm>
+            <a:off x="685800" y="4400550"/>
+            <a:ext cx="5486400" cy="3600450"/>
+          </a:xfrm>
+          <a:prstGeom prst="rect">
+            <a:avLst/>
+          </a:prstGeom>
+        </p:spPr>
+        <p:txBody>
+          <a:bodyPr vert="horz" lIns="91440" tIns="45720" rIns="91440" bIns="45720" rtlCol="0"/>
+          <a:lstStyle/>
+          <a:p>
+            <a:pPr lvl="0"/>
+            <a:r>
+              <a:rPr lang="ru-RU"/>
+              <a:t>Образец текста</a:t>
+            </a:r>
+          </a:p>
+          <a:p>
+            <a:pPr lvl="1"/>
+            <a:r>
+              <a:rPr lang="ru-RU"/>
+              <a:t>Второй уровень</a:t>
+            </a:r>
+          </a:p>
+          <a:p>
+            <a:pPr lvl="2"/>
+            <a:r>
+              <a:rPr lang="ru-RU"/>
+              <a:t>Третий уровень</a:t>
+            </a:r>
+          </a:p>
+          <a:p>
+            <a:pPr lvl="3"/>
+            <a:r>
+              <a:rPr lang="ru-RU"/>
+              <a:t>Четвертый уровень</a:t>
+            </a:r>
+          </a:p>
+          <a:p>
+            <a:pPr lvl="4"/>
+            <a:r>
+              <a:rPr lang="ru-RU"/>
+              <a:t>Пятый уровень</a:t>
+            </a:r>
+          </a:p>
+        </p:txBody>
+      </p:sp>
+      <p:sp>
+        <p:nvSpPr>
+          <p:cNvPr id="6" name="Нижний колонтитул 5"/>
+          <p:cNvSpPr>
+            <a:spLocks noGrp="1"/>
+          </p:cNvSpPr>
+          <p:nvPr>
+            <p:ph type="ftr" sz="quarter" idx="4"/>
+          </p:nvPr>
+        </p:nvSpPr>
+        <p:spPr>
+          <a:xfrm>
+            <a:off x="0" y="8685213"/>
+            <a:ext cx="2971800" cy="458787"/>
+          </a:xfrm>
+          <a:prstGeom prst="rect">
+            <a:avLst/>
+          </a:prstGeom>
+        </p:spPr>
+        <p:txBody>
+          <a:bodyPr vert="horz" lIns="91440" tIns="45720" rIns="91440" bIns="45720" rtlCol="0" anchor="b"/>
+          <a:lstStyle>
+            <a:lvl1pPr algn="l">
+              <a:defRPr sz="1200"/>
+            </a:lvl1pPr>
+          </a:lstStyle>
+          <a:p>
+            <a:endParaRPr lang="ru-RU"/>
+          </a:p>
+        </p:txBody>
+      </p:sp>
+      <p:sp>
+        <p:nvSpPr>
+          <p:cNvPr id="7" name="Номер слайда 6"/>
+          <p:cNvSpPr>
+            <a:spLocks noGrp="1"/>
+          </p:cNvSpPr>
+          <p:nvPr>
+            <p:ph type="sldNum" sz="quarter" idx="5"/>
+          </p:nvPr>
+        </p:nvSpPr>
+        <p:spPr>
+          <a:xfrm>
+            <a:off x="3884613" y="8685213"/>
+            <a:ext cx="2971800" cy="458787"/>
+          </a:xfrm>
+          <a:prstGeom prst="rect">
+            <a:avLst/>
+          </a:prstGeom>
+        </p:spPr>
+        <p:txBody>
+          <a:bodyPr vert="horz" lIns="91440" tIns="45720" rIns="91440" bIns="45720" rtlCol="0" anchor="b"/>
+          <a:lstStyle>
+            <a:lvl1pPr algn="r">
+              <a:defRPr sz="1200"/>
+            </a:lvl1pPr>
+          </a:lstStyle>
+          <a:p>
+            <a:fld id="{8E7CEAD6-F82D-4D51-A468-A5E8BCF03F54}" type="slidenum">
+              <a:rPr lang="ru-RU" smtClean="0"/>
+              <a:t>‹#›</a:t>
+            </a:fld>
+            <a:endParaRPr lang="ru-RU"/>
+          </a:p>
+        </p:txBody>
+      </p:sp>
+    </p:spTree>
+    <p:extLst>
+      <p:ext uri="{BB962C8B-B14F-4D97-AF65-F5344CB8AC3E}">
+        <p14:creationId xmlns:p14="http://schemas.microsoft.com/office/powerpoint/2010/main" val="4290309320"/>
+      </p:ext>
+    </p:extLst>
+  </p:cSld>
+  <p:clrMap bg1="lt1" tx1="dk1" bg2="lt2" tx2="dk2" accent1="accent1" accent2="accent2" accent3="accent3" accent4="accent4" accent5="accent5" accent6="accent6" hlink="hlink" folHlink="folHlink"/>
+  <p:notesStyle>
+    <a:lvl1pPr marL="0" algn="l" defTabSz="914400" rtl="0" eaLnBrk="1" latinLnBrk="0" hangingPunct="1">
+      <a:defRPr sz="1200" kern="1200">
+        <a:solidFill>
+          <a:schemeClr val="tx1"/>
+        </a:solidFill>
+        <a:latin typeface="+mn-lt"/>
+        <a:ea typeface="+mn-ea"/>
+        <a:cs typeface="+mn-cs"/>
+      </a:defRPr>
+    </a:lvl1pPr>
+    <a:lvl2pPr marL="457200" algn="l" defTabSz="914400" rtl="0" eaLnBrk="1" latinLnBrk="0" hangingPunct="1">
+      <a:defRPr sz="1200" kern="1200">
+        <a:solidFill>
+          <a:schemeClr val="tx1"/>
+        </a:solidFill>
+        <a:latin typeface="+mn-lt"/>
+        <a:ea typeface="+mn-ea"/>
+        <a:cs typeface="+mn-cs"/>
+      </a:defRPr>
+    </a:lvl2pPr>
+    <a:lvl3pPr marL="914400" algn="l" defTabSz="914400" rtl="0" eaLnBrk="1" latinLnBrk="0" hangingPunct="1">
+      <a:defRPr sz="1200" kern="1200">
+        <a:solidFill>
+          <a:schemeClr val="tx1"/>
+        </a:solidFill>
+        <a:latin typeface="+mn-lt"/>
+        <a:ea typeface="+mn-ea"/>
+        <a:cs typeface="+mn-cs"/>
+      </a:defRPr>
+    </a:lvl3pPr>
+    <a:lvl4pPr marL="1371600" algn="l" defTabSz="914400" rtl="0" eaLnBrk="1" latinLnBrk="0" hangingPunct="1">
+      <a:defRPr sz="1200" kern="1200">
+        <a:solidFill>
+          <a:schemeClr val="tx1"/>
+        </a:solidFill>
+        <a:latin typeface="+mn-lt"/>
+        <a:ea typeface="+mn-ea"/>
+        <a:cs typeface="+mn-cs"/>
+      </a:defRPr>
+    </a:lvl4pPr>
+    <a:lvl5pPr marL="1828800" algn="l" defTabSz="914400" rtl="0" eaLnBrk="1" latinLnBrk="0" hangingPunct="1">
+      <a:defRPr sz="1200" kern="1200">
+        <a:solidFill>
+          <a:schemeClr val="tx1"/>
+        </a:solidFill>
+        <a:latin typeface="+mn-lt"/>
+        <a:ea typeface="+mn-ea"/>
+        <a:cs typeface="+mn-cs"/>
+      </a:defRPr>
+    </a:lvl5pPr>
+    <a:lvl6pPr marL="2286000" algn="l" defTabSz="914400" rtl="0" eaLnBrk="1" latinLnBrk="0" hangingPunct="1">
+      <a:defRPr sz="1200" kern="1200">
+        <a:solidFill>
+          <a:schemeClr val="tx1"/>
+        </a:solidFill>
+        <a:latin typeface="+mn-lt"/>
+        <a:ea typeface="+mn-ea"/>
+        <a:cs typeface="+mn-cs"/>
+      </a:defRPr>
+    </a:lvl6pPr>
+    <a:lvl7pPr marL="2743200" algn="l" defTabSz="914400" rtl="0" eaLnBrk="1" latinLnBrk="0" hangingPunct="1">
+      <a:defRPr sz="1200" kern="1200">
+        <a:solidFill>
+          <a:schemeClr val="tx1"/>
+        </a:solidFill>
+        <a:latin typeface="+mn-lt"/>
+        <a:ea typeface="+mn-ea"/>
+        <a:cs typeface="+mn-cs"/>
+      </a:defRPr>
+    </a:lvl7pPr>
+    <a:lvl8pPr marL="3200400" algn="l" defTabSz="914400" rtl="0" eaLnBrk="1" latinLnBrk="0" hangingPunct="1">
+      <a:defRPr sz="1200" kern="1200">
+        <a:solidFill>
+          <a:schemeClr val="tx1"/>
+        </a:solidFill>
+        <a:latin typeface="+mn-lt"/>
+        <a:ea typeface="+mn-ea"/>
+        <a:cs typeface="+mn-cs"/>
+      </a:defRPr>
+    </a:lvl8pPr>
+    <a:lvl9pPr marL="3657600" algn="l" defTabSz="914400" rtl="0" eaLnBrk="1" latinLnBrk="0" hangingPunct="1">
+      <a:defRPr sz="1200" kern="1200">
+        <a:solidFill>
+          <a:schemeClr val="tx1"/>
+        </a:solidFill>
+        <a:latin typeface="+mn-lt"/>
+        <a:ea typeface="+mn-ea"/>
+        <a:cs typeface="+mn-cs"/>
+      </a:defRPr>
+    </a:lvl9pPr>
+  </p:notesStyle>
+</p:notesMaster>
+</file>
+
+<file path=ppt/notesSlides/notesSlide1.xml><?xml version="1.0" encoding="utf-8"?>
+<p:notes xmlns:a="http://schemas.openxmlformats.org/drawingml/2006/main" xmlns:r="http://schemas.openxmlformats.org/officeDocument/2006/relationships" xmlns:p="http://schemas.openxmlformats.org/presentationml/2006/main">
+  <p:cSld>
+    <p:spTree>
+      <p:nvGrpSpPr>
+        <p:cNvPr id="1" name=""/>
+        <p:cNvGrpSpPr/>
+        <p:nvPr/>
+      </p:nvGrpSpPr>
+      <p:grpSpPr>
+        <a:xfrm>
+          <a:off x="0" y="0"/>
+          <a:ext cx="0" cy="0"/>
+          <a:chOff x="0" y="0"/>
+          <a:chExt cx="0" cy="0"/>
+        </a:xfrm>
+      </p:grpSpPr>
+      <p:sp>
+        <p:nvSpPr>
+          <p:cNvPr id="2" name="Образ слайда 1"/>
+          <p:cNvSpPr>
+            <a:spLocks noGrp="1" noRot="1" noChangeAspect="1"/>
+          </p:cNvSpPr>
+          <p:nvPr>
+            <p:ph type="sldImg"/>
+          </p:nvPr>
+        </p:nvSpPr>
+        <p:spPr/>
+      </p:sp>
+      <p:sp>
+        <p:nvSpPr>
+          <p:cNvPr id="3" name="Заметки 2"/>
+          <p:cNvSpPr>
+            <a:spLocks noGrp="1"/>
+          </p:cNvSpPr>
+          <p:nvPr>
+            <p:ph type="body" idx="1"/>
+          </p:nvPr>
+        </p:nvSpPr>
+        <p:spPr/>
+        <p:txBody>
+          <a:bodyPr/>
+          <a:lstStyle/>
+          <a:p>
+            <a:endParaRPr lang="ru-RU" dirty="0"/>
+          </a:p>
+        </p:txBody>
+      </p:sp>
+      <p:sp>
+        <p:nvSpPr>
+          <p:cNvPr id="4" name="Номер слайда 3"/>
+          <p:cNvSpPr>
+            <a:spLocks noGrp="1"/>
+          </p:cNvSpPr>
+          <p:nvPr>
+            <p:ph type="sldNum" sz="quarter" idx="5"/>
+          </p:nvPr>
+        </p:nvSpPr>
+        <p:spPr/>
+        <p:txBody>
+          <a:bodyPr/>
+          <a:lstStyle/>
+          <a:p>
+            <a:fld id="{8E7CEAD6-F82D-4D51-A468-A5E8BCF03F54}" type="slidenum">
+              <a:rPr lang="ru-RU" smtClean="0"/>
+              <a:t>7</a:t>
+            </a:fld>
+            <a:endParaRPr lang="ru-RU"/>
+          </a:p>
+        </p:txBody>
+      </p:sp>
+    </p:spTree>
+    <p:extLst>
+      <p:ext uri="{BB962C8B-B14F-4D97-AF65-F5344CB8AC3E}">
+        <p14:creationId xmlns:p14="http://schemas.microsoft.com/office/powerpoint/2010/main" val="4024483678"/>
+      </p:ext>
+    </p:extLst>
+  </p:cSld>
+  <p:clrMapOvr>
+    <a:masterClrMapping/>
+  </p:clrMapOvr>
+</p:notes>
+</file>
+
+<file path=ppt/slideLayouts/slideLayout1.xml><?xml version="1.0" encoding="utf-8"?>
+<p:sldLayout xmlns:a="http://schemas.openxmlformats.org/drawingml/2006/main" xmlns:r="http://schemas.openxmlformats.org/officeDocument/2006/relationships" xmlns:p="http://schemas.openxmlformats.org/presentationml/2006/main" showMasterSp="0" type="title" preserve="1">
+  <p:cSld name="Титульный слайд">
+    <p:bg>
+      <p:bgPr>
+        <a:solidFill>
+          <a:schemeClr val="bg2"/>
+        </a:solidFill>
+        <a:effectLst/>
+      </p:bgPr>
+    </p:bg>
+    <p:spTree>
+      <p:nvGrpSpPr>
+        <p:cNvPr id="1" name=""/>
+        <p:cNvGrpSpPr/>
+        <p:nvPr/>
+      </p:nvGrpSpPr>
+      <p:grpSpPr>
+        <a:xfrm>
+          <a:off x="0" y="0"/>
+          <a:ext cx="0" cy="0"/>
+          <a:chOff x="0" y="0"/>
+          <a:chExt cx="0" cy="0"/>
+        </a:xfrm>
+      </p:grpSpPr>
+      <p:sp>
+        <p:nvSpPr>
+          <p:cNvPr id="2" name="Title 1"/>
           <p:cNvSpPr>
             <a:spLocks noGrp="1"/>
           </p:cNvSpPr>
@@ -146,15 +598,21 @@
         </p:nvSpPr>
         <p:spPr>
           <a:xfrm>
-            <a:off x="1524000" y="1122363"/>
-            <a:ext cx="9144000" cy="2387600"/>
-          </a:xfrm>
-        </p:spPr>
-        <p:txBody>
-          <a:bodyPr anchor="b"/>
+            <a:off x="1915128" y="1788454"/>
+            <a:ext cx="8361229" cy="2098226"/>
+          </a:xfrm>
+        </p:spPr>
+        <p:txBody>
+          <a:bodyPr anchor="b">
+            <a:noAutofit/>
+          </a:bodyPr>
           <a:lstStyle>
             <a:lvl1pPr algn="ctr">
-              <a:defRPr sz="6000"/>
+              <a:defRPr sz="7200" cap="all" baseline="0">
+                <a:solidFill>
+                  <a:schemeClr val="tx2"/>
+                </a:solidFill>
+              </a:defRPr>
             </a:lvl1pPr>
           </a:lstStyle>
           <a:p>
@@ -162,18 +620,13 @@
               <a:rPr lang="ru-RU"/>
               <a:t>Образец заголовка</a:t>
             </a:r>
-          </a:p>
-        </p:txBody>
-      </p:sp>
-      <p:sp>
-        <p:nvSpPr>
-          <p:cNvPr id="3" name="Подзаголовок 2">
-            <a:extLst>
-              <a:ext uri="{FF2B5EF4-FFF2-40B4-BE49-F238E27FC236}">
-                <a16:creationId xmlns:a16="http://schemas.microsoft.com/office/drawing/2014/main" id="{EAD5FC41-C507-5F7C-2DA5-BDE38EB4AC5D}"/>
-              </a:ext>
-            </a:extLst>
-          </p:cNvPr>
+            <a:endParaRPr lang="en-US" dirty="0"/>
+          </a:p>
+        </p:txBody>
+      </p:sp>
+      <p:sp>
+        <p:nvSpPr>
+          <p:cNvPr id="3" name="Subtitle 2"/>
           <p:cNvSpPr>
             <a:spLocks noGrp="1"/>
           </p:cNvSpPr>
@@ -183,16 +636,27 @@
         </p:nvSpPr>
         <p:spPr>
           <a:xfrm>
-            <a:off x="1524000" y="3602038"/>
-            <a:ext cx="9144000" cy="1655762"/>
-          </a:xfrm>
-        </p:spPr>
-        <p:txBody>
-          <a:bodyPr/>
+            <a:off x="2679906" y="3956279"/>
+            <a:ext cx="6831673" cy="1086237"/>
+          </a:xfrm>
+        </p:spPr>
+        <p:txBody>
+          <a:bodyPr>
+            <a:normAutofit/>
+          </a:bodyPr>
           <a:lstStyle>
             <a:lvl1pPr marL="0" indent="0" algn="ctr">
+              <a:lnSpc>
+                <a:spcPct val="112000"/>
+              </a:lnSpc>
+              <a:spcBef>
+                <a:spcPts val="0"/>
+              </a:spcBef>
+              <a:spcAft>
+                <a:spcPts val="0"/>
+              </a:spcAft>
               <a:buNone/>
-              <a:defRPr sz="2400"/>
+              <a:defRPr sz="2300"/>
             </a:lvl1pPr>
             <a:lvl2pPr marL="457200" indent="0" algn="ctr">
               <a:buNone/>
@@ -232,18 +696,13 @@
               <a:rPr lang="ru-RU"/>
               <a:t>Образец подзаголовка</a:t>
             </a:r>
-          </a:p>
-        </p:txBody>
-      </p:sp>
-      <p:sp>
-        <p:nvSpPr>
-          <p:cNvPr id="4" name="Дата 3">
-            <a:extLst>
-              <a:ext uri="{FF2B5EF4-FFF2-40B4-BE49-F238E27FC236}">
-                <a16:creationId xmlns:a16="http://schemas.microsoft.com/office/drawing/2014/main" id="{201F0784-3886-EBB2-14C2-BC18DC963DD2}"/>
-              </a:ext>
-            </a:extLst>
-          </p:cNvPr>
+            <a:endParaRPr lang="en-US" dirty="0"/>
+          </a:p>
+        </p:txBody>
+      </p:sp>
+      <p:sp>
+        <p:nvSpPr>
+          <p:cNvPr id="4" name="Date Placeholder 3"/>
           <p:cNvSpPr>
             <a:spLocks noGrp="1"/>
           </p:cNvSpPr>
@@ -251,14 +710,27 @@
             <p:ph type="dt" sz="half" idx="10"/>
           </p:nvPr>
         </p:nvSpPr>
-        <p:spPr/>
+        <p:spPr>
+          <a:xfrm>
+            <a:off x="752858" y="6453386"/>
+            <a:ext cx="1607944" cy="404614"/>
+          </a:xfrm>
+        </p:spPr>
         <p:txBody>
           <a:bodyPr/>
-          <a:lstStyle/>
+          <a:lstStyle>
+            <a:lvl1pPr>
+              <a:defRPr baseline="0">
+                <a:solidFill>
+                  <a:schemeClr val="tx2"/>
+                </a:solidFill>
+              </a:defRPr>
+            </a:lvl1pPr>
+          </a:lstStyle>
           <a:p>
             <a:fld id="{296FADEF-E30F-4358-8C1A-AA929F7F0BF4}" type="datetimeFigureOut">
               <a:rPr lang="ru-RU" smtClean="0"/>
-              <a:t>25.05.2024</a:t>
+              <a:t>27.05.2024</a:t>
             </a:fld>
             <a:endParaRPr lang="ru-RU"/>
           </a:p>
@@ -266,13 +738,7 @@
       </p:sp>
       <p:sp>
         <p:nvSpPr>
-          <p:cNvPr id="5" name="Нижний колонтитул 4">
-            <a:extLst>
-              <a:ext uri="{FF2B5EF4-FFF2-40B4-BE49-F238E27FC236}">
-                <a16:creationId xmlns:a16="http://schemas.microsoft.com/office/drawing/2014/main" id="{DD9A17AB-554E-5407-CCC7-58694C979813}"/>
-              </a:ext>
-            </a:extLst>
-          </p:cNvPr>
+          <p:cNvPr id="5" name="Footer Placeholder 4"/>
           <p:cNvSpPr>
             <a:spLocks noGrp="1"/>
           </p:cNvSpPr>
@@ -280,10 +746,23 @@
             <p:ph type="ftr" sz="quarter" idx="11"/>
           </p:nvPr>
         </p:nvSpPr>
-        <p:spPr/>
+        <p:spPr>
+          <a:xfrm>
+            <a:off x="2584054" y="6453386"/>
+            <a:ext cx="7023377" cy="404614"/>
+          </a:xfrm>
+        </p:spPr>
         <p:txBody>
           <a:bodyPr/>
-          <a:lstStyle/>
+          <a:lstStyle>
+            <a:lvl1pPr algn="ctr">
+              <a:defRPr baseline="0">
+                <a:solidFill>
+                  <a:schemeClr val="tx2"/>
+                </a:solidFill>
+              </a:defRPr>
+            </a:lvl1pPr>
+          </a:lstStyle>
           <a:p>
             <a:endParaRPr lang="ru-RU"/>
           </a:p>
@@ -291,13 +770,7 @@
       </p:sp>
       <p:sp>
         <p:nvSpPr>
-          <p:cNvPr id="6" name="Номер слайда 5">
-            <a:extLst>
-              <a:ext uri="{FF2B5EF4-FFF2-40B4-BE49-F238E27FC236}">
-                <a16:creationId xmlns:a16="http://schemas.microsoft.com/office/drawing/2014/main" id="{2AE4E0B4-9A24-80B7-ADE5-9399E8E885C0}"/>
-              </a:ext>
-            </a:extLst>
-          </p:cNvPr>
+          <p:cNvPr id="6" name="Slide Number Placeholder 5"/>
           <p:cNvSpPr>
             <a:spLocks noGrp="1"/>
           </p:cNvSpPr>
@@ -305,10 +778,23 @@
             <p:ph type="sldNum" sz="quarter" idx="12"/>
           </p:nvPr>
         </p:nvSpPr>
-        <p:spPr/>
+        <p:spPr>
+          <a:xfrm>
+            <a:off x="9830683" y="6453386"/>
+            <a:ext cx="1596292" cy="404614"/>
+          </a:xfrm>
+        </p:spPr>
         <p:txBody>
           <a:bodyPr/>
-          <a:lstStyle/>
+          <a:lstStyle>
+            <a:lvl1pPr>
+              <a:defRPr baseline="0">
+                <a:solidFill>
+                  <a:schemeClr val="tx2"/>
+                </a:solidFill>
+              </a:defRPr>
+            </a:lvl1pPr>
+          </a:lstStyle>
           <a:p>
             <a:fld id="{93C70464-5529-42B8-84D7-B593B8B7E047}" type="slidenum">
               <a:rPr lang="ru-RU" smtClean="0"/>
@@ -318,15 +804,144 @@
           </a:p>
         </p:txBody>
       </p:sp>
+      <p:grpSp>
+        <p:nvGrpSpPr>
+          <p:cNvPr id="7" name="Group 6"/>
+          <p:cNvGrpSpPr/>
+          <p:nvPr/>
+        </p:nvGrpSpPr>
+        <p:grpSpPr>
+          <a:xfrm>
+            <a:off x="752858" y="744469"/>
+            <a:ext cx="10674117" cy="5349671"/>
+            <a:chOff x="752858" y="744469"/>
+            <a:chExt cx="10674117" cy="5349671"/>
+          </a:xfrm>
+        </p:grpSpPr>
+        <p:sp>
+          <p:nvSpPr>
+            <p:cNvPr id="11" name="Freeform 6"/>
+            <p:cNvSpPr/>
+            <p:nvPr/>
+          </p:nvSpPr>
+          <p:spPr bwMode="auto">
+            <a:xfrm>
+              <a:off x="8151962" y="1685652"/>
+              <a:ext cx="3275013" cy="4408488"/>
+            </a:xfrm>
+            <a:custGeom>
+              <a:avLst/>
+              <a:gdLst/>
+              <a:ahLst/>
+              <a:cxnLst/>
+              <a:rect l="l" t="t" r="r" b="b"/>
+              <a:pathLst>
+                <a:path w="10000" h="10000">
+                  <a:moveTo>
+                    <a:pt x="8761" y="0"/>
+                  </a:moveTo>
+                  <a:lnTo>
+                    <a:pt x="10000" y="0"/>
+                  </a:lnTo>
+                  <a:lnTo>
+                    <a:pt x="10000" y="10000"/>
+                  </a:lnTo>
+                  <a:lnTo>
+                    <a:pt x="0" y="10000"/>
+                  </a:lnTo>
+                  <a:lnTo>
+                    <a:pt x="0" y="9126"/>
+                  </a:lnTo>
+                  <a:lnTo>
+                    <a:pt x="8761" y="9127"/>
+                  </a:lnTo>
+                  <a:lnTo>
+                    <a:pt x="8761" y="0"/>
+                  </a:lnTo>
+                  <a:close/>
+                </a:path>
+              </a:pathLst>
+            </a:custGeom>
+            <a:solidFill>
+              <a:schemeClr val="tx2"/>
+            </a:solidFill>
+            <a:ln w="0">
+              <a:noFill/>
+              <a:prstDash val="solid"/>
+              <a:round/>
+              <a:headEnd/>
+              <a:tailEnd/>
+            </a:ln>
+          </p:spPr>
+        </p:sp>
+        <p:sp>
+          <p:nvSpPr>
+            <p:cNvPr id="14" name="Freeform 6"/>
+            <p:cNvSpPr/>
+            <p:nvPr/>
+          </p:nvSpPr>
+          <p:spPr bwMode="auto">
+            <a:xfrm flipH="1" flipV="1">
+              <a:off x="752858" y="744469"/>
+              <a:ext cx="3275668" cy="4408488"/>
+            </a:xfrm>
+            <a:custGeom>
+              <a:avLst/>
+              <a:gdLst/>
+              <a:ahLst/>
+              <a:cxnLst/>
+              <a:rect l="l" t="t" r="r" b="b"/>
+              <a:pathLst>
+                <a:path w="10002" h="10000">
+                  <a:moveTo>
+                    <a:pt x="8763" y="0"/>
+                  </a:moveTo>
+                  <a:lnTo>
+                    <a:pt x="10002" y="0"/>
+                  </a:lnTo>
+                  <a:lnTo>
+                    <a:pt x="10002" y="10000"/>
+                  </a:lnTo>
+                  <a:lnTo>
+                    <a:pt x="2" y="10000"/>
+                  </a:lnTo>
+                  <a:cubicBezTo>
+                    <a:pt x="-2" y="9698"/>
+                    <a:pt x="4" y="9427"/>
+                    <a:pt x="0" y="9125"/>
+                  </a:cubicBezTo>
+                  <a:lnTo>
+                    <a:pt x="8763" y="9128"/>
+                  </a:lnTo>
+                  <a:lnTo>
+                    <a:pt x="8763" y="0"/>
+                  </a:lnTo>
+                  <a:close/>
+                </a:path>
+              </a:pathLst>
+            </a:custGeom>
+            <a:solidFill>
+              <a:schemeClr val="tx2"/>
+            </a:solidFill>
+            <a:ln w="0">
+              <a:noFill/>
+              <a:prstDash val="solid"/>
+              <a:round/>
+              <a:headEnd/>
+              <a:tailEnd/>
+            </a:ln>
+          </p:spPr>
+        </p:sp>
+      </p:grpSp>
     </p:spTree>
     <p:extLst>
       <p:ext uri="{BB962C8B-B14F-4D97-AF65-F5344CB8AC3E}">
-        <p14:creationId xmlns:p14="http://schemas.microsoft.com/office/powerpoint/2010/main" val="2100263186"/>
+        <p14:creationId xmlns:p14="http://schemas.microsoft.com/office/powerpoint/2010/main" val="2746118247"/>
       </p:ext>
     </p:extLst>
   </p:cSld>
   <p:clrMapOvr>
-    <a:masterClrMapping/>
+    <a:overrideClrMapping bg1="lt1" tx1="dk1" bg2="lt2" tx2="dk2" accent1="accent1" accent2="accent2" accent3="accent3" accent4="accent4" accent5="accent5" accent6="accent6" hlink="hlink" folHlink="folHlink"/>
   </p:clrMapOvr>
 </p:sldLayout>
 </file>
@@ -350,13 +965,7 @@
       </p:grpSpPr>
       <p:sp>
         <p:nvSpPr>
-          <p:cNvPr id="2" name="Заголовок 1">
-            <a:extLst>
-              <a:ext uri="{FF2B5EF4-FFF2-40B4-BE49-F238E27FC236}">
-                <a16:creationId xmlns:a16="http://schemas.microsoft.com/office/drawing/2014/main" id="{C071F3C6-4883-FBE3-6D2A-195E1915057A}"/>
-              </a:ext>
-            </a:extLst>
-          </p:cNvPr>
+          <p:cNvPr id="2" name="Title 1"/>
           <p:cNvSpPr>
             <a:spLocks noGrp="1"/>
           </p:cNvSpPr>
@@ -373,18 +982,13 @@
               <a:rPr lang="ru-RU"/>
               <a:t>Образец заголовка</a:t>
             </a:r>
-          </a:p>
-        </p:txBody>
-      </p:sp>
-      <p:sp>
-        <p:nvSpPr>
-          <p:cNvPr id="3" name="Вертикальный текст 2">
-            <a:extLst>
-              <a:ext uri="{FF2B5EF4-FFF2-40B4-BE49-F238E27FC236}">
-                <a16:creationId xmlns:a16="http://schemas.microsoft.com/office/drawing/2014/main" id="{ACC16D68-C326-96CE-E5CF-8EA6DB31C3F7}"/>
-              </a:ext>
-            </a:extLst>
-          </p:cNvPr>
+            <a:endParaRPr lang="en-US" dirty="0"/>
+          </a:p>
+        </p:txBody>
+      </p:sp>
+      <p:sp>
+        <p:nvSpPr>
+          <p:cNvPr id="3" name="Vertical Text Placeholder 2"/>
           <p:cNvSpPr>
             <a:spLocks noGrp="1"/>
           </p:cNvSpPr>
@@ -392,7 +996,12 @@
             <p:ph type="body" orient="vert" idx="1"/>
           </p:nvPr>
         </p:nvSpPr>
-        <p:spPr/>
+        <p:spPr>
+          <a:xfrm>
+            <a:off x="1371600" y="2295525"/>
+            <a:ext cx="9601200" cy="3571875"/>
+          </a:xfrm>
+        </p:spPr>
         <p:txBody>
           <a:bodyPr vert="eaVert"/>
           <a:lstStyle/>
@@ -430,18 +1039,13 @@
               <a:rPr lang="ru-RU"/>
               <a:t>Пятый уровень</a:t>
             </a:r>
-          </a:p>
-        </p:txBody>
-      </p:sp>
-      <p:sp>
-        <p:nvSpPr>
-          <p:cNvPr id="4" name="Дата 3">
-            <a:extLst>
-              <a:ext uri="{FF2B5EF4-FFF2-40B4-BE49-F238E27FC236}">
-                <a16:creationId xmlns:a16="http://schemas.microsoft.com/office/drawing/2014/main" id="{44125EC7-682B-BA58-D17D-4D40C3C3C6C4}"/>
-              </a:ext>
-            </a:extLst>
-          </p:cNvPr>
+            <a:endParaRPr lang="en-US" dirty="0"/>
+          </a:p>
+        </p:txBody>
+      </p:sp>
+      <p:sp>
+        <p:nvSpPr>
+          <p:cNvPr id="4" name="Date Placeholder 3"/>
           <p:cNvSpPr>
             <a:spLocks noGrp="1"/>
           </p:cNvSpPr>
@@ -456,7 +1060,7 @@
           <a:p>
             <a:fld id="{296FADEF-E30F-4358-8C1A-AA929F7F0BF4}" type="datetimeFigureOut">
               <a:rPr lang="ru-RU" smtClean="0"/>
-              <a:t>25.05.2024</a:t>
+              <a:t>27.05.2024</a:t>
             </a:fld>
             <a:endParaRPr lang="ru-RU"/>
           </a:p>
@@ -464,13 +1068,7 @@
       </p:sp>
       <p:sp>
         <p:nvSpPr>
-          <p:cNvPr id="5" name="Нижний колонтитул 4">
-            <a:extLst>
-              <a:ext uri="{FF2B5EF4-FFF2-40B4-BE49-F238E27FC236}">
-                <a16:creationId xmlns:a16="http://schemas.microsoft.com/office/drawing/2014/main" id="{7C5B8D0E-450D-7DD2-4F90-C06A13C4C1F7}"/>
-              </a:ext>
-            </a:extLst>
-          </p:cNvPr>
+          <p:cNvPr id="5" name="Footer Placeholder 4"/>
           <p:cNvSpPr>
             <a:spLocks noGrp="1"/>
           </p:cNvSpPr>
@@ -489,13 +1087,7 @@
       </p:sp>
       <p:sp>
         <p:nvSpPr>
-          <p:cNvPr id="6" name="Номер слайда 5">
-            <a:extLst>
-              <a:ext uri="{FF2B5EF4-FFF2-40B4-BE49-F238E27FC236}">
-                <a16:creationId xmlns:a16="http://schemas.microsoft.com/office/drawing/2014/main" id="{7A91D1CA-6F23-F8E3-CAA6-DEC7E60CC580}"/>
-              </a:ext>
-            </a:extLst>
-          </p:cNvPr>
+          <p:cNvPr id="6" name="Slide Number Placeholder 5"/>
           <p:cNvSpPr>
             <a:spLocks noGrp="1"/>
           </p:cNvSpPr>
@@ -519,7 +1111,7 @@
     </p:spTree>
     <p:extLst>
       <p:ext uri="{BB962C8B-B14F-4D97-AF65-F5344CB8AC3E}">
-        <p14:creationId xmlns:p14="http://schemas.microsoft.com/office/powerpoint/2010/main" val="399005080"/>
+        <p14:creationId xmlns:p14="http://schemas.microsoft.com/office/powerpoint/2010/main" val="1610464723"/>
       </p:ext>
     </p:extLst>
   </p:cSld>
@@ -548,13 +1140,7 @@
       </p:grpSpPr>
       <p:sp>
         <p:nvSpPr>
-          <p:cNvPr id="2" name="Вертикальный заголовок 1">
-            <a:extLst>
-              <a:ext uri="{FF2B5EF4-FFF2-40B4-BE49-F238E27FC236}">
-                <a16:creationId xmlns:a16="http://schemas.microsoft.com/office/drawing/2014/main" id="{C4D5F926-FF24-8CD6-9582-C74CFB4AFBF3}"/>
-              </a:ext>
-            </a:extLst>
-          </p:cNvPr>
+          <p:cNvPr id="2" name="Vertical Title 1"/>
           <p:cNvSpPr>
             <a:spLocks noGrp="1"/>
           </p:cNvSpPr>
@@ -564,8 +1150,8 @@
         </p:nvSpPr>
         <p:spPr>
           <a:xfrm>
-            <a:off x="8724900" y="365125"/>
-            <a:ext cx="2628900" cy="5811838"/>
+            <a:off x="9596561" y="624156"/>
+            <a:ext cx="1565766" cy="5243244"/>
           </a:xfrm>
         </p:spPr>
         <p:txBody>
@@ -576,18 +1162,13 @@
               <a:rPr lang="ru-RU"/>
               <a:t>Образец заголовка</a:t>
             </a:r>
-          </a:p>
-        </p:txBody>
-      </p:sp>
-      <p:sp>
-        <p:nvSpPr>
-          <p:cNvPr id="3" name="Вертикальный текст 2">
-            <a:extLst>
-              <a:ext uri="{FF2B5EF4-FFF2-40B4-BE49-F238E27FC236}">
-                <a16:creationId xmlns:a16="http://schemas.microsoft.com/office/drawing/2014/main" id="{2106B7C4-2488-00ED-9C9E-D441D31F7036}"/>
-              </a:ext>
-            </a:extLst>
-          </p:cNvPr>
+            <a:endParaRPr lang="en-US" dirty="0"/>
+          </a:p>
+        </p:txBody>
+      </p:sp>
+      <p:sp>
+        <p:nvSpPr>
+          <p:cNvPr id="3" name="Vertical Text Placeholder 2"/>
           <p:cNvSpPr>
             <a:spLocks noGrp="1"/>
           </p:cNvSpPr>
@@ -597,8 +1178,8 @@
         </p:nvSpPr>
         <p:spPr>
           <a:xfrm>
-            <a:off x="838200" y="365125"/>
-            <a:ext cx="7734300" cy="5811838"/>
+            <a:off x="1371600" y="624156"/>
+            <a:ext cx="8179641" cy="5243244"/>
           </a:xfrm>
         </p:spPr>
         <p:txBody>
@@ -638,18 +1219,13 @@
               <a:rPr lang="ru-RU"/>
               <a:t>Пятый уровень</a:t>
             </a:r>
-          </a:p>
-        </p:txBody>
-      </p:sp>
-      <p:sp>
-        <p:nvSpPr>
-          <p:cNvPr id="4" name="Дата 3">
-            <a:extLst>
-              <a:ext uri="{FF2B5EF4-FFF2-40B4-BE49-F238E27FC236}">
-                <a16:creationId xmlns:a16="http://schemas.microsoft.com/office/drawing/2014/main" id="{4BF135B2-193A-3512-5FA4-8131FAD0723E}"/>
-              </a:ext>
-            </a:extLst>
-          </p:cNvPr>
+            <a:endParaRPr lang="en-US" dirty="0"/>
+          </a:p>
+        </p:txBody>
+      </p:sp>
+      <p:sp>
+        <p:nvSpPr>
+          <p:cNvPr id="4" name="Date Placeholder 3"/>
           <p:cNvSpPr>
             <a:spLocks noGrp="1"/>
           </p:cNvSpPr>
@@ -664,7 +1240,7 @@
           <a:p>
             <a:fld id="{296FADEF-E30F-4358-8C1A-AA929F7F0BF4}" type="datetimeFigureOut">
               <a:rPr lang="ru-RU" smtClean="0"/>
-              <a:t>25.05.2024</a:t>
+              <a:t>27.05.2024</a:t>
             </a:fld>
             <a:endParaRPr lang="ru-RU"/>
           </a:p>
@@ -672,13 +1248,7 @@
       </p:sp>
       <p:sp>
         <p:nvSpPr>
-          <p:cNvPr id="5" name="Нижний колонтитул 4">
-            <a:extLst>
-              <a:ext uri="{FF2B5EF4-FFF2-40B4-BE49-F238E27FC236}">
-                <a16:creationId xmlns:a16="http://schemas.microsoft.com/office/drawing/2014/main" id="{DE5C6FE7-944E-92B9-9C15-245CA39CBCF3}"/>
-              </a:ext>
-            </a:extLst>
-          </p:cNvPr>
+          <p:cNvPr id="5" name="Footer Placeholder 4"/>
           <p:cNvSpPr>
             <a:spLocks noGrp="1"/>
           </p:cNvSpPr>
@@ -697,13 +1267,7 @@
       </p:sp>
       <p:sp>
         <p:nvSpPr>
-          <p:cNvPr id="6" name="Номер слайда 5">
-            <a:extLst>
-              <a:ext uri="{FF2B5EF4-FFF2-40B4-BE49-F238E27FC236}">
-                <a16:creationId xmlns:a16="http://schemas.microsoft.com/office/drawing/2014/main" id="{A3E7BE72-B683-62A9-984C-E12301636917}"/>
-              </a:ext>
-            </a:extLst>
-          </p:cNvPr>
+          <p:cNvPr id="6" name="Slide Number Placeholder 5"/>
           <p:cNvSpPr>
             <a:spLocks noGrp="1"/>
           </p:cNvSpPr>
@@ -727,7 +1291,7 @@
     </p:spTree>
     <p:extLst>
       <p:ext uri="{BB962C8B-B14F-4D97-AF65-F5344CB8AC3E}">
-        <p14:creationId xmlns:p14="http://schemas.microsoft.com/office/powerpoint/2010/main" val="4167918796"/>
+        <p14:creationId xmlns:p14="http://schemas.microsoft.com/office/powerpoint/2010/main" val="3114732969"/>
       </p:ext>
     </p:extLst>
   </p:cSld>
@@ -756,13 +1320,7 @@
       </p:grpSpPr>
       <p:sp>
         <p:nvSpPr>
-          <p:cNvPr id="2" name="Заголовок 1">
-            <a:extLst>
-              <a:ext uri="{FF2B5EF4-FFF2-40B4-BE49-F238E27FC236}">
-                <a16:creationId xmlns:a16="http://schemas.microsoft.com/office/drawing/2014/main" id="{87769A5C-AFAF-74AB-BDB5-3A5DE82C92DB}"/>
-              </a:ext>
-            </a:extLst>
-          </p:cNvPr>
+          <p:cNvPr id="2" name="Title 1"/>
           <p:cNvSpPr>
             <a:spLocks noGrp="1"/>
           </p:cNvSpPr>
@@ -779,18 +1337,13 @@
               <a:rPr lang="ru-RU"/>
               <a:t>Образец заголовка</a:t>
             </a:r>
-          </a:p>
-        </p:txBody>
-      </p:sp>
-      <p:sp>
-        <p:nvSpPr>
-          <p:cNvPr id="3" name="Объект 2">
-            <a:extLst>
-              <a:ext uri="{FF2B5EF4-FFF2-40B4-BE49-F238E27FC236}">
-                <a16:creationId xmlns:a16="http://schemas.microsoft.com/office/drawing/2014/main" id="{44138DA6-307B-4772-672C-6E7D4472804E}"/>
-              </a:ext>
-            </a:extLst>
-          </p:cNvPr>
+            <a:endParaRPr lang="en-US" dirty="0"/>
+          </a:p>
+        </p:txBody>
+      </p:sp>
+      <p:sp>
+        <p:nvSpPr>
+          <p:cNvPr id="3" name="Content Placeholder 2"/>
           <p:cNvSpPr>
             <a:spLocks noGrp="1"/>
           </p:cNvSpPr>
@@ -836,18 +1389,13 @@
               <a:rPr lang="ru-RU"/>
               <a:t>Пятый уровень</a:t>
             </a:r>
-          </a:p>
-        </p:txBody>
-      </p:sp>
-      <p:sp>
-        <p:nvSpPr>
-          <p:cNvPr id="4" name="Дата 3">
-            <a:extLst>
-              <a:ext uri="{FF2B5EF4-FFF2-40B4-BE49-F238E27FC236}">
-                <a16:creationId xmlns:a16="http://schemas.microsoft.com/office/drawing/2014/main" id="{691EBEAB-0092-2B51-979A-91FED523E9A1}"/>
-              </a:ext>
-            </a:extLst>
-          </p:cNvPr>
+            <a:endParaRPr lang="en-US" dirty="0"/>
+          </a:p>
+        </p:txBody>
+      </p:sp>
+      <p:sp>
+        <p:nvSpPr>
+          <p:cNvPr id="4" name="Date Placeholder 3"/>
           <p:cNvSpPr>
             <a:spLocks noGrp="1"/>
           </p:cNvSpPr>
@@ -862,7 +1410,7 @@
           <a:p>
             <a:fld id="{296FADEF-E30F-4358-8C1A-AA929F7F0BF4}" type="datetimeFigureOut">
               <a:rPr lang="ru-RU" smtClean="0"/>
-              <a:t>25.05.2024</a:t>
+              <a:t>27.05.2024</a:t>
             </a:fld>
             <a:endParaRPr lang="ru-RU"/>
           </a:p>
@@ -870,13 +1418,7 @@
       </p:sp>
       <p:sp>
         <p:nvSpPr>
-          <p:cNvPr id="5" name="Нижний колонтитул 4">
-            <a:extLst>
-              <a:ext uri="{FF2B5EF4-FFF2-40B4-BE49-F238E27FC236}">
-                <a16:creationId xmlns:a16="http://schemas.microsoft.com/office/drawing/2014/main" id="{33ED17C2-6C94-7565-C462-55F0F3DD1DC4}"/>
-              </a:ext>
-            </a:extLst>
-          </p:cNvPr>
+          <p:cNvPr id="5" name="Footer Placeholder 4"/>
           <p:cNvSpPr>
             <a:spLocks noGrp="1"/>
           </p:cNvSpPr>
@@ -895,13 +1437,7 @@
       </p:sp>
       <p:sp>
         <p:nvSpPr>
-          <p:cNvPr id="6" name="Номер слайда 5">
-            <a:extLst>
-              <a:ext uri="{FF2B5EF4-FFF2-40B4-BE49-F238E27FC236}">
-                <a16:creationId xmlns:a16="http://schemas.microsoft.com/office/drawing/2014/main" id="{9C1C2214-C4D9-E7FB-0D68-279639F374A5}"/>
-              </a:ext>
-            </a:extLst>
-          </p:cNvPr>
+          <p:cNvPr id="6" name="Slide Number Placeholder 5"/>
           <p:cNvSpPr>
             <a:spLocks noGrp="1"/>
           </p:cNvSpPr>
@@ -925,7 +1461,7 @@
     </p:spTree>
     <p:extLst>
       <p:ext uri="{BB962C8B-B14F-4D97-AF65-F5344CB8AC3E}">
-        <p14:creationId xmlns:p14="http://schemas.microsoft.com/office/powerpoint/2010/main" val="4245528098"/>
+        <p14:creationId xmlns:p14="http://schemas.microsoft.com/office/powerpoint/2010/main" val="1970356116"/>
       </p:ext>
     </p:extLst>
   </p:cSld>
@@ -936,8 +1472,13 @@
 </file>
 
 <file path=ppt/slideLayouts/slideLayout3.xml><?xml version="1.0" encoding="utf-8"?>
-<p:sldLayout xmlns:a="http://schemas.openxmlformats.org/drawingml/2006/main" xmlns:r="http://schemas.openxmlformats.org/officeDocument/2006/relationships" xmlns:p="http://schemas.openxmlformats.org/presentationml/2006/main" type="secHead" preserve="1">
+<p:sldLayout xmlns:a="http://schemas.openxmlformats.org/drawingml/2006/main" xmlns:r="http://schemas.openxmlformats.org/officeDocument/2006/relationships" xmlns:p="http://schemas.openxmlformats.org/presentationml/2006/main" showMasterSp="0" type="secHead" preserve="1">
   <p:cSld name="Заголовок раздела">
+    <p:bg>
+      <p:bgRef idx="1001">
+        <a:schemeClr val="bg2"/>
+      </p:bgRef>
+    </p:bg>
     <p:spTree>
       <p:nvGrpSpPr>
         <p:cNvPr id="1" name=""/>
@@ -954,13 +1495,7 @@
       </p:grpSpPr>
       <p:sp>
         <p:nvSpPr>
-          <p:cNvPr id="2" name="Заголовок 1">
-            <a:extLst>
-              <a:ext uri="{FF2B5EF4-FFF2-40B4-BE49-F238E27FC236}">
-                <a16:creationId xmlns:a16="http://schemas.microsoft.com/office/drawing/2014/main" id="{04960667-6EE8-39D6-33AC-DCAD1283DD6C}"/>
-              </a:ext>
-            </a:extLst>
-          </p:cNvPr>
+          <p:cNvPr id="2" name="Title 1"/>
           <p:cNvSpPr>
             <a:spLocks noGrp="1"/>
           </p:cNvSpPr>
@@ -970,15 +1505,21 @@
         </p:nvSpPr>
         <p:spPr>
           <a:xfrm>
-            <a:off x="831850" y="1709738"/>
-            <a:ext cx="10515600" cy="2852737"/>
-          </a:xfrm>
-        </p:spPr>
-        <p:txBody>
-          <a:bodyPr anchor="b"/>
+            <a:off x="765025" y="1301360"/>
+            <a:ext cx="9612971" cy="2852737"/>
+          </a:xfrm>
+        </p:spPr>
+        <p:txBody>
+          <a:bodyPr anchor="b">
+            <a:normAutofit/>
+          </a:bodyPr>
           <a:lstStyle>
-            <a:lvl1pPr>
-              <a:defRPr sz="6000"/>
+            <a:lvl1pPr algn="r">
+              <a:defRPr sz="7200" cap="all" baseline="0">
+                <a:solidFill>
+                  <a:schemeClr val="tx2"/>
+                </a:solidFill>
+              </a:defRPr>
             </a:lvl1pPr>
           </a:lstStyle>
           <a:p>
@@ -986,18 +1527,13 @@
               <a:rPr lang="ru-RU"/>
               <a:t>Образец заголовка</a:t>
             </a:r>
-          </a:p>
-        </p:txBody>
-      </p:sp>
-      <p:sp>
-        <p:nvSpPr>
-          <p:cNvPr id="3" name="Текст 2">
-            <a:extLst>
-              <a:ext uri="{FF2B5EF4-FFF2-40B4-BE49-F238E27FC236}">
-                <a16:creationId xmlns:a16="http://schemas.microsoft.com/office/drawing/2014/main" id="{EA02C0E1-2CA5-DFBF-9857-5BF028B954AE}"/>
-              </a:ext>
-            </a:extLst>
-          </p:cNvPr>
+            <a:endParaRPr lang="en-US" dirty="0"/>
+          </a:p>
+        </p:txBody>
+      </p:sp>
+      <p:sp>
+        <p:nvSpPr>
+          <p:cNvPr id="3" name="Text Placeholder 2"/>
           <p:cNvSpPr>
             <a:spLocks noGrp="1"/>
           </p:cNvSpPr>
@@ -1007,20 +1543,27 @@
         </p:nvSpPr>
         <p:spPr>
           <a:xfrm>
-            <a:off x="831850" y="4589463"/>
-            <a:ext cx="10515600" cy="1500187"/>
+            <a:off x="765025" y="4216328"/>
+            <a:ext cx="9612971" cy="1143324"/>
           </a:xfrm>
         </p:spPr>
         <p:txBody>
           <a:bodyPr/>
           <a:lstStyle>
-            <a:lvl1pPr marL="0" indent="0">
+            <a:lvl1pPr marL="0" indent="0" algn="r">
+              <a:lnSpc>
+                <a:spcPct val="112000"/>
+              </a:lnSpc>
+              <a:spcBef>
+                <a:spcPts val="0"/>
+              </a:spcBef>
+              <a:spcAft>
+                <a:spcPts val="0"/>
+              </a:spcAft>
               <a:buNone/>
               <a:defRPr sz="2400">
                 <a:solidFill>
-                  <a:schemeClr val="tx1">
-                    <a:tint val="75000"/>
-                  </a:schemeClr>
+                  <a:schemeClr val="tx2"/>
                 </a:solidFill>
               </a:defRPr>
             </a:lvl1pPr>
@@ -1116,13 +1659,7 @@
       </p:sp>
       <p:sp>
         <p:nvSpPr>
-          <p:cNvPr id="4" name="Дата 3">
-            <a:extLst>
-              <a:ext uri="{FF2B5EF4-FFF2-40B4-BE49-F238E27FC236}">
-                <a16:creationId xmlns:a16="http://schemas.microsoft.com/office/drawing/2014/main" id="{892C38A6-418F-947F-9300-69698714F715}"/>
-              </a:ext>
-            </a:extLst>
-          </p:cNvPr>
+          <p:cNvPr id="4" name="Date Placeholder 3"/>
           <p:cNvSpPr>
             <a:spLocks noGrp="1"/>
           </p:cNvSpPr>
@@ -1130,14 +1667,27 @@
             <p:ph type="dt" sz="half" idx="10"/>
           </p:nvPr>
         </p:nvSpPr>
-        <p:spPr/>
+        <p:spPr>
+          <a:xfrm>
+            <a:off x="738908" y="6453386"/>
+            <a:ext cx="1622409" cy="404614"/>
+          </a:xfrm>
+        </p:spPr>
         <p:txBody>
           <a:bodyPr/>
-          <a:lstStyle/>
+          <a:lstStyle>
+            <a:lvl1pPr>
+              <a:defRPr>
+                <a:solidFill>
+                  <a:schemeClr val="tx2"/>
+                </a:solidFill>
+              </a:defRPr>
+            </a:lvl1pPr>
+          </a:lstStyle>
           <a:p>
             <a:fld id="{296FADEF-E30F-4358-8C1A-AA929F7F0BF4}" type="datetimeFigureOut">
               <a:rPr lang="ru-RU" smtClean="0"/>
-              <a:t>25.05.2024</a:t>
+              <a:t>27.05.2024</a:t>
             </a:fld>
             <a:endParaRPr lang="ru-RU"/>
           </a:p>
@@ -1145,13 +1695,7 @@
       </p:sp>
       <p:sp>
         <p:nvSpPr>
-          <p:cNvPr id="5" name="Нижний колонтитул 4">
-            <a:extLst>
-              <a:ext uri="{FF2B5EF4-FFF2-40B4-BE49-F238E27FC236}">
-                <a16:creationId xmlns:a16="http://schemas.microsoft.com/office/drawing/2014/main" id="{8F153870-B646-A530-C2E9-0AB1AD3A2743}"/>
-              </a:ext>
-            </a:extLst>
-          </p:cNvPr>
+          <p:cNvPr id="5" name="Footer Placeholder 4"/>
           <p:cNvSpPr>
             <a:spLocks noGrp="1"/>
           </p:cNvSpPr>
@@ -1159,10 +1703,23 @@
             <p:ph type="ftr" sz="quarter" idx="11"/>
           </p:nvPr>
         </p:nvSpPr>
-        <p:spPr/>
+        <p:spPr>
+          <a:xfrm>
+            <a:off x="2584312" y="6453386"/>
+            <a:ext cx="7023377" cy="404614"/>
+          </a:xfrm>
+        </p:spPr>
         <p:txBody>
           <a:bodyPr/>
-          <a:lstStyle/>
+          <a:lstStyle>
+            <a:lvl1pPr algn="ctr">
+              <a:defRPr>
+                <a:solidFill>
+                  <a:schemeClr val="tx2"/>
+                </a:solidFill>
+              </a:defRPr>
+            </a:lvl1pPr>
+          </a:lstStyle>
           <a:p>
             <a:endParaRPr lang="ru-RU"/>
           </a:p>
@@ -1170,13 +1727,7 @@
       </p:sp>
       <p:sp>
         <p:nvSpPr>
-          <p:cNvPr id="6" name="Номер слайда 5">
-            <a:extLst>
-              <a:ext uri="{FF2B5EF4-FFF2-40B4-BE49-F238E27FC236}">
-                <a16:creationId xmlns:a16="http://schemas.microsoft.com/office/drawing/2014/main" id="{7D767C33-16E2-82E8-CA57-B38AA81BFB00}"/>
-              </a:ext>
-            </a:extLst>
-          </p:cNvPr>
+          <p:cNvPr id="6" name="Slide Number Placeholder 5"/>
           <p:cNvSpPr>
             <a:spLocks noGrp="1"/>
           </p:cNvSpPr>
@@ -1184,10 +1735,23 @@
             <p:ph type="sldNum" sz="quarter" idx="12"/>
           </p:nvPr>
         </p:nvSpPr>
-        <p:spPr/>
+        <p:spPr>
+          <a:xfrm>
+            <a:off x="9830683" y="6453386"/>
+            <a:ext cx="1596292" cy="404614"/>
+          </a:xfrm>
+        </p:spPr>
         <p:txBody>
           <a:bodyPr/>
-          <a:lstStyle/>
+          <a:lstStyle>
+            <a:lvl1pPr>
+              <a:defRPr>
+                <a:solidFill>
+                  <a:schemeClr val="tx2"/>
+                </a:solidFill>
+              </a:defRPr>
+            </a:lvl1pPr>
+          </a:lstStyle>
           <a:p>
             <a:fld id="{93C70464-5529-42B8-84D7-B593B8B7E047}" type="slidenum">
               <a:rPr lang="ru-RU" smtClean="0"/>
@@ -1197,15 +1761,71 @@
           </a:p>
         </p:txBody>
       </p:sp>
+      <p:sp>
+        <p:nvSpPr>
+          <p:cNvPr id="7" name="Freeform 6" title="Crop Mark"/>
+          <p:cNvSpPr/>
+          <p:nvPr/>
+        </p:nvSpPr>
+        <p:spPr bwMode="auto">
+          <a:xfrm>
+            <a:off x="8151962" y="1685652"/>
+            <a:ext cx="3275013" cy="4408488"/>
+          </a:xfrm>
+          <a:custGeom>
+            <a:avLst/>
+            <a:gdLst/>
+            <a:ahLst/>
+            <a:cxnLst/>
+            <a:rect l="0" t="0" r="r" b="b"/>
+            <a:pathLst>
+              <a:path w="4125" h="5554">
+                <a:moveTo>
+                  <a:pt x="3614" y="0"/>
+                </a:moveTo>
+                <a:lnTo>
+                  <a:pt x="4125" y="0"/>
+                </a:lnTo>
+                <a:lnTo>
+                  <a:pt x="4125" y="5554"/>
+                </a:lnTo>
+                <a:lnTo>
+                  <a:pt x="0" y="5554"/>
+                </a:lnTo>
+                <a:lnTo>
+                  <a:pt x="0" y="5074"/>
+                </a:lnTo>
+                <a:lnTo>
+                  <a:pt x="3614" y="5074"/>
+                </a:lnTo>
+                <a:lnTo>
+                  <a:pt x="3614" y="0"/>
+                </a:lnTo>
+                <a:close/>
+              </a:path>
+            </a:pathLst>
+          </a:custGeom>
+          <a:solidFill>
+            <a:schemeClr val="tx2"/>
+          </a:solidFill>
+          <a:ln w="0">
+            <a:noFill/>
+            <a:prstDash val="solid"/>
+            <a:round/>
+            <a:headEnd/>
+            <a:tailEnd/>
+          </a:ln>
+        </p:spPr>
+      </p:sp>
     </p:spTree>
     <p:extLst>
       <p:ext uri="{BB962C8B-B14F-4D97-AF65-F5344CB8AC3E}">
-        <p14:creationId xmlns:p14="http://schemas.microsoft.com/office/powerpoint/2010/main" val="3338933758"/>
+        <p14:creationId xmlns:p14="http://schemas.microsoft.com/office/powerpoint/2010/main" val="3146365586"/>
       </p:ext>
     </p:extLst>
   </p:cSld>
   <p:clrMapOvr>
-    <a:masterClrMapping/>
+    <a:overrideClrMapping bg1="dk1" tx1="lt1" bg2="dk2" tx2="lt2" accent1="accent1" accent2="accent2" accent3="accent3" accent4="accent4" accent5="accent5" accent6="accent6" hlink="hlink" folHlink="folHlink"/>
   </p:clrMapOvr>
 </p:sldLayout>
 </file>
@@ -1229,18 +1849,229 @@
       </p:grpSpPr>
       <p:sp>
         <p:nvSpPr>
-          <p:cNvPr id="2" name="Заголовок 1">
-            <a:extLst>
-              <a:ext uri="{FF2B5EF4-FFF2-40B4-BE49-F238E27FC236}">
-                <a16:creationId xmlns:a16="http://schemas.microsoft.com/office/drawing/2014/main" id="{F8B80B92-4CD5-582F-D4DF-15254F20DF41}"/>
-              </a:ext>
-            </a:extLst>
-          </p:cNvPr>
+          <p:cNvPr id="2" name="Title 1"/>
           <p:cNvSpPr>
             <a:spLocks noGrp="1"/>
           </p:cNvSpPr>
           <p:nvPr>
             <p:ph type="title"/>
+          </p:nvPr>
+        </p:nvSpPr>
+        <p:spPr/>
+        <p:txBody>
+          <a:bodyPr/>
+          <a:lstStyle>
+            <a:lvl1pPr>
+              <a:defRPr>
+                <a:solidFill>
+                  <a:schemeClr val="tx2"/>
+                </a:solidFill>
+              </a:defRPr>
+            </a:lvl1pPr>
+          </a:lstStyle>
+          <a:p>
+            <a:r>
+              <a:rPr lang="ru-RU"/>
+              <a:t>Образец заголовка</a:t>
+            </a:r>
+            <a:endParaRPr lang="en-US" dirty="0"/>
+          </a:p>
+        </p:txBody>
+      </p:sp>
+      <p:sp>
+        <p:nvSpPr>
+          <p:cNvPr id="3" name="Content Placeholder 2"/>
+          <p:cNvSpPr>
+            <a:spLocks noGrp="1"/>
+          </p:cNvSpPr>
+          <p:nvPr>
+            <p:ph sz="half" idx="1"/>
+          </p:nvPr>
+        </p:nvSpPr>
+        <p:spPr>
+          <a:xfrm>
+            <a:off x="1371600" y="2285999"/>
+            <a:ext cx="4447786" cy="3581401"/>
+          </a:xfrm>
+        </p:spPr>
+        <p:txBody>
+          <a:bodyPr/>
+          <a:lstStyle>
+            <a:lvl1pPr>
+              <a:defRPr baseline="0">
+                <a:solidFill>
+                  <a:schemeClr val="tx2"/>
+                </a:solidFill>
+              </a:defRPr>
+            </a:lvl1pPr>
+            <a:lvl2pPr>
+              <a:defRPr baseline="0">
+                <a:solidFill>
+                  <a:schemeClr val="tx2"/>
+                </a:solidFill>
+              </a:defRPr>
+            </a:lvl2pPr>
+            <a:lvl3pPr>
+              <a:defRPr baseline="0">
+                <a:solidFill>
+                  <a:schemeClr val="tx2"/>
+                </a:solidFill>
+              </a:defRPr>
+            </a:lvl3pPr>
+            <a:lvl4pPr>
+              <a:defRPr baseline="0">
+                <a:solidFill>
+                  <a:schemeClr val="tx2"/>
+                </a:solidFill>
+              </a:defRPr>
+            </a:lvl4pPr>
+            <a:lvl5pPr>
+              <a:defRPr baseline="0">
+                <a:solidFill>
+                  <a:schemeClr val="tx2"/>
+                </a:solidFill>
+              </a:defRPr>
+            </a:lvl5pPr>
+          </a:lstStyle>
+          <a:p>
+            <a:pPr lvl="0"/>
+            <a:r>
+              <a:rPr lang="ru-RU"/>
+              <a:t>Образец текста</a:t>
+            </a:r>
+          </a:p>
+          <a:p>
+            <a:pPr lvl="1"/>
+            <a:r>
+              <a:rPr lang="ru-RU"/>
+              <a:t>Второй уровень</a:t>
+            </a:r>
+          </a:p>
+          <a:p>
+            <a:pPr lvl="2"/>
+            <a:r>
+              <a:rPr lang="ru-RU"/>
+              <a:t>Третий уровень</a:t>
+            </a:r>
+          </a:p>
+          <a:p>
+            <a:pPr lvl="3"/>
+            <a:r>
+              <a:rPr lang="ru-RU"/>
+              <a:t>Четвертый уровень</a:t>
+            </a:r>
+          </a:p>
+          <a:p>
+            <a:pPr lvl="4"/>
+            <a:r>
+              <a:rPr lang="ru-RU"/>
+              <a:t>Пятый уровень</a:t>
+            </a:r>
+            <a:endParaRPr lang="en-US" dirty="0"/>
+          </a:p>
+        </p:txBody>
+      </p:sp>
+      <p:sp>
+        <p:nvSpPr>
+          <p:cNvPr id="4" name="Content Placeholder 3"/>
+          <p:cNvSpPr>
+            <a:spLocks noGrp="1"/>
+          </p:cNvSpPr>
+          <p:nvPr>
+            <p:ph sz="half" idx="2"/>
+          </p:nvPr>
+        </p:nvSpPr>
+        <p:spPr>
+          <a:xfrm>
+            <a:off x="6525403" y="2285999"/>
+            <a:ext cx="4447786" cy="3581401"/>
+          </a:xfrm>
+        </p:spPr>
+        <p:txBody>
+          <a:bodyPr/>
+          <a:lstStyle>
+            <a:lvl1pPr>
+              <a:defRPr>
+                <a:solidFill>
+                  <a:schemeClr val="tx2"/>
+                </a:solidFill>
+              </a:defRPr>
+            </a:lvl1pPr>
+            <a:lvl2pPr>
+              <a:defRPr>
+                <a:solidFill>
+                  <a:schemeClr val="tx2"/>
+                </a:solidFill>
+              </a:defRPr>
+            </a:lvl2pPr>
+            <a:lvl3pPr>
+              <a:defRPr>
+                <a:solidFill>
+                  <a:schemeClr val="tx2"/>
+                </a:solidFill>
+              </a:defRPr>
+            </a:lvl3pPr>
+            <a:lvl4pPr>
+              <a:defRPr>
+                <a:solidFill>
+                  <a:schemeClr val="tx2"/>
+                </a:solidFill>
+              </a:defRPr>
+            </a:lvl4pPr>
+            <a:lvl5pPr>
+              <a:defRPr>
+                <a:solidFill>
+                  <a:schemeClr val="tx2"/>
+                </a:solidFill>
+              </a:defRPr>
+            </a:lvl5pPr>
+          </a:lstStyle>
+          <a:p>
+            <a:pPr lvl="0"/>
+            <a:r>
+              <a:rPr lang="ru-RU"/>
+              <a:t>Образец текста</a:t>
+            </a:r>
+          </a:p>
+          <a:p>
+            <a:pPr lvl="1"/>
+            <a:r>
+              <a:rPr lang="ru-RU"/>
+              <a:t>Второй уровень</a:t>
+            </a:r>
+          </a:p>
+          <a:p>
+            <a:pPr lvl="2"/>
+            <a:r>
+              <a:rPr lang="ru-RU"/>
+              <a:t>Третий уровень</a:t>
+            </a:r>
+          </a:p>
+          <a:p>
+            <a:pPr lvl="3"/>
+            <a:r>
+              <a:rPr lang="ru-RU"/>
+              <a:t>Четвертый уровень</a:t>
+            </a:r>
+          </a:p>
+          <a:p>
+            <a:pPr lvl="4"/>
+            <a:r>
+              <a:rPr lang="ru-RU"/>
+              <a:t>Пятый уровень</a:t>
+            </a:r>
+            <a:endParaRPr lang="en-US" dirty="0"/>
+          </a:p>
+        </p:txBody>
+      </p:sp>
+      <p:sp>
+        <p:nvSpPr>
+          <p:cNvPr id="5" name="Date Placeholder 4"/>
+          <p:cNvSpPr>
+            <a:spLocks noGrp="1"/>
+          </p:cNvSpPr>
+          <p:nvPr>
+            <p:ph type="dt" sz="half" idx="10"/>
           </p:nvPr>
         </p:nvSpPr>
         <p:spPr/>
@@ -1248,200 +2079,36 @@
           <a:bodyPr/>
           <a:lstStyle/>
           <a:p>
-            <a:r>
-              <a:rPr lang="ru-RU"/>
-              <a:t>Образец заголовка</a:t>
-            </a:r>
-          </a:p>
-        </p:txBody>
-      </p:sp>
-      <p:sp>
-        <p:nvSpPr>
-          <p:cNvPr id="3" name="Объект 2">
-            <a:extLst>
-              <a:ext uri="{FF2B5EF4-FFF2-40B4-BE49-F238E27FC236}">
-                <a16:creationId xmlns:a16="http://schemas.microsoft.com/office/drawing/2014/main" id="{E43CA699-5D9B-E26A-D284-3905D3161B68}"/>
-              </a:ext>
-            </a:extLst>
-          </p:cNvPr>
-          <p:cNvSpPr>
-            <a:spLocks noGrp="1"/>
-          </p:cNvSpPr>
-          <p:nvPr>
-            <p:ph sz="half" idx="1"/>
-          </p:nvPr>
-        </p:nvSpPr>
-        <p:spPr>
-          <a:xfrm>
-            <a:off x="838200" y="1825625"/>
-            <a:ext cx="5181600" cy="4351338"/>
-          </a:xfrm>
-        </p:spPr>
+            <a:fld id="{296FADEF-E30F-4358-8C1A-AA929F7F0BF4}" type="datetimeFigureOut">
+              <a:rPr lang="ru-RU" smtClean="0"/>
+              <a:t>27.05.2024</a:t>
+            </a:fld>
+            <a:endParaRPr lang="ru-RU"/>
+          </a:p>
+        </p:txBody>
+      </p:sp>
+      <p:sp>
+        <p:nvSpPr>
+          <p:cNvPr id="6" name="Footer Placeholder 5"/>
+          <p:cNvSpPr>
+            <a:spLocks noGrp="1"/>
+          </p:cNvSpPr>
+          <p:nvPr>
+            <p:ph type="ftr" sz="quarter" idx="11"/>
+          </p:nvPr>
+        </p:nvSpPr>
+        <p:spPr/>
         <p:txBody>
           <a:bodyPr/>
           <a:lstStyle/>
           <a:p>
-            <a:pPr lvl="0"/>
-            <a:r>
-              <a:rPr lang="ru-RU"/>
-              <a:t>Образец текста</a:t>
-            </a:r>
-          </a:p>
-          <a:p>
-            <a:pPr lvl="1"/>
-            <a:r>
-              <a:rPr lang="ru-RU"/>
-              <a:t>Второй уровень</a:t>
-            </a:r>
-          </a:p>
-          <a:p>
-            <a:pPr lvl="2"/>
-            <a:r>
-              <a:rPr lang="ru-RU"/>
-              <a:t>Третий уровень</a:t>
-            </a:r>
-          </a:p>
-          <a:p>
-            <a:pPr lvl="3"/>
-            <a:r>
-              <a:rPr lang="ru-RU"/>
-              <a:t>Четвертый уровень</a:t>
-            </a:r>
-          </a:p>
-          <a:p>
-            <a:pPr lvl="4"/>
-            <a:r>
-              <a:rPr lang="ru-RU"/>
-              <a:t>Пятый уровень</a:t>
-            </a:r>
-          </a:p>
-        </p:txBody>
-      </p:sp>
-      <p:sp>
-        <p:nvSpPr>
-          <p:cNvPr id="4" name="Объект 3">
-            <a:extLst>
-              <a:ext uri="{FF2B5EF4-FFF2-40B4-BE49-F238E27FC236}">
-                <a16:creationId xmlns:a16="http://schemas.microsoft.com/office/drawing/2014/main" id="{73E7A96C-1096-1BD7-D824-595252318403}"/>
-              </a:ext>
-            </a:extLst>
-          </p:cNvPr>
-          <p:cNvSpPr>
-            <a:spLocks noGrp="1"/>
-          </p:cNvSpPr>
-          <p:nvPr>
-            <p:ph sz="half" idx="2"/>
-          </p:nvPr>
-        </p:nvSpPr>
-        <p:spPr>
-          <a:xfrm>
-            <a:off x="6172200" y="1825625"/>
-            <a:ext cx="5181600" cy="4351338"/>
-          </a:xfrm>
-        </p:spPr>
-        <p:txBody>
-          <a:bodyPr/>
-          <a:lstStyle/>
-          <a:p>
-            <a:pPr lvl="0"/>
-            <a:r>
-              <a:rPr lang="ru-RU"/>
-              <a:t>Образец текста</a:t>
-            </a:r>
-          </a:p>
-          <a:p>
-            <a:pPr lvl="1"/>
-            <a:r>
-              <a:rPr lang="ru-RU"/>
-              <a:t>Второй уровень</a:t>
-            </a:r>
-          </a:p>
-          <a:p>
-            <a:pPr lvl="2"/>
-            <a:r>
-              <a:rPr lang="ru-RU"/>
-              <a:t>Третий уровень</a:t>
-            </a:r>
-          </a:p>
-          <a:p>
-            <a:pPr lvl="3"/>
-            <a:r>
-              <a:rPr lang="ru-RU"/>
-              <a:t>Четвертый уровень</a:t>
-            </a:r>
-          </a:p>
-          <a:p>
-            <a:pPr lvl="4"/>
-            <a:r>
-              <a:rPr lang="ru-RU"/>
-              <a:t>Пятый уровень</a:t>
-            </a:r>
-          </a:p>
-        </p:txBody>
-      </p:sp>
-      <p:sp>
-        <p:nvSpPr>
-          <p:cNvPr id="5" name="Дата 4">
-            <a:extLst>
-              <a:ext uri="{FF2B5EF4-FFF2-40B4-BE49-F238E27FC236}">
-                <a16:creationId xmlns:a16="http://schemas.microsoft.com/office/drawing/2014/main" id="{76F0B618-9D6F-5375-F786-F4C633907E2D}"/>
-              </a:ext>
-            </a:extLst>
-          </p:cNvPr>
-          <p:cNvSpPr>
-            <a:spLocks noGrp="1"/>
-          </p:cNvSpPr>
-          <p:nvPr>
-            <p:ph type="dt" sz="half" idx="10"/>
-          </p:nvPr>
-        </p:nvSpPr>
-        <p:spPr/>
-        <p:txBody>
-          <a:bodyPr/>
-          <a:lstStyle/>
-          <a:p>
-            <a:fld id="{296FADEF-E30F-4358-8C1A-AA929F7F0BF4}" type="datetimeFigureOut">
-              <a:rPr lang="ru-RU" smtClean="0"/>
-              <a:t>25.05.2024</a:t>
-            </a:fld>
             <a:endParaRPr lang="ru-RU"/>
           </a:p>
         </p:txBody>
       </p:sp>
       <p:sp>
         <p:nvSpPr>
-          <p:cNvPr id="6" name="Нижний колонтитул 5">
-            <a:extLst>
-              <a:ext uri="{FF2B5EF4-FFF2-40B4-BE49-F238E27FC236}">
-                <a16:creationId xmlns:a16="http://schemas.microsoft.com/office/drawing/2014/main" id="{DCE0B29A-81D6-0441-8A08-8A2B75B2490B}"/>
-              </a:ext>
-            </a:extLst>
-          </p:cNvPr>
-          <p:cNvSpPr>
-            <a:spLocks noGrp="1"/>
-          </p:cNvSpPr>
-          <p:nvPr>
-            <p:ph type="ftr" sz="quarter" idx="11"/>
-          </p:nvPr>
-        </p:nvSpPr>
-        <p:spPr/>
-        <p:txBody>
-          <a:bodyPr/>
-          <a:lstStyle/>
-          <a:p>
-            <a:endParaRPr lang="ru-RU"/>
-          </a:p>
-        </p:txBody>
-      </p:sp>
-      <p:sp>
-        <p:nvSpPr>
-          <p:cNvPr id="7" name="Номер слайда 6">
-            <a:extLst>
-              <a:ext uri="{FF2B5EF4-FFF2-40B4-BE49-F238E27FC236}">
-                <a16:creationId xmlns:a16="http://schemas.microsoft.com/office/drawing/2014/main" id="{1B7AA77C-CDF2-9F67-EAEC-C6AA689518DB}"/>
-              </a:ext>
-            </a:extLst>
-          </p:cNvPr>
+          <p:cNvPr id="7" name="Slide Number Placeholder 6"/>
           <p:cNvSpPr>
             <a:spLocks noGrp="1"/>
           </p:cNvSpPr>
@@ -1465,7 +2132,7 @@
     </p:spTree>
     <p:extLst>
       <p:ext uri="{BB962C8B-B14F-4D97-AF65-F5344CB8AC3E}">
-        <p14:creationId xmlns:p14="http://schemas.microsoft.com/office/powerpoint/2010/main" val="1818342944"/>
+        <p14:creationId xmlns:p14="http://schemas.microsoft.com/office/powerpoint/2010/main" val="2928727686"/>
       </p:ext>
     </p:extLst>
   </p:cSld>
@@ -1494,13 +2161,7 @@
       </p:grpSpPr>
       <p:sp>
         <p:nvSpPr>
-          <p:cNvPr id="2" name="Заголовок 1">
-            <a:extLst>
-              <a:ext uri="{FF2B5EF4-FFF2-40B4-BE49-F238E27FC236}">
-                <a16:creationId xmlns:a16="http://schemas.microsoft.com/office/drawing/2014/main" id="{F216CC35-AA18-EEDF-9FD1-DA5C041D9A5D}"/>
-              </a:ext>
-            </a:extLst>
-          </p:cNvPr>
+          <p:cNvPr id="2" name="Title 1"/>
           <p:cNvSpPr>
             <a:spLocks noGrp="1"/>
           </p:cNvSpPr>
@@ -1510,30 +2171,33 @@
         </p:nvSpPr>
         <p:spPr>
           <a:xfrm>
-            <a:off x="839788" y="365125"/>
-            <a:ext cx="10515600" cy="1325563"/>
+            <a:off x="1371600" y="685800"/>
+            <a:ext cx="9601200" cy="1485900"/>
           </a:xfrm>
         </p:spPr>
         <p:txBody>
           <a:bodyPr/>
-          <a:lstStyle/>
+          <a:lstStyle>
+            <a:lvl1pPr>
+              <a:defRPr>
+                <a:solidFill>
+                  <a:schemeClr val="tx2"/>
+                </a:solidFill>
+              </a:defRPr>
+            </a:lvl1pPr>
+          </a:lstStyle>
           <a:p>
             <a:r>
               <a:rPr lang="ru-RU"/>
               <a:t>Образец заголовка</a:t>
             </a:r>
-          </a:p>
-        </p:txBody>
-      </p:sp>
-      <p:sp>
-        <p:nvSpPr>
-          <p:cNvPr id="3" name="Текст 2">
-            <a:extLst>
-              <a:ext uri="{FF2B5EF4-FFF2-40B4-BE49-F238E27FC236}">
-                <a16:creationId xmlns:a16="http://schemas.microsoft.com/office/drawing/2014/main" id="{65A352A2-8EA6-53A7-B026-B99F9DF2BB37}"/>
-              </a:ext>
-            </a:extLst>
-          </p:cNvPr>
+            <a:endParaRPr lang="en-US" dirty="0"/>
+          </a:p>
+        </p:txBody>
+      </p:sp>
+      <p:sp>
+        <p:nvSpPr>
+          <p:cNvPr id="3" name="Text Placeholder 2"/>
           <p:cNvSpPr>
             <a:spLocks noGrp="1"/>
           </p:cNvSpPr>
@@ -1543,16 +2207,31 @@
         </p:nvSpPr>
         <p:spPr>
           <a:xfrm>
-            <a:off x="839788" y="1681163"/>
-            <a:ext cx="5157787" cy="823912"/>
-          </a:xfrm>
-        </p:spPr>
-        <p:txBody>
-          <a:bodyPr anchor="b"/>
+            <a:off x="1371600" y="2340864"/>
+            <a:ext cx="4443984" cy="823912"/>
+          </a:xfrm>
+        </p:spPr>
+        <p:txBody>
+          <a:bodyPr anchor="b">
+            <a:noAutofit/>
+          </a:bodyPr>
           <a:lstStyle>
             <a:lvl1pPr marL="0" indent="0">
+              <a:lnSpc>
+                <a:spcPct val="84000"/>
+              </a:lnSpc>
+              <a:spcBef>
+                <a:spcPts val="0"/>
+              </a:spcBef>
+              <a:spcAft>
+                <a:spcPts val="0"/>
+              </a:spcAft>
               <a:buNone/>
-              <a:defRPr sz="2400" b="1"/>
+              <a:defRPr sz="3000" b="0" baseline="0">
+                <a:solidFill>
+                  <a:schemeClr val="tx2"/>
+                </a:solidFill>
+              </a:defRPr>
             </a:lvl1pPr>
             <a:lvl2pPr marL="457200" indent="0">
               <a:buNone/>
@@ -1598,13 +2277,7 @@
       </p:sp>
       <p:sp>
         <p:nvSpPr>
-          <p:cNvPr id="4" name="Объект 3">
-            <a:extLst>
-              <a:ext uri="{FF2B5EF4-FFF2-40B4-BE49-F238E27FC236}">
-                <a16:creationId xmlns:a16="http://schemas.microsoft.com/office/drawing/2014/main" id="{77808792-129C-CF1B-5D6D-1A08DCFA952C}"/>
-              </a:ext>
-            </a:extLst>
-          </p:cNvPr>
+          <p:cNvPr id="4" name="Content Placeholder 3"/>
           <p:cNvSpPr>
             <a:spLocks noGrp="1"/>
           </p:cNvSpPr>
@@ -1614,13 +2287,49 @@
         </p:nvSpPr>
         <p:spPr>
           <a:xfrm>
-            <a:off x="839788" y="2505075"/>
-            <a:ext cx="5157787" cy="3684588"/>
+            <a:off x="1371600" y="3305207"/>
+            <a:ext cx="4443984" cy="2562193"/>
           </a:xfrm>
         </p:spPr>
         <p:txBody>
           <a:bodyPr/>
-          <a:lstStyle/>
+          <a:lstStyle>
+            <a:lvl1pPr>
+              <a:defRPr baseline="0">
+                <a:solidFill>
+                  <a:schemeClr val="tx2"/>
+                </a:solidFill>
+              </a:defRPr>
+            </a:lvl1pPr>
+            <a:lvl2pPr>
+              <a:defRPr baseline="0">
+                <a:solidFill>
+                  <a:schemeClr val="tx2"/>
+                </a:solidFill>
+              </a:defRPr>
+            </a:lvl2pPr>
+            <a:lvl3pPr>
+              <a:defRPr baseline="0">
+                <a:solidFill>
+                  <a:schemeClr val="tx2"/>
+                </a:solidFill>
+              </a:defRPr>
+            </a:lvl3pPr>
+            <a:lvl4pPr>
+              <a:defRPr baseline="0">
+                <a:solidFill>
+                  <a:schemeClr val="tx2"/>
+                </a:solidFill>
+              </a:defRPr>
+            </a:lvl4pPr>
+            <a:lvl5pPr>
+              <a:defRPr baseline="0">
+                <a:solidFill>
+                  <a:schemeClr val="tx2"/>
+                </a:solidFill>
+              </a:defRPr>
+            </a:lvl5pPr>
+          </a:lstStyle>
           <a:p>
             <a:pPr lvl="0"/>
             <a:r>
@@ -1655,18 +2364,13 @@
               <a:rPr lang="ru-RU"/>
               <a:t>Пятый уровень</a:t>
             </a:r>
-          </a:p>
-        </p:txBody>
-      </p:sp>
-      <p:sp>
-        <p:nvSpPr>
-          <p:cNvPr id="5" name="Текст 4">
-            <a:extLst>
-              <a:ext uri="{FF2B5EF4-FFF2-40B4-BE49-F238E27FC236}">
-                <a16:creationId xmlns:a16="http://schemas.microsoft.com/office/drawing/2014/main" id="{37621E8C-4AEB-D474-A796-9FACBEA08373}"/>
-              </a:ext>
-            </a:extLst>
-          </p:cNvPr>
+            <a:endParaRPr lang="en-US" dirty="0"/>
+          </a:p>
+        </p:txBody>
+      </p:sp>
+      <p:sp>
+        <p:nvSpPr>
+          <p:cNvPr id="5" name="Text Placeholder 4"/>
           <p:cNvSpPr>
             <a:spLocks noGrp="1"/>
           </p:cNvSpPr>
@@ -1676,16 +2380,31 @@
         </p:nvSpPr>
         <p:spPr>
           <a:xfrm>
-            <a:off x="6172200" y="1681163"/>
-            <a:ext cx="5183188" cy="823912"/>
-          </a:xfrm>
-        </p:spPr>
-        <p:txBody>
-          <a:bodyPr anchor="b"/>
+            <a:off x="6525014" y="2340864"/>
+            <a:ext cx="4443984" cy="823912"/>
+          </a:xfrm>
+        </p:spPr>
+        <p:txBody>
+          <a:bodyPr anchor="b">
+            <a:noAutofit/>
+          </a:bodyPr>
           <a:lstStyle>
             <a:lvl1pPr marL="0" indent="0">
+              <a:lnSpc>
+                <a:spcPct val="84000"/>
+              </a:lnSpc>
+              <a:spcBef>
+                <a:spcPts val="0"/>
+              </a:spcBef>
+              <a:spcAft>
+                <a:spcPts val="0"/>
+              </a:spcAft>
               <a:buNone/>
-              <a:defRPr sz="2400" b="1"/>
+              <a:defRPr sz="3000" b="0" baseline="0">
+                <a:solidFill>
+                  <a:schemeClr val="tx2"/>
+                </a:solidFill>
+              </a:defRPr>
             </a:lvl1pPr>
             <a:lvl2pPr marL="457200" indent="0">
               <a:buNone/>
@@ -1731,13 +2450,7 @@
       </p:sp>
       <p:sp>
         <p:nvSpPr>
-          <p:cNvPr id="6" name="Объект 5">
-            <a:extLst>
-              <a:ext uri="{FF2B5EF4-FFF2-40B4-BE49-F238E27FC236}">
-                <a16:creationId xmlns:a16="http://schemas.microsoft.com/office/drawing/2014/main" id="{47561A09-3029-66F7-DD5C-241B0C207531}"/>
-              </a:ext>
-            </a:extLst>
-          </p:cNvPr>
+          <p:cNvPr id="6" name="Content Placeholder 5"/>
           <p:cNvSpPr>
             <a:spLocks noGrp="1"/>
           </p:cNvSpPr>
@@ -1747,64 +2460,118 @@
         </p:nvSpPr>
         <p:spPr>
           <a:xfrm>
-            <a:off x="6172200" y="2505075"/>
-            <a:ext cx="5183188" cy="3684588"/>
-          </a:xfrm>
-        </p:spPr>
+            <a:off x="6525014" y="3305207"/>
+            <a:ext cx="4443984" cy="2562193"/>
+          </a:xfrm>
+        </p:spPr>
+        <p:txBody>
+          <a:bodyPr/>
+          <a:lstStyle>
+            <a:lvl1pPr>
+              <a:defRPr baseline="0">
+                <a:solidFill>
+                  <a:schemeClr val="tx2"/>
+                </a:solidFill>
+              </a:defRPr>
+            </a:lvl1pPr>
+            <a:lvl2pPr>
+              <a:defRPr baseline="0">
+                <a:solidFill>
+                  <a:schemeClr val="tx2"/>
+                </a:solidFill>
+              </a:defRPr>
+            </a:lvl2pPr>
+            <a:lvl3pPr>
+              <a:defRPr baseline="0">
+                <a:solidFill>
+                  <a:schemeClr val="tx2"/>
+                </a:solidFill>
+              </a:defRPr>
+            </a:lvl3pPr>
+            <a:lvl4pPr>
+              <a:defRPr baseline="0">
+                <a:solidFill>
+                  <a:schemeClr val="tx2"/>
+                </a:solidFill>
+              </a:defRPr>
+            </a:lvl4pPr>
+            <a:lvl5pPr>
+              <a:defRPr baseline="0">
+                <a:solidFill>
+                  <a:schemeClr val="tx2"/>
+                </a:solidFill>
+              </a:defRPr>
+            </a:lvl5pPr>
+          </a:lstStyle>
+          <a:p>
+            <a:pPr lvl="0"/>
+            <a:r>
+              <a:rPr lang="ru-RU"/>
+              <a:t>Образец текста</a:t>
+            </a:r>
+          </a:p>
+          <a:p>
+            <a:pPr lvl="1"/>
+            <a:r>
+              <a:rPr lang="ru-RU"/>
+              <a:t>Второй уровень</a:t>
+            </a:r>
+          </a:p>
+          <a:p>
+            <a:pPr lvl="2"/>
+            <a:r>
+              <a:rPr lang="ru-RU"/>
+              <a:t>Третий уровень</a:t>
+            </a:r>
+          </a:p>
+          <a:p>
+            <a:pPr lvl="3"/>
+            <a:r>
+              <a:rPr lang="ru-RU"/>
+              <a:t>Четвертый уровень</a:t>
+            </a:r>
+          </a:p>
+          <a:p>
+            <a:pPr lvl="4"/>
+            <a:r>
+              <a:rPr lang="ru-RU"/>
+              <a:t>Пятый уровень</a:t>
+            </a:r>
+            <a:endParaRPr lang="en-US" dirty="0"/>
+          </a:p>
+        </p:txBody>
+      </p:sp>
+      <p:sp>
+        <p:nvSpPr>
+          <p:cNvPr id="7" name="Date Placeholder 6"/>
+          <p:cNvSpPr>
+            <a:spLocks noGrp="1"/>
+          </p:cNvSpPr>
+          <p:nvPr>
+            <p:ph type="dt" sz="half" idx="10"/>
+          </p:nvPr>
+        </p:nvSpPr>
+        <p:spPr/>
         <p:txBody>
           <a:bodyPr/>
           <a:lstStyle/>
           <a:p>
-            <a:pPr lvl="0"/>
-            <a:r>
-              <a:rPr lang="ru-RU"/>
-              <a:t>Образец текста</a:t>
-            </a:r>
-          </a:p>
-          <a:p>
-            <a:pPr lvl="1"/>
-            <a:r>
-              <a:rPr lang="ru-RU"/>
-              <a:t>Второй уровень</a:t>
-            </a:r>
-          </a:p>
-          <a:p>
-            <a:pPr lvl="2"/>
-            <a:r>
-              <a:rPr lang="ru-RU"/>
-              <a:t>Третий уровень</a:t>
-            </a:r>
-          </a:p>
-          <a:p>
-            <a:pPr lvl="3"/>
-            <a:r>
-              <a:rPr lang="ru-RU"/>
-              <a:t>Четвертый уровень</a:t>
-            </a:r>
-          </a:p>
-          <a:p>
-            <a:pPr lvl="4"/>
-            <a:r>
-              <a:rPr lang="ru-RU"/>
-              <a:t>Пятый уровень</a:t>
-            </a:r>
-          </a:p>
-        </p:txBody>
-      </p:sp>
-      <p:sp>
-        <p:nvSpPr>
-          <p:cNvPr id="7" name="Дата 6">
-            <a:extLst>
-              <a:ext uri="{FF2B5EF4-FFF2-40B4-BE49-F238E27FC236}">
-                <a16:creationId xmlns:a16="http://schemas.microsoft.com/office/drawing/2014/main" id="{63C9D936-3AB6-3CFD-8F05-0DE76CC7A75B}"/>
-              </a:ext>
-            </a:extLst>
-          </p:cNvPr>
-          <p:cNvSpPr>
-            <a:spLocks noGrp="1"/>
-          </p:cNvSpPr>
-          <p:nvPr>
-            <p:ph type="dt" sz="half" idx="10"/>
+            <a:fld id="{296FADEF-E30F-4358-8C1A-AA929F7F0BF4}" type="datetimeFigureOut">
+              <a:rPr lang="ru-RU" smtClean="0"/>
+              <a:t>27.05.2024</a:t>
+            </a:fld>
+            <a:endParaRPr lang="ru-RU"/>
+          </a:p>
+        </p:txBody>
+      </p:sp>
+      <p:sp>
+        <p:nvSpPr>
+          <p:cNvPr id="8" name="Footer Placeholder 7"/>
+          <p:cNvSpPr>
+            <a:spLocks noGrp="1"/>
+          </p:cNvSpPr>
+          <p:nvPr>
+            <p:ph type="ftr" sz="quarter" idx="11"/>
           </p:nvPr>
         </p:nvSpPr>
         <p:spPr/>
@@ -1812,48 +2579,13 @@
           <a:bodyPr/>
           <a:lstStyle/>
           <a:p>
-            <a:fld id="{296FADEF-E30F-4358-8C1A-AA929F7F0BF4}" type="datetimeFigureOut">
-              <a:rPr lang="ru-RU" smtClean="0"/>
-              <a:t>25.05.2024</a:t>
-            </a:fld>
             <a:endParaRPr lang="ru-RU"/>
           </a:p>
         </p:txBody>
       </p:sp>
       <p:sp>
         <p:nvSpPr>
-          <p:cNvPr id="8" name="Нижний колонтитул 7">
-            <a:extLst>
-              <a:ext uri="{FF2B5EF4-FFF2-40B4-BE49-F238E27FC236}">
-                <a16:creationId xmlns:a16="http://schemas.microsoft.com/office/drawing/2014/main" id="{193BA55D-B1ED-EB09-18D0-C0F213D187AF}"/>
-              </a:ext>
-            </a:extLst>
-          </p:cNvPr>
-          <p:cNvSpPr>
-            <a:spLocks noGrp="1"/>
-          </p:cNvSpPr>
-          <p:nvPr>
-            <p:ph type="ftr" sz="quarter" idx="11"/>
-          </p:nvPr>
-        </p:nvSpPr>
-        <p:spPr/>
-        <p:txBody>
-          <a:bodyPr/>
-          <a:lstStyle/>
-          <a:p>
-            <a:endParaRPr lang="ru-RU"/>
-          </a:p>
-        </p:txBody>
-      </p:sp>
-      <p:sp>
-        <p:nvSpPr>
-          <p:cNvPr id="9" name="Номер слайда 8">
-            <a:extLst>
-              <a:ext uri="{FF2B5EF4-FFF2-40B4-BE49-F238E27FC236}">
-                <a16:creationId xmlns:a16="http://schemas.microsoft.com/office/drawing/2014/main" id="{2778A124-0A8B-CCBF-15CD-4B4E15D0D34B}"/>
-              </a:ext>
-            </a:extLst>
-          </p:cNvPr>
+          <p:cNvPr id="9" name="Slide Number Placeholder 8"/>
           <p:cNvSpPr>
             <a:spLocks noGrp="1"/>
           </p:cNvSpPr>
@@ -1877,7 +2609,7 @@
     </p:spTree>
     <p:extLst>
       <p:ext uri="{BB962C8B-B14F-4D97-AF65-F5344CB8AC3E}">
-        <p14:creationId xmlns:p14="http://schemas.microsoft.com/office/powerpoint/2010/main" val="2654486649"/>
+        <p14:creationId xmlns:p14="http://schemas.microsoft.com/office/powerpoint/2010/main" val="1923822335"/>
       </p:ext>
     </p:extLst>
   </p:cSld>
@@ -1906,13 +2638,7 @@
       </p:grpSpPr>
       <p:sp>
         <p:nvSpPr>
-          <p:cNvPr id="2" name="Заголовок 1">
-            <a:extLst>
-              <a:ext uri="{FF2B5EF4-FFF2-40B4-BE49-F238E27FC236}">
-                <a16:creationId xmlns:a16="http://schemas.microsoft.com/office/drawing/2014/main" id="{2A2A7C53-5247-2DFD-4800-1E76CC128934}"/>
-              </a:ext>
-            </a:extLst>
-          </p:cNvPr>
+          <p:cNvPr id="2" name="Title 1"/>
           <p:cNvSpPr>
             <a:spLocks noGrp="1"/>
           </p:cNvSpPr>
@@ -1929,18 +2655,13 @@
               <a:rPr lang="ru-RU"/>
               <a:t>Образец заголовка</a:t>
             </a:r>
-          </a:p>
-        </p:txBody>
-      </p:sp>
-      <p:sp>
-        <p:nvSpPr>
-          <p:cNvPr id="3" name="Дата 2">
-            <a:extLst>
-              <a:ext uri="{FF2B5EF4-FFF2-40B4-BE49-F238E27FC236}">
-                <a16:creationId xmlns:a16="http://schemas.microsoft.com/office/drawing/2014/main" id="{82EB249D-7028-0934-4D85-F8F3A40485B2}"/>
-              </a:ext>
-            </a:extLst>
-          </p:cNvPr>
+            <a:endParaRPr lang="en-US" dirty="0"/>
+          </a:p>
+        </p:txBody>
+      </p:sp>
+      <p:sp>
+        <p:nvSpPr>
+          <p:cNvPr id="3" name="Date Placeholder 2"/>
           <p:cNvSpPr>
             <a:spLocks noGrp="1"/>
           </p:cNvSpPr>
@@ -1955,7 +2676,7 @@
           <a:p>
             <a:fld id="{296FADEF-E30F-4358-8C1A-AA929F7F0BF4}" type="datetimeFigureOut">
               <a:rPr lang="ru-RU" smtClean="0"/>
-              <a:t>25.05.2024</a:t>
+              <a:t>27.05.2024</a:t>
             </a:fld>
             <a:endParaRPr lang="ru-RU"/>
           </a:p>
@@ -1963,13 +2684,7 @@
       </p:sp>
       <p:sp>
         <p:nvSpPr>
-          <p:cNvPr id="4" name="Нижний колонтитул 3">
-            <a:extLst>
-              <a:ext uri="{FF2B5EF4-FFF2-40B4-BE49-F238E27FC236}">
-                <a16:creationId xmlns:a16="http://schemas.microsoft.com/office/drawing/2014/main" id="{656FF11B-8F23-82E4-E3E7-2CC13C2AF9FF}"/>
-              </a:ext>
-            </a:extLst>
-          </p:cNvPr>
+          <p:cNvPr id="4" name="Footer Placeholder 3"/>
           <p:cNvSpPr>
             <a:spLocks noGrp="1"/>
           </p:cNvSpPr>
@@ -1988,13 +2703,7 @@
       </p:sp>
       <p:sp>
         <p:nvSpPr>
-          <p:cNvPr id="5" name="Номер слайда 4">
-            <a:extLst>
-              <a:ext uri="{FF2B5EF4-FFF2-40B4-BE49-F238E27FC236}">
-                <a16:creationId xmlns:a16="http://schemas.microsoft.com/office/drawing/2014/main" id="{42B83EBD-8456-52C2-0919-2204D2E32BA6}"/>
-              </a:ext>
-            </a:extLst>
-          </p:cNvPr>
+          <p:cNvPr id="5" name="Slide Number Placeholder 4"/>
           <p:cNvSpPr>
             <a:spLocks noGrp="1"/>
           </p:cNvSpPr>
@@ -2018,7 +2727,7 @@
     </p:spTree>
     <p:extLst>
       <p:ext uri="{BB962C8B-B14F-4D97-AF65-F5344CB8AC3E}">
-        <p14:creationId xmlns:p14="http://schemas.microsoft.com/office/powerpoint/2010/main" val="9249951"/>
+        <p14:creationId xmlns:p14="http://schemas.microsoft.com/office/powerpoint/2010/main" val="3717157949"/>
       </p:ext>
     </p:extLst>
   </p:cSld>
@@ -2047,13 +2756,7 @@
       </p:grpSpPr>
       <p:sp>
         <p:nvSpPr>
-          <p:cNvPr id="2" name="Дата 1">
-            <a:extLst>
-              <a:ext uri="{FF2B5EF4-FFF2-40B4-BE49-F238E27FC236}">
-                <a16:creationId xmlns:a16="http://schemas.microsoft.com/office/drawing/2014/main" id="{D06A3851-3118-FCA2-9711-83F1AB329FB9}"/>
-              </a:ext>
-            </a:extLst>
-          </p:cNvPr>
+          <p:cNvPr id="2" name="Date Placeholder 1"/>
           <p:cNvSpPr>
             <a:spLocks noGrp="1"/>
           </p:cNvSpPr>
@@ -2068,7 +2771,7 @@
           <a:p>
             <a:fld id="{296FADEF-E30F-4358-8C1A-AA929F7F0BF4}" type="datetimeFigureOut">
               <a:rPr lang="ru-RU" smtClean="0"/>
-              <a:t>25.05.2024</a:t>
+              <a:t>27.05.2024</a:t>
             </a:fld>
             <a:endParaRPr lang="ru-RU"/>
           </a:p>
@@ -2076,13 +2779,7 @@
       </p:sp>
       <p:sp>
         <p:nvSpPr>
-          <p:cNvPr id="3" name="Нижний колонтитул 2">
-            <a:extLst>
-              <a:ext uri="{FF2B5EF4-FFF2-40B4-BE49-F238E27FC236}">
-                <a16:creationId xmlns:a16="http://schemas.microsoft.com/office/drawing/2014/main" id="{927B2A5A-0F74-D302-AD6C-F05C23E0DDD3}"/>
-              </a:ext>
-            </a:extLst>
-          </p:cNvPr>
+          <p:cNvPr id="3" name="Footer Placeholder 2"/>
           <p:cNvSpPr>
             <a:spLocks noGrp="1"/>
           </p:cNvSpPr>
@@ -2101,13 +2798,7 @@
       </p:sp>
       <p:sp>
         <p:nvSpPr>
-          <p:cNvPr id="4" name="Номер слайда 3">
-            <a:extLst>
-              <a:ext uri="{FF2B5EF4-FFF2-40B4-BE49-F238E27FC236}">
-                <a16:creationId xmlns:a16="http://schemas.microsoft.com/office/drawing/2014/main" id="{C0675781-0AD1-B49D-0405-76256FD029B7}"/>
-              </a:ext>
-            </a:extLst>
-          </p:cNvPr>
+          <p:cNvPr id="4" name="Slide Number Placeholder 3"/>
           <p:cNvSpPr>
             <a:spLocks noGrp="1"/>
           </p:cNvSpPr>
@@ -2131,7 +2822,7 @@
     </p:spTree>
     <p:extLst>
       <p:ext uri="{BB962C8B-B14F-4D97-AF65-F5344CB8AC3E}">
-        <p14:creationId xmlns:p14="http://schemas.microsoft.com/office/powerpoint/2010/main" val="3936482912"/>
+        <p14:creationId xmlns:p14="http://schemas.microsoft.com/office/powerpoint/2010/main" val="2388112048"/>
       </p:ext>
     </p:extLst>
   </p:cSld>
@@ -2142,7 +2833,7 @@
 </file>
 
 <file path=ppt/slideLayouts/slideLayout8.xml><?xml version="1.0" encoding="utf-8"?>
-<p:sldLayout xmlns:a="http://schemas.openxmlformats.org/drawingml/2006/main" xmlns:r="http://schemas.openxmlformats.org/officeDocument/2006/relationships" xmlns:p="http://schemas.openxmlformats.org/presentationml/2006/main" type="objTx" preserve="1">
+<p:sldLayout xmlns:a="http://schemas.openxmlformats.org/drawingml/2006/main" xmlns:r="http://schemas.openxmlformats.org/officeDocument/2006/relationships" xmlns:p="http://schemas.openxmlformats.org/presentationml/2006/main" showMasterSp="0" type="objTx" preserve="1">
   <p:cSld name="Объект с подписью">
     <p:spTree>
       <p:nvGrpSpPr>
@@ -2160,13 +2851,45 @@
       </p:grpSpPr>
       <p:sp>
         <p:nvSpPr>
-          <p:cNvPr id="2" name="Заголовок 1">
-            <a:extLst>
-              <a:ext uri="{FF2B5EF4-FFF2-40B4-BE49-F238E27FC236}">
-                <a16:creationId xmlns:a16="http://schemas.microsoft.com/office/drawing/2014/main" id="{17C1FA73-E2D1-F593-2462-F6AC2A92E70D}"/>
-              </a:ext>
-            </a:extLst>
-          </p:cNvPr>
+          <p:cNvPr id="8" name="Rectangle 7" title="Background Shape"/>
+          <p:cNvSpPr/>
+          <p:nvPr/>
+        </p:nvSpPr>
+        <p:spPr>
+          <a:xfrm>
+            <a:off x="0" y="376"/>
+            <a:ext cx="5303520" cy="6857624"/>
+          </a:xfrm>
+          <a:prstGeom prst="rect">
+            <a:avLst/>
+          </a:prstGeom>
+          <a:solidFill>
+            <a:schemeClr val="accent1"/>
+          </a:solidFill>
+          <a:ln>
+            <a:noFill/>
+          </a:ln>
+        </p:spPr>
+        <p:style>
+          <a:lnRef idx="2">
+            <a:schemeClr val="accent1">
+              <a:shade val="50000"/>
+            </a:schemeClr>
+          </a:lnRef>
+          <a:fillRef idx="1">
+            <a:schemeClr val="accent1"/>
+          </a:fillRef>
+          <a:effectRef idx="0">
+            <a:schemeClr val="accent1"/>
+          </a:effectRef>
+          <a:fontRef idx="minor">
+            <a:schemeClr val="lt1"/>
+          </a:fontRef>
+        </p:style>
+      </p:sp>
+      <p:sp>
+        <p:nvSpPr>
+          <p:cNvPr id="2" name="Title 1"/>
           <p:cNvSpPr>
             <a:spLocks noGrp="1"/>
           </p:cNvSpPr>
@@ -2176,15 +2899,24 @@
         </p:nvSpPr>
         <p:spPr>
           <a:xfrm>
-            <a:off x="839788" y="457200"/>
-            <a:ext cx="3932237" cy="1600200"/>
-          </a:xfrm>
-        </p:spPr>
-        <p:txBody>
-          <a:bodyPr anchor="b"/>
+            <a:off x="723900" y="685800"/>
+            <a:ext cx="3855720" cy="2157884"/>
+          </a:xfrm>
+        </p:spPr>
+        <p:txBody>
+          <a:bodyPr anchor="t">
+            <a:noAutofit/>
+          </a:bodyPr>
           <a:lstStyle>
             <a:lvl1pPr>
-              <a:defRPr sz="3200"/>
+              <a:lnSpc>
+                <a:spcPct val="84000"/>
+              </a:lnSpc>
+              <a:defRPr sz="4800" baseline="0">
+                <a:solidFill>
+                  <a:schemeClr val="tx2"/>
+                </a:solidFill>
+              </a:defRPr>
             </a:lvl1pPr>
           </a:lstStyle>
           <a:p>
@@ -2192,18 +2924,13 @@
               <a:rPr lang="ru-RU"/>
               <a:t>Образец заголовка</a:t>
             </a:r>
-          </a:p>
-        </p:txBody>
-      </p:sp>
-      <p:sp>
-        <p:nvSpPr>
-          <p:cNvPr id="3" name="Объект 2">
-            <a:extLst>
-              <a:ext uri="{FF2B5EF4-FFF2-40B4-BE49-F238E27FC236}">
-                <a16:creationId xmlns:a16="http://schemas.microsoft.com/office/drawing/2014/main" id="{C6FA7A8F-2538-438D-0288-4776849CFAA4}"/>
-              </a:ext>
-            </a:extLst>
-          </p:cNvPr>
+            <a:endParaRPr lang="en-US" dirty="0"/>
+          </a:p>
+        </p:txBody>
+      </p:sp>
+      <p:sp>
+        <p:nvSpPr>
+          <p:cNvPr id="3" name="Content Placeholder 2"/>
           <p:cNvSpPr>
             <a:spLocks noGrp="1"/>
           </p:cNvSpPr>
@@ -2213,39 +2940,39 @@
         </p:nvSpPr>
         <p:spPr>
           <a:xfrm>
-            <a:off x="5183188" y="987425"/>
-            <a:ext cx="6172200" cy="4873625"/>
+            <a:off x="6256020" y="685801"/>
+            <a:ext cx="5212080" cy="5175250"/>
           </a:xfrm>
         </p:spPr>
         <p:txBody>
           <a:bodyPr/>
           <a:lstStyle>
             <a:lvl1pPr>
-              <a:defRPr sz="3200"/>
+              <a:defRPr sz="2000"/>
             </a:lvl1pPr>
             <a:lvl2pPr>
-              <a:defRPr sz="2800"/>
+              <a:defRPr sz="2000"/>
             </a:lvl2pPr>
             <a:lvl3pPr>
-              <a:defRPr sz="2400"/>
+              <a:defRPr sz="1800"/>
             </a:lvl3pPr>
             <a:lvl4pPr>
-              <a:defRPr sz="2000"/>
+              <a:defRPr sz="1800"/>
             </a:lvl4pPr>
             <a:lvl5pPr>
-              <a:defRPr sz="2000"/>
+              <a:defRPr sz="1600"/>
             </a:lvl5pPr>
             <a:lvl6pPr>
-              <a:defRPr sz="2000"/>
+              <a:defRPr sz="1600"/>
             </a:lvl6pPr>
             <a:lvl7pPr>
-              <a:defRPr sz="2000"/>
+              <a:defRPr sz="1600"/>
             </a:lvl7pPr>
             <a:lvl8pPr>
-              <a:defRPr sz="2000"/>
+              <a:defRPr sz="1600"/>
             </a:lvl8pPr>
             <a:lvl9pPr>
-              <a:defRPr sz="2000"/>
+              <a:defRPr sz="1600"/>
             </a:lvl9pPr>
           </a:lstStyle>
           <a:p>
@@ -2282,18 +3009,13 @@
               <a:rPr lang="ru-RU"/>
               <a:t>Пятый уровень</a:t>
             </a:r>
-          </a:p>
-        </p:txBody>
-      </p:sp>
-      <p:sp>
-        <p:nvSpPr>
-          <p:cNvPr id="4" name="Текст 3">
-            <a:extLst>
-              <a:ext uri="{FF2B5EF4-FFF2-40B4-BE49-F238E27FC236}">
-                <a16:creationId xmlns:a16="http://schemas.microsoft.com/office/drawing/2014/main" id="{BD3E448C-68B3-D753-B20B-0BCA83206E62}"/>
-              </a:ext>
-            </a:extLst>
-          </p:cNvPr>
+            <a:endParaRPr lang="en-US" dirty="0"/>
+          </a:p>
+        </p:txBody>
+      </p:sp>
+      <p:sp>
+        <p:nvSpPr>
+          <p:cNvPr id="4" name="Text Placeholder 3"/>
           <p:cNvSpPr>
             <a:spLocks noGrp="1"/>
           </p:cNvSpPr>
@@ -2303,14 +3025,23 @@
         </p:nvSpPr>
         <p:spPr>
           <a:xfrm>
-            <a:off x="839788" y="2057400"/>
-            <a:ext cx="3932237" cy="3811588"/>
+            <a:off x="723900" y="2856344"/>
+            <a:ext cx="3855720" cy="3011056"/>
           </a:xfrm>
         </p:spPr>
         <p:txBody>
           <a:bodyPr/>
           <a:lstStyle>
             <a:lvl1pPr marL="0" indent="0">
+              <a:lnSpc>
+                <a:spcPct val="113000"/>
+              </a:lnSpc>
+              <a:spcBef>
+                <a:spcPts val="0"/>
+              </a:spcBef>
+              <a:spcAft>
+                <a:spcPts val="1500"/>
+              </a:spcAft>
               <a:buNone/>
               <a:defRPr sz="1600"/>
             </a:lvl1pPr>
@@ -2358,13 +3089,7 @@
       </p:sp>
       <p:sp>
         <p:nvSpPr>
-          <p:cNvPr id="5" name="Дата 4">
-            <a:extLst>
-              <a:ext uri="{FF2B5EF4-FFF2-40B4-BE49-F238E27FC236}">
-                <a16:creationId xmlns:a16="http://schemas.microsoft.com/office/drawing/2014/main" id="{D692323B-B8C8-A9E0-C85C-648416B09493}"/>
-              </a:ext>
-            </a:extLst>
-          </p:cNvPr>
+          <p:cNvPr id="5" name="Date Placeholder 4"/>
           <p:cNvSpPr>
             <a:spLocks noGrp="1"/>
           </p:cNvSpPr>
@@ -2372,14 +3097,27 @@
             <p:ph type="dt" sz="half" idx="10"/>
           </p:nvPr>
         </p:nvSpPr>
-        <p:spPr/>
+        <p:spPr>
+          <a:xfrm>
+            <a:off x="723900" y="6453386"/>
+            <a:ext cx="1204572" cy="404614"/>
+          </a:xfrm>
+        </p:spPr>
         <p:txBody>
           <a:bodyPr/>
-          <a:lstStyle/>
+          <a:lstStyle>
+            <a:lvl1pPr>
+              <a:defRPr>
+                <a:solidFill>
+                  <a:schemeClr val="tx2"/>
+                </a:solidFill>
+              </a:defRPr>
+            </a:lvl1pPr>
+          </a:lstStyle>
           <a:p>
             <a:fld id="{296FADEF-E30F-4358-8C1A-AA929F7F0BF4}" type="datetimeFigureOut">
               <a:rPr lang="ru-RU" smtClean="0"/>
-              <a:t>25.05.2024</a:t>
+              <a:t>27.05.2024</a:t>
             </a:fld>
             <a:endParaRPr lang="ru-RU"/>
           </a:p>
@@ -2387,13 +3125,7 @@
       </p:sp>
       <p:sp>
         <p:nvSpPr>
-          <p:cNvPr id="6" name="Нижний колонтитул 5">
-            <a:extLst>
-              <a:ext uri="{FF2B5EF4-FFF2-40B4-BE49-F238E27FC236}">
-                <a16:creationId xmlns:a16="http://schemas.microsoft.com/office/drawing/2014/main" id="{E8C56A7E-F0D6-7233-495F-F4881BDD22ED}"/>
-              </a:ext>
-            </a:extLst>
-          </p:cNvPr>
+          <p:cNvPr id="6" name="Footer Placeholder 5"/>
           <p:cNvSpPr>
             <a:spLocks noGrp="1"/>
           </p:cNvSpPr>
@@ -2401,10 +3133,23 @@
             <p:ph type="ftr" sz="quarter" idx="11"/>
           </p:nvPr>
         </p:nvSpPr>
-        <p:spPr/>
+        <p:spPr>
+          <a:xfrm>
+            <a:off x="2205945" y="6453386"/>
+            <a:ext cx="2373675" cy="404614"/>
+          </a:xfrm>
+        </p:spPr>
         <p:txBody>
           <a:bodyPr/>
-          <a:lstStyle/>
+          <a:lstStyle>
+            <a:lvl1pPr>
+              <a:defRPr>
+                <a:solidFill>
+                  <a:schemeClr val="tx2"/>
+                </a:solidFill>
+              </a:defRPr>
+            </a:lvl1pPr>
+          </a:lstStyle>
           <a:p>
             <a:endParaRPr lang="ru-RU"/>
           </a:p>
@@ -2412,13 +3157,7 @@
       </p:sp>
       <p:sp>
         <p:nvSpPr>
-          <p:cNvPr id="7" name="Номер слайда 6">
-            <a:extLst>
-              <a:ext uri="{FF2B5EF4-FFF2-40B4-BE49-F238E27FC236}">
-                <a16:creationId xmlns:a16="http://schemas.microsoft.com/office/drawing/2014/main" id="{9B217878-E182-1632-2996-3F3431B23ACA}"/>
-              </a:ext>
-            </a:extLst>
-          </p:cNvPr>
+          <p:cNvPr id="7" name="Slide Number Placeholder 6"/>
           <p:cNvSpPr>
             <a:spLocks noGrp="1"/>
           </p:cNvSpPr>
@@ -2426,10 +3165,23 @@
             <p:ph type="sldNum" sz="quarter" idx="12"/>
           </p:nvPr>
         </p:nvSpPr>
-        <p:spPr/>
+        <p:spPr>
+          <a:xfrm>
+            <a:off x="9883140" y="6453386"/>
+            <a:ext cx="1596292" cy="404614"/>
+          </a:xfrm>
+        </p:spPr>
         <p:txBody>
           <a:bodyPr/>
-          <a:lstStyle/>
+          <a:lstStyle>
+            <a:lvl1pPr>
+              <a:defRPr>
+                <a:solidFill>
+                  <a:schemeClr val="tx2"/>
+                </a:solidFill>
+              </a:defRPr>
+            </a:lvl1pPr>
+          </a:lstStyle>
           <a:p>
             <a:fld id="{93C70464-5529-42B8-84D7-B593B8B7E047}" type="slidenum">
               <a:rPr lang="ru-RU" smtClean="0"/>
@@ -2439,10 +3191,48 @@
           </a:p>
         </p:txBody>
       </p:sp>
+      <p:sp>
+        <p:nvSpPr>
+          <p:cNvPr id="9" name="Rectangle 8" title="Divider Bar"/>
+          <p:cNvSpPr/>
+          <p:nvPr/>
+        </p:nvSpPr>
+        <p:spPr>
+          <a:xfrm>
+            <a:off x="5303520" y="376"/>
+            <a:ext cx="228600" cy="6858000"/>
+          </a:xfrm>
+          <a:prstGeom prst="rect">
+            <a:avLst/>
+          </a:prstGeom>
+          <a:solidFill>
+            <a:schemeClr val="tx2"/>
+          </a:solidFill>
+          <a:ln>
+            <a:noFill/>
+          </a:ln>
+        </p:spPr>
+        <p:style>
+          <a:lnRef idx="2">
+            <a:schemeClr val="accent1">
+              <a:shade val="50000"/>
+            </a:schemeClr>
+          </a:lnRef>
+          <a:fillRef idx="1">
+            <a:schemeClr val="accent1"/>
+          </a:fillRef>
+          <a:effectRef idx="0">
+            <a:schemeClr val="accent1"/>
+          </a:effectRef>
+          <a:fontRef idx="minor">
+            <a:schemeClr val="lt1"/>
+          </a:fontRef>
+        </p:style>
+      </p:sp>
     </p:spTree>
     <p:extLst>
       <p:ext uri="{BB962C8B-B14F-4D97-AF65-F5344CB8AC3E}">
-        <p14:creationId xmlns:p14="http://schemas.microsoft.com/office/powerpoint/2010/main" val="3095903495"/>
+        <p14:creationId xmlns:p14="http://schemas.microsoft.com/office/powerpoint/2010/main" val="799520344"/>
       </p:ext>
     </p:extLst>
   </p:cSld>
@@ -2453,7 +3243,7 @@
 </file>
 
 <file path=ppt/slideLayouts/slideLayout9.xml><?xml version="1.0" encoding="utf-8"?>
-<p:sldLayout xmlns:a="http://schemas.openxmlformats.org/drawingml/2006/main" xmlns:r="http://schemas.openxmlformats.org/officeDocument/2006/relationships" xmlns:p="http://schemas.openxmlformats.org/presentationml/2006/main" type="picTx" preserve="1">
+<p:sldLayout xmlns:a="http://schemas.openxmlformats.org/drawingml/2006/main" xmlns:r="http://schemas.openxmlformats.org/officeDocument/2006/relationships" xmlns:p="http://schemas.openxmlformats.org/presentationml/2006/main" showMasterSp="0" type="picTx" preserve="1">
   <p:cSld name="Рисунок с подписью">
     <p:spTree>
       <p:nvGrpSpPr>
@@ -2471,13 +3261,45 @@
       </p:grpSpPr>
       <p:sp>
         <p:nvSpPr>
-          <p:cNvPr id="2" name="Заголовок 1">
-            <a:extLst>
-              <a:ext uri="{FF2B5EF4-FFF2-40B4-BE49-F238E27FC236}">
-                <a16:creationId xmlns:a16="http://schemas.microsoft.com/office/drawing/2014/main" id="{61101318-AE72-5F4A-930C-FB1B5D485D2D}"/>
-              </a:ext>
-            </a:extLst>
-          </p:cNvPr>
+          <p:cNvPr id="8" name="Rectangle 7" title="Background Shape"/>
+          <p:cNvSpPr/>
+          <p:nvPr/>
+        </p:nvSpPr>
+        <p:spPr>
+          <a:xfrm>
+            <a:off x="0" y="376"/>
+            <a:ext cx="5303520" cy="6857624"/>
+          </a:xfrm>
+          <a:prstGeom prst="rect">
+            <a:avLst/>
+          </a:prstGeom>
+          <a:solidFill>
+            <a:schemeClr val="accent1"/>
+          </a:solidFill>
+          <a:ln>
+            <a:noFill/>
+          </a:ln>
+        </p:spPr>
+        <p:style>
+          <a:lnRef idx="2">
+            <a:schemeClr val="accent1">
+              <a:shade val="50000"/>
+            </a:schemeClr>
+          </a:lnRef>
+          <a:fillRef idx="1">
+            <a:schemeClr val="accent1"/>
+          </a:fillRef>
+          <a:effectRef idx="0">
+            <a:schemeClr val="accent1"/>
+          </a:effectRef>
+          <a:fontRef idx="minor">
+            <a:schemeClr val="lt1"/>
+          </a:fontRef>
+        </p:style>
+      </p:sp>
+      <p:sp>
+        <p:nvSpPr>
+          <p:cNvPr id="2" name="Title 1"/>
           <p:cNvSpPr>
             <a:spLocks noGrp="1"/>
           </p:cNvSpPr>
@@ -2487,15 +3309,20 @@
         </p:nvSpPr>
         <p:spPr>
           <a:xfrm>
-            <a:off x="839788" y="457200"/>
-            <a:ext cx="3932237" cy="1600200"/>
-          </a:xfrm>
-        </p:spPr>
-        <p:txBody>
-          <a:bodyPr anchor="b"/>
+            <a:off x="723900" y="685800"/>
+            <a:ext cx="3855720" cy="2157884"/>
+          </a:xfrm>
+        </p:spPr>
+        <p:txBody>
+          <a:bodyPr anchor="t">
+            <a:normAutofit/>
+          </a:bodyPr>
           <a:lstStyle>
             <a:lvl1pPr>
-              <a:defRPr sz="3200"/>
+              <a:lnSpc>
+                <a:spcPct val="84000"/>
+              </a:lnSpc>
+              <a:defRPr sz="4800" baseline="0"/>
             </a:lvl1pPr>
           </a:lstStyle>
           <a:p>
@@ -2503,20 +3330,15 @@
               <a:rPr lang="ru-RU"/>
               <a:t>Образец заголовка</a:t>
             </a:r>
-          </a:p>
-        </p:txBody>
-      </p:sp>
-      <p:sp>
-        <p:nvSpPr>
-          <p:cNvPr id="3" name="Рисунок 2">
-            <a:extLst>
-              <a:ext uri="{FF2B5EF4-FFF2-40B4-BE49-F238E27FC236}">
-                <a16:creationId xmlns:a16="http://schemas.microsoft.com/office/drawing/2014/main" id="{8652FD38-C368-371B-9650-EB3077420D8E}"/>
-              </a:ext>
-            </a:extLst>
-          </p:cNvPr>
-          <p:cNvSpPr>
-            <a:spLocks noGrp="1"/>
+            <a:endParaRPr lang="en-US" dirty="0"/>
+          </a:p>
+        </p:txBody>
+      </p:sp>
+      <p:sp>
+        <p:nvSpPr>
+          <p:cNvPr id="3" name="Picture Placeholder 2"/>
+          <p:cNvSpPr>
+            <a:spLocks noGrp="1" noChangeAspect="1"/>
           </p:cNvSpPr>
           <p:nvPr>
             <p:ph type="pic" idx="1"/>
@@ -2524,24 +3346,26 @@
         </p:nvSpPr>
         <p:spPr>
           <a:xfrm>
-            <a:off x="5183188" y="987425"/>
-            <a:ext cx="6172200" cy="4873625"/>
-          </a:xfrm>
-        </p:spPr>
-        <p:txBody>
-          <a:bodyPr/>
+            <a:off x="5532120" y="0"/>
+            <a:ext cx="6659880" cy="6857999"/>
+          </a:xfrm>
+        </p:spPr>
+        <p:txBody>
+          <a:bodyPr anchor="t">
+            <a:normAutofit/>
+          </a:bodyPr>
           <a:lstStyle>
             <a:lvl1pPr marL="0" indent="0">
               <a:buNone/>
-              <a:defRPr sz="3200"/>
+              <a:defRPr sz="2000"/>
             </a:lvl1pPr>
             <a:lvl2pPr marL="457200" indent="0">
               <a:buNone/>
-              <a:defRPr sz="2800"/>
+              <a:defRPr sz="2000"/>
             </a:lvl2pPr>
             <a:lvl3pPr marL="914400" indent="0">
               <a:buNone/>
-              <a:defRPr sz="2400"/>
+              <a:defRPr sz="2000"/>
             </a:lvl3pPr>
             <a:lvl4pPr marL="1371600" indent="0">
               <a:buNone/>
@@ -2569,19 +3393,17 @@
             </a:lvl9pPr>
           </a:lstStyle>
           <a:p>
-            <a:endParaRPr lang="ru-RU"/>
-          </a:p>
-        </p:txBody>
-      </p:sp>
-      <p:sp>
-        <p:nvSpPr>
-          <p:cNvPr id="4" name="Текст 3">
-            <a:extLst>
-              <a:ext uri="{FF2B5EF4-FFF2-40B4-BE49-F238E27FC236}">
-                <a16:creationId xmlns:a16="http://schemas.microsoft.com/office/drawing/2014/main" id="{9E1B7E10-7DA0-3865-EE9B-D3B543539B1D}"/>
-              </a:ext>
-            </a:extLst>
-          </p:cNvPr>
+            <a:r>
+              <a:rPr lang="ru-RU"/>
+              <a:t>Вставка рисунка</a:t>
+            </a:r>
+            <a:endParaRPr lang="en-US" dirty="0"/>
+          </a:p>
+        </p:txBody>
+      </p:sp>
+      <p:sp>
+        <p:nvSpPr>
+          <p:cNvPr id="4" name="Text Placeholder 3"/>
           <p:cNvSpPr>
             <a:spLocks noGrp="1"/>
           </p:cNvSpPr>
@@ -2591,14 +3413,23 @@
         </p:nvSpPr>
         <p:spPr>
           <a:xfrm>
-            <a:off x="839788" y="2057400"/>
-            <a:ext cx="3932237" cy="3811588"/>
+            <a:off x="723900" y="2855968"/>
+            <a:ext cx="3855720" cy="3011432"/>
           </a:xfrm>
         </p:spPr>
         <p:txBody>
           <a:bodyPr/>
           <a:lstStyle>
             <a:lvl1pPr marL="0" indent="0">
+              <a:lnSpc>
+                <a:spcPct val="113000"/>
+              </a:lnSpc>
+              <a:spcBef>
+                <a:spcPts val="0"/>
+              </a:spcBef>
+              <a:spcAft>
+                <a:spcPts val="1500"/>
+              </a:spcAft>
               <a:buNone/>
               <a:defRPr sz="1600"/>
             </a:lvl1pPr>
@@ -2646,13 +3477,7 @@
       </p:sp>
       <p:sp>
         <p:nvSpPr>
-          <p:cNvPr id="5" name="Дата 4">
-            <a:extLst>
-              <a:ext uri="{FF2B5EF4-FFF2-40B4-BE49-F238E27FC236}">
-                <a16:creationId xmlns:a16="http://schemas.microsoft.com/office/drawing/2014/main" id="{B865EC85-44C5-C321-8F75-B4673D596CC5}"/>
-              </a:ext>
-            </a:extLst>
-          </p:cNvPr>
+          <p:cNvPr id="5" name="Date Placeholder 4"/>
           <p:cNvSpPr>
             <a:spLocks noGrp="1"/>
           </p:cNvSpPr>
@@ -2660,14 +3485,27 @@
             <p:ph type="dt" sz="half" idx="10"/>
           </p:nvPr>
         </p:nvSpPr>
-        <p:spPr/>
+        <p:spPr>
+          <a:xfrm>
+            <a:off x="723900" y="6453386"/>
+            <a:ext cx="1204572" cy="404614"/>
+          </a:xfrm>
+        </p:spPr>
         <p:txBody>
           <a:bodyPr/>
-          <a:lstStyle/>
+          <a:lstStyle>
+            <a:lvl1pPr>
+              <a:defRPr>
+                <a:solidFill>
+                  <a:schemeClr val="tx2"/>
+                </a:solidFill>
+              </a:defRPr>
+            </a:lvl1pPr>
+          </a:lstStyle>
           <a:p>
             <a:fld id="{296FADEF-E30F-4358-8C1A-AA929F7F0BF4}" type="datetimeFigureOut">
               <a:rPr lang="ru-RU" smtClean="0"/>
-              <a:t>25.05.2024</a:t>
+              <a:t>27.05.2024</a:t>
             </a:fld>
             <a:endParaRPr lang="ru-RU"/>
           </a:p>
@@ -2675,13 +3513,7 @@
       </p:sp>
       <p:sp>
         <p:nvSpPr>
-          <p:cNvPr id="6" name="Нижний колонтитул 5">
-            <a:extLst>
-              <a:ext uri="{FF2B5EF4-FFF2-40B4-BE49-F238E27FC236}">
-                <a16:creationId xmlns:a16="http://schemas.microsoft.com/office/drawing/2014/main" id="{059ED9B7-D79F-C46D-34B4-4E68F5F60876}"/>
-              </a:ext>
-            </a:extLst>
-          </p:cNvPr>
+          <p:cNvPr id="6" name="Footer Placeholder 5"/>
           <p:cNvSpPr>
             <a:spLocks noGrp="1"/>
           </p:cNvSpPr>
@@ -2689,10 +3521,23 @@
             <p:ph type="ftr" sz="quarter" idx="11"/>
           </p:nvPr>
         </p:nvSpPr>
-        <p:spPr/>
+        <p:spPr>
+          <a:xfrm>
+            <a:off x="2205945" y="6453386"/>
+            <a:ext cx="2373675" cy="404614"/>
+          </a:xfrm>
+        </p:spPr>
         <p:txBody>
           <a:bodyPr/>
-          <a:lstStyle/>
+          <a:lstStyle>
+            <a:lvl1pPr>
+              <a:defRPr>
+                <a:solidFill>
+                  <a:schemeClr val="tx2"/>
+                </a:solidFill>
+              </a:defRPr>
+            </a:lvl1pPr>
+          </a:lstStyle>
           <a:p>
             <a:endParaRPr lang="ru-RU"/>
           </a:p>
@@ -2700,13 +3545,7 @@
       </p:sp>
       <p:sp>
         <p:nvSpPr>
-          <p:cNvPr id="7" name="Номер слайда 6">
-            <a:extLst>
-              <a:ext uri="{FF2B5EF4-FFF2-40B4-BE49-F238E27FC236}">
-                <a16:creationId xmlns:a16="http://schemas.microsoft.com/office/drawing/2014/main" id="{FEFCC220-6503-FA7A-51D7-E15A5BA03319}"/>
-              </a:ext>
-            </a:extLst>
-          </p:cNvPr>
+          <p:cNvPr id="7" name="Slide Number Placeholder 6"/>
           <p:cNvSpPr>
             <a:spLocks noGrp="1"/>
           </p:cNvSpPr>
@@ -2714,10 +3553,23 @@
             <p:ph type="sldNum" sz="quarter" idx="12"/>
           </p:nvPr>
         </p:nvSpPr>
-        <p:spPr/>
+        <p:spPr>
+          <a:xfrm>
+            <a:off x="9883140" y="6453386"/>
+            <a:ext cx="1596292" cy="404614"/>
+          </a:xfrm>
+        </p:spPr>
         <p:txBody>
           <a:bodyPr/>
-          <a:lstStyle/>
+          <a:lstStyle>
+            <a:lvl1pPr>
+              <a:defRPr>
+                <a:solidFill>
+                  <a:schemeClr val="tx2"/>
+                </a:solidFill>
+              </a:defRPr>
+            </a:lvl1pPr>
+          </a:lstStyle>
           <a:p>
             <a:fld id="{93C70464-5529-42B8-84D7-B593B8B7E047}" type="slidenum">
               <a:rPr lang="ru-RU" smtClean="0"/>
@@ -2727,10 +3579,48 @@
           </a:p>
         </p:txBody>
       </p:sp>
+      <p:sp>
+        <p:nvSpPr>
+          <p:cNvPr id="9" name="Rectangle 8" title="Divider Bar"/>
+          <p:cNvSpPr/>
+          <p:nvPr/>
+        </p:nvSpPr>
+        <p:spPr>
+          <a:xfrm>
+            <a:off x="5303520" y="376"/>
+            <a:ext cx="228600" cy="6858000"/>
+          </a:xfrm>
+          <a:prstGeom prst="rect">
+            <a:avLst/>
+          </a:prstGeom>
+          <a:solidFill>
+            <a:schemeClr val="tx2"/>
+          </a:solidFill>
+          <a:ln>
+            <a:noFill/>
+          </a:ln>
+        </p:spPr>
+        <p:style>
+          <a:lnRef idx="2">
+            <a:schemeClr val="accent1">
+              <a:shade val="50000"/>
+            </a:schemeClr>
+          </a:lnRef>
+          <a:fillRef idx="1">
+            <a:schemeClr val="accent1"/>
+          </a:fillRef>
+          <a:effectRef idx="0">
+            <a:schemeClr val="accent1"/>
+          </a:effectRef>
+          <a:fontRef idx="minor">
+            <a:schemeClr val="lt1"/>
+          </a:fontRef>
+        </p:style>
+      </p:sp>
     </p:spTree>
     <p:extLst>
       <p:ext uri="{BB962C8B-B14F-4D97-AF65-F5344CB8AC3E}">
-        <p14:creationId xmlns:p14="http://schemas.microsoft.com/office/powerpoint/2010/main" val="4024184580"/>
+        <p14:creationId xmlns:p14="http://schemas.microsoft.com/office/powerpoint/2010/main" val="1028704991"/>
       </p:ext>
     </p:extLst>
   </p:cSld>
@@ -2744,9 +3634,12 @@
 <p:sldMaster xmlns:a="http://schemas.openxmlformats.org/drawingml/2006/main" xmlns:r="http://schemas.openxmlformats.org/officeDocument/2006/relationships" xmlns:p="http://schemas.openxmlformats.org/presentationml/2006/main">
   <p:cSld>
     <p:bg>
-      <p:bgRef idx="1001">
-        <a:schemeClr val="bg1"/>
-      </p:bgRef>
+      <p:bgPr>
+        <a:solidFill>
+          <a:schemeClr val="bg2"/>
+        </a:solidFill>
+        <a:effectLst/>
+      </p:bgPr>
     </p:bg>
     <p:spTree>
       <p:nvGrpSpPr>
@@ -2764,13 +3657,7 @@
       </p:grpSpPr>
       <p:sp>
         <p:nvSpPr>
-          <p:cNvPr id="2" name="Заголовок 1">
-            <a:extLst>
-              <a:ext uri="{FF2B5EF4-FFF2-40B4-BE49-F238E27FC236}">
-                <a16:creationId xmlns:a16="http://schemas.microsoft.com/office/drawing/2014/main" id="{81C616D7-0B8A-175B-D3D6-D015B63C7B30}"/>
-              </a:ext>
-            </a:extLst>
-          </p:cNvPr>
+          <p:cNvPr id="2" name="Title Placeholder 1"/>
           <p:cNvSpPr>
             <a:spLocks noGrp="1"/>
           </p:cNvSpPr>
@@ -2780,15 +3667,15 @@
         </p:nvSpPr>
         <p:spPr>
           <a:xfrm>
-            <a:off x="838200" y="365125"/>
-            <a:ext cx="10515600" cy="1325563"/>
+            <a:off x="1371600" y="685800"/>
+            <a:ext cx="9601200" cy="1485900"/>
           </a:xfrm>
           <a:prstGeom prst="rect">
             <a:avLst/>
           </a:prstGeom>
         </p:spPr>
         <p:txBody>
-          <a:bodyPr vert="horz" lIns="91440" tIns="45720" rIns="91440" bIns="45720" rtlCol="0" anchor="ctr">
+          <a:bodyPr vert="horz" lIns="91440" tIns="45720" rIns="91440" bIns="45720" rtlCol="0" anchor="t">
             <a:normAutofit/>
           </a:bodyPr>
           <a:lstStyle/>
@@ -2797,18 +3684,13 @@
               <a:rPr lang="ru-RU"/>
               <a:t>Образец заголовка</a:t>
             </a:r>
-          </a:p>
-        </p:txBody>
-      </p:sp>
-      <p:sp>
-        <p:nvSpPr>
-          <p:cNvPr id="3" name="Текст 2">
-            <a:extLst>
-              <a:ext uri="{FF2B5EF4-FFF2-40B4-BE49-F238E27FC236}">
-                <a16:creationId xmlns:a16="http://schemas.microsoft.com/office/drawing/2014/main" id="{FE8BFCC4-5F6E-C07D-227C-EEA4463E67CA}"/>
-              </a:ext>
-            </a:extLst>
-          </p:cNvPr>
+            <a:endParaRPr lang="en-US" dirty="0"/>
+          </a:p>
+        </p:txBody>
+      </p:sp>
+      <p:sp>
+        <p:nvSpPr>
+          <p:cNvPr id="3" name="Text Placeholder 2"/>
           <p:cNvSpPr>
             <a:spLocks noGrp="1"/>
           </p:cNvSpPr>
@@ -2818,8 +3700,8 @@
         </p:nvSpPr>
         <p:spPr>
           <a:xfrm>
-            <a:off x="838200" y="1825625"/>
-            <a:ext cx="10515600" cy="4351338"/>
+            <a:off x="1371600" y="2286000"/>
+            <a:ext cx="9601200" cy="3581400"/>
           </a:xfrm>
           <a:prstGeom prst="rect">
             <a:avLst/>
@@ -2864,18 +3746,13 @@
               <a:rPr lang="ru-RU"/>
               <a:t>Пятый уровень</a:t>
             </a:r>
-          </a:p>
-        </p:txBody>
-      </p:sp>
-      <p:sp>
-        <p:nvSpPr>
-          <p:cNvPr id="4" name="Дата 3">
-            <a:extLst>
-              <a:ext uri="{FF2B5EF4-FFF2-40B4-BE49-F238E27FC236}">
-                <a16:creationId xmlns:a16="http://schemas.microsoft.com/office/drawing/2014/main" id="{0484F87C-3890-3146-CDB9-F17B4D7AE81B}"/>
-              </a:ext>
-            </a:extLst>
-          </p:cNvPr>
+            <a:endParaRPr lang="en-US" dirty="0"/>
+          </a:p>
+        </p:txBody>
+      </p:sp>
+      <p:sp>
+        <p:nvSpPr>
+          <p:cNvPr id="4" name="Date Placeholder 3"/>
           <p:cNvSpPr>
             <a:spLocks noGrp="1"/>
           </p:cNvSpPr>
@@ -2885,8 +3762,8 @@
         </p:nvSpPr>
         <p:spPr>
           <a:xfrm>
-            <a:off x="838200" y="6356350"/>
-            <a:ext cx="2743200" cy="365125"/>
+            <a:off x="1390650" y="6453386"/>
+            <a:ext cx="1204572" cy="404614"/>
           </a:xfrm>
           <a:prstGeom prst="rect">
             <a:avLst/>
@@ -2896,11 +3773,9 @@
           <a:bodyPr vert="horz" lIns="91440" tIns="45720" rIns="91440" bIns="45720" rtlCol="0" anchor="ctr"/>
           <a:lstStyle>
             <a:lvl1pPr algn="l">
-              <a:defRPr sz="1200">
+              <a:defRPr sz="1200" baseline="0">
                 <a:solidFill>
-                  <a:schemeClr val="tx1">
-                    <a:tint val="75000"/>
-                  </a:schemeClr>
+                  <a:schemeClr val="tx2"/>
                 </a:solidFill>
               </a:defRPr>
             </a:lvl1pPr>
@@ -2908,7 +3783,7 @@
           <a:p>
             <a:fld id="{296FADEF-E30F-4358-8C1A-AA929F7F0BF4}" type="datetimeFigureOut">
               <a:rPr lang="ru-RU" smtClean="0"/>
-              <a:t>25.05.2024</a:t>
+              <a:t>27.05.2024</a:t>
             </a:fld>
             <a:endParaRPr lang="ru-RU"/>
           </a:p>
@@ -2916,13 +3791,7 @@
       </p:sp>
       <p:sp>
         <p:nvSpPr>
-          <p:cNvPr id="5" name="Нижний колонтитул 4">
-            <a:extLst>
-              <a:ext uri="{FF2B5EF4-FFF2-40B4-BE49-F238E27FC236}">
-                <a16:creationId xmlns:a16="http://schemas.microsoft.com/office/drawing/2014/main" id="{B645D818-6158-84B3-7BCE-318D911A147E}"/>
-              </a:ext>
-            </a:extLst>
-          </p:cNvPr>
+          <p:cNvPr id="5" name="Footer Placeholder 4"/>
           <p:cNvSpPr>
             <a:spLocks noGrp="1"/>
           </p:cNvSpPr>
@@ -2932,8 +3801,8 @@
         </p:nvSpPr>
         <p:spPr>
           <a:xfrm>
-            <a:off x="4038600" y="6356350"/>
-            <a:ext cx="4114800" cy="365125"/>
+            <a:off x="2893564" y="6453386"/>
+            <a:ext cx="6280830" cy="404614"/>
           </a:xfrm>
           <a:prstGeom prst="rect">
             <a:avLst/>
@@ -2942,12 +3811,10 @@
         <p:txBody>
           <a:bodyPr vert="horz" lIns="91440" tIns="45720" rIns="91440" bIns="45720" rtlCol="0" anchor="ctr"/>
           <a:lstStyle>
-            <a:lvl1pPr algn="ctr">
-              <a:defRPr sz="1200">
+            <a:lvl1pPr algn="l">
+              <a:defRPr sz="1200" baseline="0">
                 <a:solidFill>
-                  <a:schemeClr val="tx1">
-                    <a:tint val="75000"/>
-                  </a:schemeClr>
+                  <a:schemeClr val="tx2"/>
                 </a:solidFill>
               </a:defRPr>
             </a:lvl1pPr>
@@ -2959,13 +3826,7 @@
       </p:sp>
       <p:sp>
         <p:nvSpPr>
-          <p:cNvPr id="6" name="Номер слайда 5">
-            <a:extLst>
-              <a:ext uri="{FF2B5EF4-FFF2-40B4-BE49-F238E27FC236}">
-                <a16:creationId xmlns:a16="http://schemas.microsoft.com/office/drawing/2014/main" id="{36318A40-F4F8-56B4-AA4D-317633367BAF}"/>
-              </a:ext>
-            </a:extLst>
-          </p:cNvPr>
+          <p:cNvPr id="6" name="Slide Number Placeholder 5"/>
           <p:cNvSpPr>
             <a:spLocks noGrp="1"/>
           </p:cNvSpPr>
@@ -2975,8 +3836,8 @@
         </p:nvSpPr>
         <p:spPr>
           <a:xfrm>
-            <a:off x="8610600" y="6356350"/>
-            <a:ext cx="2743200" cy="365125"/>
+            <a:off x="9472736" y="6453386"/>
+            <a:ext cx="1596292" cy="404614"/>
           </a:xfrm>
           <a:prstGeom prst="rect">
             <a:avLst/>
@@ -2986,11 +3847,9 @@
           <a:bodyPr vert="horz" lIns="91440" tIns="45720" rIns="91440" bIns="45720" rtlCol="0" anchor="ctr"/>
           <a:lstStyle>
             <a:lvl1pPr algn="r">
-              <a:defRPr sz="1200">
+              <a:defRPr sz="1200" baseline="0">
                 <a:solidFill>
-                  <a:schemeClr val="tx1">
-                    <a:tint val="75000"/>
-                  </a:schemeClr>
+                  <a:schemeClr val="tx2"/>
                 </a:solidFill>
               </a:defRPr>
             </a:lvl1pPr>
@@ -3004,40 +3863,78 @@
           </a:p>
         </p:txBody>
       </p:sp>
+      <p:sp>
+        <p:nvSpPr>
+          <p:cNvPr id="9" name="Rectangle 8" title="Side bar"/>
+          <p:cNvSpPr/>
+          <p:nvPr/>
+        </p:nvSpPr>
+        <p:spPr>
+          <a:xfrm>
+            <a:off x="478095" y="376"/>
+            <a:ext cx="228600" cy="6858000"/>
+          </a:xfrm>
+          <a:prstGeom prst="rect">
+            <a:avLst/>
+          </a:prstGeom>
+          <a:solidFill>
+            <a:schemeClr val="tx2"/>
+          </a:solidFill>
+          <a:ln>
+            <a:noFill/>
+          </a:ln>
+        </p:spPr>
+        <p:style>
+          <a:lnRef idx="2">
+            <a:schemeClr val="accent1">
+              <a:shade val="50000"/>
+            </a:schemeClr>
+          </a:lnRef>
+          <a:fillRef idx="1">
+            <a:schemeClr val="accent1"/>
+          </a:fillRef>
+          <a:effectRef idx="0">
+            <a:schemeClr val="accent1"/>
+          </a:effectRef>
+          <a:fontRef idx="minor">
+            <a:schemeClr val="lt1"/>
+          </a:fontRef>
+        </p:style>
+      </p:sp>
     </p:spTree>
     <p:extLst>
       <p:ext uri="{BB962C8B-B14F-4D97-AF65-F5344CB8AC3E}">
-        <p14:creationId xmlns:p14="http://schemas.microsoft.com/office/powerpoint/2010/main" val="111954669"/>
+        <p14:creationId xmlns:p14="http://schemas.microsoft.com/office/powerpoint/2010/main" val="2082546472"/>
       </p:ext>
     </p:extLst>
   </p:cSld>
   <p:clrMap bg1="lt1" tx1="dk1" bg2="lt2" tx2="dk2" accent1="accent1" accent2="accent2" accent3="accent3" accent4="accent4" accent5="accent5" accent6="accent6" hlink="hlink" folHlink="folHlink"/>
   <p:sldLayoutIdLst>
-    <p:sldLayoutId id="2147483649" r:id="rId1"/>
-    <p:sldLayoutId id="2147483650" r:id="rId2"/>
-    <p:sldLayoutId id="2147483651" r:id="rId3"/>
-    <p:sldLayoutId id="2147483652" r:id="rId4"/>
-    <p:sldLayoutId id="2147483653" r:id="rId5"/>
-    <p:sldLayoutId id="2147483654" r:id="rId6"/>
-    <p:sldLayoutId id="2147483655" r:id="rId7"/>
-    <p:sldLayoutId id="2147483656" r:id="rId8"/>
-    <p:sldLayoutId id="2147483657" r:id="rId9"/>
-    <p:sldLayoutId id="2147483658" r:id="rId10"/>
-    <p:sldLayoutId id="2147483659" r:id="rId11"/>
+    <p:sldLayoutId id="2147483685" r:id="rId1"/>
+    <p:sldLayoutId id="2147483686" r:id="rId2"/>
+    <p:sldLayoutId id="2147483687" r:id="rId3"/>
+    <p:sldLayoutId id="2147483688" r:id="rId4"/>
+    <p:sldLayoutId id="2147483689" r:id="rId5"/>
+    <p:sldLayoutId id="2147483690" r:id="rId6"/>
+    <p:sldLayoutId id="2147483691" r:id="rId7"/>
+    <p:sldLayoutId id="2147483692" r:id="rId8"/>
+    <p:sldLayoutId id="2147483693" r:id="rId9"/>
+    <p:sldLayoutId id="2147483694" r:id="rId10"/>
+    <p:sldLayoutId id="2147483695" r:id="rId11"/>
   </p:sldLayoutIdLst>
   <p:txStyles>
     <p:titleStyle>
       <a:lvl1pPr algn="l" defTabSz="914400" rtl="0" eaLnBrk="1" latinLnBrk="0" hangingPunct="1">
         <a:lnSpc>
-          <a:spcPct val="90000"/>
+          <a:spcPct val="89000"/>
         </a:lnSpc>
         <a:spcBef>
           <a:spcPct val="0"/>
         </a:spcBef>
         <a:buNone/>
-        <a:defRPr sz="4400" kern="1200">
+        <a:defRPr sz="4400" kern="1200" baseline="0">
           <a:solidFill>
-            <a:schemeClr val="tx1"/>
+            <a:schemeClr val="tx2"/>
           </a:solidFill>
           <a:latin typeface="+mj-lt"/>
           <a:ea typeface="+mj-ea"/>
@@ -3046,162 +3943,189 @@
       </a:lvl1pPr>
     </p:titleStyle>
     <p:bodyStyle>
-      <a:lvl1pPr marL="228600" indent="-228600" algn="l" defTabSz="914400" rtl="0" eaLnBrk="1" latinLnBrk="0" hangingPunct="1">
+      <a:lvl1pPr marL="384048" indent="-384048" algn="l" defTabSz="914400" rtl="0" eaLnBrk="1" latinLnBrk="0" hangingPunct="1">
         <a:lnSpc>
-          <a:spcPct val="90000"/>
+          <a:spcPct val="94000"/>
         </a:lnSpc>
         <a:spcBef>
           <a:spcPts val="1000"/>
         </a:spcBef>
-        <a:buFont typeface="Arial" panose="020B0604020202020204" pitchFamily="34" charset="0"/>
-        <a:buChar char="•"/>
-        <a:defRPr sz="2800" kern="1200">
+        <a:spcAft>
+          <a:spcPts val="200"/>
+        </a:spcAft>
+        <a:buFont typeface="Franklin Gothic Book" panose="020B0503020102020204" pitchFamily="34" charset="0"/>
+        <a:buChar char="■"/>
+        <a:defRPr sz="2000" kern="1200" baseline="0">
           <a:solidFill>
-            <a:schemeClr val="tx1"/>
+            <a:schemeClr val="tx2"/>
           </a:solidFill>
           <a:latin typeface="+mn-lt"/>
           <a:ea typeface="+mn-ea"/>
           <a:cs typeface="+mn-cs"/>
         </a:defRPr>
       </a:lvl1pPr>
-      <a:lvl2pPr marL="685800" indent="-228600" algn="l" defTabSz="914400" rtl="0" eaLnBrk="1" latinLnBrk="0" hangingPunct="1">
+      <a:lvl2pPr marL="914400" indent="-384048" algn="l" defTabSz="914400" rtl="0" eaLnBrk="1" latinLnBrk="0" hangingPunct="1">
         <a:lnSpc>
-          <a:spcPct val="90000"/>
+          <a:spcPct val="94000"/>
         </a:lnSpc>
         <a:spcBef>
           <a:spcPts val="500"/>
         </a:spcBef>
-        <a:buFont typeface="Arial" panose="020B0604020202020204" pitchFamily="34" charset="0"/>
-        <a:buChar char="•"/>
-        <a:defRPr sz="2400" kern="1200">
+        <a:spcAft>
+          <a:spcPts val="200"/>
+        </a:spcAft>
+        <a:buFont typeface="Franklin Gothic Book" panose="020B0503020102020204" pitchFamily="34" charset="0"/>
+        <a:buChar char="–"/>
+        <a:defRPr sz="2000" i="1" kern="1200" baseline="0">
           <a:solidFill>
-            <a:schemeClr val="tx1"/>
+            <a:schemeClr val="tx2"/>
           </a:solidFill>
           <a:latin typeface="+mn-lt"/>
           <a:ea typeface="+mn-ea"/>
           <a:cs typeface="+mn-cs"/>
         </a:defRPr>
       </a:lvl2pPr>
-      <a:lvl3pPr marL="1143000" indent="-228600" algn="l" defTabSz="914400" rtl="0" eaLnBrk="1" latinLnBrk="0" hangingPunct="1">
+      <a:lvl3pPr marL="1371600" indent="-384048" algn="l" defTabSz="914400" rtl="0" eaLnBrk="1" latinLnBrk="0" hangingPunct="1">
         <a:lnSpc>
-          <a:spcPct val="90000"/>
+          <a:spcPct val="94000"/>
         </a:lnSpc>
         <a:spcBef>
           <a:spcPts val="500"/>
         </a:spcBef>
-        <a:buFont typeface="Arial" panose="020B0604020202020204" pitchFamily="34" charset="0"/>
-        <a:buChar char="•"/>
-        <a:defRPr sz="2000" kern="1200">
+        <a:spcAft>
+          <a:spcPts val="200"/>
+        </a:spcAft>
+        <a:buFont typeface="Franklin Gothic Book" panose="020B0503020102020204" pitchFamily="34" charset="0"/>
+        <a:buChar char="■"/>
+        <a:defRPr sz="1800" kern="1200" baseline="0">
           <a:solidFill>
-            <a:schemeClr val="tx1"/>
+            <a:schemeClr val="tx2"/>
           </a:solidFill>
           <a:latin typeface="+mn-lt"/>
           <a:ea typeface="+mn-ea"/>
           <a:cs typeface="+mn-cs"/>
         </a:defRPr>
       </a:lvl3pPr>
-      <a:lvl4pPr marL="1600200" indent="-228600" algn="l" defTabSz="914400" rtl="0" eaLnBrk="1" latinLnBrk="0" hangingPunct="1">
+      <a:lvl4pPr marL="1828800" indent="-384048" algn="l" defTabSz="914400" rtl="0" eaLnBrk="1" latinLnBrk="0" hangingPunct="1">
         <a:lnSpc>
-          <a:spcPct val="90000"/>
+          <a:spcPct val="94000"/>
         </a:lnSpc>
         <a:spcBef>
           <a:spcPts val="500"/>
         </a:spcBef>
-        <a:buFont typeface="Arial" panose="020B0604020202020204" pitchFamily="34" charset="0"/>
-        <a:buChar char="•"/>
-        <a:defRPr sz="1800" kern="1200">
+        <a:spcAft>
+          <a:spcPts val="200"/>
+        </a:spcAft>
+        <a:buFont typeface="Franklin Gothic Book" panose="020B0503020102020204" pitchFamily="34" charset="0"/>
+        <a:buChar char="–"/>
+        <a:defRPr sz="1800" i="1" kern="1200" baseline="0">
           <a:solidFill>
-            <a:schemeClr val="tx1"/>
+            <a:schemeClr val="tx2"/>
           </a:solidFill>
           <a:latin typeface="+mn-lt"/>
           <a:ea typeface="+mn-ea"/>
           <a:cs typeface="+mn-cs"/>
         </a:defRPr>
       </a:lvl4pPr>
-      <a:lvl5pPr marL="2057400" indent="-228600" algn="l" defTabSz="914400" rtl="0" eaLnBrk="1" latinLnBrk="0" hangingPunct="1">
+      <a:lvl5pPr marL="2286000" indent="-384048" algn="l" defTabSz="914400" rtl="0" eaLnBrk="1" latinLnBrk="0" hangingPunct="1">
         <a:lnSpc>
-          <a:spcPct val="90000"/>
+          <a:spcPct val="94000"/>
         </a:lnSpc>
         <a:spcBef>
           <a:spcPts val="500"/>
         </a:spcBef>
-        <a:buFont typeface="Arial" panose="020B0604020202020204" pitchFamily="34" charset="0"/>
-        <a:buChar char="•"/>
-        <a:defRPr sz="1800" kern="1200">
+        <a:spcAft>
+          <a:spcPts val="200"/>
+        </a:spcAft>
+        <a:buFont typeface="Franklin Gothic Book" panose="020B0503020102020204" pitchFamily="34" charset="0"/>
+        <a:buChar char="■"/>
+        <a:defRPr sz="1600" kern="1200" baseline="0">
           <a:solidFill>
-            <a:schemeClr val="tx1"/>
+            <a:schemeClr val="tx2"/>
           </a:solidFill>
           <a:latin typeface="+mn-lt"/>
           <a:ea typeface="+mn-ea"/>
           <a:cs typeface="+mn-cs"/>
         </a:defRPr>
       </a:lvl5pPr>
-      <a:lvl6pPr marL="2514600" indent="-228600" algn="l" defTabSz="914400" rtl="0" eaLnBrk="1" latinLnBrk="0" hangingPunct="1">
+      <a:lvl6pPr marL="2743200" indent="-384048" algn="l" defTabSz="914400" rtl="0" eaLnBrk="1" latinLnBrk="0" hangingPunct="1">
         <a:lnSpc>
-          <a:spcPct val="90000"/>
+          <a:spcPct val="94000"/>
         </a:lnSpc>
         <a:spcBef>
           <a:spcPts val="500"/>
         </a:spcBef>
-        <a:buFont typeface="Arial" panose="020B0604020202020204" pitchFamily="34" charset="0"/>
-        <a:buChar char="•"/>
-        <a:defRPr sz="1800" kern="1200">
+        <a:spcAft>
+          <a:spcPts val="200"/>
+        </a:spcAft>
+        <a:buFont typeface="Franklin Gothic Book" panose="020B0503020102020204" pitchFamily="34" charset="0"/>
+        <a:buChar char="–"/>
+        <a:defRPr sz="1600" i="1" kern="1200" baseline="0">
           <a:solidFill>
-            <a:schemeClr val="tx1"/>
+            <a:schemeClr val="tx2"/>
           </a:solidFill>
           <a:latin typeface="+mn-lt"/>
           <a:ea typeface="+mn-ea"/>
           <a:cs typeface="+mn-cs"/>
         </a:defRPr>
       </a:lvl6pPr>
-      <a:lvl7pPr marL="2971800" indent="-228600" algn="l" defTabSz="914400" rtl="0" eaLnBrk="1" latinLnBrk="0" hangingPunct="1">
+      <a:lvl7pPr marL="3200400" indent="-384048" algn="l" defTabSz="914400" rtl="0" eaLnBrk="1" latinLnBrk="0" hangingPunct="1">
         <a:lnSpc>
-          <a:spcPct val="90000"/>
+          <a:spcPct val="94000"/>
         </a:lnSpc>
         <a:spcBef>
           <a:spcPts val="500"/>
         </a:spcBef>
-        <a:buFont typeface="Arial" panose="020B0604020202020204" pitchFamily="34" charset="0"/>
-        <a:buChar char="•"/>
-        <a:defRPr sz="1800" kern="1200">
+        <a:spcAft>
+          <a:spcPts val="200"/>
+        </a:spcAft>
+        <a:buFont typeface="Franklin Gothic Book" panose="020B0503020102020204" pitchFamily="34" charset="0"/>
+        <a:buChar char="■"/>
+        <a:defRPr sz="1400" kern="1200" baseline="0">
           <a:solidFill>
-            <a:schemeClr val="tx1"/>
+            <a:schemeClr val="tx2"/>
           </a:solidFill>
           <a:latin typeface="+mn-lt"/>
           <a:ea typeface="+mn-ea"/>
           <a:cs typeface="+mn-cs"/>
         </a:defRPr>
       </a:lvl7pPr>
-      <a:lvl8pPr marL="3429000" indent="-228600" algn="l" defTabSz="914400" rtl="0" eaLnBrk="1" latinLnBrk="0" hangingPunct="1">
+      <a:lvl8pPr marL="3657600" indent="-384048" algn="l" defTabSz="914400" rtl="0" eaLnBrk="1" latinLnBrk="0" hangingPunct="1">
         <a:lnSpc>
-          <a:spcPct val="90000"/>
+          <a:spcPct val="94000"/>
         </a:lnSpc>
         <a:spcBef>
           <a:spcPts val="500"/>
         </a:spcBef>
-        <a:buFont typeface="Arial" panose="020B0604020202020204" pitchFamily="34" charset="0"/>
-        <a:buChar char="•"/>
-        <a:defRPr sz="1800" kern="1200">
+        <a:spcAft>
+          <a:spcPts val="200"/>
+        </a:spcAft>
+        <a:buFont typeface="Franklin Gothic Book" panose="020B0503020102020204" pitchFamily="34" charset="0"/>
+        <a:buChar char="–"/>
+        <a:defRPr sz="1400" i="1" kern="1200" baseline="0">
           <a:solidFill>
-            <a:schemeClr val="tx1"/>
+            <a:schemeClr val="tx2"/>
           </a:solidFill>
           <a:latin typeface="+mn-lt"/>
           <a:ea typeface="+mn-ea"/>
           <a:cs typeface="+mn-cs"/>
         </a:defRPr>
       </a:lvl8pPr>
-      <a:lvl9pPr marL="3886200" indent="-228600" algn="l" defTabSz="914400" rtl="0" eaLnBrk="1" latinLnBrk="0" hangingPunct="1">
+      <a:lvl9pPr marL="4114800" indent="-384048" algn="l" defTabSz="914400" rtl="0" eaLnBrk="1" latinLnBrk="0" hangingPunct="1">
         <a:lnSpc>
-          <a:spcPct val="90000"/>
+          <a:spcPct val="94000"/>
         </a:lnSpc>
         <a:spcBef>
           <a:spcPts val="500"/>
         </a:spcBef>
-        <a:buFont typeface="Arial" panose="020B0604020202020204" pitchFamily="34" charset="0"/>
-        <a:buChar char="•"/>
-        <a:defRPr sz="1800" kern="1200">
+        <a:spcAft>
+          <a:spcPts val="200"/>
+        </a:spcAft>
+        <a:buFont typeface="Franklin Gothic Book" panose="020B0503020102020204" pitchFamily="34" charset="0"/>
+        <a:buChar char="■"/>
+        <a:defRPr sz="1400" kern="1200" baseline="0">
           <a:solidFill>
-            <a:schemeClr val="tx1"/>
+            <a:schemeClr val="tx2"/>
           </a:solidFill>
           <a:latin typeface="+mn-lt"/>
           <a:ea typeface="+mn-ea"/>
@@ -3211,7 +4135,7 @@
     </p:bodyStyle>
     <p:otherStyle>
       <a:defPPr>
-        <a:defRPr lang="ru-RU"/>
+        <a:defRPr lang="en-US"/>
       </a:defPPr>
       <a:lvl1pPr marL="0" algn="l" defTabSz="914400" rtl="0" eaLnBrk="1" latinLnBrk="0" hangingPunct="1">
         <a:defRPr sz="1800" kern="1200">
@@ -3305,6 +4229,52 @@
       </a:lvl9pPr>
     </p:otherStyle>
   </p:txStyles>
+  <p:extLst>
+    <p:ext uri="{27BBF7A9-308A-43DC-89C8-2F10F3537804}">
+      <p15:sldGuideLst xmlns:p15="http://schemas.microsoft.com/office/powerpoint/2012/main">
+        <p15:guide id="3" orient="horz" pos="1368">
+          <p15:clr>
+            <a:srgbClr val="F26B43"/>
+          </p15:clr>
+        </p15:guide>
+        <p15:guide id="4" orient="horz" pos="1440">
+          <p15:clr>
+            <a:srgbClr val="F26B43"/>
+          </p15:clr>
+        </p15:guide>
+        <p15:guide id="6" orient="horz" pos="3696">
+          <p15:clr>
+            <a:srgbClr val="F26B43"/>
+          </p15:clr>
+        </p15:guide>
+        <p15:guide id="7" orient="horz" pos="432">
+          <p15:clr>
+            <a:srgbClr val="F26B43"/>
+          </p15:clr>
+        </p15:guide>
+        <p15:guide id="8" orient="horz" pos="1512">
+          <p15:clr>
+            <a:srgbClr val="F26B43"/>
+          </p15:clr>
+        </p15:guide>
+        <p15:guide id="9" pos="6912">
+          <p15:clr>
+            <a:srgbClr val="F26B43"/>
+          </p15:clr>
+        </p15:guide>
+        <p15:guide id="10" pos="936">
+          <p15:clr>
+            <a:srgbClr val="F26B43"/>
+          </p15:clr>
+        </p15:guide>
+        <p15:guide id="11" pos="864">
+          <p15:clr>
+            <a:srgbClr val="F26B43"/>
+          </p15:clr>
+        </p15:guide>
+      </p15:sldGuideLst>
+    </p:ext>
+  </p:extLst>
 </p:sldMaster>
 </file>
 
@@ -3384,7 +4354,7 @@
         </p:spPr>
         <p:txBody>
           <a:bodyPr>
-            <a:normAutofit fontScale="92500" lnSpcReduction="20000"/>
+            <a:normAutofit fontScale="77500" lnSpcReduction="20000"/>
           </a:bodyPr>
           <a:lstStyle/>
           <a:p>
@@ -3419,6 +4389,331 @@
     <p:extLst>
       <p:ext uri="{BB962C8B-B14F-4D97-AF65-F5344CB8AC3E}">
         <p14:creationId xmlns:p14="http://schemas.microsoft.com/office/powerpoint/2010/main" val="450005933"/>
+      </p:ext>
+    </p:extLst>
+  </p:cSld>
+  <p:clrMapOvr>
+    <a:masterClrMapping/>
+  </p:clrMapOvr>
+</p:sld>
+</file>
+
+<file path=ppt/slides/slide10.xml><?xml version="1.0" encoding="utf-8"?>
+<p:sld xmlns:a="http://schemas.openxmlformats.org/drawingml/2006/main" xmlns:r="http://schemas.openxmlformats.org/officeDocument/2006/relationships" xmlns:p="http://schemas.openxmlformats.org/presentationml/2006/main">
+  <p:cSld>
+    <p:spTree>
+      <p:nvGrpSpPr>
+        <p:cNvPr id="1" name=""/>
+        <p:cNvGrpSpPr/>
+        <p:nvPr/>
+      </p:nvGrpSpPr>
+      <p:grpSpPr>
+        <a:xfrm>
+          <a:off x="0" y="0"/>
+          <a:ext cx="0" cy="0"/>
+          <a:chOff x="0" y="0"/>
+          <a:chExt cx="0" cy="0"/>
+        </a:xfrm>
+      </p:grpSpPr>
+      <p:pic>
+        <p:nvPicPr>
+          <p:cNvPr id="5" name="Объект 4">
+            <a:extLst>
+              <a:ext uri="{FF2B5EF4-FFF2-40B4-BE49-F238E27FC236}">
+                <a16:creationId xmlns:a16="http://schemas.microsoft.com/office/drawing/2014/main" id="{EDECE34C-CC6B-4C1B-8A28-1E9020271E8F}"/>
+              </a:ext>
+            </a:extLst>
+          </p:cNvPr>
+          <p:cNvPicPr>
+            <a:picLocks noGrp="1" noChangeAspect="1"/>
+          </p:cNvPicPr>
+          <p:nvPr>
+            <p:ph idx="1"/>
+          </p:nvPr>
+        </p:nvPicPr>
+        <p:blipFill>
+          <a:blip r:embed="rId2">
+            <a:extLst>
+              <a:ext uri="{28A0092B-C50C-407E-A947-70E740481C1C}">
+                <a14:useLocalDpi xmlns:a14="http://schemas.microsoft.com/office/drawing/2010/main" val="0"/>
+              </a:ext>
+            </a:extLst>
+          </a:blip>
+          <a:stretch>
+            <a:fillRect/>
+          </a:stretch>
+        </p:blipFill>
+        <p:spPr>
+          <a:xfrm>
+            <a:off x="1086234" y="423140"/>
+            <a:ext cx="10019532" cy="6011720"/>
+          </a:xfrm>
+        </p:spPr>
+      </p:pic>
+    </p:spTree>
+    <p:extLst>
+      <p:ext uri="{BB962C8B-B14F-4D97-AF65-F5344CB8AC3E}">
+        <p14:creationId xmlns:p14="http://schemas.microsoft.com/office/powerpoint/2010/main" val="3924296868"/>
+      </p:ext>
+    </p:extLst>
+  </p:cSld>
+  <p:clrMapOvr>
+    <a:masterClrMapping/>
+  </p:clrMapOvr>
+</p:sld>
+</file>
+
+<file path=ppt/slides/slide11.xml><?xml version="1.0" encoding="utf-8"?>
+<p:sld xmlns:a="http://schemas.openxmlformats.org/drawingml/2006/main" xmlns:r="http://schemas.openxmlformats.org/officeDocument/2006/relationships" xmlns:p="http://schemas.openxmlformats.org/presentationml/2006/main">
+  <p:cSld>
+    <p:spTree>
+      <p:nvGrpSpPr>
+        <p:cNvPr id="1" name=""/>
+        <p:cNvGrpSpPr/>
+        <p:nvPr/>
+      </p:nvGrpSpPr>
+      <p:grpSpPr>
+        <a:xfrm>
+          <a:off x="0" y="0"/>
+          <a:ext cx="0" cy="0"/>
+          <a:chOff x="0" y="0"/>
+          <a:chExt cx="0" cy="0"/>
+        </a:xfrm>
+      </p:grpSpPr>
+      <p:pic>
+        <p:nvPicPr>
+          <p:cNvPr id="5" name="Объект 4">
+            <a:extLst>
+              <a:ext uri="{FF2B5EF4-FFF2-40B4-BE49-F238E27FC236}">
+                <a16:creationId xmlns:a16="http://schemas.microsoft.com/office/drawing/2014/main" id="{1CE6E346-F560-4B02-B529-B7894102DFA0}"/>
+              </a:ext>
+            </a:extLst>
+          </p:cNvPr>
+          <p:cNvPicPr>
+            <a:picLocks noGrp="1" noChangeAspect="1"/>
+          </p:cNvPicPr>
+          <p:nvPr>
+            <p:ph idx="1"/>
+          </p:nvPr>
+        </p:nvPicPr>
+        <p:blipFill>
+          <a:blip r:embed="rId2">
+            <a:extLst>
+              <a:ext uri="{28A0092B-C50C-407E-A947-70E740481C1C}">
+                <a14:useLocalDpi xmlns:a14="http://schemas.microsoft.com/office/drawing/2010/main" val="0"/>
+              </a:ext>
+            </a:extLst>
+          </a:blip>
+          <a:stretch>
+            <a:fillRect/>
+          </a:stretch>
+        </p:blipFill>
+        <p:spPr>
+          <a:xfrm>
+            <a:off x="1135144" y="433825"/>
+            <a:ext cx="9921712" cy="5953028"/>
+          </a:xfrm>
+        </p:spPr>
+      </p:pic>
+    </p:spTree>
+    <p:extLst>
+      <p:ext uri="{BB962C8B-B14F-4D97-AF65-F5344CB8AC3E}">
+        <p14:creationId xmlns:p14="http://schemas.microsoft.com/office/powerpoint/2010/main" val="2479560250"/>
+      </p:ext>
+    </p:extLst>
+  </p:cSld>
+  <p:clrMapOvr>
+    <a:masterClrMapping/>
+  </p:clrMapOvr>
+</p:sld>
+</file>
+
+<file path=ppt/slides/slide12.xml><?xml version="1.0" encoding="utf-8"?>
+<p:sld xmlns:a="http://schemas.openxmlformats.org/drawingml/2006/main" xmlns:r="http://schemas.openxmlformats.org/officeDocument/2006/relationships" xmlns:p="http://schemas.openxmlformats.org/presentationml/2006/main">
+  <p:cSld>
+    <p:spTree>
+      <p:nvGrpSpPr>
+        <p:cNvPr id="1" name=""/>
+        <p:cNvGrpSpPr/>
+        <p:nvPr/>
+      </p:nvGrpSpPr>
+      <p:grpSpPr>
+        <a:xfrm>
+          <a:off x="0" y="0"/>
+          <a:ext cx="0" cy="0"/>
+          <a:chOff x="0" y="0"/>
+          <a:chExt cx="0" cy="0"/>
+        </a:xfrm>
+      </p:grpSpPr>
+      <p:pic>
+        <p:nvPicPr>
+          <p:cNvPr id="6" name="Объект 5">
+            <a:extLst>
+              <a:ext uri="{FF2B5EF4-FFF2-40B4-BE49-F238E27FC236}">
+                <a16:creationId xmlns:a16="http://schemas.microsoft.com/office/drawing/2014/main" id="{BA12A140-9A63-4DCC-A8F7-5CD9B1A6F5B7}"/>
+              </a:ext>
+            </a:extLst>
+          </p:cNvPr>
+          <p:cNvPicPr>
+            <a:picLocks noGrp="1" noChangeAspect="1"/>
+          </p:cNvPicPr>
+          <p:nvPr>
+            <p:ph idx="1"/>
+          </p:nvPr>
+        </p:nvPicPr>
+        <p:blipFill>
+          <a:blip r:embed="rId2">
+            <a:extLst>
+              <a:ext uri="{28A0092B-C50C-407E-A947-70E740481C1C}">
+                <a14:useLocalDpi xmlns:a14="http://schemas.microsoft.com/office/drawing/2010/main" val="0"/>
+              </a:ext>
+            </a:extLst>
+          </a:blip>
+          <a:stretch>
+            <a:fillRect/>
+          </a:stretch>
+        </p:blipFill>
+        <p:spPr>
+          <a:xfrm>
+            <a:off x="793101" y="380110"/>
+            <a:ext cx="10800809" cy="6171892"/>
+          </a:xfrm>
+        </p:spPr>
+      </p:pic>
+    </p:spTree>
+    <p:extLst>
+      <p:ext uri="{BB962C8B-B14F-4D97-AF65-F5344CB8AC3E}">
+        <p14:creationId xmlns:p14="http://schemas.microsoft.com/office/powerpoint/2010/main" val="1399370895"/>
+      </p:ext>
+    </p:extLst>
+  </p:cSld>
+  <p:clrMapOvr>
+    <a:masterClrMapping/>
+  </p:clrMapOvr>
+</p:sld>
+</file>
+
+<file path=ppt/slides/slide13.xml><?xml version="1.0" encoding="utf-8"?>
+<p:sld xmlns:a="http://schemas.openxmlformats.org/drawingml/2006/main" xmlns:r="http://schemas.openxmlformats.org/officeDocument/2006/relationships" xmlns:p="http://schemas.openxmlformats.org/presentationml/2006/main">
+  <p:cSld>
+    <p:spTree>
+      <p:nvGrpSpPr>
+        <p:cNvPr id="1" name=""/>
+        <p:cNvGrpSpPr/>
+        <p:nvPr/>
+      </p:nvGrpSpPr>
+      <p:grpSpPr>
+        <a:xfrm>
+          <a:off x="0" y="0"/>
+          <a:ext cx="0" cy="0"/>
+          <a:chOff x="0" y="0"/>
+          <a:chExt cx="0" cy="0"/>
+        </a:xfrm>
+      </p:grpSpPr>
+      <p:pic>
+        <p:nvPicPr>
+          <p:cNvPr id="5" name="Объект 4">
+            <a:extLst>
+              <a:ext uri="{FF2B5EF4-FFF2-40B4-BE49-F238E27FC236}">
+                <a16:creationId xmlns:a16="http://schemas.microsoft.com/office/drawing/2014/main" id="{775F27FC-4CCC-4E61-992A-B5950105F94E}"/>
+              </a:ext>
+            </a:extLst>
+          </p:cNvPr>
+          <p:cNvPicPr>
+            <a:picLocks noGrp="1" noChangeAspect="1"/>
+          </p:cNvPicPr>
+          <p:nvPr>
+            <p:ph idx="1"/>
+          </p:nvPr>
+        </p:nvPicPr>
+        <p:blipFill>
+          <a:blip r:embed="rId2">
+            <a:extLst>
+              <a:ext uri="{28A0092B-C50C-407E-A947-70E740481C1C}">
+                <a14:useLocalDpi xmlns:a14="http://schemas.microsoft.com/office/drawing/2010/main" val="0"/>
+              </a:ext>
+            </a:extLst>
+          </a:blip>
+          <a:stretch>
+            <a:fillRect/>
+          </a:stretch>
+        </p:blipFill>
+        <p:spPr>
+          <a:xfrm>
+            <a:off x="1051345" y="402206"/>
+            <a:ext cx="10089310" cy="6053587"/>
+          </a:xfrm>
+        </p:spPr>
+      </p:pic>
+    </p:spTree>
+    <p:extLst>
+      <p:ext uri="{BB962C8B-B14F-4D97-AF65-F5344CB8AC3E}">
+        <p14:creationId xmlns:p14="http://schemas.microsoft.com/office/powerpoint/2010/main" val="4160107756"/>
+      </p:ext>
+    </p:extLst>
+  </p:cSld>
+  <p:clrMapOvr>
+    <a:masterClrMapping/>
+  </p:clrMapOvr>
+</p:sld>
+</file>
+
+<file path=ppt/slides/slide14.xml><?xml version="1.0" encoding="utf-8"?>
+<p:sld xmlns:a="http://schemas.openxmlformats.org/drawingml/2006/main" xmlns:r="http://schemas.openxmlformats.org/officeDocument/2006/relationships" xmlns:p="http://schemas.openxmlformats.org/presentationml/2006/main">
+  <p:cSld>
+    <p:spTree>
+      <p:nvGrpSpPr>
+        <p:cNvPr id="1" name=""/>
+        <p:cNvGrpSpPr/>
+        <p:nvPr/>
+      </p:nvGrpSpPr>
+      <p:grpSpPr>
+        <a:xfrm>
+          <a:off x="0" y="0"/>
+          <a:ext cx="0" cy="0"/>
+          <a:chOff x="0" y="0"/>
+          <a:chExt cx="0" cy="0"/>
+        </a:xfrm>
+      </p:grpSpPr>
+      <p:pic>
+        <p:nvPicPr>
+          <p:cNvPr id="5" name="Объект 4">
+            <a:extLst>
+              <a:ext uri="{FF2B5EF4-FFF2-40B4-BE49-F238E27FC236}">
+                <a16:creationId xmlns:a16="http://schemas.microsoft.com/office/drawing/2014/main" id="{B543D8E6-491F-4A48-9A66-966D357D5033}"/>
+              </a:ext>
+            </a:extLst>
+          </p:cNvPr>
+          <p:cNvPicPr>
+            <a:picLocks noGrp="1" noChangeAspect="1"/>
+          </p:cNvPicPr>
+          <p:nvPr>
+            <p:ph idx="1"/>
+          </p:nvPr>
+        </p:nvPicPr>
+        <p:blipFill>
+          <a:blip r:embed="rId2">
+            <a:extLst>
+              <a:ext uri="{28A0092B-C50C-407E-A947-70E740481C1C}">
+                <a14:useLocalDpi xmlns:a14="http://schemas.microsoft.com/office/drawing/2010/main" val="0"/>
+              </a:ext>
+            </a:extLst>
+          </a:blip>
+          <a:stretch>
+            <a:fillRect/>
+          </a:stretch>
+        </p:blipFill>
+        <p:spPr>
+          <a:xfrm>
+            <a:off x="1154624" y="464174"/>
+            <a:ext cx="9882752" cy="5929652"/>
+          </a:xfrm>
+        </p:spPr>
+      </p:pic>
+    </p:spTree>
+    <p:extLst>
+      <p:ext uri="{BB962C8B-B14F-4D97-AF65-F5344CB8AC3E}">
+        <p14:creationId xmlns:p14="http://schemas.microsoft.com/office/powerpoint/2010/main" val="2459487052"/>
       </p:ext>
     </p:extLst>
   </p:cSld>
@@ -3445,12 +4740,225 @@
           <a:chExt cx="0" cy="0"/>
         </a:xfrm>
       </p:grpSpPr>
+      <p:sp>
+        <p:nvSpPr>
+          <p:cNvPr id="8" name="TextBox 7">
+            <a:extLst>
+              <a:ext uri="{FF2B5EF4-FFF2-40B4-BE49-F238E27FC236}">
+                <a16:creationId xmlns:a16="http://schemas.microsoft.com/office/drawing/2014/main" id="{EEFB8542-7E75-401D-9ABC-C1458CEB22B8}"/>
+              </a:ext>
+            </a:extLst>
+          </p:cNvPr>
+          <p:cNvSpPr txBox="1"/>
+          <p:nvPr/>
+        </p:nvSpPr>
+        <p:spPr>
+          <a:xfrm>
+            <a:off x="2097833" y="2006081"/>
+            <a:ext cx="7996334" cy="784830"/>
+          </a:xfrm>
+          <a:prstGeom prst="rect">
+            <a:avLst/>
+          </a:prstGeom>
+          <a:noFill/>
+        </p:spPr>
+        <p:txBody>
+          <a:bodyPr wrap="square" rtlCol="0">
+            <a:spAutoFit/>
+          </a:bodyPr>
+          <a:lstStyle/>
+          <a:p>
+            <a:pPr algn="ctr"/>
+            <a:r>
+              <a:rPr lang="ru-RU" sz="4500" dirty="0"/>
+              <a:t>Анализ эффективности терапии</a:t>
+            </a:r>
+          </a:p>
+        </p:txBody>
+      </p:sp>
+      <p:sp>
+        <p:nvSpPr>
+          <p:cNvPr id="9" name="TextBox 8">
+            <a:extLst>
+              <a:ext uri="{FF2B5EF4-FFF2-40B4-BE49-F238E27FC236}">
+                <a16:creationId xmlns:a16="http://schemas.microsoft.com/office/drawing/2014/main" id="{731405BD-E040-4C3E-AEEC-44F330887C0F}"/>
+              </a:ext>
+            </a:extLst>
+          </p:cNvPr>
+          <p:cNvSpPr txBox="1"/>
+          <p:nvPr/>
+        </p:nvSpPr>
+        <p:spPr>
+          <a:xfrm>
+            <a:off x="1789145" y="3749849"/>
+            <a:ext cx="8613710" cy="430887"/>
+          </a:xfrm>
+          <a:prstGeom prst="rect">
+            <a:avLst/>
+          </a:prstGeom>
+          <a:noFill/>
+        </p:spPr>
+        <p:txBody>
+          <a:bodyPr wrap="square" rtlCol="0">
+            <a:spAutoFit/>
+          </a:bodyPr>
+          <a:lstStyle/>
+          <a:p>
+            <a:r>
+              <a:rPr lang="ru-RU" sz="2200" dirty="0"/>
+              <a:t>Выполнили: Самойленко Денис, Чернецов Михаил, Борисенко Руслан</a:t>
+            </a:r>
+          </a:p>
+        </p:txBody>
+      </p:sp>
+    </p:spTree>
+    <p:extLst>
+      <p:ext uri="{BB962C8B-B14F-4D97-AF65-F5344CB8AC3E}">
+        <p14:creationId xmlns:p14="http://schemas.microsoft.com/office/powerpoint/2010/main" val="2108788809"/>
+      </p:ext>
+    </p:extLst>
+  </p:cSld>
+  <p:clrMapOvr>
+    <a:masterClrMapping/>
+  </p:clrMapOvr>
+</p:sld>
+</file>
+
+<file path=ppt/slides/slide3.xml><?xml version="1.0" encoding="utf-8"?>
+<p:sld xmlns:a="http://schemas.openxmlformats.org/drawingml/2006/main" xmlns:r="http://schemas.openxmlformats.org/officeDocument/2006/relationships" xmlns:p="http://schemas.openxmlformats.org/presentationml/2006/main">
+  <p:cSld>
+    <p:spTree>
+      <p:nvGrpSpPr>
+        <p:cNvPr id="1" name=""/>
+        <p:cNvGrpSpPr/>
+        <p:nvPr/>
+      </p:nvGrpSpPr>
+      <p:grpSpPr>
+        <a:xfrm>
+          <a:off x="0" y="0"/>
+          <a:ext cx="0" cy="0"/>
+          <a:chOff x="0" y="0"/>
+          <a:chExt cx="0" cy="0"/>
+        </a:xfrm>
+      </p:grpSpPr>
+      <p:sp>
+        <p:nvSpPr>
+          <p:cNvPr id="2" name="Заголовок 1">
+            <a:extLst>
+              <a:ext uri="{FF2B5EF4-FFF2-40B4-BE49-F238E27FC236}">
+                <a16:creationId xmlns:a16="http://schemas.microsoft.com/office/drawing/2014/main" id="{9BD8979E-F110-90A0-39ED-B60027BB2E8D}"/>
+              </a:ext>
+            </a:extLst>
+          </p:cNvPr>
+          <p:cNvSpPr>
+            <a:spLocks noGrp="1"/>
+          </p:cNvSpPr>
+          <p:nvPr>
+            <p:ph type="title"/>
+          </p:nvPr>
+        </p:nvSpPr>
+        <p:spPr>
+          <a:xfrm>
+            <a:off x="1522429" y="577392"/>
+            <a:ext cx="9601200" cy="1485900"/>
+          </a:xfrm>
+        </p:spPr>
+        <p:txBody>
+          <a:bodyPr/>
+          <a:lstStyle/>
+          <a:p>
+            <a:endParaRPr lang="ru-RU"/>
+          </a:p>
+        </p:txBody>
+      </p:sp>
+      <p:sp>
+        <p:nvSpPr>
+          <p:cNvPr id="3" name="Объект 2">
+            <a:extLst>
+              <a:ext uri="{FF2B5EF4-FFF2-40B4-BE49-F238E27FC236}">
+                <a16:creationId xmlns:a16="http://schemas.microsoft.com/office/drawing/2014/main" id="{4D9B80AE-E641-AB7F-8C12-9250AB1A6E73}"/>
+              </a:ext>
+            </a:extLst>
+          </p:cNvPr>
+          <p:cNvSpPr>
+            <a:spLocks noGrp="1"/>
+          </p:cNvSpPr>
+          <p:nvPr>
+            <p:ph idx="1"/>
+          </p:nvPr>
+        </p:nvSpPr>
+        <p:spPr>
+          <a:xfrm>
+            <a:off x="1522429" y="2177592"/>
+            <a:ext cx="9601200" cy="3581400"/>
+          </a:xfrm>
+        </p:spPr>
+        <p:txBody>
+          <a:bodyPr/>
+          <a:lstStyle/>
+          <a:p>
+            <a:endParaRPr lang="ru-RU"/>
+          </a:p>
+        </p:txBody>
+      </p:sp>
+      <p:sp>
+        <p:nvSpPr>
+          <p:cNvPr id="4" name="Прямоугольник 3">
+            <a:extLst>
+              <a:ext uri="{FF2B5EF4-FFF2-40B4-BE49-F238E27FC236}">
+                <a16:creationId xmlns:a16="http://schemas.microsoft.com/office/drawing/2014/main" id="{F2796B7E-B1A0-9BCA-3565-FDD06076F778}"/>
+              </a:ext>
+            </a:extLst>
+          </p:cNvPr>
+          <p:cNvSpPr/>
+          <p:nvPr/>
+        </p:nvSpPr>
+        <p:spPr>
+          <a:xfrm>
+            <a:off x="0" y="-108408"/>
+            <a:ext cx="12613064" cy="6966408"/>
+          </a:xfrm>
+          <a:prstGeom prst="rect">
+            <a:avLst/>
+          </a:prstGeom>
+          <a:solidFill>
+            <a:schemeClr val="bg1"/>
+          </a:solidFill>
+          <a:ln>
+            <a:solidFill>
+              <a:schemeClr val="bg1"/>
+            </a:solidFill>
+          </a:ln>
+        </p:spPr>
+        <p:style>
+          <a:lnRef idx="2">
+            <a:schemeClr val="accent6"/>
+          </a:lnRef>
+          <a:fillRef idx="1">
+            <a:schemeClr val="lt1"/>
+          </a:fillRef>
+          <a:effectRef idx="0">
+            <a:schemeClr val="accent6"/>
+          </a:effectRef>
+          <a:fontRef idx="minor">
+            <a:schemeClr val="dk1"/>
+          </a:fontRef>
+        </p:style>
+        <p:txBody>
+          <a:bodyPr rtlCol="0" anchor="ctr"/>
+          <a:lstStyle/>
+          <a:p>
+            <a:pPr algn="ctr"/>
+            <a:endParaRPr lang="ru-RU"/>
+          </a:p>
+        </p:txBody>
+      </p:sp>
       <p:pic>
         <p:nvPicPr>
           <p:cNvPr id="5" name="Рисунок 4">
             <a:extLst>
               <a:ext uri="{FF2B5EF4-FFF2-40B4-BE49-F238E27FC236}">
-                <a16:creationId xmlns:a16="http://schemas.microsoft.com/office/drawing/2014/main" id="{D2761289-D2D6-456C-8D71-40EE34AEC2A1}"/>
+                <a16:creationId xmlns:a16="http://schemas.microsoft.com/office/drawing/2014/main" id="{56C227B5-F76B-1328-9101-05B17DBF383A}"/>
               </a:ext>
             </a:extLst>
           </p:cNvPr>
@@ -3467,7 +4975,7 @@
         </p:blipFill>
         <p:spPr>
           <a:xfrm>
-            <a:off x="5446332" y="126618"/>
+            <a:off x="5601764" y="643861"/>
             <a:ext cx="752580" cy="1476581"/>
           </a:xfrm>
           <a:prstGeom prst="rect">
@@ -3477,10 +4985,10 @@
       </p:pic>
       <p:pic>
         <p:nvPicPr>
-          <p:cNvPr id="11" name="Рисунок 10">
+          <p:cNvPr id="6" name="Рисунок 5">
             <a:extLst>
               <a:ext uri="{FF2B5EF4-FFF2-40B4-BE49-F238E27FC236}">
-                <a16:creationId xmlns:a16="http://schemas.microsoft.com/office/drawing/2014/main" id="{05F91EE3-46CC-7AE9-FB27-936635CAC989}"/>
+                <a16:creationId xmlns:a16="http://schemas.microsoft.com/office/drawing/2014/main" id="{7E4E9F3E-18D8-265D-6270-72E6261A8A48}"/>
               </a:ext>
             </a:extLst>
           </p:cNvPr>
@@ -3497,7 +5005,7 @@
         </p:blipFill>
         <p:spPr>
           <a:xfrm>
-            <a:off x="5498859" y="0"/>
+            <a:off x="5625726" y="496497"/>
             <a:ext cx="647526" cy="544380"/>
           </a:xfrm>
           <a:prstGeom prst="rect">
@@ -3507,10 +5015,10 @@
       </p:pic>
       <p:pic>
         <p:nvPicPr>
-          <p:cNvPr id="13" name="Рисунок 12">
+          <p:cNvPr id="7" name="Рисунок 6">
             <a:extLst>
               <a:ext uri="{FF2B5EF4-FFF2-40B4-BE49-F238E27FC236}">
-                <a16:creationId xmlns:a16="http://schemas.microsoft.com/office/drawing/2014/main" id="{AD3BAE0E-1346-23BE-4C36-659616A9C525}"/>
+                <a16:creationId xmlns:a16="http://schemas.microsoft.com/office/drawing/2014/main" id="{AE513659-ECC7-9DBD-F333-4E60C3CF4B60}"/>
               </a:ext>
             </a:extLst>
           </p:cNvPr>
@@ -3527,7 +5035,7 @@
         </p:blipFill>
         <p:spPr>
           <a:xfrm>
-            <a:off x="6146385" y="1099470"/>
+            <a:off x="6330005" y="1735757"/>
             <a:ext cx="3572374" cy="3524742"/>
           </a:xfrm>
           <a:prstGeom prst="rect">
@@ -3537,10 +5045,10 @@
       </p:pic>
       <p:pic>
         <p:nvPicPr>
-          <p:cNvPr id="15" name="Рисунок 14">
+          <p:cNvPr id="8" name="Рисунок 7">
             <a:extLst>
               <a:ext uri="{FF2B5EF4-FFF2-40B4-BE49-F238E27FC236}">
-                <a16:creationId xmlns:a16="http://schemas.microsoft.com/office/drawing/2014/main" id="{9E97117B-85AD-57DE-E396-5CBEDAF360A3}"/>
+                <a16:creationId xmlns:a16="http://schemas.microsoft.com/office/drawing/2014/main" id="{7EB9893B-B59F-1DBB-2A3C-6D37606AB4BC}"/>
               </a:ext>
             </a:extLst>
           </p:cNvPr>
@@ -3557,7 +5065,7 @@
         </p:blipFill>
         <p:spPr>
           <a:xfrm>
-            <a:off x="1705030" y="947049"/>
+            <a:off x="1801489" y="1473987"/>
             <a:ext cx="3553321" cy="3677163"/>
           </a:xfrm>
           <a:prstGeom prst="rect">
@@ -3567,10 +5075,10 @@
       </p:pic>
       <p:sp>
         <p:nvSpPr>
-          <p:cNvPr id="16" name="TextBox 15">
+          <p:cNvPr id="9" name="TextBox 8">
             <a:extLst>
               <a:ext uri="{FF2B5EF4-FFF2-40B4-BE49-F238E27FC236}">
-                <a16:creationId xmlns:a16="http://schemas.microsoft.com/office/drawing/2014/main" id="{1354B076-F0CD-5DA3-D826-4E76350ABFF1}"/>
+                <a16:creationId xmlns:a16="http://schemas.microsoft.com/office/drawing/2014/main" id="{74C9E808-D317-2810-DBA1-6855562DDCEA}"/>
               </a:ext>
             </a:extLst>
           </p:cNvPr>
@@ -3579,8 +5087,8 @@
         </p:nvSpPr>
         <p:spPr>
           <a:xfrm>
-            <a:off x="4045962" y="3553429"/>
-            <a:ext cx="4461430" cy="2453832"/>
+            <a:off x="2763514" y="3898412"/>
+            <a:ext cx="6429080" cy="2400657"/>
           </a:xfrm>
           <a:prstGeom prst="rect">
             <a:avLst/>
@@ -3593,9 +5101,10 @@
           </a:bodyPr>
           <a:lstStyle/>
           <a:p>
+            <a:pPr algn="ctr"/>
             <a:r>
               <a:rPr lang="ru-RU" sz="3000" dirty="0"/>
-              <a:t>Мужик / не мужик </a:t>
+              <a:t>муж / жен </a:t>
             </a:r>
             <a:br>
               <a:rPr lang="ru-RU" sz="3000" dirty="0"/>
@@ -3609,7 +5118,14 @@
             </a:br>
             <a:r>
               <a:rPr lang="ru-RU" sz="3000" dirty="0"/>
-              <a:t>живой / не очень</a:t>
+              <a:t>живой / умер</a:t>
+            </a:r>
+          </a:p>
+          <a:p>
+            <a:pPr algn="ctr"/>
+            <a:r>
+              <a:rPr lang="ru-RU" sz="3000" dirty="0"/>
+              <a:t>вакцинирован / не вакцинирован </a:t>
             </a:r>
             <a:br>
               <a:rPr lang="ru-RU" sz="3000" dirty="0"/>
@@ -3624,7 +5140,7 @@
     </p:spTree>
     <p:extLst>
       <p:ext uri="{BB962C8B-B14F-4D97-AF65-F5344CB8AC3E}">
-        <p14:creationId xmlns:p14="http://schemas.microsoft.com/office/powerpoint/2010/main" val="2449203064"/>
+        <p14:creationId xmlns:p14="http://schemas.microsoft.com/office/powerpoint/2010/main" val="307608810"/>
       </p:ext>
     </p:extLst>
   </p:cSld>
@@ -3710,7 +5226,7 @@
                                           </p:stCondLst>
                                         </p:cTn>
                                         <p:tgtEl>
-                                          <p:spTgt spid="11"/>
+                                          <p:spTgt spid="6"/>
                                         </p:tgtEl>
                                         <p:attrNameLst>
                                           <p:attrName>style.visibility</p:attrName>
@@ -3755,7 +5271,7 @@
                                           </p:stCondLst>
                                         </p:cTn>
                                         <p:tgtEl>
-                                          <p:spTgt spid="13"/>
+                                          <p:spTgt spid="7"/>
                                         </p:tgtEl>
                                         <p:attrNameLst>
                                           <p:attrName>style.visibility</p:attrName>
@@ -3800,7 +5316,52 @@
                                           </p:stCondLst>
                                         </p:cTn>
                                         <p:tgtEl>
-                                          <p:spTgt spid="15"/>
+                                          <p:spTgt spid="8"/>
+                                        </p:tgtEl>
+                                        <p:attrNameLst>
+                                          <p:attrName>style.visibility</p:attrName>
+                                        </p:attrNameLst>
+                                      </p:cBhvr>
+                                      <p:to>
+                                        <p:strVal val="visible"/>
+                                      </p:to>
+                                    </p:set>
+                                  </p:childTnLst>
+                                </p:cTn>
+                              </p:par>
+                            </p:childTnLst>
+                          </p:cTn>
+                        </p:par>
+                      </p:childTnLst>
+                    </p:cTn>
+                  </p:par>
+                  <p:par>
+                    <p:cTn id="19" fill="hold">
+                      <p:stCondLst>
+                        <p:cond delay="indefinite"/>
+                      </p:stCondLst>
+                      <p:childTnLst>
+                        <p:par>
+                          <p:cTn id="20" fill="hold">
+                            <p:stCondLst>
+                              <p:cond delay="0"/>
+                            </p:stCondLst>
+                            <p:childTnLst>
+                              <p:par>
+                                <p:cTn id="21" presetID="1" presetClass="entr" presetSubtype="0" fill="hold" grpId="0" nodeType="clickEffect">
+                                  <p:stCondLst>
+                                    <p:cond delay="0"/>
+                                  </p:stCondLst>
+                                  <p:childTnLst>
+                                    <p:set>
+                                      <p:cBhvr>
+                                        <p:cTn id="22" dur="1" fill="hold">
+                                          <p:stCondLst>
+                                            <p:cond delay="0"/>
+                                          </p:stCondLst>
+                                        </p:cTn>
+                                        <p:tgtEl>
+                                          <p:spTgt spid="9"/>
                                         </p:tgtEl>
                                         <p:attrNameLst>
                                           <p:attrName>style.visibility</p:attrName>
@@ -3840,11 +5401,14 @@
         </p:cTn>
       </p:par>
     </p:tnLst>
+    <p:bldLst>
+      <p:bldP spid="9" grpId="0"/>
+    </p:bldLst>
   </p:timing>
 </p:sld>
 </file>
 
-<file path=ppt/slides/slide3.xml><?xml version="1.0" encoding="utf-8"?>
+<file path=ppt/slides/slide4.xml><?xml version="1.0" encoding="utf-8"?>
 <p:sld xmlns:a="http://schemas.openxmlformats.org/drawingml/2006/main" xmlns:r="http://schemas.openxmlformats.org/officeDocument/2006/relationships" xmlns:p="http://schemas.openxmlformats.org/presentationml/2006/main">
   <p:cSld>
     <p:spTree>
@@ -3904,7 +5468,7 @@
 </p:sld>
 </file>
 
-<file path=ppt/slides/slide4.xml><?xml version="1.0" encoding="utf-8"?>
+<file path=ppt/slides/slide5.xml><?xml version="1.0" encoding="utf-8"?>
 <p:sld xmlns:a="http://schemas.openxmlformats.org/drawingml/2006/main" xmlns:r="http://schemas.openxmlformats.org/officeDocument/2006/relationships" xmlns:p="http://schemas.openxmlformats.org/presentationml/2006/main">
   <p:cSld>
     <p:spTree>
@@ -3964,7 +5528,417 @@
 </p:sld>
 </file>
 
-<file path=ppt/slides/slide5.xml><?xml version="1.0" encoding="utf-8"?>
+<file path=ppt/slides/slide6.xml><?xml version="1.0" encoding="utf-8"?>
+<p:sld xmlns:a="http://schemas.openxmlformats.org/drawingml/2006/main" xmlns:r="http://schemas.openxmlformats.org/officeDocument/2006/relationships" xmlns:p="http://schemas.openxmlformats.org/presentationml/2006/main">
+  <p:cSld>
+    <p:spTree>
+      <p:nvGrpSpPr>
+        <p:cNvPr id="1" name=""/>
+        <p:cNvGrpSpPr/>
+        <p:nvPr/>
+      </p:nvGrpSpPr>
+      <p:grpSpPr>
+        <a:xfrm>
+          <a:off x="0" y="0"/>
+          <a:ext cx="0" cy="0"/>
+          <a:chOff x="0" y="0"/>
+          <a:chExt cx="0" cy="0"/>
+        </a:xfrm>
+      </p:grpSpPr>
+      <p:sp>
+        <p:nvSpPr>
+          <p:cNvPr id="2" name="Заголовок 1">
+            <a:extLst>
+              <a:ext uri="{FF2B5EF4-FFF2-40B4-BE49-F238E27FC236}">
+                <a16:creationId xmlns:a16="http://schemas.microsoft.com/office/drawing/2014/main" id="{4D450DCE-E55B-F307-5B7B-94B9C2989583}"/>
+              </a:ext>
+            </a:extLst>
+          </p:cNvPr>
+          <p:cNvSpPr>
+            <a:spLocks noGrp="1"/>
+          </p:cNvSpPr>
+          <p:nvPr>
+            <p:ph type="title"/>
+          </p:nvPr>
+        </p:nvSpPr>
+        <p:spPr/>
+        <p:txBody>
+          <a:bodyPr/>
+          <a:lstStyle/>
+          <a:p>
+            <a:endParaRPr lang="ru-RU"/>
+          </a:p>
+        </p:txBody>
+      </p:sp>
+      <p:sp>
+        <p:nvSpPr>
+          <p:cNvPr id="3" name="Объект 2">
+            <a:extLst>
+              <a:ext uri="{FF2B5EF4-FFF2-40B4-BE49-F238E27FC236}">
+                <a16:creationId xmlns:a16="http://schemas.microsoft.com/office/drawing/2014/main" id="{B5606BC6-1D92-63F6-067D-DD9D9594312A}"/>
+              </a:ext>
+            </a:extLst>
+          </p:cNvPr>
+          <p:cNvSpPr>
+            <a:spLocks noGrp="1"/>
+          </p:cNvSpPr>
+          <p:nvPr>
+            <p:ph idx="1"/>
+          </p:nvPr>
+        </p:nvSpPr>
+        <p:spPr/>
+        <p:txBody>
+          <a:bodyPr/>
+          <a:lstStyle/>
+          <a:p>
+            <a:endParaRPr lang="ru-RU"/>
+          </a:p>
+        </p:txBody>
+      </p:sp>
+    </p:spTree>
+    <p:extLst>
+      <p:ext uri="{BB962C8B-B14F-4D97-AF65-F5344CB8AC3E}">
+        <p14:creationId xmlns:p14="http://schemas.microsoft.com/office/powerpoint/2010/main" val="1257150"/>
+      </p:ext>
+    </p:extLst>
+  </p:cSld>
+  <p:clrMapOvr>
+    <a:masterClrMapping/>
+  </p:clrMapOvr>
+</p:sld>
+</file>
+
+<file path=ppt/slides/slide7.xml><?xml version="1.0" encoding="utf-8"?>
+<p:sld xmlns:a="http://schemas.openxmlformats.org/drawingml/2006/main" xmlns:r="http://schemas.openxmlformats.org/officeDocument/2006/relationships" xmlns:p="http://schemas.openxmlformats.org/presentationml/2006/main">
+  <p:cSld>
+    <p:spTree>
+      <p:nvGrpSpPr>
+        <p:cNvPr id="1" name=""/>
+        <p:cNvGrpSpPr/>
+        <p:nvPr/>
+      </p:nvGrpSpPr>
+      <p:grpSpPr>
+        <a:xfrm>
+          <a:off x="0" y="0"/>
+          <a:ext cx="0" cy="0"/>
+          <a:chOff x="0" y="0"/>
+          <a:chExt cx="0" cy="0"/>
+        </a:xfrm>
+      </p:grpSpPr>
+      <p:sp>
+        <p:nvSpPr>
+          <p:cNvPr id="2" name="TextBox 1">
+            <a:extLst>
+              <a:ext uri="{FF2B5EF4-FFF2-40B4-BE49-F238E27FC236}">
+                <a16:creationId xmlns:a16="http://schemas.microsoft.com/office/drawing/2014/main" id="{4628169D-B22D-4AD5-A2E3-13BE2F8CC094}"/>
+              </a:ext>
+            </a:extLst>
+          </p:cNvPr>
+          <p:cNvSpPr txBox="1"/>
+          <p:nvPr/>
+        </p:nvSpPr>
+        <p:spPr>
+          <a:xfrm>
+            <a:off x="2485053" y="503852"/>
+            <a:ext cx="7221894" cy="769441"/>
+          </a:xfrm>
+          <a:prstGeom prst="rect">
+            <a:avLst/>
+          </a:prstGeom>
+          <a:noFill/>
+        </p:spPr>
+        <p:txBody>
+          <a:bodyPr wrap="square" rtlCol="0">
+            <a:spAutoFit/>
+          </a:bodyPr>
+          <a:lstStyle/>
+          <a:p>
+            <a:pPr algn="ctr"/>
+            <a:r>
+              <a:rPr lang="ru-RU" sz="2200" dirty="0">
+                <a:latin typeface="Franklin Gothic Book" panose="020B0503020102020204" pitchFamily="34" charset="0"/>
+              </a:rPr>
+              <a:t>Статистическая значимость различий для двух групп:</a:t>
+            </a:r>
+          </a:p>
+          <a:p>
+            <a:pPr algn="ctr"/>
+            <a:r>
+              <a:rPr lang="ru-RU" sz="2200" dirty="0">
+                <a:latin typeface="Franklin Gothic Book" panose="020B0503020102020204" pitchFamily="34" charset="0"/>
+              </a:rPr>
+              <a:t>Принимающих препараты и не принимающих препараты</a:t>
+            </a:r>
+          </a:p>
+        </p:txBody>
+      </p:sp>
+      <p:sp>
+        <p:nvSpPr>
+          <p:cNvPr id="3" name="TextBox 2">
+            <a:extLst>
+              <a:ext uri="{FF2B5EF4-FFF2-40B4-BE49-F238E27FC236}">
+                <a16:creationId xmlns:a16="http://schemas.microsoft.com/office/drawing/2014/main" id="{B1518E39-7E91-40BC-97EA-3DF918098D38}"/>
+              </a:ext>
+            </a:extLst>
+          </p:cNvPr>
+          <p:cNvSpPr txBox="1"/>
+          <p:nvPr/>
+        </p:nvSpPr>
+        <p:spPr>
+          <a:xfrm>
+            <a:off x="2055845" y="1723863"/>
+            <a:ext cx="8080310" cy="923330"/>
+          </a:xfrm>
+          <a:prstGeom prst="rect">
+            <a:avLst/>
+          </a:prstGeom>
+          <a:noFill/>
+        </p:spPr>
+        <p:txBody>
+          <a:bodyPr wrap="square" rtlCol="0">
+            <a:spAutoFit/>
+          </a:bodyPr>
+          <a:lstStyle/>
+          <a:p>
+            <a:r>
+              <a:rPr lang="ru-RU" dirty="0">
+                <a:latin typeface="Franklin Gothic Book" panose="020B0503020102020204" pitchFamily="34" charset="0"/>
+              </a:rPr>
+              <a:t>При проведении </a:t>
+            </a:r>
+            <a:r>
+              <a:rPr lang="en-US" dirty="0">
+                <a:latin typeface="Franklin Gothic Book" panose="020B0503020102020204" pitchFamily="34" charset="0"/>
+              </a:rPr>
+              <a:t>t-</a:t>
+            </a:r>
+            <a:r>
+              <a:rPr lang="ru-RU" dirty="0">
+                <a:latin typeface="Franklin Gothic Book" panose="020B0503020102020204" pitchFamily="34" charset="0"/>
+              </a:rPr>
+              <a:t>тестирования по различным показателям были получены следующие результаты для каждого из них (установленный уровень значимости равен 0.05)</a:t>
+            </a:r>
+          </a:p>
+        </p:txBody>
+      </p:sp>
+      <p:sp>
+        <p:nvSpPr>
+          <p:cNvPr id="4" name="TextBox 3">
+            <a:extLst>
+              <a:ext uri="{FF2B5EF4-FFF2-40B4-BE49-F238E27FC236}">
+                <a16:creationId xmlns:a16="http://schemas.microsoft.com/office/drawing/2014/main" id="{2117B6B5-1533-46DE-A507-5E0CE71459B7}"/>
+              </a:ext>
+            </a:extLst>
+          </p:cNvPr>
+          <p:cNvSpPr txBox="1"/>
+          <p:nvPr/>
+        </p:nvSpPr>
+        <p:spPr>
+          <a:xfrm>
+            <a:off x="2055845" y="2790253"/>
+            <a:ext cx="8080310" cy="923330"/>
+          </a:xfrm>
+          <a:prstGeom prst="rect">
+            <a:avLst/>
+          </a:prstGeom>
+          <a:noFill/>
+        </p:spPr>
+        <p:txBody>
+          <a:bodyPr wrap="square" rtlCol="0">
+            <a:spAutoFit/>
+          </a:bodyPr>
+          <a:lstStyle/>
+          <a:p>
+            <a:r>
+              <a:rPr lang="ru-RU" u="sng" dirty="0">
+                <a:latin typeface="Franklin Gothic Book" panose="020B0503020102020204" pitchFamily="34" charset="0"/>
+              </a:rPr>
+              <a:t>Возраст</a:t>
+            </a:r>
+            <a:r>
+              <a:rPr lang="ru-RU" dirty="0">
+                <a:latin typeface="Franklin Gothic Book" panose="020B0503020102020204" pitchFamily="34" charset="0"/>
+              </a:rPr>
+              <a:t>: </a:t>
+            </a:r>
+            <a:r>
+              <a:rPr lang="en-US" dirty="0">
+                <a:latin typeface="Franklin Gothic Book" panose="020B0503020102020204" pitchFamily="34" charset="0"/>
+              </a:rPr>
+              <a:t>t =  1.6</a:t>
+            </a:r>
+            <a:r>
+              <a:rPr lang="ru-RU" dirty="0">
+                <a:latin typeface="Franklin Gothic Book" panose="020B0503020102020204" pitchFamily="34" charset="0"/>
+              </a:rPr>
+              <a:t>5</a:t>
+            </a:r>
+            <a:r>
+              <a:rPr lang="en-US" dirty="0">
+                <a:latin typeface="Franklin Gothic Book" panose="020B0503020102020204" pitchFamily="34" charset="0"/>
+              </a:rPr>
+              <a:t>  p =  0.099</a:t>
+            </a:r>
+            <a:br>
+              <a:rPr lang="ru-RU" dirty="0">
+                <a:latin typeface="Franklin Gothic Book" panose="020B0503020102020204" pitchFamily="34" charset="0"/>
+              </a:rPr>
+            </a:br>
+            <a:r>
+              <a:rPr lang="ru-RU" dirty="0">
+                <a:latin typeface="Franklin Gothic Book" panose="020B0503020102020204" pitchFamily="34" charset="0"/>
+              </a:rPr>
+              <a:t>Нет значительных различий в возрасте между группами. Различия могут быть случайными.</a:t>
+            </a:r>
+          </a:p>
+        </p:txBody>
+      </p:sp>
+      <p:sp>
+        <p:nvSpPr>
+          <p:cNvPr id="5" name="TextBox 4">
+            <a:extLst>
+              <a:ext uri="{FF2B5EF4-FFF2-40B4-BE49-F238E27FC236}">
+                <a16:creationId xmlns:a16="http://schemas.microsoft.com/office/drawing/2014/main" id="{3F03D94F-BC85-4314-A6A0-EFF6115175EE}"/>
+              </a:ext>
+            </a:extLst>
+          </p:cNvPr>
+          <p:cNvSpPr txBox="1"/>
+          <p:nvPr/>
+        </p:nvSpPr>
+        <p:spPr>
+          <a:xfrm>
+            <a:off x="2055845" y="3856643"/>
+            <a:ext cx="8080310" cy="923330"/>
+          </a:xfrm>
+          <a:prstGeom prst="rect">
+            <a:avLst/>
+          </a:prstGeom>
+          <a:noFill/>
+        </p:spPr>
+        <p:txBody>
+          <a:bodyPr wrap="square" rtlCol="0">
+            <a:spAutoFit/>
+          </a:bodyPr>
+          <a:lstStyle/>
+          <a:p>
+            <a:r>
+              <a:rPr lang="ru-RU" u="sng" dirty="0">
+                <a:latin typeface="Franklin Gothic Book" panose="020B0503020102020204" pitchFamily="34" charset="0"/>
+              </a:rPr>
+              <a:t>Результат </a:t>
+            </a:r>
+            <a:r>
+              <a:rPr lang="en-US" u="sng" dirty="0">
+                <a:latin typeface="Franklin Gothic Book" panose="020B0503020102020204" pitchFamily="34" charset="0"/>
+              </a:rPr>
+              <a:t>D</a:t>
+            </a:r>
+            <a:r>
+              <a:rPr lang="ru-RU" dirty="0">
+                <a:latin typeface="Franklin Gothic Book" panose="020B0503020102020204" pitchFamily="34" charset="0"/>
+              </a:rPr>
+              <a:t>: </a:t>
+            </a:r>
+            <a:r>
+              <a:rPr lang="en-US" dirty="0">
+                <a:latin typeface="Franklin Gothic Book" panose="020B0503020102020204" pitchFamily="34" charset="0"/>
+              </a:rPr>
+              <a:t>t =  4.69  p =  2.77e-06</a:t>
+            </a:r>
+            <a:br>
+              <a:rPr lang="ru-RU" dirty="0">
+                <a:latin typeface="Franklin Gothic Book" panose="020B0503020102020204" pitchFamily="34" charset="0"/>
+              </a:rPr>
+            </a:br>
+            <a:r>
+              <a:rPr lang="ru-RU" dirty="0">
+                <a:latin typeface="Franklin Gothic Book" panose="020B0503020102020204" pitchFamily="34" charset="0"/>
+              </a:rPr>
+              <a:t>Значительные различия между группами по результатам D. Маловероятно, что они случайны.</a:t>
+            </a:r>
+          </a:p>
+        </p:txBody>
+      </p:sp>
+      <p:sp>
+        <p:nvSpPr>
+          <p:cNvPr id="6" name="TextBox 5">
+            <a:extLst>
+              <a:ext uri="{FF2B5EF4-FFF2-40B4-BE49-F238E27FC236}">
+                <a16:creationId xmlns:a16="http://schemas.microsoft.com/office/drawing/2014/main" id="{B64B3194-0158-49C9-9A20-0AFB4A683B2F}"/>
+              </a:ext>
+            </a:extLst>
+          </p:cNvPr>
+          <p:cNvSpPr txBox="1"/>
+          <p:nvPr/>
+        </p:nvSpPr>
+        <p:spPr>
+          <a:xfrm>
+            <a:off x="2055845" y="4923033"/>
+            <a:ext cx="8080310" cy="923330"/>
+          </a:xfrm>
+          <a:prstGeom prst="rect">
+            <a:avLst/>
+          </a:prstGeom>
+          <a:noFill/>
+        </p:spPr>
+        <p:txBody>
+          <a:bodyPr wrap="square" rtlCol="0">
+            <a:spAutoFit/>
+          </a:bodyPr>
+          <a:lstStyle/>
+          <a:p>
+            <a:r>
+              <a:rPr lang="ru-RU" u="sng" dirty="0">
+                <a:latin typeface="Franklin Gothic Book" panose="020B0503020102020204" pitchFamily="34" charset="0"/>
+              </a:rPr>
+              <a:t>Результат </a:t>
+            </a:r>
+            <a:r>
+              <a:rPr lang="en-US" u="sng" dirty="0">
+                <a:latin typeface="Franklin Gothic Book" panose="020B0503020102020204" pitchFamily="34" charset="0"/>
+              </a:rPr>
+              <a:t>F</a:t>
+            </a:r>
+            <a:r>
+              <a:rPr lang="ru-RU" dirty="0">
+                <a:latin typeface="Franklin Gothic Book" panose="020B0503020102020204" pitchFamily="34" charset="0"/>
+              </a:rPr>
+              <a:t>: </a:t>
+            </a:r>
+            <a:r>
+              <a:rPr lang="en-US" dirty="0">
+                <a:latin typeface="Franklin Gothic Book" panose="020B0503020102020204" pitchFamily="34" charset="0"/>
+              </a:rPr>
+              <a:t>t =  -13.28  p = 1.02e-39</a:t>
+            </a:r>
+            <a:br>
+              <a:rPr lang="ru-RU" dirty="0">
+                <a:latin typeface="Franklin Gothic Book" panose="020B0503020102020204" pitchFamily="34" charset="0"/>
+              </a:rPr>
+            </a:br>
+            <a:r>
+              <a:rPr lang="ru-RU" dirty="0">
+                <a:latin typeface="Franklin Gothic Book" panose="020B0503020102020204" pitchFamily="34" charset="0"/>
+              </a:rPr>
+              <a:t>Очень значительные различия между группами по результатам F. Практически нет шансов, что это случайность.</a:t>
+            </a:r>
+          </a:p>
+        </p:txBody>
+      </p:sp>
+    </p:spTree>
+    <p:extLst>
+      <p:ext uri="{BB962C8B-B14F-4D97-AF65-F5344CB8AC3E}">
+        <p14:creationId xmlns:p14="http://schemas.microsoft.com/office/powerpoint/2010/main" val="2681118410"/>
+      </p:ext>
+    </p:extLst>
+  </p:cSld>
+  <p:clrMapOvr>
+    <a:masterClrMapping/>
+  </p:clrMapOvr>
+</p:sld>
+</file>
+
+<file path=ppt/slides/slide8.xml><?xml version="1.0" encoding="utf-8"?>
 <p:sld xmlns:a="http://schemas.openxmlformats.org/drawingml/2006/main" xmlns:r="http://schemas.openxmlformats.org/officeDocument/2006/relationships" xmlns:p="http://schemas.openxmlformats.org/presentationml/2006/main">
   <p:cSld>
     <p:spTree>
@@ -3983,10 +5957,10 @@
       </p:grpSpPr>
       <p:pic>
         <p:nvPicPr>
-          <p:cNvPr id="5" name="Рисунок 4">
+          <p:cNvPr id="6" name="Рисунок 5">
             <a:extLst>
               <a:ext uri="{FF2B5EF4-FFF2-40B4-BE49-F238E27FC236}">
-                <a16:creationId xmlns:a16="http://schemas.microsoft.com/office/drawing/2014/main" id="{A38293FF-E59C-61D7-6224-BAD17A0FBE75}"/>
+                <a16:creationId xmlns:a16="http://schemas.microsoft.com/office/drawing/2014/main" id="{73EA9442-130C-4731-A240-0A5451DAFD6C}"/>
               </a:ext>
             </a:extLst>
           </p:cNvPr>
@@ -3996,15 +5970,21 @@
           <p:nvPr/>
         </p:nvPicPr>
         <p:blipFill>
-          <a:blip r:embed="rId2"/>
+          <a:blip r:embed="rId2">
+            <a:extLst>
+              <a:ext uri="{28A0092B-C50C-407E-A947-70E740481C1C}">
+                <a14:useLocalDpi xmlns:a14="http://schemas.microsoft.com/office/drawing/2010/main" val="0"/>
+              </a:ext>
+            </a:extLst>
+          </a:blip>
           <a:stretch>
             <a:fillRect/>
           </a:stretch>
         </p:blipFill>
         <p:spPr>
           <a:xfrm>
-            <a:off x="1299425" y="474300"/>
-            <a:ext cx="9245112" cy="5631226"/>
+            <a:off x="957938" y="346163"/>
+            <a:ext cx="10276123" cy="6165674"/>
           </a:xfrm>
           <a:prstGeom prst="rect">
             <a:avLst/>
@@ -4014,7 +5994,72 @@
     </p:spTree>
     <p:extLst>
       <p:ext uri="{BB962C8B-B14F-4D97-AF65-F5344CB8AC3E}">
-        <p14:creationId xmlns:p14="http://schemas.microsoft.com/office/powerpoint/2010/main" val="1079256599"/>
+        <p14:creationId xmlns:p14="http://schemas.microsoft.com/office/powerpoint/2010/main" val="2769359517"/>
+      </p:ext>
+    </p:extLst>
+  </p:cSld>
+  <p:clrMapOvr>
+    <a:masterClrMapping/>
+  </p:clrMapOvr>
+</p:sld>
+</file>
+
+<file path=ppt/slides/slide9.xml><?xml version="1.0" encoding="utf-8"?>
+<p:sld xmlns:a="http://schemas.openxmlformats.org/drawingml/2006/main" xmlns:r="http://schemas.openxmlformats.org/officeDocument/2006/relationships" xmlns:p="http://schemas.openxmlformats.org/presentationml/2006/main">
+  <p:cSld>
+    <p:spTree>
+      <p:nvGrpSpPr>
+        <p:cNvPr id="1" name=""/>
+        <p:cNvGrpSpPr/>
+        <p:nvPr/>
+      </p:nvGrpSpPr>
+      <p:grpSpPr>
+        <a:xfrm>
+          <a:off x="0" y="0"/>
+          <a:ext cx="0" cy="0"/>
+          <a:chOff x="0" y="0"/>
+          <a:chExt cx="0" cy="0"/>
+        </a:xfrm>
+      </p:grpSpPr>
+      <p:pic>
+        <p:nvPicPr>
+          <p:cNvPr id="5" name="Объект 4">
+            <a:extLst>
+              <a:ext uri="{FF2B5EF4-FFF2-40B4-BE49-F238E27FC236}">
+                <a16:creationId xmlns:a16="http://schemas.microsoft.com/office/drawing/2014/main" id="{E976406F-0491-4F4A-A311-F683FE61FBD1}"/>
+              </a:ext>
+            </a:extLst>
+          </p:cNvPr>
+          <p:cNvPicPr>
+            <a:picLocks noGrp="1" noChangeAspect="1"/>
+          </p:cNvPicPr>
+          <p:nvPr>
+            <p:ph idx="1"/>
+          </p:nvPr>
+        </p:nvPicPr>
+        <p:blipFill>
+          <a:blip r:embed="rId2">
+            <a:extLst>
+              <a:ext uri="{28A0092B-C50C-407E-A947-70E740481C1C}">
+                <a14:useLocalDpi xmlns:a14="http://schemas.microsoft.com/office/drawing/2010/main" val="0"/>
+              </a:ext>
+            </a:extLst>
+          </a:blip>
+          <a:stretch>
+            <a:fillRect/>
+          </a:stretch>
+        </p:blipFill>
+        <p:spPr>
+          <a:xfrm>
+            <a:off x="1092419" y="426851"/>
+            <a:ext cx="10007162" cy="6004298"/>
+          </a:xfrm>
+        </p:spPr>
+      </p:pic>
+    </p:spTree>
+    <p:extLst>
+      <p:ext uri="{BB962C8B-B14F-4D97-AF65-F5344CB8AC3E}">
+        <p14:creationId xmlns:p14="http://schemas.microsoft.com/office/powerpoint/2010/main" val="4233293365"/>
       </p:ext>
     </p:extLst>
   </p:cSld>
@@ -4025,6 +6070,264 @@
 </file>
 
 <file path=ppt/theme/theme1.xml><?xml version="1.0" encoding="utf-8"?>
+<a:theme xmlns:a="http://schemas.openxmlformats.org/drawingml/2006/main" name="Обрезка">
+  <a:themeElements>
+    <a:clrScheme name="Обрезка">
+      <a:dk1>
+        <a:sysClr val="windowText" lastClr="000000"/>
+      </a:dk1>
+      <a:lt1>
+        <a:sysClr val="window" lastClr="FFFFFF"/>
+      </a:lt1>
+      <a:dk2>
+        <a:srgbClr val="191B0E"/>
+      </a:dk2>
+      <a:lt2>
+        <a:srgbClr val="EFEDE3"/>
+      </a:lt2>
+      <a:accent1>
+        <a:srgbClr val="8C8D86"/>
+      </a:accent1>
+      <a:accent2>
+        <a:srgbClr val="E6C069"/>
+      </a:accent2>
+      <a:accent3>
+        <a:srgbClr val="897B61"/>
+      </a:accent3>
+      <a:accent4>
+        <a:srgbClr val="8DAB8E"/>
+      </a:accent4>
+      <a:accent5>
+        <a:srgbClr val="77A2BB"/>
+      </a:accent5>
+      <a:accent6>
+        <a:srgbClr val="E28394"/>
+      </a:accent6>
+      <a:hlink>
+        <a:srgbClr val="77A2BB"/>
+      </a:hlink>
+      <a:folHlink>
+        <a:srgbClr val="957A99"/>
+      </a:folHlink>
+    </a:clrScheme>
+    <a:fontScheme name="Обрезка">
+      <a:majorFont>
+        <a:latin typeface="Franklin Gothic Book" panose="020B0503020102020204"/>
+        <a:ea typeface=""/>
+        <a:cs typeface=""/>
+        <a:font script="Jpan" typeface="メイリオ"/>
+        <a:font script="Hang" typeface="돋움"/>
+        <a:font script="Hans" typeface="华文楷体"/>
+        <a:font script="Hant" typeface="微軟正黑體"/>
+        <a:font script="Arab" typeface="Tahoma"/>
+        <a:font script="Hebr" typeface="Aharoni"/>
+        <a:font script="Thai" typeface="LilyUPC"/>
+        <a:font script="Ethi" typeface="Nyala"/>
+        <a:font script="Beng" typeface="Vrinda"/>
+        <a:font script="Gujr" typeface="Shruti"/>
+        <a:font script="Khmr" typeface="DaunPenh"/>
+        <a:font script="Knda" typeface="Tunga"/>
+        <a:font script="Guru" typeface="Raavi"/>
+        <a:font script="Cans" typeface="Euphemia"/>
+        <a:font script="Cher" typeface="Plantagenet Cherokee"/>
+        <a:font script="Yiii" typeface="Microsoft Yi Baiti"/>
+        <a:font script="Tibt" typeface="Microsoft Himalaya"/>
+        <a:font script="Thaa" typeface="MV Boli"/>
+        <a:font script="Deva" typeface="Mangal"/>
+        <a:font script="Telu" typeface="Gautami"/>
+        <a:font script="Taml" typeface="Latha"/>
+        <a:font script="Syrc" typeface="Estrangelo Edessa"/>
+        <a:font script="Orya" typeface="Kalinga"/>
+        <a:font script="Mlym" typeface="Kartika"/>
+        <a:font script="Laoo" typeface="DokChampa"/>
+        <a:font script="Sinh" typeface="Iskoola Pota"/>
+        <a:font script="Mong" typeface="Mongolian Baiti"/>
+        <a:font script="Viet" typeface="Tahoma"/>
+        <a:font script="Uigh" typeface="Microsoft Uighur"/>
+        <a:font script="Geor" typeface="Sylfaen"/>
+      </a:majorFont>
+      <a:minorFont>
+        <a:latin typeface="Franklin Gothic Book" panose="020B0503020102020204"/>
+        <a:ea typeface=""/>
+        <a:cs typeface=""/>
+        <a:font script="Jpan" typeface="メイリオ"/>
+        <a:font script="Hang" typeface="돋움"/>
+        <a:font script="Hans" typeface="华文楷体"/>
+        <a:font script="Hant" typeface="微軟正黑體"/>
+        <a:font script="Arab" typeface="Tahoma"/>
+        <a:font script="Hebr" typeface="Aharoni"/>
+        <a:font script="Thai" typeface="LilyUPC"/>
+        <a:font script="Ethi" typeface="Nyala"/>
+        <a:font script="Beng" typeface="Vrinda"/>
+        <a:font script="Gujr" typeface="Shruti"/>
+        <a:font script="Khmr" typeface="DaunPenh"/>
+        <a:font script="Knda" typeface="Tunga"/>
+        <a:font script="Guru" typeface="Raavi"/>
+        <a:font script="Cans" typeface="Euphemia"/>
+        <a:font script="Cher" typeface="Plantagenet Cherokee"/>
+        <a:font script="Yiii" typeface="Microsoft Yi Baiti"/>
+        <a:font script="Tibt" typeface="Microsoft Himalaya"/>
+        <a:font script="Thaa" typeface="MV Boli"/>
+        <a:font script="Deva" typeface="Mangal"/>
+        <a:font script="Telu" typeface="Gautami"/>
+        <a:font script="Taml" typeface="Latha"/>
+        <a:font script="Syrc" typeface="Estrangelo Edessa"/>
+        <a:font script="Orya" typeface="Kalinga"/>
+        <a:font script="Mlym" typeface="Kartika"/>
+        <a:font script="Laoo" typeface="DokChampa"/>
+        <a:font script="Sinh" typeface="Iskoola Pota"/>
+        <a:font script="Mong" typeface="Mongolian Baiti"/>
+        <a:font script="Viet" typeface="Tahoma"/>
+        <a:font script="Uigh" typeface="Microsoft Uighur"/>
+        <a:font script="Geor" typeface="Sylfaen"/>
+      </a:minorFont>
+    </a:fontScheme>
+    <a:fmtScheme name="Обрезка">
+      <a:fillStyleLst>
+        <a:solidFill>
+          <a:schemeClr val="phClr"/>
+        </a:solidFill>
+        <a:gradFill rotWithShape="1">
+          <a:gsLst>
+            <a:gs pos="0">
+              <a:schemeClr val="phClr">
+                <a:tint val="67000"/>
+                <a:satMod val="105000"/>
+                <a:lumMod val="110000"/>
+              </a:schemeClr>
+            </a:gs>
+            <a:gs pos="50000">
+              <a:schemeClr val="phClr">
+                <a:tint val="73000"/>
+                <a:satMod val="103000"/>
+                <a:lumMod val="105000"/>
+              </a:schemeClr>
+            </a:gs>
+            <a:gs pos="100000">
+              <a:schemeClr val="phClr">
+                <a:tint val="81000"/>
+                <a:satMod val="109000"/>
+                <a:lumMod val="105000"/>
+              </a:schemeClr>
+            </a:gs>
+          </a:gsLst>
+          <a:lin ang="5400000" scaled="0"/>
+        </a:gradFill>
+        <a:gradFill rotWithShape="1">
+          <a:gsLst>
+            <a:gs pos="0">
+              <a:schemeClr val="phClr">
+                <a:tint val="94000"/>
+                <a:satMod val="103000"/>
+                <a:lumMod val="102000"/>
+              </a:schemeClr>
+            </a:gs>
+            <a:gs pos="50000">
+              <a:schemeClr val="phClr">
+                <a:shade val="100000"/>
+                <a:satMod val="110000"/>
+                <a:lumMod val="100000"/>
+              </a:schemeClr>
+            </a:gs>
+            <a:gs pos="100000">
+              <a:schemeClr val="phClr">
+                <a:shade val="78000"/>
+                <a:satMod val="120000"/>
+                <a:lumMod val="99000"/>
+              </a:schemeClr>
+            </a:gs>
+          </a:gsLst>
+          <a:lin ang="5400000" scaled="0"/>
+        </a:gradFill>
+      </a:fillStyleLst>
+      <a:lnStyleLst>
+        <a:ln w="6350" cap="flat" cmpd="sng" algn="in">
+          <a:solidFill>
+            <a:schemeClr val="phClr"/>
+          </a:solidFill>
+          <a:prstDash val="solid"/>
+        </a:ln>
+        <a:ln w="34925" cap="flat" cmpd="sng" algn="in">
+          <a:solidFill>
+            <a:schemeClr val="phClr"/>
+          </a:solidFill>
+          <a:prstDash val="solid"/>
+        </a:ln>
+        <a:ln w="19050" cap="flat" cmpd="sng" algn="in">
+          <a:solidFill>
+            <a:schemeClr val="phClr"/>
+          </a:solidFill>
+          <a:prstDash val="solid"/>
+        </a:ln>
+      </a:lnStyleLst>
+      <a:effectStyleLst>
+        <a:effectStyle>
+          <a:effectLst/>
+        </a:effectStyle>
+        <a:effectStyle>
+          <a:effectLst/>
+        </a:effectStyle>
+        <a:effectStyle>
+          <a:effectLst>
+            <a:outerShdw blurRad="57150" dist="19050" dir="5400000" algn="ctr" rotWithShape="0">
+              <a:srgbClr val="000000">
+                <a:alpha val="35000"/>
+              </a:srgbClr>
+            </a:outerShdw>
+          </a:effectLst>
+        </a:effectStyle>
+      </a:effectStyleLst>
+      <a:bgFillStyleLst>
+        <a:solidFill>
+          <a:schemeClr val="phClr"/>
+        </a:solidFill>
+        <a:solidFill>
+          <a:schemeClr val="phClr">
+            <a:tint val="95000"/>
+            <a:satMod val="170000"/>
+          </a:schemeClr>
+        </a:solidFill>
+        <a:gradFill rotWithShape="1">
+          <a:gsLst>
+            <a:gs pos="0">
+              <a:schemeClr val="phClr">
+                <a:tint val="93000"/>
+                <a:shade val="98000"/>
+                <a:satMod val="150000"/>
+                <a:lumMod val="102000"/>
+              </a:schemeClr>
+            </a:gs>
+            <a:gs pos="50000">
+              <a:schemeClr val="phClr">
+                <a:tint val="98000"/>
+                <a:shade val="90000"/>
+                <a:satMod val="130000"/>
+                <a:lumMod val="103000"/>
+              </a:schemeClr>
+            </a:gs>
+            <a:gs pos="100000">
+              <a:schemeClr val="phClr">
+                <a:shade val="63000"/>
+                <a:satMod val="120000"/>
+              </a:schemeClr>
+            </a:gs>
+          </a:gsLst>
+          <a:lin ang="5400000" scaled="0"/>
+        </a:gradFill>
+      </a:bgFillStyleLst>
+    </a:fmtScheme>
+  </a:themeElements>
+  <a:objectDefaults/>
+  <a:extraClrSchemeLst/>
+  <a:extLst>
+    <a:ext uri="{05A4C25C-085E-4340-85A3-A5531E510DB2}">
+      <thm15:themeFamily xmlns:thm15="http://schemas.microsoft.com/office/thememl/2012/main" name="Crop" id="{EC9488ED-E761-4D60-9AC4-764D1FE2C171}" vid="{CE19780C-D67D-4C13-9DE9-A52BC3BA51B4}"/>
+    </a:ext>
+  </a:extLst>
+</a:theme>
+</file>
+
+<file path=ppt/theme/theme2.xml><?xml version="1.0" encoding="utf-8"?>
 <a:theme xmlns:a="http://schemas.openxmlformats.org/drawingml/2006/main" name="Тема Office">
   <a:themeElements>
     <a:clrScheme name="Стандартная">

--- a/data_visualization/project.pptx
+++ b/data_visualization/project.pptx
@@ -5,7 +5,7 @@
     <p:sldMasterId id="2147483684" r:id="rId1"/>
   </p:sldMasterIdLst>
   <p:notesMasterIdLst>
-    <p:notesMasterId r:id="rId16"/>
+    <p:notesMasterId r:id="rId18"/>
   </p:notesMasterIdLst>
   <p:sldIdLst>
     <p:sldId id="256" r:id="rId2"/>
@@ -19,9 +19,11 @@
     <p:sldId id="262" r:id="rId10"/>
     <p:sldId id="263" r:id="rId11"/>
     <p:sldId id="264" r:id="rId12"/>
-    <p:sldId id="265" r:id="rId13"/>
-    <p:sldId id="266" r:id="rId14"/>
-    <p:sldId id="267" r:id="rId15"/>
+    <p:sldId id="271" r:id="rId13"/>
+    <p:sldId id="272" r:id="rId14"/>
+    <p:sldId id="265" r:id="rId15"/>
+    <p:sldId id="266" r:id="rId16"/>
+    <p:sldId id="267" r:id="rId17"/>
   </p:sldIdLst>
   <p:sldSz cx="12192000" cy="6858000"/>
   <p:notesSz cx="6858000" cy="9144000"/>
@@ -4547,10 +4549,10 @@
       </p:grpSpPr>
       <p:pic>
         <p:nvPicPr>
-          <p:cNvPr id="6" name="Объект 5">
+          <p:cNvPr id="5" name="Объект 4">
             <a:extLst>
               <a:ext uri="{FF2B5EF4-FFF2-40B4-BE49-F238E27FC236}">
-                <a16:creationId xmlns:a16="http://schemas.microsoft.com/office/drawing/2014/main" id="{BA12A140-9A63-4DCC-A8F7-5CD9B1A6F5B7}"/>
+                <a16:creationId xmlns:a16="http://schemas.microsoft.com/office/drawing/2014/main" id="{F6EB2BDE-BFAE-4C15-A859-C266E58E32E7}"/>
               </a:ext>
             </a:extLst>
           </p:cNvPr>
@@ -4575,15 +4577,15 @@
         </p:blipFill>
         <p:spPr>
           <a:xfrm>
-            <a:off x="793101" y="380110"/>
-            <a:ext cx="10800809" cy="6171892"/>
+            <a:off x="1027016" y="387609"/>
+            <a:ext cx="10137967" cy="6082781"/>
           </a:xfrm>
         </p:spPr>
       </p:pic>
     </p:spTree>
     <p:extLst>
       <p:ext uri="{BB962C8B-B14F-4D97-AF65-F5344CB8AC3E}">
-        <p14:creationId xmlns:p14="http://schemas.microsoft.com/office/powerpoint/2010/main" val="1399370895"/>
+        <p14:creationId xmlns:p14="http://schemas.microsoft.com/office/powerpoint/2010/main" val="2367055481"/>
       </p:ext>
     </p:extLst>
   </p:cSld>
@@ -4615,6 +4617,136 @@
           <p:cNvPr id="5" name="Объект 4">
             <a:extLst>
               <a:ext uri="{FF2B5EF4-FFF2-40B4-BE49-F238E27FC236}">
+                <a16:creationId xmlns:a16="http://schemas.microsoft.com/office/drawing/2014/main" id="{DE3FE5F4-32F8-4A5D-885A-4F80339DFFBE}"/>
+              </a:ext>
+            </a:extLst>
+          </p:cNvPr>
+          <p:cNvPicPr>
+            <a:picLocks noGrp="1" noChangeAspect="1"/>
+          </p:cNvPicPr>
+          <p:nvPr>
+            <p:ph idx="1"/>
+          </p:nvPr>
+        </p:nvPicPr>
+        <p:blipFill>
+          <a:blip r:embed="rId2">
+            <a:extLst>
+              <a:ext uri="{28A0092B-C50C-407E-A947-70E740481C1C}">
+                <a14:useLocalDpi xmlns:a14="http://schemas.microsoft.com/office/drawing/2010/main" val="0"/>
+              </a:ext>
+            </a:extLst>
+          </a:blip>
+          <a:stretch>
+            <a:fillRect/>
+          </a:stretch>
+        </p:blipFill>
+        <p:spPr>
+          <a:xfrm>
+            <a:off x="1074446" y="416067"/>
+            <a:ext cx="10043108" cy="6025866"/>
+          </a:xfrm>
+        </p:spPr>
+      </p:pic>
+    </p:spTree>
+    <p:extLst>
+      <p:ext uri="{BB962C8B-B14F-4D97-AF65-F5344CB8AC3E}">
+        <p14:creationId xmlns:p14="http://schemas.microsoft.com/office/powerpoint/2010/main" val="3595173169"/>
+      </p:ext>
+    </p:extLst>
+  </p:cSld>
+  <p:clrMapOvr>
+    <a:masterClrMapping/>
+  </p:clrMapOvr>
+</p:sld>
+</file>
+
+<file path=ppt/slides/slide14.xml><?xml version="1.0" encoding="utf-8"?>
+<p:sld xmlns:a="http://schemas.openxmlformats.org/drawingml/2006/main" xmlns:r="http://schemas.openxmlformats.org/officeDocument/2006/relationships" xmlns:p="http://schemas.openxmlformats.org/presentationml/2006/main">
+  <p:cSld>
+    <p:spTree>
+      <p:nvGrpSpPr>
+        <p:cNvPr id="1" name=""/>
+        <p:cNvGrpSpPr/>
+        <p:nvPr/>
+      </p:nvGrpSpPr>
+      <p:grpSpPr>
+        <a:xfrm>
+          <a:off x="0" y="0"/>
+          <a:ext cx="0" cy="0"/>
+          <a:chOff x="0" y="0"/>
+          <a:chExt cx="0" cy="0"/>
+        </a:xfrm>
+      </p:grpSpPr>
+      <p:pic>
+        <p:nvPicPr>
+          <p:cNvPr id="6" name="Объект 5">
+            <a:extLst>
+              <a:ext uri="{FF2B5EF4-FFF2-40B4-BE49-F238E27FC236}">
+                <a16:creationId xmlns:a16="http://schemas.microsoft.com/office/drawing/2014/main" id="{BA12A140-9A63-4DCC-A8F7-5CD9B1A6F5B7}"/>
+              </a:ext>
+            </a:extLst>
+          </p:cNvPr>
+          <p:cNvPicPr>
+            <a:picLocks noGrp="1" noChangeAspect="1"/>
+          </p:cNvPicPr>
+          <p:nvPr>
+            <p:ph idx="1"/>
+          </p:nvPr>
+        </p:nvPicPr>
+        <p:blipFill>
+          <a:blip r:embed="rId2">
+            <a:extLst>
+              <a:ext uri="{28A0092B-C50C-407E-A947-70E740481C1C}">
+                <a14:useLocalDpi xmlns:a14="http://schemas.microsoft.com/office/drawing/2010/main" val="0"/>
+              </a:ext>
+            </a:extLst>
+          </a:blip>
+          <a:stretch>
+            <a:fillRect/>
+          </a:stretch>
+        </p:blipFill>
+        <p:spPr>
+          <a:xfrm>
+            <a:off x="793101" y="380110"/>
+            <a:ext cx="10800809" cy="6171892"/>
+          </a:xfrm>
+        </p:spPr>
+      </p:pic>
+    </p:spTree>
+    <p:extLst>
+      <p:ext uri="{BB962C8B-B14F-4D97-AF65-F5344CB8AC3E}">
+        <p14:creationId xmlns:p14="http://schemas.microsoft.com/office/powerpoint/2010/main" val="1399370895"/>
+      </p:ext>
+    </p:extLst>
+  </p:cSld>
+  <p:clrMapOvr>
+    <a:masterClrMapping/>
+  </p:clrMapOvr>
+</p:sld>
+</file>
+
+<file path=ppt/slides/slide15.xml><?xml version="1.0" encoding="utf-8"?>
+<p:sld xmlns:a="http://schemas.openxmlformats.org/drawingml/2006/main" xmlns:r="http://schemas.openxmlformats.org/officeDocument/2006/relationships" xmlns:p="http://schemas.openxmlformats.org/presentationml/2006/main">
+  <p:cSld>
+    <p:spTree>
+      <p:nvGrpSpPr>
+        <p:cNvPr id="1" name=""/>
+        <p:cNvGrpSpPr/>
+        <p:nvPr/>
+      </p:nvGrpSpPr>
+      <p:grpSpPr>
+        <a:xfrm>
+          <a:off x="0" y="0"/>
+          <a:ext cx="0" cy="0"/>
+          <a:chOff x="0" y="0"/>
+          <a:chExt cx="0" cy="0"/>
+        </a:xfrm>
+      </p:grpSpPr>
+      <p:pic>
+        <p:nvPicPr>
+          <p:cNvPr id="5" name="Объект 4">
+            <a:extLst>
+              <a:ext uri="{FF2B5EF4-FFF2-40B4-BE49-F238E27FC236}">
                 <a16:creationId xmlns:a16="http://schemas.microsoft.com/office/drawing/2014/main" id="{775F27FC-4CCC-4E61-992A-B5950105F94E}"/>
               </a:ext>
             </a:extLst>
@@ -4658,7 +4790,7 @@
 </p:sld>
 </file>
 
-<file path=ppt/slides/slide14.xml><?xml version="1.0" encoding="utf-8"?>
+<file path=ppt/slides/slide16.xml><?xml version="1.0" encoding="utf-8"?>
 <p:sld xmlns:a="http://schemas.openxmlformats.org/drawingml/2006/main" xmlns:r="http://schemas.openxmlformats.org/officeDocument/2006/relationships" xmlns:p="http://schemas.openxmlformats.org/presentationml/2006/main">
   <p:cSld>
     <p:spTree>

--- a/data_visualization/project.pptx
+++ b/data_visualization/project.pptx
@@ -5,7 +5,7 @@
     <p:sldMasterId id="2147483684" r:id="rId1"/>
   </p:sldMasterIdLst>
   <p:notesMasterIdLst>
-    <p:notesMasterId r:id="rId18"/>
+    <p:notesMasterId r:id="rId19"/>
   </p:notesMasterIdLst>
   <p:sldIdLst>
     <p:sldId id="256" r:id="rId2"/>
@@ -24,6 +24,7 @@
     <p:sldId id="265" r:id="rId15"/>
     <p:sldId id="266" r:id="rId16"/>
     <p:sldId id="267" r:id="rId17"/>
+    <p:sldId id="273" r:id="rId18"/>
   </p:sldIdLst>
   <p:sldSz cx="12192000" cy="6858000"/>
   <p:notesSz cx="6858000" cy="9144000"/>
@@ -4231,7 +4232,7 @@
       </a:lvl9pPr>
     </p:otherStyle>
   </p:txStyles>
-  <p:extLst mod="1">
+  <p:extLst>
     <p:ext uri="{27BBF7A9-308A-43DC-89C8-2F10F3537804}">
       <p15:sldGuideLst xmlns:p15="http://schemas.microsoft.com/office/powerpoint/2012/main">
         <p15:guide id="3" orient="horz" pos="1368">
@@ -4846,6 +4847,131 @@
     <p:extLst>
       <p:ext uri="{BB962C8B-B14F-4D97-AF65-F5344CB8AC3E}">
         <p14:creationId xmlns:p14="http://schemas.microsoft.com/office/powerpoint/2010/main" val="2459487052"/>
+      </p:ext>
+    </p:extLst>
+  </p:cSld>
+  <p:clrMapOvr>
+    <a:masterClrMapping/>
+  </p:clrMapOvr>
+</p:sld>
+</file>
+
+<file path=ppt/slides/slide17.xml><?xml version="1.0" encoding="utf-8"?>
+<p:sld xmlns:a="http://schemas.openxmlformats.org/drawingml/2006/main" xmlns:r="http://schemas.openxmlformats.org/officeDocument/2006/relationships" xmlns:p="http://schemas.openxmlformats.org/presentationml/2006/main">
+  <p:cSld>
+    <p:spTree>
+      <p:nvGrpSpPr>
+        <p:cNvPr id="1" name=""/>
+        <p:cNvGrpSpPr/>
+        <p:nvPr/>
+      </p:nvGrpSpPr>
+      <p:grpSpPr>
+        <a:xfrm>
+          <a:off x="0" y="0"/>
+          <a:ext cx="0" cy="0"/>
+          <a:chOff x="0" y="0"/>
+          <a:chExt cx="0" cy="0"/>
+        </a:xfrm>
+      </p:grpSpPr>
+      <p:pic>
+        <p:nvPicPr>
+          <p:cNvPr id="5" name="Picture 4">
+            <a:extLst>
+              <a:ext uri="{FF2B5EF4-FFF2-40B4-BE49-F238E27FC236}">
+                <a16:creationId xmlns:a16="http://schemas.microsoft.com/office/drawing/2014/main" id="{356EC4C3-A5B3-44DB-951A-D01065C4F011}"/>
+              </a:ext>
+            </a:extLst>
+          </p:cNvPr>
+          <p:cNvPicPr>
+            <a:picLocks noChangeAspect="1"/>
+          </p:cNvPicPr>
+          <p:nvPr/>
+        </p:nvPicPr>
+        <p:blipFill>
+          <a:blip r:embed="rId2"/>
+          <a:stretch>
+            <a:fillRect/>
+          </a:stretch>
+        </p:blipFill>
+        <p:spPr>
+          <a:xfrm>
+            <a:off x="4838700" y="980913"/>
+            <a:ext cx="6896100" cy="1346119"/>
+          </a:xfrm>
+          <a:prstGeom prst="rect">
+            <a:avLst/>
+          </a:prstGeom>
+        </p:spPr>
+      </p:pic>
+      <p:pic>
+        <p:nvPicPr>
+          <p:cNvPr id="7" name="Picture 6">
+            <a:extLst>
+              <a:ext uri="{FF2B5EF4-FFF2-40B4-BE49-F238E27FC236}">
+                <a16:creationId xmlns:a16="http://schemas.microsoft.com/office/drawing/2014/main" id="{0A9A8C71-47AF-481E-BAB7-AB327A8029D2}"/>
+              </a:ext>
+            </a:extLst>
+          </p:cNvPr>
+          <p:cNvPicPr>
+            <a:picLocks noChangeAspect="1"/>
+          </p:cNvPicPr>
+          <p:nvPr/>
+        </p:nvPicPr>
+        <p:blipFill>
+          <a:blip r:embed="rId3"/>
+          <a:stretch>
+            <a:fillRect/>
+          </a:stretch>
+        </p:blipFill>
+        <p:spPr>
+          <a:xfrm>
+            <a:off x="4838700" y="3532145"/>
+            <a:ext cx="6896100" cy="1241870"/>
+          </a:xfrm>
+          <a:prstGeom prst="rect">
+            <a:avLst/>
+          </a:prstGeom>
+        </p:spPr>
+      </p:pic>
+      <p:sp>
+        <p:nvSpPr>
+          <p:cNvPr id="8" name="TextBox 7">
+            <a:extLst>
+              <a:ext uri="{FF2B5EF4-FFF2-40B4-BE49-F238E27FC236}">
+                <a16:creationId xmlns:a16="http://schemas.microsoft.com/office/drawing/2014/main" id="{60A0903D-8058-4714-A8AE-D627E9C202E5}"/>
+              </a:ext>
+            </a:extLst>
+          </p:cNvPr>
+          <p:cNvSpPr txBox="1"/>
+          <p:nvPr/>
+        </p:nvSpPr>
+        <p:spPr>
+          <a:xfrm flipH="1">
+            <a:off x="1036319" y="2257263"/>
+            <a:ext cx="3497581" cy="1477328"/>
+          </a:xfrm>
+          <a:prstGeom prst="rect">
+            <a:avLst/>
+          </a:prstGeom>
+          <a:noFill/>
+        </p:spPr>
+        <p:txBody>
+          <a:bodyPr wrap="square" rtlCol="0" anchor="t" anchorCtr="0">
+            <a:spAutoFit/>
+          </a:bodyPr>
+          <a:lstStyle/>
+          <a:p>
+            <a:r>
+              <a:rPr lang="ru-RU" dirty="0"/>
+              <a:t>При добавлении дополнительного условия – одинаковый статус вакцинации – количество пар снижается с 1575 до 1093.</a:t>
+            </a:r>
+          </a:p>
+        </p:txBody>
+      </p:sp>
+    </p:spTree>
+    <p:extLst>
+      <p:ext uri="{BB962C8B-B14F-4D97-AF65-F5344CB8AC3E}">
+        <p14:creationId xmlns:p14="http://schemas.microsoft.com/office/powerpoint/2010/main" val="1532432709"/>
       </p:ext>
     </p:extLst>
   </p:cSld>

--- a/data_visualization/project.pptx
+++ b/data_visualization/project.pptx
@@ -5,7 +5,7 @@
     <p:sldMasterId id="2147483684" r:id="rId1"/>
   </p:sldMasterIdLst>
   <p:notesMasterIdLst>
-    <p:notesMasterId r:id="rId19"/>
+    <p:notesMasterId r:id="rId20"/>
   </p:notesMasterIdLst>
   <p:sldIdLst>
     <p:sldId id="256" r:id="rId2"/>
@@ -22,9 +22,10 @@
     <p:sldId id="271" r:id="rId13"/>
     <p:sldId id="272" r:id="rId14"/>
     <p:sldId id="265" r:id="rId15"/>
-    <p:sldId id="266" r:id="rId16"/>
-    <p:sldId id="267" r:id="rId17"/>
-    <p:sldId id="273" r:id="rId18"/>
+    <p:sldId id="273" r:id="rId16"/>
+    <p:sldId id="266" r:id="rId17"/>
+    <p:sldId id="274" r:id="rId18"/>
+    <p:sldId id="267" r:id="rId19"/>
   </p:sldIdLst>
   <p:sldSz cx="12192000" cy="6858000"/>
   <p:notesSz cx="6858000" cy="9144000"/>
@@ -4745,43 +4746,103 @@
       </p:grpSpPr>
       <p:pic>
         <p:nvPicPr>
-          <p:cNvPr id="5" name="Объект 4">
+          <p:cNvPr id="5" name="Picture 4">
             <a:extLst>
               <a:ext uri="{FF2B5EF4-FFF2-40B4-BE49-F238E27FC236}">
-                <a16:creationId xmlns:a16="http://schemas.microsoft.com/office/drawing/2014/main" id="{775F27FC-4CCC-4E61-992A-B5950105F94E}"/>
+                <a16:creationId xmlns:a16="http://schemas.microsoft.com/office/drawing/2014/main" id="{356EC4C3-A5B3-44DB-951A-D01065C4F011}"/>
               </a:ext>
             </a:extLst>
           </p:cNvPr>
           <p:cNvPicPr>
-            <a:picLocks noGrp="1" noChangeAspect="1"/>
+            <a:picLocks noChangeAspect="1"/>
           </p:cNvPicPr>
-          <p:nvPr>
-            <p:ph idx="1"/>
-          </p:nvPr>
+          <p:nvPr/>
         </p:nvPicPr>
         <p:blipFill>
-          <a:blip r:embed="rId2">
-            <a:extLst>
-              <a:ext uri="{28A0092B-C50C-407E-A947-70E740481C1C}">
-                <a14:useLocalDpi xmlns:a14="http://schemas.microsoft.com/office/drawing/2010/main" val="0"/>
-              </a:ext>
-            </a:extLst>
-          </a:blip>
+          <a:blip r:embed="rId2"/>
           <a:stretch>
             <a:fillRect/>
           </a:stretch>
         </p:blipFill>
         <p:spPr>
           <a:xfrm>
-            <a:off x="1051345" y="402206"/>
-            <a:ext cx="10089310" cy="6053587"/>
-          </a:xfrm>
+            <a:off x="4838700" y="980913"/>
+            <a:ext cx="6896100" cy="1346119"/>
+          </a:xfrm>
+          <a:prstGeom prst="rect">
+            <a:avLst/>
+          </a:prstGeom>
         </p:spPr>
       </p:pic>
+      <p:pic>
+        <p:nvPicPr>
+          <p:cNvPr id="7" name="Picture 6">
+            <a:extLst>
+              <a:ext uri="{FF2B5EF4-FFF2-40B4-BE49-F238E27FC236}">
+                <a16:creationId xmlns:a16="http://schemas.microsoft.com/office/drawing/2014/main" id="{0A9A8C71-47AF-481E-BAB7-AB327A8029D2}"/>
+              </a:ext>
+            </a:extLst>
+          </p:cNvPr>
+          <p:cNvPicPr>
+            <a:picLocks noChangeAspect="1"/>
+          </p:cNvPicPr>
+          <p:nvPr/>
+        </p:nvPicPr>
+        <p:blipFill>
+          <a:blip r:embed="rId3"/>
+          <a:stretch>
+            <a:fillRect/>
+          </a:stretch>
+        </p:blipFill>
+        <p:spPr>
+          <a:xfrm>
+            <a:off x="4838700" y="3532145"/>
+            <a:ext cx="6896100" cy="1241870"/>
+          </a:xfrm>
+          <a:prstGeom prst="rect">
+            <a:avLst/>
+          </a:prstGeom>
+        </p:spPr>
+      </p:pic>
+      <p:sp>
+        <p:nvSpPr>
+          <p:cNvPr id="8" name="TextBox 7">
+            <a:extLst>
+              <a:ext uri="{FF2B5EF4-FFF2-40B4-BE49-F238E27FC236}">
+                <a16:creationId xmlns:a16="http://schemas.microsoft.com/office/drawing/2014/main" id="{60A0903D-8058-4714-A8AE-D627E9C202E5}"/>
+              </a:ext>
+            </a:extLst>
+          </p:cNvPr>
+          <p:cNvSpPr txBox="1"/>
+          <p:nvPr/>
+        </p:nvSpPr>
+        <p:spPr>
+          <a:xfrm flipH="1">
+            <a:off x="1036319" y="2257263"/>
+            <a:ext cx="3497581" cy="1477328"/>
+          </a:xfrm>
+          <a:prstGeom prst="rect">
+            <a:avLst/>
+          </a:prstGeom>
+          <a:noFill/>
+        </p:spPr>
+        <p:txBody>
+          <a:bodyPr wrap="square" rtlCol="0" anchor="t" anchorCtr="0">
+            <a:spAutoFit/>
+          </a:bodyPr>
+          <a:lstStyle/>
+          <a:p>
+            <a:r>
+              <a:rPr lang="ru-RU" dirty="0"/>
+              <a:t>При добавлении дополнительного условия – одинаковый статус вакцинации – количество пар снижается с 1575 до 1093.</a:t>
+            </a:r>
+          </a:p>
+        </p:txBody>
+      </p:sp>
     </p:spTree>
     <p:extLst>
       <p:ext uri="{BB962C8B-B14F-4D97-AF65-F5344CB8AC3E}">
-        <p14:creationId xmlns:p14="http://schemas.microsoft.com/office/powerpoint/2010/main" val="4160107756"/>
+        <p14:creationId xmlns:p14="http://schemas.microsoft.com/office/powerpoint/2010/main" val="1532432709"/>
       </p:ext>
     </p:extLst>
   </p:cSld>
@@ -4813,7 +4874,7 @@
           <p:cNvPr id="5" name="Объект 4">
             <a:extLst>
               <a:ext uri="{FF2B5EF4-FFF2-40B4-BE49-F238E27FC236}">
-                <a16:creationId xmlns:a16="http://schemas.microsoft.com/office/drawing/2014/main" id="{B543D8E6-491F-4A48-9A66-966D357D5033}"/>
+                <a16:creationId xmlns:a16="http://schemas.microsoft.com/office/drawing/2014/main" id="{775F27FC-4CCC-4E61-992A-B5950105F94E}"/>
               </a:ext>
             </a:extLst>
           </p:cNvPr>
@@ -4838,15 +4899,15 @@
         </p:blipFill>
         <p:spPr>
           <a:xfrm>
-            <a:off x="1154624" y="464174"/>
-            <a:ext cx="9882752" cy="5929652"/>
+            <a:off x="1051345" y="402206"/>
+            <a:ext cx="10089310" cy="6053587"/>
           </a:xfrm>
         </p:spPr>
       </p:pic>
     </p:spTree>
     <p:extLst>
       <p:ext uri="{BB962C8B-B14F-4D97-AF65-F5344CB8AC3E}">
-        <p14:creationId xmlns:p14="http://schemas.microsoft.com/office/powerpoint/2010/main" val="2459487052"/>
+        <p14:creationId xmlns:p14="http://schemas.microsoft.com/office/powerpoint/2010/main" val="4160107756"/>
       </p:ext>
     </p:extLst>
   </p:cSld>
@@ -4878,7 +4939,7 @@
           <p:cNvPr id="5" name="Picture 4">
             <a:extLst>
               <a:ext uri="{FF2B5EF4-FFF2-40B4-BE49-F238E27FC236}">
-                <a16:creationId xmlns:a16="http://schemas.microsoft.com/office/drawing/2014/main" id="{356EC4C3-A5B3-44DB-951A-D01065C4F011}"/>
+                <a16:creationId xmlns:a16="http://schemas.microsoft.com/office/drawing/2014/main" id="{9D38F564-FDAA-4388-B94B-452F409D1DE6}"/>
               </a:ext>
             </a:extLst>
           </p:cNvPr>
@@ -4888,27 +4949,63 @@
           <p:nvPr/>
         </p:nvPicPr>
         <p:blipFill>
-          <a:blip r:embed="rId2"/>
+          <a:blip r:embed="rId2">
+            <a:extLst>
+              <a:ext uri="{28A0092B-C50C-407E-A947-70E740481C1C}">
+                <a14:useLocalDpi xmlns:a14="http://schemas.microsoft.com/office/drawing/2010/main" val="0"/>
+              </a:ext>
+            </a:extLst>
+          </a:blip>
           <a:stretch>
             <a:fillRect/>
           </a:stretch>
         </p:blipFill>
         <p:spPr>
           <a:xfrm>
-            <a:off x="4838700" y="980913"/>
-            <a:ext cx="6896100" cy="1346119"/>
+            <a:off x="1276345" y="537207"/>
+            <a:ext cx="9639309" cy="5783586"/>
           </a:xfrm>
           <a:prstGeom prst="rect">
             <a:avLst/>
           </a:prstGeom>
         </p:spPr>
       </p:pic>
+    </p:spTree>
+    <p:extLst>
+      <p:ext uri="{BB962C8B-B14F-4D97-AF65-F5344CB8AC3E}">
+        <p14:creationId xmlns:p14="http://schemas.microsoft.com/office/powerpoint/2010/main" val="1735553716"/>
+      </p:ext>
+    </p:extLst>
+  </p:cSld>
+  <p:clrMapOvr>
+    <a:masterClrMapping/>
+  </p:clrMapOvr>
+</p:sld>
+</file>
+
+<file path=ppt/slides/slide18.xml><?xml version="1.0" encoding="utf-8"?>
+<p:sld xmlns:a="http://schemas.openxmlformats.org/drawingml/2006/main" xmlns:r="http://schemas.openxmlformats.org/officeDocument/2006/relationships" xmlns:p="http://schemas.openxmlformats.org/presentationml/2006/main">
+  <p:cSld>
+    <p:spTree>
+      <p:nvGrpSpPr>
+        <p:cNvPr id="1" name=""/>
+        <p:cNvGrpSpPr/>
+        <p:nvPr/>
+      </p:nvGrpSpPr>
+      <p:grpSpPr>
+        <a:xfrm>
+          <a:off x="0" y="0"/>
+          <a:ext cx="0" cy="0"/>
+          <a:chOff x="0" y="0"/>
+          <a:chExt cx="0" cy="0"/>
+        </a:xfrm>
+      </p:grpSpPr>
       <p:pic>
         <p:nvPicPr>
-          <p:cNvPr id="7" name="Picture 6">
+          <p:cNvPr id="6" name="Picture 5">
             <a:extLst>
               <a:ext uri="{FF2B5EF4-FFF2-40B4-BE49-F238E27FC236}">
-                <a16:creationId xmlns:a16="http://schemas.microsoft.com/office/drawing/2014/main" id="{0A9A8C71-47AF-481E-BAB7-AB327A8029D2}"/>
+                <a16:creationId xmlns:a16="http://schemas.microsoft.com/office/drawing/2014/main" id="{40C9CBCB-FB61-4866-822A-0A012A556C78}"/>
               </a:ext>
             </a:extLst>
           </p:cNvPr>
@@ -4918,60 +5015,31 @@
           <p:nvPr/>
         </p:nvPicPr>
         <p:blipFill>
-          <a:blip r:embed="rId3"/>
+          <a:blip r:embed="rId2">
+            <a:extLst>
+              <a:ext uri="{28A0092B-C50C-407E-A947-70E740481C1C}">
+                <a14:useLocalDpi xmlns:a14="http://schemas.microsoft.com/office/drawing/2010/main" val="0"/>
+              </a:ext>
+            </a:extLst>
+          </a:blip>
           <a:stretch>
             <a:fillRect/>
           </a:stretch>
         </p:blipFill>
         <p:spPr>
           <a:xfrm>
-            <a:off x="4838700" y="3532145"/>
-            <a:ext cx="6896100" cy="1241870"/>
+            <a:off x="1214433" y="500059"/>
+            <a:ext cx="9763134" cy="5857881"/>
           </a:xfrm>
           <a:prstGeom prst="rect">
             <a:avLst/>
           </a:prstGeom>
         </p:spPr>
       </p:pic>
-      <p:sp>
-        <p:nvSpPr>
-          <p:cNvPr id="8" name="TextBox 7">
-            <a:extLst>
-              <a:ext uri="{FF2B5EF4-FFF2-40B4-BE49-F238E27FC236}">
-                <a16:creationId xmlns:a16="http://schemas.microsoft.com/office/drawing/2014/main" id="{60A0903D-8058-4714-A8AE-D627E9C202E5}"/>
-              </a:ext>
-            </a:extLst>
-          </p:cNvPr>
-          <p:cNvSpPr txBox="1"/>
-          <p:nvPr/>
-        </p:nvSpPr>
-        <p:spPr>
-          <a:xfrm flipH="1">
-            <a:off x="1036319" y="2257263"/>
-            <a:ext cx="3497581" cy="1477328"/>
-          </a:xfrm>
-          <a:prstGeom prst="rect">
-            <a:avLst/>
-          </a:prstGeom>
-          <a:noFill/>
-        </p:spPr>
-        <p:txBody>
-          <a:bodyPr wrap="square" rtlCol="0" anchor="t" anchorCtr="0">
-            <a:spAutoFit/>
-          </a:bodyPr>
-          <a:lstStyle/>
-          <a:p>
-            <a:r>
-              <a:rPr lang="ru-RU" dirty="0"/>
-              <a:t>При добавлении дополнительного условия – одинаковый статус вакцинации – количество пар снижается с 1575 до 1093.</a:t>
-            </a:r>
-          </a:p>
-        </p:txBody>
-      </p:sp>
     </p:spTree>
     <p:extLst>
       <p:ext uri="{BB962C8B-B14F-4D97-AF65-F5344CB8AC3E}">
-        <p14:creationId xmlns:p14="http://schemas.microsoft.com/office/powerpoint/2010/main" val="1532432709"/>
+        <p14:creationId xmlns:p14="http://schemas.microsoft.com/office/powerpoint/2010/main" val="2459487052"/>
       </p:ext>
     </p:extLst>
   </p:cSld>

--- a/data_visualization/project.pptx
+++ b/data_visualization/project.pptx
@@ -5,27 +5,26 @@
     <p:sldMasterId id="2147483684" r:id="rId1"/>
   </p:sldMasterIdLst>
   <p:notesMasterIdLst>
-    <p:notesMasterId r:id="rId20"/>
+    <p:notesMasterId r:id="rId19"/>
   </p:notesMasterIdLst>
   <p:sldIdLst>
-    <p:sldId id="256" r:id="rId2"/>
-    <p:sldId id="270" r:id="rId3"/>
-    <p:sldId id="257" r:id="rId4"/>
-    <p:sldId id="258" r:id="rId5"/>
-    <p:sldId id="259" r:id="rId6"/>
-    <p:sldId id="260" r:id="rId7"/>
-    <p:sldId id="268" r:id="rId8"/>
-    <p:sldId id="261" r:id="rId9"/>
-    <p:sldId id="262" r:id="rId10"/>
-    <p:sldId id="263" r:id="rId11"/>
-    <p:sldId id="264" r:id="rId12"/>
-    <p:sldId id="271" r:id="rId13"/>
-    <p:sldId id="272" r:id="rId14"/>
-    <p:sldId id="265" r:id="rId15"/>
-    <p:sldId id="273" r:id="rId16"/>
-    <p:sldId id="266" r:id="rId17"/>
-    <p:sldId id="274" r:id="rId18"/>
-    <p:sldId id="267" r:id="rId19"/>
+    <p:sldId id="270" r:id="rId2"/>
+    <p:sldId id="257" r:id="rId3"/>
+    <p:sldId id="258" r:id="rId4"/>
+    <p:sldId id="259" r:id="rId5"/>
+    <p:sldId id="275" r:id="rId6"/>
+    <p:sldId id="268" r:id="rId7"/>
+    <p:sldId id="261" r:id="rId8"/>
+    <p:sldId id="262" r:id="rId9"/>
+    <p:sldId id="263" r:id="rId10"/>
+    <p:sldId id="264" r:id="rId11"/>
+    <p:sldId id="271" r:id="rId12"/>
+    <p:sldId id="272" r:id="rId13"/>
+    <p:sldId id="265" r:id="rId14"/>
+    <p:sldId id="273" r:id="rId15"/>
+    <p:sldId id="266" r:id="rId16"/>
+    <p:sldId id="274" r:id="rId17"/>
+    <p:sldId id="267" r:id="rId18"/>
   </p:sldIdLst>
   <p:sldSz cx="12192000" cy="6858000"/>
   <p:notesSz cx="6858000" cy="9144000"/>
@@ -546,7 +545,7 @@
           <a:p>
             <a:fld id="{8E7CEAD6-F82D-4D51-A468-A5E8BCF03F54}" type="slidenum">
               <a:rPr lang="ru-RU" smtClean="0"/>
-              <a:t>7</a:t>
+              <a:t>6</a:t>
             </a:fld>
             <a:endParaRPr lang="ru-RU"/>
           </a:p>
@@ -4301,90 +4300,71 @@
       </p:grpSpPr>
       <p:sp>
         <p:nvSpPr>
-          <p:cNvPr id="2" name="Заголовок 1">
+          <p:cNvPr id="8" name="TextBox 7">
             <a:extLst>
               <a:ext uri="{FF2B5EF4-FFF2-40B4-BE49-F238E27FC236}">
-                <a16:creationId xmlns:a16="http://schemas.microsoft.com/office/drawing/2014/main" id="{393220CA-BD39-9BF0-FCD3-9D28E574DAB8}"/>
+                <a16:creationId xmlns:a16="http://schemas.microsoft.com/office/drawing/2014/main" id="{EEFB8542-7E75-401D-9ABC-C1458CEB22B8}"/>
               </a:ext>
             </a:extLst>
           </p:cNvPr>
-          <p:cNvSpPr>
-            <a:spLocks noGrp="1"/>
-          </p:cNvSpPr>
-          <p:nvPr>
-            <p:ph type="ctrTitle"/>
-          </p:nvPr>
-        </p:nvSpPr>
-        <p:spPr>
-          <a:xfrm>
-            <a:off x="1524000" y="1319514"/>
-            <a:ext cx="9144000" cy="861028"/>
-          </a:xfrm>
-        </p:spPr>
-        <p:txBody>
-          <a:bodyPr>
-            <a:normAutofit fontScale="90000"/>
+          <p:cNvSpPr txBox="1"/>
+          <p:nvPr/>
+        </p:nvSpPr>
+        <p:spPr>
+          <a:xfrm>
+            <a:off x="2097833" y="2006081"/>
+            <a:ext cx="7996334" cy="784830"/>
+          </a:xfrm>
+          <a:prstGeom prst="rect">
+            <a:avLst/>
+          </a:prstGeom>
+          <a:noFill/>
+        </p:spPr>
+        <p:txBody>
+          <a:bodyPr wrap="square" rtlCol="0">
+            <a:spAutoFit/>
           </a:bodyPr>
           <a:lstStyle/>
           <a:p>
-            <a:r>
-              <a:rPr lang="ru-RU" dirty="0"/>
-              <a:t>Повезло не повезло</a:t>
-            </a:r>
-          </a:p>
-        </p:txBody>
-      </p:sp>
-      <p:sp>
-        <p:nvSpPr>
-          <p:cNvPr id="3" name="Подзаголовок 2">
+            <a:pPr algn="ctr"/>
+            <a:r>
+              <a:rPr lang="ru-RU" sz="4500" dirty="0"/>
+              <a:t>Анализ эффективности терапии</a:t>
+            </a:r>
+          </a:p>
+        </p:txBody>
+      </p:sp>
+      <p:sp>
+        <p:nvSpPr>
+          <p:cNvPr id="9" name="TextBox 8">
             <a:extLst>
               <a:ext uri="{FF2B5EF4-FFF2-40B4-BE49-F238E27FC236}">
-                <a16:creationId xmlns:a16="http://schemas.microsoft.com/office/drawing/2014/main" id="{02B5A56B-D1EF-20DF-4DA7-49D410BB2D8B}"/>
+                <a16:creationId xmlns:a16="http://schemas.microsoft.com/office/drawing/2014/main" id="{731405BD-E040-4C3E-AEEC-44F330887C0F}"/>
               </a:ext>
             </a:extLst>
           </p:cNvPr>
-          <p:cNvSpPr>
-            <a:spLocks noGrp="1"/>
-          </p:cNvSpPr>
-          <p:nvPr>
-            <p:ph type="subTitle" idx="1"/>
-          </p:nvPr>
-        </p:nvSpPr>
-        <p:spPr>
-          <a:xfrm>
-            <a:off x="1969485" y="3043188"/>
-            <a:ext cx="6730738" cy="1392810"/>
-          </a:xfrm>
-        </p:spPr>
-        <p:txBody>
-          <a:bodyPr>
-            <a:normAutofit fontScale="77500" lnSpcReduction="20000"/>
+          <p:cNvSpPr txBox="1"/>
+          <p:nvPr/>
+        </p:nvSpPr>
+        <p:spPr>
+          <a:xfrm>
+            <a:off x="1789145" y="3749849"/>
+            <a:ext cx="8613710" cy="430887"/>
+          </a:xfrm>
+          <a:prstGeom prst="rect">
+            <a:avLst/>
+          </a:prstGeom>
+          <a:noFill/>
+        </p:spPr>
+        <p:txBody>
+          <a:bodyPr wrap="square" rtlCol="0">
+            <a:spAutoFit/>
           </a:bodyPr>
           <a:lstStyle/>
           <a:p>
             <a:r>
-              <a:rPr lang="ru-RU" dirty="0"/>
-              <a:t>Денис </a:t>
-            </a:r>
-            <a:br>
-              <a:rPr lang="ru-RU" dirty="0"/>
-            </a:br>
-            <a:br>
-              <a:rPr lang="ru-RU" dirty="0"/>
-            </a:br>
-            <a:r>
-              <a:rPr lang="ru-RU" dirty="0"/>
-              <a:t>                                            Руслан</a:t>
-            </a:r>
-            <a:br>
-              <a:rPr lang="ru-RU" dirty="0"/>
-            </a:br>
-            <a:br>
-              <a:rPr lang="ru-RU" dirty="0"/>
-            </a:br>
-            <a:r>
-              <a:rPr lang="ru-RU" dirty="0"/>
-              <a:t>                Миша</a:t>
+              <a:rPr lang="ru-RU" sz="2200" dirty="0"/>
+              <a:t>Выполнили: Самойленко Денис, Чернецов Михаил, Борисенко Руслан</a:t>
             </a:r>
           </a:p>
         </p:txBody>
@@ -4392,7 +4372,7 @@
     </p:spTree>
     <p:extLst>
       <p:ext uri="{BB962C8B-B14F-4D97-AF65-F5344CB8AC3E}">
-        <p14:creationId xmlns:p14="http://schemas.microsoft.com/office/powerpoint/2010/main" val="450005933"/>
+        <p14:creationId xmlns:p14="http://schemas.microsoft.com/office/powerpoint/2010/main" val="2108788809"/>
       </p:ext>
     </p:extLst>
   </p:cSld>
@@ -4424,7 +4404,7 @@
           <p:cNvPr id="5" name="Объект 4">
             <a:extLst>
               <a:ext uri="{FF2B5EF4-FFF2-40B4-BE49-F238E27FC236}">
-                <a16:creationId xmlns:a16="http://schemas.microsoft.com/office/drawing/2014/main" id="{EDECE34C-CC6B-4C1B-8A28-1E9020271E8F}"/>
+                <a16:creationId xmlns:a16="http://schemas.microsoft.com/office/drawing/2014/main" id="{1CE6E346-F560-4B02-B529-B7894102DFA0}"/>
               </a:ext>
             </a:extLst>
           </p:cNvPr>
@@ -4449,15 +4429,15 @@
         </p:blipFill>
         <p:spPr>
           <a:xfrm>
-            <a:off x="1086234" y="423140"/>
-            <a:ext cx="10019532" cy="6011720"/>
+            <a:off x="1135144" y="433825"/>
+            <a:ext cx="9921712" cy="5953028"/>
           </a:xfrm>
         </p:spPr>
       </p:pic>
     </p:spTree>
     <p:extLst>
       <p:ext uri="{BB962C8B-B14F-4D97-AF65-F5344CB8AC3E}">
-        <p14:creationId xmlns:p14="http://schemas.microsoft.com/office/powerpoint/2010/main" val="3924296868"/>
+        <p14:creationId xmlns:p14="http://schemas.microsoft.com/office/powerpoint/2010/main" val="2479560250"/>
       </p:ext>
     </p:extLst>
   </p:cSld>
@@ -4489,7 +4469,7 @@
           <p:cNvPr id="5" name="Объект 4">
             <a:extLst>
               <a:ext uri="{FF2B5EF4-FFF2-40B4-BE49-F238E27FC236}">
-                <a16:creationId xmlns:a16="http://schemas.microsoft.com/office/drawing/2014/main" id="{1CE6E346-F560-4B02-B529-B7894102DFA0}"/>
+                <a16:creationId xmlns:a16="http://schemas.microsoft.com/office/drawing/2014/main" id="{F6EB2BDE-BFAE-4C15-A859-C266E58E32E7}"/>
               </a:ext>
             </a:extLst>
           </p:cNvPr>
@@ -4514,15 +4494,15 @@
         </p:blipFill>
         <p:spPr>
           <a:xfrm>
-            <a:off x="1135144" y="433825"/>
-            <a:ext cx="9921712" cy="5953028"/>
+            <a:off x="1027016" y="387609"/>
+            <a:ext cx="10137967" cy="6082781"/>
           </a:xfrm>
         </p:spPr>
       </p:pic>
     </p:spTree>
     <p:extLst>
       <p:ext uri="{BB962C8B-B14F-4D97-AF65-F5344CB8AC3E}">
-        <p14:creationId xmlns:p14="http://schemas.microsoft.com/office/powerpoint/2010/main" val="2479560250"/>
+        <p14:creationId xmlns:p14="http://schemas.microsoft.com/office/powerpoint/2010/main" val="2367055481"/>
       </p:ext>
     </p:extLst>
   </p:cSld>
@@ -4554,7 +4534,7 @@
           <p:cNvPr id="5" name="Объект 4">
             <a:extLst>
               <a:ext uri="{FF2B5EF4-FFF2-40B4-BE49-F238E27FC236}">
-                <a16:creationId xmlns:a16="http://schemas.microsoft.com/office/drawing/2014/main" id="{F6EB2BDE-BFAE-4C15-A859-C266E58E32E7}"/>
+                <a16:creationId xmlns:a16="http://schemas.microsoft.com/office/drawing/2014/main" id="{DE3FE5F4-32F8-4A5D-885A-4F80339DFFBE}"/>
               </a:ext>
             </a:extLst>
           </p:cNvPr>
@@ -4579,15 +4559,15 @@
         </p:blipFill>
         <p:spPr>
           <a:xfrm>
-            <a:off x="1027016" y="387609"/>
-            <a:ext cx="10137967" cy="6082781"/>
+            <a:off x="1074446" y="416067"/>
+            <a:ext cx="10043108" cy="6025866"/>
           </a:xfrm>
         </p:spPr>
       </p:pic>
     </p:spTree>
     <p:extLst>
       <p:ext uri="{BB962C8B-B14F-4D97-AF65-F5344CB8AC3E}">
-        <p14:creationId xmlns:p14="http://schemas.microsoft.com/office/powerpoint/2010/main" val="2367055481"/>
+        <p14:creationId xmlns:p14="http://schemas.microsoft.com/office/powerpoint/2010/main" val="3595173169"/>
       </p:ext>
     </p:extLst>
   </p:cSld>
@@ -4616,71 +4596,6 @@
       </p:grpSpPr>
       <p:pic>
         <p:nvPicPr>
-          <p:cNvPr id="5" name="Объект 4">
-            <a:extLst>
-              <a:ext uri="{FF2B5EF4-FFF2-40B4-BE49-F238E27FC236}">
-                <a16:creationId xmlns:a16="http://schemas.microsoft.com/office/drawing/2014/main" id="{DE3FE5F4-32F8-4A5D-885A-4F80339DFFBE}"/>
-              </a:ext>
-            </a:extLst>
-          </p:cNvPr>
-          <p:cNvPicPr>
-            <a:picLocks noGrp="1" noChangeAspect="1"/>
-          </p:cNvPicPr>
-          <p:nvPr>
-            <p:ph idx="1"/>
-          </p:nvPr>
-        </p:nvPicPr>
-        <p:blipFill>
-          <a:blip r:embed="rId2">
-            <a:extLst>
-              <a:ext uri="{28A0092B-C50C-407E-A947-70E740481C1C}">
-                <a14:useLocalDpi xmlns:a14="http://schemas.microsoft.com/office/drawing/2010/main" val="0"/>
-              </a:ext>
-            </a:extLst>
-          </a:blip>
-          <a:stretch>
-            <a:fillRect/>
-          </a:stretch>
-        </p:blipFill>
-        <p:spPr>
-          <a:xfrm>
-            <a:off x="1074446" y="416067"/>
-            <a:ext cx="10043108" cy="6025866"/>
-          </a:xfrm>
-        </p:spPr>
-      </p:pic>
-    </p:spTree>
-    <p:extLst>
-      <p:ext uri="{BB962C8B-B14F-4D97-AF65-F5344CB8AC3E}">
-        <p14:creationId xmlns:p14="http://schemas.microsoft.com/office/powerpoint/2010/main" val="3595173169"/>
-      </p:ext>
-    </p:extLst>
-  </p:cSld>
-  <p:clrMapOvr>
-    <a:masterClrMapping/>
-  </p:clrMapOvr>
-</p:sld>
-</file>
-
-<file path=ppt/slides/slide14.xml><?xml version="1.0" encoding="utf-8"?>
-<p:sld xmlns:a="http://schemas.openxmlformats.org/drawingml/2006/main" xmlns:r="http://schemas.openxmlformats.org/officeDocument/2006/relationships" xmlns:p="http://schemas.openxmlformats.org/presentationml/2006/main">
-  <p:cSld>
-    <p:spTree>
-      <p:nvGrpSpPr>
-        <p:cNvPr id="1" name=""/>
-        <p:cNvGrpSpPr/>
-        <p:nvPr/>
-      </p:nvGrpSpPr>
-      <p:grpSpPr>
-        <a:xfrm>
-          <a:off x="0" y="0"/>
-          <a:ext cx="0" cy="0"/>
-          <a:chOff x="0" y="0"/>
-          <a:chExt cx="0" cy="0"/>
-        </a:xfrm>
-      </p:grpSpPr>
-      <p:pic>
-        <p:nvPicPr>
           <p:cNvPr id="6" name="Объект 5">
             <a:extLst>
               <a:ext uri="{FF2B5EF4-FFF2-40B4-BE49-F238E27FC236}">
@@ -4727,7 +4642,7 @@
 </p:sld>
 </file>
 
-<file path=ppt/slides/slide15.xml><?xml version="1.0" encoding="utf-8"?>
+<file path=ppt/slides/slide14.xml><?xml version="1.0" encoding="utf-8"?>
 <p:sld xmlns:a="http://schemas.openxmlformats.org/drawingml/2006/main" xmlns:r="http://schemas.openxmlformats.org/officeDocument/2006/relationships" xmlns:p="http://schemas.openxmlformats.org/presentationml/2006/main">
   <p:cSld>
     <p:spTree>
@@ -4852,7 +4767,7 @@
 </p:sld>
 </file>
 
-<file path=ppt/slides/slide16.xml><?xml version="1.0" encoding="utf-8"?>
+<file path=ppt/slides/slide15.xml><?xml version="1.0" encoding="utf-8"?>
 <p:sld xmlns:a="http://schemas.openxmlformats.org/drawingml/2006/main" xmlns:r="http://schemas.openxmlformats.org/officeDocument/2006/relationships" xmlns:p="http://schemas.openxmlformats.org/presentationml/2006/main">
   <p:cSld>
     <p:spTree>
@@ -4917,7 +4832,7 @@
 </p:sld>
 </file>
 
-<file path=ppt/slides/slide17.xml><?xml version="1.0" encoding="utf-8"?>
+<file path=ppt/slides/slide16.xml><?xml version="1.0" encoding="utf-8"?>
 <p:sld xmlns:a="http://schemas.openxmlformats.org/drawingml/2006/main" xmlns:r="http://schemas.openxmlformats.org/officeDocument/2006/relationships" xmlns:p="http://schemas.openxmlformats.org/presentationml/2006/main">
   <p:cSld>
     <p:spTree>
@@ -4983,7 +4898,7 @@
 </p:sld>
 </file>
 
-<file path=ppt/slides/slide18.xml><?xml version="1.0" encoding="utf-8"?>
+<file path=ppt/slides/slide17.xml><?xml version="1.0" encoding="utf-8"?>
 <p:sld xmlns:a="http://schemas.openxmlformats.org/drawingml/2006/main" xmlns:r="http://schemas.openxmlformats.org/officeDocument/2006/relationships" xmlns:p="http://schemas.openxmlformats.org/presentationml/2006/main">
   <p:cSld>
     <p:spTree>
@@ -5050,107 +4965,6 @@
 </file>
 
 <file path=ppt/slides/slide2.xml><?xml version="1.0" encoding="utf-8"?>
-<p:sld xmlns:a="http://schemas.openxmlformats.org/drawingml/2006/main" xmlns:r="http://schemas.openxmlformats.org/officeDocument/2006/relationships" xmlns:p="http://schemas.openxmlformats.org/presentationml/2006/main">
-  <p:cSld>
-    <p:spTree>
-      <p:nvGrpSpPr>
-        <p:cNvPr id="1" name=""/>
-        <p:cNvGrpSpPr/>
-        <p:nvPr/>
-      </p:nvGrpSpPr>
-      <p:grpSpPr>
-        <a:xfrm>
-          <a:off x="0" y="0"/>
-          <a:ext cx="0" cy="0"/>
-          <a:chOff x="0" y="0"/>
-          <a:chExt cx="0" cy="0"/>
-        </a:xfrm>
-      </p:grpSpPr>
-      <p:sp>
-        <p:nvSpPr>
-          <p:cNvPr id="8" name="TextBox 7">
-            <a:extLst>
-              <a:ext uri="{FF2B5EF4-FFF2-40B4-BE49-F238E27FC236}">
-                <a16:creationId xmlns:a16="http://schemas.microsoft.com/office/drawing/2014/main" id="{EEFB8542-7E75-401D-9ABC-C1458CEB22B8}"/>
-              </a:ext>
-            </a:extLst>
-          </p:cNvPr>
-          <p:cNvSpPr txBox="1"/>
-          <p:nvPr/>
-        </p:nvSpPr>
-        <p:spPr>
-          <a:xfrm>
-            <a:off x="2097833" y="2006081"/>
-            <a:ext cx="7996334" cy="784830"/>
-          </a:xfrm>
-          <a:prstGeom prst="rect">
-            <a:avLst/>
-          </a:prstGeom>
-          <a:noFill/>
-        </p:spPr>
-        <p:txBody>
-          <a:bodyPr wrap="square" rtlCol="0">
-            <a:spAutoFit/>
-          </a:bodyPr>
-          <a:lstStyle/>
-          <a:p>
-            <a:pPr algn="ctr"/>
-            <a:r>
-              <a:rPr lang="ru-RU" sz="4500" dirty="0"/>
-              <a:t>Анализ эффективности терапии</a:t>
-            </a:r>
-          </a:p>
-        </p:txBody>
-      </p:sp>
-      <p:sp>
-        <p:nvSpPr>
-          <p:cNvPr id="9" name="TextBox 8">
-            <a:extLst>
-              <a:ext uri="{FF2B5EF4-FFF2-40B4-BE49-F238E27FC236}">
-                <a16:creationId xmlns:a16="http://schemas.microsoft.com/office/drawing/2014/main" id="{731405BD-E040-4C3E-AEEC-44F330887C0F}"/>
-              </a:ext>
-            </a:extLst>
-          </p:cNvPr>
-          <p:cNvSpPr txBox="1"/>
-          <p:nvPr/>
-        </p:nvSpPr>
-        <p:spPr>
-          <a:xfrm>
-            <a:off x="1789145" y="3749849"/>
-            <a:ext cx="8613710" cy="430887"/>
-          </a:xfrm>
-          <a:prstGeom prst="rect">
-            <a:avLst/>
-          </a:prstGeom>
-          <a:noFill/>
-        </p:spPr>
-        <p:txBody>
-          <a:bodyPr wrap="square" rtlCol="0">
-            <a:spAutoFit/>
-          </a:bodyPr>
-          <a:lstStyle/>
-          <a:p>
-            <a:r>
-              <a:rPr lang="ru-RU" sz="2200" dirty="0"/>
-              <a:t>Выполнили: Самойленко Денис, Чернецов Михаил, Борисенко Руслан</a:t>
-            </a:r>
-          </a:p>
-        </p:txBody>
-      </p:sp>
-    </p:spTree>
-    <p:extLst>
-      <p:ext uri="{BB962C8B-B14F-4D97-AF65-F5344CB8AC3E}">
-        <p14:creationId xmlns:p14="http://schemas.microsoft.com/office/powerpoint/2010/main" val="2108788809"/>
-      </p:ext>
-    </p:extLst>
-  </p:cSld>
-  <p:clrMapOvr>
-    <a:masterClrMapping/>
-  </p:clrMapOvr>
-</p:sld>
-</file>
-
-<file path=ppt/slides/slide3.xml><?xml version="1.0" encoding="utf-8"?>
 <p:sld xmlns:a="http://schemas.openxmlformats.org/drawingml/2006/main" xmlns:r="http://schemas.openxmlformats.org/officeDocument/2006/relationships" xmlns:p="http://schemas.openxmlformats.org/presentationml/2006/main">
   <p:cSld>
     <p:spTree>
@@ -5566,7 +5380,7 @@
 </p:sld>
 </file>
 
-<file path=ppt/slides/slide4.xml><?xml version="1.0" encoding="utf-8"?>
+<file path=ppt/slides/slide3.xml><?xml version="1.0" encoding="utf-8"?>
 <p:sld xmlns:a="http://schemas.openxmlformats.org/drawingml/2006/main" xmlns:r="http://schemas.openxmlformats.org/officeDocument/2006/relationships" xmlns:p="http://schemas.openxmlformats.org/presentationml/2006/main">
   <p:cSld>
     <p:spTree>
@@ -5626,7 +5440,7 @@
 </p:sld>
 </file>
 
-<file path=ppt/slides/slide5.xml><?xml version="1.0" encoding="utf-8"?>
+<file path=ppt/slides/slide4.xml><?xml version="1.0" encoding="utf-8"?>
 <p:sld xmlns:a="http://schemas.openxmlformats.org/drawingml/2006/main" xmlns:r="http://schemas.openxmlformats.org/officeDocument/2006/relationships" xmlns:p="http://schemas.openxmlformats.org/presentationml/2006/main">
   <p:cSld>
     <p:spTree>
@@ -5686,7 +5500,7 @@
 </p:sld>
 </file>
 
-<file path=ppt/slides/slide6.xml><?xml version="1.0" encoding="utf-8"?>
+<file path=ppt/slides/slide5.xml><?xml version="1.0" encoding="utf-8"?>
 <p:sld xmlns:a="http://schemas.openxmlformats.org/drawingml/2006/main" xmlns:r="http://schemas.openxmlformats.org/officeDocument/2006/relationships" xmlns:p="http://schemas.openxmlformats.org/presentationml/2006/main">
   <p:cSld>
     <p:spTree>
@@ -5708,7 +5522,7 @@
           <p:cNvPr id="5" name="Рисунок 4">
             <a:extLst>
               <a:ext uri="{FF2B5EF4-FFF2-40B4-BE49-F238E27FC236}">
-                <a16:creationId xmlns:a16="http://schemas.microsoft.com/office/drawing/2014/main" id="{A38293FF-E59C-61D7-6224-BAD17A0FBE75}"/>
+                <a16:creationId xmlns:a16="http://schemas.microsoft.com/office/drawing/2014/main" id="{F521F35F-90FC-4842-9AD7-722E991BF165}"/>
               </a:ext>
             </a:extLst>
           </p:cNvPr>
@@ -5718,15 +5532,21 @@
           <p:nvPr/>
         </p:nvPicPr>
         <p:blipFill>
-          <a:blip r:embed="rId2"/>
+          <a:blip r:embed="rId2">
+            <a:extLst>
+              <a:ext uri="{28A0092B-C50C-407E-A947-70E740481C1C}">
+                <a14:useLocalDpi xmlns:a14="http://schemas.microsoft.com/office/drawing/2010/main" val="0"/>
+              </a:ext>
+            </a:extLst>
+          </a:blip>
           <a:stretch>
             <a:fillRect/>
           </a:stretch>
         </p:blipFill>
         <p:spPr>
           <a:xfrm>
-            <a:off x="1299425" y="474300"/>
-            <a:ext cx="9245112" cy="5631226"/>
+            <a:off x="1091352" y="2470814"/>
+            <a:ext cx="10497269" cy="1916372"/>
           </a:xfrm>
           <a:prstGeom prst="rect">
             <a:avLst/>
@@ -5736,7 +5556,7 @@
     </p:spTree>
     <p:extLst>
       <p:ext uri="{BB962C8B-B14F-4D97-AF65-F5344CB8AC3E}">
-        <p14:creationId xmlns:p14="http://schemas.microsoft.com/office/powerpoint/2010/main" val="1079256599"/>
+        <p14:creationId xmlns:p14="http://schemas.microsoft.com/office/powerpoint/2010/main" val="1297501664"/>
       </p:ext>
     </p:extLst>
   </p:cSld>
@@ -5746,7 +5566,7 @@
 </p:sld>
 </file>
 
-<file path=ppt/slides/slide7.xml><?xml version="1.0" encoding="utf-8"?>
+<file path=ppt/slides/slide6.xml><?xml version="1.0" encoding="utf-8"?>
 <p:sld xmlns:a="http://schemas.openxmlformats.org/drawingml/2006/main" xmlns:r="http://schemas.openxmlformats.org/officeDocument/2006/relationships" xmlns:p="http://schemas.openxmlformats.org/presentationml/2006/main">
   <p:cSld>
     <p:spTree>
@@ -6076,7 +5896,7 @@
 </p:sld>
 </file>
 
-<file path=ppt/slides/slide8.xml><?xml version="1.0" encoding="utf-8"?>
+<file path=ppt/slides/slide7.xml><?xml version="1.0" encoding="utf-8"?>
 <p:sld xmlns:a="http://schemas.openxmlformats.org/drawingml/2006/main" xmlns:r="http://schemas.openxmlformats.org/officeDocument/2006/relationships" xmlns:p="http://schemas.openxmlformats.org/presentationml/2006/main">
   <p:cSld>
     <p:spTree>
@@ -6142,7 +5962,7 @@
 </p:sld>
 </file>
 
-<file path=ppt/slides/slide9.xml><?xml version="1.0" encoding="utf-8"?>
+<file path=ppt/slides/slide8.xml><?xml version="1.0" encoding="utf-8"?>
 <p:sld xmlns:a="http://schemas.openxmlformats.org/drawingml/2006/main" xmlns:r="http://schemas.openxmlformats.org/officeDocument/2006/relationships" xmlns:p="http://schemas.openxmlformats.org/presentationml/2006/main">
   <p:cSld>
     <p:spTree>
@@ -6198,6 +6018,71 @@
     <p:extLst>
       <p:ext uri="{BB962C8B-B14F-4D97-AF65-F5344CB8AC3E}">
         <p14:creationId xmlns:p14="http://schemas.microsoft.com/office/powerpoint/2010/main" val="4233293365"/>
+      </p:ext>
+    </p:extLst>
+  </p:cSld>
+  <p:clrMapOvr>
+    <a:masterClrMapping/>
+  </p:clrMapOvr>
+</p:sld>
+</file>
+
+<file path=ppt/slides/slide9.xml><?xml version="1.0" encoding="utf-8"?>
+<p:sld xmlns:a="http://schemas.openxmlformats.org/drawingml/2006/main" xmlns:r="http://schemas.openxmlformats.org/officeDocument/2006/relationships" xmlns:p="http://schemas.openxmlformats.org/presentationml/2006/main">
+  <p:cSld>
+    <p:spTree>
+      <p:nvGrpSpPr>
+        <p:cNvPr id="1" name=""/>
+        <p:cNvGrpSpPr/>
+        <p:nvPr/>
+      </p:nvGrpSpPr>
+      <p:grpSpPr>
+        <a:xfrm>
+          <a:off x="0" y="0"/>
+          <a:ext cx="0" cy="0"/>
+          <a:chOff x="0" y="0"/>
+          <a:chExt cx="0" cy="0"/>
+        </a:xfrm>
+      </p:grpSpPr>
+      <p:pic>
+        <p:nvPicPr>
+          <p:cNvPr id="5" name="Объект 4">
+            <a:extLst>
+              <a:ext uri="{FF2B5EF4-FFF2-40B4-BE49-F238E27FC236}">
+                <a16:creationId xmlns:a16="http://schemas.microsoft.com/office/drawing/2014/main" id="{EDECE34C-CC6B-4C1B-8A28-1E9020271E8F}"/>
+              </a:ext>
+            </a:extLst>
+          </p:cNvPr>
+          <p:cNvPicPr>
+            <a:picLocks noGrp="1" noChangeAspect="1"/>
+          </p:cNvPicPr>
+          <p:nvPr>
+            <p:ph idx="1"/>
+          </p:nvPr>
+        </p:nvPicPr>
+        <p:blipFill>
+          <a:blip r:embed="rId2">
+            <a:extLst>
+              <a:ext uri="{28A0092B-C50C-407E-A947-70E740481C1C}">
+                <a14:useLocalDpi xmlns:a14="http://schemas.microsoft.com/office/drawing/2010/main" val="0"/>
+              </a:ext>
+            </a:extLst>
+          </a:blip>
+          <a:stretch>
+            <a:fillRect/>
+          </a:stretch>
+        </p:blipFill>
+        <p:spPr>
+          <a:xfrm>
+            <a:off x="1086234" y="423140"/>
+            <a:ext cx="10019532" cy="6011720"/>
+          </a:xfrm>
+        </p:spPr>
+      </p:pic>
+    </p:spTree>
+    <p:extLst>
+      <p:ext uri="{BB962C8B-B14F-4D97-AF65-F5344CB8AC3E}">
+        <p14:creationId xmlns:p14="http://schemas.microsoft.com/office/powerpoint/2010/main" val="3924296868"/>
       </p:ext>
     </p:extLst>
   </p:cSld>

--- a/data_visualization/project.pptx
+++ b/data_visualization/project.pptx
@@ -9,7 +9,7 @@
   </p:notesMasterIdLst>
   <p:sldIdLst>
     <p:sldId id="270" r:id="rId2"/>
-    <p:sldId id="257" r:id="rId3"/>
+    <p:sldId id="276" r:id="rId3"/>
     <p:sldId id="258" r:id="rId4"/>
     <p:sldId id="259" r:id="rId5"/>
     <p:sldId id="275" r:id="rId6"/>
@@ -4981,12 +4981,124 @@
           <a:chExt cx="0" cy="0"/>
         </a:xfrm>
       </p:grpSpPr>
+      <p:sp>
+        <p:nvSpPr>
+          <p:cNvPr id="2" name="Заголовок 1">
+            <a:extLst>
+              <a:ext uri="{FF2B5EF4-FFF2-40B4-BE49-F238E27FC236}">
+                <a16:creationId xmlns:a16="http://schemas.microsoft.com/office/drawing/2014/main" id="{9BD8979E-F110-90A0-39ED-B60027BB2E8D}"/>
+              </a:ext>
+            </a:extLst>
+          </p:cNvPr>
+          <p:cNvSpPr>
+            <a:spLocks noGrp="1"/>
+          </p:cNvSpPr>
+          <p:nvPr>
+            <p:ph type="title"/>
+          </p:nvPr>
+        </p:nvSpPr>
+        <p:spPr>
+          <a:xfrm>
+            <a:off x="1522429" y="577392"/>
+            <a:ext cx="9601200" cy="1485900"/>
+          </a:xfrm>
+        </p:spPr>
+        <p:txBody>
+          <a:bodyPr/>
+          <a:lstStyle/>
+          <a:p>
+            <a:endParaRPr lang="ru-RU"/>
+          </a:p>
+        </p:txBody>
+      </p:sp>
+      <p:sp>
+        <p:nvSpPr>
+          <p:cNvPr id="3" name="Объект 2">
+            <a:extLst>
+              <a:ext uri="{FF2B5EF4-FFF2-40B4-BE49-F238E27FC236}">
+                <a16:creationId xmlns:a16="http://schemas.microsoft.com/office/drawing/2014/main" id="{4D9B80AE-E641-AB7F-8C12-9250AB1A6E73}"/>
+              </a:ext>
+            </a:extLst>
+          </p:cNvPr>
+          <p:cNvSpPr>
+            <a:spLocks noGrp="1"/>
+          </p:cNvSpPr>
+          <p:nvPr>
+            <p:ph idx="1"/>
+          </p:nvPr>
+        </p:nvSpPr>
+        <p:spPr>
+          <a:xfrm>
+            <a:off x="1522429" y="2177592"/>
+            <a:ext cx="9601200" cy="3581400"/>
+          </a:xfrm>
+        </p:spPr>
+        <p:txBody>
+          <a:bodyPr/>
+          <a:lstStyle/>
+          <a:p>
+            <a:endParaRPr lang="ru-RU"/>
+          </a:p>
+        </p:txBody>
+      </p:sp>
+      <p:sp>
+        <p:nvSpPr>
+          <p:cNvPr id="4" name="Прямоугольник 3">
+            <a:extLst>
+              <a:ext uri="{FF2B5EF4-FFF2-40B4-BE49-F238E27FC236}">
+                <a16:creationId xmlns:a16="http://schemas.microsoft.com/office/drawing/2014/main" id="{F2796B7E-B1A0-9BCA-3565-FDD06076F778}"/>
+              </a:ext>
+            </a:extLst>
+          </p:cNvPr>
+          <p:cNvSpPr/>
+          <p:nvPr/>
+        </p:nvSpPr>
+        <p:spPr>
+          <a:xfrm>
+            <a:off x="0" y="-108408"/>
+            <a:ext cx="12613064" cy="6966408"/>
+          </a:xfrm>
+          <a:prstGeom prst="rect">
+            <a:avLst/>
+          </a:prstGeom>
+          <a:solidFill>
+            <a:schemeClr val="bg1"/>
+          </a:solidFill>
+          <a:ln>
+            <a:solidFill>
+              <a:schemeClr val="bg1"/>
+            </a:solidFill>
+          </a:ln>
+        </p:spPr>
+        <p:style>
+          <a:lnRef idx="2">
+            <a:schemeClr val="accent6"/>
+          </a:lnRef>
+          <a:fillRef idx="1">
+            <a:schemeClr val="lt1"/>
+          </a:fillRef>
+          <a:effectRef idx="0">
+            <a:schemeClr val="accent6"/>
+          </a:effectRef>
+          <a:fontRef idx="minor">
+            <a:schemeClr val="dk1"/>
+          </a:fontRef>
+        </p:style>
+        <p:txBody>
+          <a:bodyPr rtlCol="0" anchor="ctr"/>
+          <a:lstStyle/>
+          <a:p>
+            <a:pPr algn="ctr"/>
+            <a:endParaRPr lang="ru-RU"/>
+          </a:p>
+        </p:txBody>
+      </p:sp>
       <p:pic>
         <p:nvPicPr>
           <p:cNvPr id="5" name="Рисунок 4">
             <a:extLst>
               <a:ext uri="{FF2B5EF4-FFF2-40B4-BE49-F238E27FC236}">
-                <a16:creationId xmlns:a16="http://schemas.microsoft.com/office/drawing/2014/main" id="{D2761289-D2D6-456C-8D71-40EE34AEC2A1}"/>
+                <a16:creationId xmlns:a16="http://schemas.microsoft.com/office/drawing/2014/main" id="{56C227B5-F76B-1328-9101-05B17DBF383A}"/>
               </a:ext>
             </a:extLst>
           </p:cNvPr>
@@ -5003,7 +5115,7 @@
         </p:blipFill>
         <p:spPr>
           <a:xfrm>
-            <a:off x="5446332" y="126618"/>
+            <a:off x="5601764" y="643861"/>
             <a:ext cx="752580" cy="1476581"/>
           </a:xfrm>
           <a:prstGeom prst="rect">
@@ -5013,10 +5125,10 @@
       </p:pic>
       <p:pic>
         <p:nvPicPr>
-          <p:cNvPr id="11" name="Рисунок 10">
+          <p:cNvPr id="6" name="Рисунок 5">
             <a:extLst>
               <a:ext uri="{FF2B5EF4-FFF2-40B4-BE49-F238E27FC236}">
-                <a16:creationId xmlns:a16="http://schemas.microsoft.com/office/drawing/2014/main" id="{05F91EE3-46CC-7AE9-FB27-936635CAC989}"/>
+                <a16:creationId xmlns:a16="http://schemas.microsoft.com/office/drawing/2014/main" id="{7E4E9F3E-18D8-265D-6270-72E6261A8A48}"/>
               </a:ext>
             </a:extLst>
           </p:cNvPr>
@@ -5033,7 +5145,7 @@
         </p:blipFill>
         <p:spPr>
           <a:xfrm>
-            <a:off x="5498859" y="0"/>
+            <a:off x="5625726" y="496497"/>
             <a:ext cx="647526" cy="544380"/>
           </a:xfrm>
           <a:prstGeom prst="rect">
@@ -5043,10 +5155,10 @@
       </p:pic>
       <p:pic>
         <p:nvPicPr>
-          <p:cNvPr id="13" name="Рисунок 12">
+          <p:cNvPr id="7" name="Рисунок 6">
             <a:extLst>
               <a:ext uri="{FF2B5EF4-FFF2-40B4-BE49-F238E27FC236}">
-                <a16:creationId xmlns:a16="http://schemas.microsoft.com/office/drawing/2014/main" id="{AD3BAE0E-1346-23BE-4C36-659616A9C525}"/>
+                <a16:creationId xmlns:a16="http://schemas.microsoft.com/office/drawing/2014/main" id="{AE513659-ECC7-9DBD-F333-4E60C3CF4B60}"/>
               </a:ext>
             </a:extLst>
           </p:cNvPr>
@@ -5063,7 +5175,7 @@
         </p:blipFill>
         <p:spPr>
           <a:xfrm>
-            <a:off x="6146385" y="1099470"/>
+            <a:off x="6330005" y="1735757"/>
             <a:ext cx="3572374" cy="3524742"/>
           </a:xfrm>
           <a:prstGeom prst="rect">
@@ -5073,10 +5185,10 @@
       </p:pic>
       <p:pic>
         <p:nvPicPr>
-          <p:cNvPr id="15" name="Рисунок 14">
+          <p:cNvPr id="8" name="Рисунок 7">
             <a:extLst>
               <a:ext uri="{FF2B5EF4-FFF2-40B4-BE49-F238E27FC236}">
-                <a16:creationId xmlns:a16="http://schemas.microsoft.com/office/drawing/2014/main" id="{9E97117B-85AD-57DE-E396-5CBEDAF360A3}"/>
+                <a16:creationId xmlns:a16="http://schemas.microsoft.com/office/drawing/2014/main" id="{7EB9893B-B59F-1DBB-2A3C-6D37606AB4BC}"/>
               </a:ext>
             </a:extLst>
           </p:cNvPr>
@@ -5093,7 +5205,7 @@
         </p:blipFill>
         <p:spPr>
           <a:xfrm>
-            <a:off x="1705030" y="947049"/>
+            <a:off x="1801489" y="1473987"/>
             <a:ext cx="3553321" cy="3677163"/>
           </a:xfrm>
           <a:prstGeom prst="rect">
@@ -5103,10 +5215,10 @@
       </p:pic>
       <p:sp>
         <p:nvSpPr>
-          <p:cNvPr id="16" name="TextBox 15">
+          <p:cNvPr id="9" name="TextBox 8">
             <a:extLst>
               <a:ext uri="{FF2B5EF4-FFF2-40B4-BE49-F238E27FC236}">
-                <a16:creationId xmlns:a16="http://schemas.microsoft.com/office/drawing/2014/main" id="{1354B076-F0CD-5DA3-D826-4E76350ABFF1}"/>
+                <a16:creationId xmlns:a16="http://schemas.microsoft.com/office/drawing/2014/main" id="{74C9E808-D317-2810-DBA1-6855562DDCEA}"/>
               </a:ext>
             </a:extLst>
           </p:cNvPr>
@@ -5115,8 +5227,8 @@
         </p:nvSpPr>
         <p:spPr>
           <a:xfrm>
-            <a:off x="4045962" y="3553429"/>
-            <a:ext cx="4461430" cy="2453832"/>
+            <a:off x="2763514" y="3898412"/>
+            <a:ext cx="6429080" cy="2400657"/>
           </a:xfrm>
           <a:prstGeom prst="rect">
             <a:avLst/>
@@ -5129,9 +5241,10 @@
           </a:bodyPr>
           <a:lstStyle/>
           <a:p>
+            <a:pPr algn="ctr"/>
             <a:r>
               <a:rPr lang="ru-RU" sz="3000" dirty="0"/>
-              <a:t>Мужик / не мужик </a:t>
+              <a:t>муж / жен </a:t>
             </a:r>
             <a:br>
               <a:rPr lang="ru-RU" sz="3000" dirty="0"/>
@@ -5145,7 +5258,14 @@
             </a:br>
             <a:r>
               <a:rPr lang="ru-RU" sz="3000" dirty="0"/>
-              <a:t>живой / не очень</a:t>
+              <a:t>живой / умер</a:t>
+            </a:r>
+          </a:p>
+          <a:p>
+            <a:pPr algn="ctr"/>
+            <a:r>
+              <a:rPr lang="ru-RU" sz="3000" dirty="0"/>
+              <a:t>вакцинирован / не вакцинирован </a:t>
             </a:r>
             <a:br>
               <a:rPr lang="ru-RU" sz="3000" dirty="0"/>
@@ -5160,7 +5280,7 @@
     </p:spTree>
     <p:extLst>
       <p:ext uri="{BB962C8B-B14F-4D97-AF65-F5344CB8AC3E}">
-        <p14:creationId xmlns:p14="http://schemas.microsoft.com/office/powerpoint/2010/main" val="2449203064"/>
+        <p14:creationId xmlns:p14="http://schemas.microsoft.com/office/powerpoint/2010/main" val="307608810"/>
       </p:ext>
     </p:extLst>
   </p:cSld>
@@ -5246,7 +5366,7 @@
                                           </p:stCondLst>
                                         </p:cTn>
                                         <p:tgtEl>
-                                          <p:spTgt spid="11"/>
+                                          <p:spTgt spid="6"/>
                                         </p:tgtEl>
                                         <p:attrNameLst>
                                           <p:attrName>style.visibility</p:attrName>
@@ -5291,7 +5411,7 @@
                                           </p:stCondLst>
                                         </p:cTn>
                                         <p:tgtEl>
-                                          <p:spTgt spid="13"/>
+                                          <p:spTgt spid="7"/>
                                         </p:tgtEl>
                                         <p:attrNameLst>
                                           <p:attrName>style.visibility</p:attrName>
@@ -5336,7 +5456,52 @@
                                           </p:stCondLst>
                                         </p:cTn>
                                         <p:tgtEl>
-                                          <p:spTgt spid="15"/>
+                                          <p:spTgt spid="8"/>
+                                        </p:tgtEl>
+                                        <p:attrNameLst>
+                                          <p:attrName>style.visibility</p:attrName>
+                                        </p:attrNameLst>
+                                      </p:cBhvr>
+                                      <p:to>
+                                        <p:strVal val="visible"/>
+                                      </p:to>
+                                    </p:set>
+                                  </p:childTnLst>
+                                </p:cTn>
+                              </p:par>
+                            </p:childTnLst>
+                          </p:cTn>
+                        </p:par>
+                      </p:childTnLst>
+                    </p:cTn>
+                  </p:par>
+                  <p:par>
+                    <p:cTn id="19" fill="hold">
+                      <p:stCondLst>
+                        <p:cond delay="indefinite"/>
+                      </p:stCondLst>
+                      <p:childTnLst>
+                        <p:par>
+                          <p:cTn id="20" fill="hold">
+                            <p:stCondLst>
+                              <p:cond delay="0"/>
+                            </p:stCondLst>
+                            <p:childTnLst>
+                              <p:par>
+                                <p:cTn id="21" presetID="1" presetClass="entr" presetSubtype="0" fill="hold" grpId="0" nodeType="clickEffect">
+                                  <p:stCondLst>
+                                    <p:cond delay="0"/>
+                                  </p:stCondLst>
+                                  <p:childTnLst>
+                                    <p:set>
+                                      <p:cBhvr>
+                                        <p:cTn id="22" dur="1" fill="hold">
+                                          <p:stCondLst>
+                                            <p:cond delay="0"/>
+                                          </p:stCondLst>
+                                        </p:cTn>
+                                        <p:tgtEl>
+                                          <p:spTgt spid="9"/>
                                         </p:tgtEl>
                                         <p:attrNameLst>
                                           <p:attrName>style.visibility</p:attrName>
@@ -5376,6 +5541,9 @@
         </p:cTn>
       </p:par>
     </p:tnLst>
+    <p:bldLst>
+      <p:bldP spid="9" grpId="0"/>
+    </p:bldLst>
   </p:timing>
 </p:sld>
 </file>
@@ -5479,7 +5647,7 @@
         </p:blipFill>
         <p:spPr>
           <a:xfrm>
-            <a:off x="1527196" y="369683"/>
+            <a:off x="1527196" y="351022"/>
             <a:ext cx="9137607" cy="5796432"/>
           </a:xfrm>
           <a:prstGeom prst="rect">
